--- a/SuSS/ANL252_Python_4_Biz/3_Lecturer/Lecture_2/ANL252_SU2_Jul2021 (MK edits).pptx
+++ b/SuSS/ANL252_Python_4_Biz/3_Lecturer/Lecture_2/ANL252_SU2_Jul2021 (MK edits).pptx
@@ -5,82 +5,83 @@
     <p:sldMasterId id="2147483648" r:id="rId4"/>
     <p:sldMasterId id="2147483660" r:id="rId5"/>
     <p:sldMasterId id="2147483663" r:id="rId6"/>
+    <p:sldMasterId id="2147483683" r:id="rId7"/>
   </p:sldMasterIdLst>
   <p:notesMasterIdLst>
-    <p:notesMasterId r:id="rId70"/>
+    <p:notesMasterId r:id="rId71"/>
   </p:notesMasterIdLst>
   <p:handoutMasterIdLst>
-    <p:handoutMasterId r:id="rId71"/>
+    <p:handoutMasterId r:id="rId72"/>
   </p:handoutMasterIdLst>
   <p:sldIdLst>
-    <p:sldId id="396" r:id="rId7"/>
-    <p:sldId id="397" r:id="rId8"/>
-    <p:sldId id="398" r:id="rId9"/>
-    <p:sldId id="337" r:id="rId10"/>
-    <p:sldId id="257" r:id="rId11"/>
-    <p:sldId id="277" r:id="rId12"/>
-    <p:sldId id="280" r:id="rId13"/>
-    <p:sldId id="384" r:id="rId14"/>
-    <p:sldId id="385" r:id="rId15"/>
-    <p:sldId id="284" r:id="rId16"/>
-    <p:sldId id="289" r:id="rId17"/>
-    <p:sldId id="292" r:id="rId18"/>
-    <p:sldId id="373" r:id="rId19"/>
-    <p:sldId id="268" r:id="rId20"/>
-    <p:sldId id="339" r:id="rId21"/>
-    <p:sldId id="340" r:id="rId22"/>
-    <p:sldId id="341" r:id="rId23"/>
-    <p:sldId id="342" r:id="rId24"/>
-    <p:sldId id="386" r:id="rId25"/>
-    <p:sldId id="298" r:id="rId26"/>
-    <p:sldId id="387" r:id="rId27"/>
-    <p:sldId id="301" r:id="rId28"/>
-    <p:sldId id="389" r:id="rId29"/>
-    <p:sldId id="304" r:id="rId30"/>
-    <p:sldId id="309" r:id="rId31"/>
-    <p:sldId id="379" r:id="rId32"/>
-    <p:sldId id="343" r:id="rId33"/>
-    <p:sldId id="344" r:id="rId34"/>
-    <p:sldId id="346" r:id="rId35"/>
-    <p:sldId id="391" r:id="rId36"/>
-    <p:sldId id="347" r:id="rId37"/>
-    <p:sldId id="392" r:id="rId38"/>
-    <p:sldId id="320" r:id="rId39"/>
-    <p:sldId id="393" r:id="rId40"/>
-    <p:sldId id="321" r:id="rId41"/>
-    <p:sldId id="394" r:id="rId42"/>
-    <p:sldId id="322" r:id="rId43"/>
-    <p:sldId id="395" r:id="rId44"/>
-    <p:sldId id="323" r:id="rId45"/>
-    <p:sldId id="324" r:id="rId46"/>
-    <p:sldId id="380" r:id="rId47"/>
-    <p:sldId id="348" r:id="rId48"/>
-    <p:sldId id="349" r:id="rId49"/>
-    <p:sldId id="351" r:id="rId50"/>
-    <p:sldId id="333" r:id="rId51"/>
-    <p:sldId id="334" r:id="rId52"/>
-    <p:sldId id="381" r:id="rId53"/>
-    <p:sldId id="354" r:id="rId54"/>
-    <p:sldId id="355" r:id="rId55"/>
-    <p:sldId id="357" r:id="rId56"/>
-    <p:sldId id="358" r:id="rId57"/>
-    <p:sldId id="332" r:id="rId58"/>
-    <p:sldId id="382" r:id="rId59"/>
-    <p:sldId id="360" r:id="rId60"/>
-    <p:sldId id="361" r:id="rId61"/>
-    <p:sldId id="363" r:id="rId62"/>
-    <p:sldId id="335" r:id="rId63"/>
-    <p:sldId id="336" r:id="rId64"/>
-    <p:sldId id="366" r:id="rId65"/>
-    <p:sldId id="369" r:id="rId66"/>
-    <p:sldId id="370" r:id="rId67"/>
-    <p:sldId id="383" r:id="rId68"/>
-    <p:sldId id="372" r:id="rId69"/>
+    <p:sldId id="399" r:id="rId8"/>
+    <p:sldId id="397" r:id="rId9"/>
+    <p:sldId id="398" r:id="rId10"/>
+    <p:sldId id="337" r:id="rId11"/>
+    <p:sldId id="257" r:id="rId12"/>
+    <p:sldId id="277" r:id="rId13"/>
+    <p:sldId id="280" r:id="rId14"/>
+    <p:sldId id="384" r:id="rId15"/>
+    <p:sldId id="385" r:id="rId16"/>
+    <p:sldId id="284" r:id="rId17"/>
+    <p:sldId id="289" r:id="rId18"/>
+    <p:sldId id="292" r:id="rId19"/>
+    <p:sldId id="373" r:id="rId20"/>
+    <p:sldId id="268" r:id="rId21"/>
+    <p:sldId id="339" r:id="rId22"/>
+    <p:sldId id="340" r:id="rId23"/>
+    <p:sldId id="341" r:id="rId24"/>
+    <p:sldId id="342" r:id="rId25"/>
+    <p:sldId id="386" r:id="rId26"/>
+    <p:sldId id="298" r:id="rId27"/>
+    <p:sldId id="387" r:id="rId28"/>
+    <p:sldId id="301" r:id="rId29"/>
+    <p:sldId id="389" r:id="rId30"/>
+    <p:sldId id="304" r:id="rId31"/>
+    <p:sldId id="309" r:id="rId32"/>
+    <p:sldId id="379" r:id="rId33"/>
+    <p:sldId id="343" r:id="rId34"/>
+    <p:sldId id="344" r:id="rId35"/>
+    <p:sldId id="346" r:id="rId36"/>
+    <p:sldId id="391" r:id="rId37"/>
+    <p:sldId id="347" r:id="rId38"/>
+    <p:sldId id="392" r:id="rId39"/>
+    <p:sldId id="320" r:id="rId40"/>
+    <p:sldId id="393" r:id="rId41"/>
+    <p:sldId id="321" r:id="rId42"/>
+    <p:sldId id="394" r:id="rId43"/>
+    <p:sldId id="322" r:id="rId44"/>
+    <p:sldId id="395" r:id="rId45"/>
+    <p:sldId id="323" r:id="rId46"/>
+    <p:sldId id="324" r:id="rId47"/>
+    <p:sldId id="380" r:id="rId48"/>
+    <p:sldId id="348" r:id="rId49"/>
+    <p:sldId id="349" r:id="rId50"/>
+    <p:sldId id="351" r:id="rId51"/>
+    <p:sldId id="333" r:id="rId52"/>
+    <p:sldId id="334" r:id="rId53"/>
+    <p:sldId id="381" r:id="rId54"/>
+    <p:sldId id="354" r:id="rId55"/>
+    <p:sldId id="355" r:id="rId56"/>
+    <p:sldId id="357" r:id="rId57"/>
+    <p:sldId id="358" r:id="rId58"/>
+    <p:sldId id="332" r:id="rId59"/>
+    <p:sldId id="382" r:id="rId60"/>
+    <p:sldId id="360" r:id="rId61"/>
+    <p:sldId id="361" r:id="rId62"/>
+    <p:sldId id="363" r:id="rId63"/>
+    <p:sldId id="335" r:id="rId64"/>
+    <p:sldId id="336" r:id="rId65"/>
+    <p:sldId id="366" r:id="rId66"/>
+    <p:sldId id="369" r:id="rId67"/>
+    <p:sldId id="370" r:id="rId68"/>
+    <p:sldId id="383" r:id="rId69"/>
+    <p:sldId id="372" r:id="rId70"/>
   </p:sldIdLst>
   <p:sldSz cx="9144000" cy="6858000" type="screen4x3"/>
   <p:notesSz cx="6858000" cy="9144000"/>
   <p:custDataLst>
-    <p:tags r:id="rId72"/>
+    <p:tags r:id="rId73"/>
   </p:custDataLst>
   <p:defaultTextStyle>
     <a:defPPr>
@@ -182,7 +183,7 @@
       <p14:sectionLst xmlns:p14="http://schemas.microsoft.com/office/powerpoint/2010/main">
         <p14:section name="Intro" id="{3E97A5BB-01B9-4B17-B6F7-E19A2D036982}">
           <p14:sldIdLst>
-            <p14:sldId id="396"/>
+            <p14:sldId id="399"/>
             <p14:sldId id="397"/>
             <p14:sldId id="398"/>
           </p14:sldIdLst>
@@ -9783,7 +9784,7 @@
           <p:cNvPr id="6" name="Title 1">
             <a:extLst>
               <a:ext uri="{FF2B5EF4-FFF2-40B4-BE49-F238E27FC236}">
-                <a16:creationId xmlns:a16="http://schemas.microsoft.com/office/drawing/2014/main" id="{68CF854E-20CB-4ED7-8722-FCA536D762F6}"/>
+                <a16:creationId xmlns:a16="http://schemas.microsoft.com/office/drawing/2014/main" xmlns="" id="{68CF854E-20CB-4ED7-8722-FCA536D762F6}"/>
               </a:ext>
             </a:extLst>
           </p:cNvPr>
@@ -9824,7 +9825,7 @@
           <p:cNvPr id="9" name="Picture 8" descr="holding device-02.png">
             <a:extLst>
               <a:ext uri="{FF2B5EF4-FFF2-40B4-BE49-F238E27FC236}">
-                <a16:creationId xmlns:a16="http://schemas.microsoft.com/office/drawing/2014/main" id="{AA410A6D-8E37-40A0-B8CC-1C962083824E}"/>
+                <a16:creationId xmlns:a16="http://schemas.microsoft.com/office/drawing/2014/main" xmlns="" id="{AA410A6D-8E37-40A0-B8CC-1C962083824E}"/>
               </a:ext>
             </a:extLst>
           </p:cNvPr>
@@ -9859,7 +9860,7 @@
           <p:cNvPr id="10" name="Subtitle 2">
             <a:extLst>
               <a:ext uri="{FF2B5EF4-FFF2-40B4-BE49-F238E27FC236}">
-                <a16:creationId xmlns:a16="http://schemas.microsoft.com/office/drawing/2014/main" id="{2BD45AE7-ECF6-4289-BFAE-B988AB3AD28C}"/>
+                <a16:creationId xmlns:a16="http://schemas.microsoft.com/office/drawing/2014/main" xmlns="" id="{2BD45AE7-ECF6-4289-BFAE-B988AB3AD28C}"/>
               </a:ext>
             </a:extLst>
           </p:cNvPr>
@@ -9983,7 +9984,7 @@
           <p:cNvPr id="5" name="TextBox 2">
             <a:extLst>
               <a:ext uri="{FF2B5EF4-FFF2-40B4-BE49-F238E27FC236}">
-                <a16:creationId xmlns:a16="http://schemas.microsoft.com/office/drawing/2014/main" id="{F1E37139-96F0-452A-889E-7BC6FD1F677F}"/>
+                <a16:creationId xmlns:a16="http://schemas.microsoft.com/office/drawing/2014/main" xmlns="" id="{F1E37139-96F0-452A-889E-7BC6FD1F677F}"/>
               </a:ext>
             </a:extLst>
           </p:cNvPr>
@@ -10134,96 +10135,6 @@
 </file>
 
 <file path=ppt/slideLayouts/slideLayout10.xml><?xml version="1.0" encoding="utf-8"?>
-<p:sldLayout xmlns:a="http://schemas.openxmlformats.org/drawingml/2006/main" xmlns:r="http://schemas.openxmlformats.org/officeDocument/2006/relationships" xmlns:p="http://schemas.openxmlformats.org/presentationml/2006/main" preserve="1" userDrawn="1">
-  <p:cSld name="2_Title Slide 01">
-    <p:spTree>
-      <p:nvGrpSpPr>
-        <p:cNvPr id="1" name=""/>
-        <p:cNvGrpSpPr/>
-        <p:nvPr/>
-      </p:nvGrpSpPr>
-      <p:grpSpPr>
-        <a:xfrm>
-          <a:off x="0" y="0"/>
-          <a:ext cx="0" cy="0"/>
-          <a:chOff x="0" y="0"/>
-          <a:chExt cx="0" cy="0"/>
-        </a:xfrm>
-      </p:grpSpPr>
-      <p:pic>
-        <p:nvPicPr>
-          <p:cNvPr id="5" name="Picture 4" descr="Template01-01.png"/>
-          <p:cNvPicPr>
-            <a:picLocks noChangeAspect="1"/>
-          </p:cNvPicPr>
-          <p:nvPr userDrawn="1"/>
-        </p:nvPicPr>
-        <p:blipFill>
-          <a:blip r:embed="rId2" cstate="screen">
-            <a:extLst>
-              <a:ext uri="{28A0092B-C50C-407E-A947-70E740481C1C}">
-                <a14:useLocalDpi xmlns:a14="http://schemas.microsoft.com/office/drawing/2010/main"/>
-              </a:ext>
-            </a:extLst>
-          </a:blip>
-          <a:stretch>
-            <a:fillRect/>
-          </a:stretch>
-        </p:blipFill>
-        <p:spPr>
-          <a:xfrm>
-            <a:off x="0" y="1"/>
-            <a:ext cx="9144000" cy="6851703"/>
-          </a:xfrm>
-          <a:prstGeom prst="rect">
-            <a:avLst/>
-          </a:prstGeom>
-        </p:spPr>
-      </p:pic>
-      <p:pic>
-        <p:nvPicPr>
-          <p:cNvPr id="9" name="Picture 8" descr="01 Singapore University of Social Sciences_Horizontal Format_Version A_White Background_RGB.png"/>
-          <p:cNvPicPr>
-            <a:picLocks noChangeAspect="1"/>
-          </p:cNvPicPr>
-          <p:nvPr userDrawn="1"/>
-        </p:nvPicPr>
-        <p:blipFill>
-          <a:blip r:embed="rId3" cstate="screen">
-            <a:extLst>
-              <a:ext uri="{28A0092B-C50C-407E-A947-70E740481C1C}">
-                <a14:useLocalDpi xmlns:a14="http://schemas.microsoft.com/office/drawing/2010/main"/>
-              </a:ext>
-            </a:extLst>
-          </a:blip>
-          <a:stretch>
-            <a:fillRect/>
-          </a:stretch>
-        </p:blipFill>
-        <p:spPr>
-          <a:xfrm>
-            <a:off x="3352956" y="2616969"/>
-            <a:ext cx="2438090" cy="1647099"/>
-          </a:xfrm>
-          <a:prstGeom prst="rect">
-            <a:avLst/>
-          </a:prstGeom>
-        </p:spPr>
-      </p:pic>
-    </p:spTree>
-    <p:extLst>
-      <p:ext uri="{BB962C8B-B14F-4D97-AF65-F5344CB8AC3E}">
-        <p14:creationId xmlns:p14="http://schemas.microsoft.com/office/powerpoint/2010/main" val="1269925330"/>
-      </p:ext>
-    </p:extLst>
-  </p:cSld>
-  <p:clrMapOvr>
-    <a:masterClrMapping/>
-  </p:clrMapOvr>
-</p:sldLayout>
-</file>
-
-<file path=ppt/slideLayouts/slideLayout11.xml><?xml version="1.0" encoding="utf-8"?>
 <p:sldLayout xmlns:a="http://schemas.openxmlformats.org/drawingml/2006/main" xmlns:r="http://schemas.openxmlformats.org/officeDocument/2006/relationships" xmlns:p="http://schemas.openxmlformats.org/presentationml/2006/main" type="title" preserve="1">
   <p:cSld name="Title Slide 01">
     <p:spTree>
@@ -10571,7 +10482,7 @@
 </p:sldLayout>
 </file>
 
-<file path=ppt/slideLayouts/slideLayout12.xml><?xml version="1.0" encoding="utf-8"?>
+<file path=ppt/slideLayouts/slideLayout11.xml><?xml version="1.0" encoding="utf-8"?>
 <p:sldLayout xmlns:a="http://schemas.openxmlformats.org/drawingml/2006/main" xmlns:r="http://schemas.openxmlformats.org/officeDocument/2006/relationships" xmlns:p="http://schemas.openxmlformats.org/presentationml/2006/main" type="title" preserve="1">
   <p:cSld name="1_Title Slide 01">
     <p:spTree>
@@ -10890,7 +10801,7 @@
 </p:sldLayout>
 </file>
 
-<file path=ppt/slideLayouts/slideLayout13.xml><?xml version="1.0" encoding="utf-8"?>
+<file path=ppt/slideLayouts/slideLayout12.xml><?xml version="1.0" encoding="utf-8"?>
 <p:sldLayout xmlns:a="http://schemas.openxmlformats.org/drawingml/2006/main" xmlns:r="http://schemas.openxmlformats.org/officeDocument/2006/relationships" xmlns:p="http://schemas.openxmlformats.org/presentationml/2006/main" preserve="1" userDrawn="1">
   <p:cSld name="Title Slide 3">
     <p:spTree>
@@ -11141,7 +11052,7 @@
 </p:sldLayout>
 </file>
 
-<file path=ppt/slideLayouts/slideLayout14.xml><?xml version="1.0" encoding="utf-8"?>
+<file path=ppt/slideLayouts/slideLayout13.xml><?xml version="1.0" encoding="utf-8"?>
 <p:sldLayout xmlns:a="http://schemas.openxmlformats.org/drawingml/2006/main" xmlns:r="http://schemas.openxmlformats.org/officeDocument/2006/relationships" xmlns:p="http://schemas.openxmlformats.org/presentationml/2006/main" preserve="1" userDrawn="1">
   <p:cSld name="Section Divider">
     <p:spTree>
@@ -11489,7 +11400,7 @@
 </p:sldLayout>
 </file>
 
-<file path=ppt/slideLayouts/slideLayout15.xml><?xml version="1.0" encoding="utf-8"?>
+<file path=ppt/slideLayouts/slideLayout14.xml><?xml version="1.0" encoding="utf-8"?>
 <p:sldLayout xmlns:a="http://schemas.openxmlformats.org/drawingml/2006/main" xmlns:r="http://schemas.openxmlformats.org/officeDocument/2006/relationships" xmlns:p="http://schemas.openxmlformats.org/presentationml/2006/main" preserve="1" userDrawn="1">
   <p:cSld name="1_Section Divider">
     <p:spTree>
@@ -11837,7 +11748,7 @@
 </p:sldLayout>
 </file>
 
-<file path=ppt/slideLayouts/slideLayout16.xml><?xml version="1.0" encoding="utf-8"?>
+<file path=ppt/slideLayouts/slideLayout15.xml><?xml version="1.0" encoding="utf-8"?>
 <p:sldLayout xmlns:a="http://schemas.openxmlformats.org/drawingml/2006/main" xmlns:r="http://schemas.openxmlformats.org/officeDocument/2006/relationships" xmlns:p="http://schemas.openxmlformats.org/presentationml/2006/main" preserve="1" userDrawn="1">
   <p:cSld name="3_Section Divider">
     <p:spTree>
@@ -12156,7 +12067,7 @@
 </p:sldLayout>
 </file>
 
-<file path=ppt/slideLayouts/slideLayout17.xml><?xml version="1.0" encoding="utf-8"?>
+<file path=ppt/slideLayouts/slideLayout16.xml><?xml version="1.0" encoding="utf-8"?>
 <p:sldLayout xmlns:a="http://schemas.openxmlformats.org/drawingml/2006/main" xmlns:r="http://schemas.openxmlformats.org/officeDocument/2006/relationships" xmlns:p="http://schemas.openxmlformats.org/presentationml/2006/main" preserve="1" userDrawn="1">
   <p:cSld name="4_Section Divider">
     <p:spTree>
@@ -12475,7 +12386,7 @@
 </p:sldLayout>
 </file>
 
-<file path=ppt/slideLayouts/slideLayout18.xml><?xml version="1.0" encoding="utf-8"?>
+<file path=ppt/slideLayouts/slideLayout17.xml><?xml version="1.0" encoding="utf-8"?>
 <p:sldLayout xmlns:a="http://schemas.openxmlformats.org/drawingml/2006/main" xmlns:r="http://schemas.openxmlformats.org/officeDocument/2006/relationships" xmlns:p="http://schemas.openxmlformats.org/presentationml/2006/main" preserve="1" userDrawn="1">
   <p:cSld name="6_Section Divider">
     <p:spTree>
@@ -12726,7 +12637,7 @@
 </p:sldLayout>
 </file>
 
-<file path=ppt/slideLayouts/slideLayout19.xml><?xml version="1.0" encoding="utf-8"?>
+<file path=ppt/slideLayouts/slideLayout18.xml><?xml version="1.0" encoding="utf-8"?>
 <p:sldLayout xmlns:a="http://schemas.openxmlformats.org/drawingml/2006/main" xmlns:r="http://schemas.openxmlformats.org/officeDocument/2006/relationships" xmlns:p="http://schemas.openxmlformats.org/presentationml/2006/main" preserve="1" userDrawn="1">
   <p:cSld name="2_Title and Content">
     <p:spTree>
@@ -13266,384 +13177,7 @@
 </p:sldLayout>
 </file>
 
-<file path=ppt/slideLayouts/slideLayout2.xml><?xml version="1.0" encoding="utf-8"?>
-<p:sldLayout xmlns:a="http://schemas.openxmlformats.org/drawingml/2006/main" xmlns:r="http://schemas.openxmlformats.org/officeDocument/2006/relationships" xmlns:p="http://schemas.openxmlformats.org/presentationml/2006/main" preserve="1" userDrawn="1">
-  <p:cSld name="Title and Content Numbered List">
-    <p:spTree>
-      <p:nvGrpSpPr>
-        <p:cNvPr id="1" name=""/>
-        <p:cNvGrpSpPr/>
-        <p:nvPr/>
-      </p:nvGrpSpPr>
-      <p:grpSpPr>
-        <a:xfrm>
-          <a:off x="0" y="0"/>
-          <a:ext cx="0" cy="0"/>
-          <a:chOff x="0" y="0"/>
-          <a:chExt cx="0" cy="0"/>
-        </a:xfrm>
-      </p:grpSpPr>
-      <p:pic>
-        <p:nvPicPr>
-          <p:cNvPr id="7" name="Picture 6" descr="holding device-02.png">
-            <a:extLst>
-              <a:ext uri="{FF2B5EF4-FFF2-40B4-BE49-F238E27FC236}">
-                <a16:creationId xmlns:a16="http://schemas.microsoft.com/office/drawing/2014/main" id="{77683DCF-304F-4543-AC23-5629F576D64C}"/>
-              </a:ext>
-            </a:extLst>
-          </p:cNvPr>
-          <p:cNvPicPr>
-            <a:picLocks noChangeAspect="1"/>
-          </p:cNvPicPr>
-          <p:nvPr userDrawn="1"/>
-        </p:nvPicPr>
-        <p:blipFill rotWithShape="1">
-          <a:blip r:embed="rId3" cstate="screen">
-            <a:extLst>
-              <a:ext uri="{28A0092B-C50C-407E-A947-70E740481C1C}">
-                <a14:useLocalDpi xmlns:a14="http://schemas.microsoft.com/office/drawing/2010/main"/>
-              </a:ext>
-            </a:extLst>
-          </a:blip>
-          <a:srcRect/>
-          <a:stretch/>
-        </p:blipFill>
-        <p:spPr>
-          <a:xfrm>
-            <a:off x="348471" y="-1"/>
-            <a:ext cx="143662" cy="1219200"/>
-          </a:xfrm>
-          <a:prstGeom prst="rect">
-            <a:avLst/>
-          </a:prstGeom>
-        </p:spPr>
-      </p:pic>
-      <p:sp>
-        <p:nvSpPr>
-          <p:cNvPr id="8" name="Subtitle 2">
-            <a:extLst>
-              <a:ext uri="{FF2B5EF4-FFF2-40B4-BE49-F238E27FC236}">
-                <a16:creationId xmlns:a16="http://schemas.microsoft.com/office/drawing/2014/main" id="{E17BF815-5C07-4BFA-9409-344E12682DF8}"/>
-              </a:ext>
-            </a:extLst>
-          </p:cNvPr>
-          <p:cNvSpPr>
-            <a:spLocks noGrp="1"/>
-          </p:cNvSpPr>
-          <p:nvPr>
-            <p:ph type="subTitle" idx="1"/>
-          </p:nvPr>
-        </p:nvSpPr>
-        <p:spPr>
-          <a:xfrm>
-            <a:off x="492133" y="1256579"/>
-            <a:ext cx="8468334" cy="3012503"/>
-          </a:xfrm>
-        </p:spPr>
-        <p:txBody>
-          <a:bodyPr>
-            <a:normAutofit/>
-          </a:bodyPr>
-          <a:lstStyle>
-            <a:lvl1pPr marL="0" indent="0" algn="l">
-              <a:buNone/>
-              <a:defRPr sz="2000">
-                <a:solidFill>
-                  <a:schemeClr val="tx1"/>
-                </a:solidFill>
-              </a:defRPr>
-            </a:lvl1pPr>
-            <a:lvl2pPr marL="457200" indent="0" algn="ctr">
-              <a:buNone/>
-              <a:defRPr>
-                <a:solidFill>
-                  <a:schemeClr val="tx1">
-                    <a:tint val="75000"/>
-                  </a:schemeClr>
-                </a:solidFill>
-              </a:defRPr>
-            </a:lvl2pPr>
-            <a:lvl3pPr marL="914400" indent="0" algn="ctr">
-              <a:buNone/>
-              <a:defRPr>
-                <a:solidFill>
-                  <a:schemeClr val="tx1">
-                    <a:tint val="75000"/>
-                  </a:schemeClr>
-                </a:solidFill>
-              </a:defRPr>
-            </a:lvl3pPr>
-            <a:lvl4pPr marL="1371600" indent="0" algn="ctr">
-              <a:buNone/>
-              <a:defRPr>
-                <a:solidFill>
-                  <a:schemeClr val="tx1">
-                    <a:tint val="75000"/>
-                  </a:schemeClr>
-                </a:solidFill>
-              </a:defRPr>
-            </a:lvl4pPr>
-            <a:lvl5pPr marL="1828800" indent="0" algn="ctr">
-              <a:buNone/>
-              <a:defRPr>
-                <a:solidFill>
-                  <a:schemeClr val="tx1">
-                    <a:tint val="75000"/>
-                  </a:schemeClr>
-                </a:solidFill>
-              </a:defRPr>
-            </a:lvl5pPr>
-            <a:lvl6pPr marL="2286000" indent="0" algn="ctr">
-              <a:buNone/>
-              <a:defRPr>
-                <a:solidFill>
-                  <a:schemeClr val="tx1">
-                    <a:tint val="75000"/>
-                  </a:schemeClr>
-                </a:solidFill>
-              </a:defRPr>
-            </a:lvl6pPr>
-            <a:lvl7pPr marL="2743200" indent="0" algn="ctr">
-              <a:buNone/>
-              <a:defRPr>
-                <a:solidFill>
-                  <a:schemeClr val="tx1">
-                    <a:tint val="75000"/>
-                  </a:schemeClr>
-                </a:solidFill>
-              </a:defRPr>
-            </a:lvl7pPr>
-            <a:lvl8pPr marL="3200400" indent="0" algn="ctr">
-              <a:buNone/>
-              <a:defRPr>
-                <a:solidFill>
-                  <a:schemeClr val="tx1">
-                    <a:tint val="75000"/>
-                  </a:schemeClr>
-                </a:solidFill>
-              </a:defRPr>
-            </a:lvl8pPr>
-            <a:lvl9pPr marL="3657600" indent="0" algn="ctr">
-              <a:buNone/>
-              <a:defRPr>
-                <a:solidFill>
-                  <a:schemeClr val="tx1">
-                    <a:tint val="75000"/>
-                  </a:schemeClr>
-                </a:solidFill>
-              </a:defRPr>
-            </a:lvl9pPr>
-          </a:lstStyle>
-          <a:p>
-            <a:r>
-              <a:rPr lang="en-US" dirty="0"/>
-              <a:t>Click to edit Master subtitle style</a:t>
-            </a:r>
-          </a:p>
-        </p:txBody>
-      </p:sp>
-      <p:sp>
-        <p:nvSpPr>
-          <p:cNvPr id="6" name="TextBox 2">
-            <a:extLst>
-              <a:ext uri="{FF2B5EF4-FFF2-40B4-BE49-F238E27FC236}">
-                <a16:creationId xmlns:a16="http://schemas.microsoft.com/office/drawing/2014/main" id="{F1E37139-96F0-452A-889E-7BC6FD1F677F}"/>
-              </a:ext>
-            </a:extLst>
-          </p:cNvPr>
-          <p:cNvSpPr txBox="1"/>
-          <p:nvPr userDrawn="1"/>
-        </p:nvSpPr>
-        <p:spPr>
-          <a:xfrm>
-            <a:off x="7893170" y="6366294"/>
-            <a:ext cx="1250830" cy="491706"/>
-          </a:xfrm>
-          <a:prstGeom prst="rect">
-            <a:avLst/>
-          </a:prstGeom>
-          <a:noFill/>
-        </p:spPr>
-        <p:txBody>
-          <a:bodyPr wrap="none" rtlCol="0" anchor="b">
-            <a:noAutofit/>
-          </a:bodyPr>
-          <a:lstStyle>
-            <a:defPPr>
-              <a:defRPr lang="en-US"/>
-            </a:defPPr>
-            <a:lvl1pPr marL="0" algn="l" defTabSz="914400" rtl="0" eaLnBrk="1" latinLnBrk="0" hangingPunct="1">
-              <a:defRPr sz="1800" kern="1200">
-                <a:solidFill>
-                  <a:schemeClr val="tx1"/>
-                </a:solidFill>
-                <a:latin typeface="+mn-lt"/>
-                <a:ea typeface="+mn-ea"/>
-                <a:cs typeface="+mn-cs"/>
-              </a:defRPr>
-            </a:lvl1pPr>
-            <a:lvl2pPr marL="457200" algn="l" defTabSz="914400" rtl="0" eaLnBrk="1" latinLnBrk="0" hangingPunct="1">
-              <a:defRPr sz="1800" kern="1200">
-                <a:solidFill>
-                  <a:schemeClr val="tx1"/>
-                </a:solidFill>
-                <a:latin typeface="+mn-lt"/>
-                <a:ea typeface="+mn-ea"/>
-                <a:cs typeface="+mn-cs"/>
-              </a:defRPr>
-            </a:lvl2pPr>
-            <a:lvl3pPr marL="914400" algn="l" defTabSz="914400" rtl="0" eaLnBrk="1" latinLnBrk="0" hangingPunct="1">
-              <a:defRPr sz="1800" kern="1200">
-                <a:solidFill>
-                  <a:schemeClr val="tx1"/>
-                </a:solidFill>
-                <a:latin typeface="+mn-lt"/>
-                <a:ea typeface="+mn-ea"/>
-                <a:cs typeface="+mn-cs"/>
-              </a:defRPr>
-            </a:lvl3pPr>
-            <a:lvl4pPr marL="1371600" algn="l" defTabSz="914400" rtl="0" eaLnBrk="1" latinLnBrk="0" hangingPunct="1">
-              <a:defRPr sz="1800" kern="1200">
-                <a:solidFill>
-                  <a:schemeClr val="tx1"/>
-                </a:solidFill>
-                <a:latin typeface="+mn-lt"/>
-                <a:ea typeface="+mn-ea"/>
-                <a:cs typeface="+mn-cs"/>
-              </a:defRPr>
-            </a:lvl4pPr>
-            <a:lvl5pPr marL="1828800" algn="l" defTabSz="914400" rtl="0" eaLnBrk="1" latinLnBrk="0" hangingPunct="1">
-              <a:defRPr sz="1800" kern="1200">
-                <a:solidFill>
-                  <a:schemeClr val="tx1"/>
-                </a:solidFill>
-                <a:latin typeface="+mn-lt"/>
-                <a:ea typeface="+mn-ea"/>
-                <a:cs typeface="+mn-cs"/>
-              </a:defRPr>
-            </a:lvl5pPr>
-            <a:lvl6pPr marL="2286000" algn="l" defTabSz="914400" rtl="0" eaLnBrk="1" latinLnBrk="0" hangingPunct="1">
-              <a:defRPr sz="1800" kern="1200">
-                <a:solidFill>
-                  <a:schemeClr val="tx1"/>
-                </a:solidFill>
-                <a:latin typeface="+mn-lt"/>
-                <a:ea typeface="+mn-ea"/>
-                <a:cs typeface="+mn-cs"/>
-              </a:defRPr>
-            </a:lvl6pPr>
-            <a:lvl7pPr marL="2743200" algn="l" defTabSz="914400" rtl="0" eaLnBrk="1" latinLnBrk="0" hangingPunct="1">
-              <a:defRPr sz="1800" kern="1200">
-                <a:solidFill>
-                  <a:schemeClr val="tx1"/>
-                </a:solidFill>
-                <a:latin typeface="+mn-lt"/>
-                <a:ea typeface="+mn-ea"/>
-                <a:cs typeface="+mn-cs"/>
-              </a:defRPr>
-            </a:lvl7pPr>
-            <a:lvl8pPr marL="3200400" algn="l" defTabSz="914400" rtl="0" eaLnBrk="1" latinLnBrk="0" hangingPunct="1">
-              <a:defRPr sz="1800" kern="1200">
-                <a:solidFill>
-                  <a:schemeClr val="tx1"/>
-                </a:solidFill>
-                <a:latin typeface="+mn-lt"/>
-                <a:ea typeface="+mn-ea"/>
-                <a:cs typeface="+mn-cs"/>
-              </a:defRPr>
-            </a:lvl8pPr>
-            <a:lvl9pPr marL="3657600" algn="l" defTabSz="914400" rtl="0" eaLnBrk="1" latinLnBrk="0" hangingPunct="1">
-              <a:defRPr sz="1800" kern="1200">
-                <a:solidFill>
-                  <a:schemeClr val="tx1"/>
-                </a:solidFill>
-                <a:latin typeface="+mn-lt"/>
-                <a:ea typeface="+mn-ea"/>
-                <a:cs typeface="+mn-cs"/>
-              </a:defRPr>
-            </a:lvl9pPr>
-          </a:lstStyle>
-          <a:p>
-            <a:pPr algn="r"/>
-            <a:fld id="{80210C1F-565F-4EF7-BF6D-830115892A1B}" type="slidenum">
-              <a:rPr lang="en-SG" sz="2000" smtClean="0">
-                <a:solidFill>
-                  <a:schemeClr val="tx1"/>
-                </a:solidFill>
-                <a:latin typeface="+mn-lt"/>
-              </a:rPr>
-              <a:t>‹#›</a:t>
-            </a:fld>
-            <a:r>
-              <a:rPr lang="en-SG" sz="2000" dirty="0">
-                <a:solidFill>
-                  <a:schemeClr val="tx1"/>
-                </a:solidFill>
-                <a:latin typeface="+mn-lt"/>
-              </a:rPr>
-              <a:t>/60</a:t>
-            </a:r>
-          </a:p>
-        </p:txBody>
-      </p:sp>
-      <p:sp>
-        <p:nvSpPr>
-          <p:cNvPr id="9" name="Title 1">
-            <a:extLst>
-              <a:ext uri="{FF2B5EF4-FFF2-40B4-BE49-F238E27FC236}">
-                <a16:creationId xmlns:a16="http://schemas.microsoft.com/office/drawing/2014/main" id="{C7257139-A143-42E8-82D5-56F89639B5CE}"/>
-              </a:ext>
-            </a:extLst>
-          </p:cNvPr>
-          <p:cNvSpPr>
-            <a:spLocks noGrp="1"/>
-          </p:cNvSpPr>
-          <p:nvPr>
-            <p:ph type="title" hasCustomPrompt="1"/>
-          </p:nvPr>
-        </p:nvSpPr>
-        <p:spPr>
-          <a:xfrm>
-            <a:off x="586596" y="-1"/>
-            <a:ext cx="8100204" cy="838800"/>
-          </a:xfrm>
-        </p:spPr>
-        <p:txBody>
-          <a:bodyPr/>
-          <a:lstStyle>
-            <a:lvl1pPr algn="l">
-              <a:defRPr sz="4000">
-                <a:solidFill>
-                  <a:schemeClr val="tx1"/>
-                </a:solidFill>
-              </a:defRPr>
-            </a:lvl1pPr>
-          </a:lstStyle>
-          <a:p>
-            <a:r>
-              <a:rPr lang="en-US" dirty="0"/>
-              <a:t>Presentation Title</a:t>
-            </a:r>
-          </a:p>
-        </p:txBody>
-      </p:sp>
-    </p:spTree>
-    <p:custDataLst>
-      <p:tags r:id="rId1"/>
-    </p:custDataLst>
-    <p:extLst>
-      <p:ext uri="{BB962C8B-B14F-4D97-AF65-F5344CB8AC3E}">
-        <p14:creationId xmlns:p14="http://schemas.microsoft.com/office/powerpoint/2010/main" val="2142037728"/>
-      </p:ext>
-    </p:extLst>
-  </p:cSld>
-  <p:clrMapOvr>
-    <a:masterClrMapping/>
-  </p:clrMapOvr>
-</p:sldLayout>
-</file>
-
-<file path=ppt/slideLayouts/slideLayout20.xml><?xml version="1.0" encoding="utf-8"?>
+<file path=ppt/slideLayouts/slideLayout19.xml><?xml version="1.0" encoding="utf-8"?>
 <p:sldLayout xmlns:a="http://schemas.openxmlformats.org/drawingml/2006/main" xmlns:r="http://schemas.openxmlformats.org/officeDocument/2006/relationships" xmlns:p="http://schemas.openxmlformats.org/presentationml/2006/main" preserve="1" userDrawn="1">
   <p:cSld name="Title and Content">
     <p:spTree>
@@ -14071,7 +13605,384 @@
 </p:sldLayout>
 </file>
 
-<file path=ppt/slideLayouts/slideLayout21.xml><?xml version="1.0" encoding="utf-8"?>
+<file path=ppt/slideLayouts/slideLayout2.xml><?xml version="1.0" encoding="utf-8"?>
+<p:sldLayout xmlns:a="http://schemas.openxmlformats.org/drawingml/2006/main" xmlns:r="http://schemas.openxmlformats.org/officeDocument/2006/relationships" xmlns:p="http://schemas.openxmlformats.org/presentationml/2006/main" preserve="1" userDrawn="1">
+  <p:cSld name="Title and Content Numbered List">
+    <p:spTree>
+      <p:nvGrpSpPr>
+        <p:cNvPr id="1" name=""/>
+        <p:cNvGrpSpPr/>
+        <p:nvPr/>
+      </p:nvGrpSpPr>
+      <p:grpSpPr>
+        <a:xfrm>
+          <a:off x="0" y="0"/>
+          <a:ext cx="0" cy="0"/>
+          <a:chOff x="0" y="0"/>
+          <a:chExt cx="0" cy="0"/>
+        </a:xfrm>
+      </p:grpSpPr>
+      <p:pic>
+        <p:nvPicPr>
+          <p:cNvPr id="7" name="Picture 6" descr="holding device-02.png">
+            <a:extLst>
+              <a:ext uri="{FF2B5EF4-FFF2-40B4-BE49-F238E27FC236}">
+                <a16:creationId xmlns:a16="http://schemas.microsoft.com/office/drawing/2014/main" xmlns="" id="{77683DCF-304F-4543-AC23-5629F576D64C}"/>
+              </a:ext>
+            </a:extLst>
+          </p:cNvPr>
+          <p:cNvPicPr>
+            <a:picLocks noChangeAspect="1"/>
+          </p:cNvPicPr>
+          <p:nvPr userDrawn="1"/>
+        </p:nvPicPr>
+        <p:blipFill rotWithShape="1">
+          <a:blip r:embed="rId3" cstate="screen">
+            <a:extLst>
+              <a:ext uri="{28A0092B-C50C-407E-A947-70E740481C1C}">
+                <a14:useLocalDpi xmlns:a14="http://schemas.microsoft.com/office/drawing/2010/main"/>
+              </a:ext>
+            </a:extLst>
+          </a:blip>
+          <a:srcRect/>
+          <a:stretch/>
+        </p:blipFill>
+        <p:spPr>
+          <a:xfrm>
+            <a:off x="348471" y="-1"/>
+            <a:ext cx="143662" cy="1219200"/>
+          </a:xfrm>
+          <a:prstGeom prst="rect">
+            <a:avLst/>
+          </a:prstGeom>
+        </p:spPr>
+      </p:pic>
+      <p:sp>
+        <p:nvSpPr>
+          <p:cNvPr id="8" name="Subtitle 2">
+            <a:extLst>
+              <a:ext uri="{FF2B5EF4-FFF2-40B4-BE49-F238E27FC236}">
+                <a16:creationId xmlns:a16="http://schemas.microsoft.com/office/drawing/2014/main" xmlns="" id="{E17BF815-5C07-4BFA-9409-344E12682DF8}"/>
+              </a:ext>
+            </a:extLst>
+          </p:cNvPr>
+          <p:cNvSpPr>
+            <a:spLocks noGrp="1"/>
+          </p:cNvSpPr>
+          <p:nvPr>
+            <p:ph type="subTitle" idx="1"/>
+          </p:nvPr>
+        </p:nvSpPr>
+        <p:spPr>
+          <a:xfrm>
+            <a:off x="492133" y="1256579"/>
+            <a:ext cx="8468334" cy="3012503"/>
+          </a:xfrm>
+        </p:spPr>
+        <p:txBody>
+          <a:bodyPr>
+            <a:normAutofit/>
+          </a:bodyPr>
+          <a:lstStyle>
+            <a:lvl1pPr marL="0" indent="0" algn="l">
+              <a:buNone/>
+              <a:defRPr sz="2000">
+                <a:solidFill>
+                  <a:schemeClr val="tx1"/>
+                </a:solidFill>
+              </a:defRPr>
+            </a:lvl1pPr>
+            <a:lvl2pPr marL="457200" indent="0" algn="ctr">
+              <a:buNone/>
+              <a:defRPr>
+                <a:solidFill>
+                  <a:schemeClr val="tx1">
+                    <a:tint val="75000"/>
+                  </a:schemeClr>
+                </a:solidFill>
+              </a:defRPr>
+            </a:lvl2pPr>
+            <a:lvl3pPr marL="914400" indent="0" algn="ctr">
+              <a:buNone/>
+              <a:defRPr>
+                <a:solidFill>
+                  <a:schemeClr val="tx1">
+                    <a:tint val="75000"/>
+                  </a:schemeClr>
+                </a:solidFill>
+              </a:defRPr>
+            </a:lvl3pPr>
+            <a:lvl4pPr marL="1371600" indent="0" algn="ctr">
+              <a:buNone/>
+              <a:defRPr>
+                <a:solidFill>
+                  <a:schemeClr val="tx1">
+                    <a:tint val="75000"/>
+                  </a:schemeClr>
+                </a:solidFill>
+              </a:defRPr>
+            </a:lvl4pPr>
+            <a:lvl5pPr marL="1828800" indent="0" algn="ctr">
+              <a:buNone/>
+              <a:defRPr>
+                <a:solidFill>
+                  <a:schemeClr val="tx1">
+                    <a:tint val="75000"/>
+                  </a:schemeClr>
+                </a:solidFill>
+              </a:defRPr>
+            </a:lvl5pPr>
+            <a:lvl6pPr marL="2286000" indent="0" algn="ctr">
+              <a:buNone/>
+              <a:defRPr>
+                <a:solidFill>
+                  <a:schemeClr val="tx1">
+                    <a:tint val="75000"/>
+                  </a:schemeClr>
+                </a:solidFill>
+              </a:defRPr>
+            </a:lvl6pPr>
+            <a:lvl7pPr marL="2743200" indent="0" algn="ctr">
+              <a:buNone/>
+              <a:defRPr>
+                <a:solidFill>
+                  <a:schemeClr val="tx1">
+                    <a:tint val="75000"/>
+                  </a:schemeClr>
+                </a:solidFill>
+              </a:defRPr>
+            </a:lvl7pPr>
+            <a:lvl8pPr marL="3200400" indent="0" algn="ctr">
+              <a:buNone/>
+              <a:defRPr>
+                <a:solidFill>
+                  <a:schemeClr val="tx1">
+                    <a:tint val="75000"/>
+                  </a:schemeClr>
+                </a:solidFill>
+              </a:defRPr>
+            </a:lvl8pPr>
+            <a:lvl9pPr marL="3657600" indent="0" algn="ctr">
+              <a:buNone/>
+              <a:defRPr>
+                <a:solidFill>
+                  <a:schemeClr val="tx1">
+                    <a:tint val="75000"/>
+                  </a:schemeClr>
+                </a:solidFill>
+              </a:defRPr>
+            </a:lvl9pPr>
+          </a:lstStyle>
+          <a:p>
+            <a:r>
+              <a:rPr lang="en-US" dirty="0"/>
+              <a:t>Click to edit Master subtitle style</a:t>
+            </a:r>
+          </a:p>
+        </p:txBody>
+      </p:sp>
+      <p:sp>
+        <p:nvSpPr>
+          <p:cNvPr id="6" name="TextBox 2">
+            <a:extLst>
+              <a:ext uri="{FF2B5EF4-FFF2-40B4-BE49-F238E27FC236}">
+                <a16:creationId xmlns:a16="http://schemas.microsoft.com/office/drawing/2014/main" xmlns="" id="{F1E37139-96F0-452A-889E-7BC6FD1F677F}"/>
+              </a:ext>
+            </a:extLst>
+          </p:cNvPr>
+          <p:cNvSpPr txBox="1"/>
+          <p:nvPr userDrawn="1"/>
+        </p:nvSpPr>
+        <p:spPr>
+          <a:xfrm>
+            <a:off x="7893170" y="6366294"/>
+            <a:ext cx="1250830" cy="491706"/>
+          </a:xfrm>
+          <a:prstGeom prst="rect">
+            <a:avLst/>
+          </a:prstGeom>
+          <a:noFill/>
+        </p:spPr>
+        <p:txBody>
+          <a:bodyPr wrap="none" rtlCol="0" anchor="b">
+            <a:noAutofit/>
+          </a:bodyPr>
+          <a:lstStyle>
+            <a:defPPr>
+              <a:defRPr lang="en-US"/>
+            </a:defPPr>
+            <a:lvl1pPr marL="0" algn="l" defTabSz="914400" rtl="0" eaLnBrk="1" latinLnBrk="0" hangingPunct="1">
+              <a:defRPr sz="1800" kern="1200">
+                <a:solidFill>
+                  <a:schemeClr val="tx1"/>
+                </a:solidFill>
+                <a:latin typeface="+mn-lt"/>
+                <a:ea typeface="+mn-ea"/>
+                <a:cs typeface="+mn-cs"/>
+              </a:defRPr>
+            </a:lvl1pPr>
+            <a:lvl2pPr marL="457200" algn="l" defTabSz="914400" rtl="0" eaLnBrk="1" latinLnBrk="0" hangingPunct="1">
+              <a:defRPr sz="1800" kern="1200">
+                <a:solidFill>
+                  <a:schemeClr val="tx1"/>
+                </a:solidFill>
+                <a:latin typeface="+mn-lt"/>
+                <a:ea typeface="+mn-ea"/>
+                <a:cs typeface="+mn-cs"/>
+              </a:defRPr>
+            </a:lvl2pPr>
+            <a:lvl3pPr marL="914400" algn="l" defTabSz="914400" rtl="0" eaLnBrk="1" latinLnBrk="0" hangingPunct="1">
+              <a:defRPr sz="1800" kern="1200">
+                <a:solidFill>
+                  <a:schemeClr val="tx1"/>
+                </a:solidFill>
+                <a:latin typeface="+mn-lt"/>
+                <a:ea typeface="+mn-ea"/>
+                <a:cs typeface="+mn-cs"/>
+              </a:defRPr>
+            </a:lvl3pPr>
+            <a:lvl4pPr marL="1371600" algn="l" defTabSz="914400" rtl="0" eaLnBrk="1" latinLnBrk="0" hangingPunct="1">
+              <a:defRPr sz="1800" kern="1200">
+                <a:solidFill>
+                  <a:schemeClr val="tx1"/>
+                </a:solidFill>
+                <a:latin typeface="+mn-lt"/>
+                <a:ea typeface="+mn-ea"/>
+                <a:cs typeface="+mn-cs"/>
+              </a:defRPr>
+            </a:lvl4pPr>
+            <a:lvl5pPr marL="1828800" algn="l" defTabSz="914400" rtl="0" eaLnBrk="1" latinLnBrk="0" hangingPunct="1">
+              <a:defRPr sz="1800" kern="1200">
+                <a:solidFill>
+                  <a:schemeClr val="tx1"/>
+                </a:solidFill>
+                <a:latin typeface="+mn-lt"/>
+                <a:ea typeface="+mn-ea"/>
+                <a:cs typeface="+mn-cs"/>
+              </a:defRPr>
+            </a:lvl5pPr>
+            <a:lvl6pPr marL="2286000" algn="l" defTabSz="914400" rtl="0" eaLnBrk="1" latinLnBrk="0" hangingPunct="1">
+              <a:defRPr sz="1800" kern="1200">
+                <a:solidFill>
+                  <a:schemeClr val="tx1"/>
+                </a:solidFill>
+                <a:latin typeface="+mn-lt"/>
+                <a:ea typeface="+mn-ea"/>
+                <a:cs typeface="+mn-cs"/>
+              </a:defRPr>
+            </a:lvl6pPr>
+            <a:lvl7pPr marL="2743200" algn="l" defTabSz="914400" rtl="0" eaLnBrk="1" latinLnBrk="0" hangingPunct="1">
+              <a:defRPr sz="1800" kern="1200">
+                <a:solidFill>
+                  <a:schemeClr val="tx1"/>
+                </a:solidFill>
+                <a:latin typeface="+mn-lt"/>
+                <a:ea typeface="+mn-ea"/>
+                <a:cs typeface="+mn-cs"/>
+              </a:defRPr>
+            </a:lvl7pPr>
+            <a:lvl8pPr marL="3200400" algn="l" defTabSz="914400" rtl="0" eaLnBrk="1" latinLnBrk="0" hangingPunct="1">
+              <a:defRPr sz="1800" kern="1200">
+                <a:solidFill>
+                  <a:schemeClr val="tx1"/>
+                </a:solidFill>
+                <a:latin typeface="+mn-lt"/>
+                <a:ea typeface="+mn-ea"/>
+                <a:cs typeface="+mn-cs"/>
+              </a:defRPr>
+            </a:lvl8pPr>
+            <a:lvl9pPr marL="3657600" algn="l" defTabSz="914400" rtl="0" eaLnBrk="1" latinLnBrk="0" hangingPunct="1">
+              <a:defRPr sz="1800" kern="1200">
+                <a:solidFill>
+                  <a:schemeClr val="tx1"/>
+                </a:solidFill>
+                <a:latin typeface="+mn-lt"/>
+                <a:ea typeface="+mn-ea"/>
+                <a:cs typeface="+mn-cs"/>
+              </a:defRPr>
+            </a:lvl9pPr>
+          </a:lstStyle>
+          <a:p>
+            <a:pPr algn="r"/>
+            <a:fld id="{80210C1F-565F-4EF7-BF6D-830115892A1B}" type="slidenum">
+              <a:rPr lang="en-SG" sz="2000" smtClean="0">
+                <a:solidFill>
+                  <a:schemeClr val="tx1"/>
+                </a:solidFill>
+                <a:latin typeface="+mn-lt"/>
+              </a:rPr>
+              <a:t>‹#›</a:t>
+            </a:fld>
+            <a:r>
+              <a:rPr lang="en-SG" sz="2000" dirty="0">
+                <a:solidFill>
+                  <a:schemeClr val="tx1"/>
+                </a:solidFill>
+                <a:latin typeface="+mn-lt"/>
+              </a:rPr>
+              <a:t>/60</a:t>
+            </a:r>
+          </a:p>
+        </p:txBody>
+      </p:sp>
+      <p:sp>
+        <p:nvSpPr>
+          <p:cNvPr id="9" name="Title 1">
+            <a:extLst>
+              <a:ext uri="{FF2B5EF4-FFF2-40B4-BE49-F238E27FC236}">
+                <a16:creationId xmlns:a16="http://schemas.microsoft.com/office/drawing/2014/main" xmlns="" id="{C7257139-A143-42E8-82D5-56F89639B5CE}"/>
+              </a:ext>
+            </a:extLst>
+          </p:cNvPr>
+          <p:cNvSpPr>
+            <a:spLocks noGrp="1"/>
+          </p:cNvSpPr>
+          <p:nvPr>
+            <p:ph type="title" hasCustomPrompt="1"/>
+          </p:nvPr>
+        </p:nvSpPr>
+        <p:spPr>
+          <a:xfrm>
+            <a:off x="586596" y="-1"/>
+            <a:ext cx="8100204" cy="838800"/>
+          </a:xfrm>
+        </p:spPr>
+        <p:txBody>
+          <a:bodyPr/>
+          <a:lstStyle>
+            <a:lvl1pPr algn="l">
+              <a:defRPr sz="4000">
+                <a:solidFill>
+                  <a:schemeClr val="tx1"/>
+                </a:solidFill>
+              </a:defRPr>
+            </a:lvl1pPr>
+          </a:lstStyle>
+          <a:p>
+            <a:r>
+              <a:rPr lang="en-US" dirty="0"/>
+              <a:t>Presentation Title</a:t>
+            </a:r>
+          </a:p>
+        </p:txBody>
+      </p:sp>
+    </p:spTree>
+    <p:custDataLst>
+      <p:tags r:id="rId1"/>
+    </p:custDataLst>
+    <p:extLst>
+      <p:ext uri="{BB962C8B-B14F-4D97-AF65-F5344CB8AC3E}">
+        <p14:creationId xmlns:p14="http://schemas.microsoft.com/office/powerpoint/2010/main" val="2142037728"/>
+      </p:ext>
+    </p:extLst>
+  </p:cSld>
+  <p:clrMapOvr>
+    <a:masterClrMapping/>
+  </p:clrMapOvr>
+</p:sldLayout>
+</file>
+
+<file path=ppt/slideLayouts/slideLayout20.xml><?xml version="1.0" encoding="utf-8"?>
 <p:sldLayout xmlns:a="http://schemas.openxmlformats.org/drawingml/2006/main" xmlns:r="http://schemas.openxmlformats.org/officeDocument/2006/relationships" xmlns:p="http://schemas.openxmlformats.org/presentationml/2006/main" preserve="1" userDrawn="1">
   <p:cSld name="4_Title and Content">
     <p:spTree>
@@ -14555,7 +14466,7 @@
 </p:sldLayout>
 </file>
 
-<file path=ppt/slideLayouts/slideLayout22.xml><?xml version="1.0" encoding="utf-8"?>
+<file path=ppt/slideLayouts/slideLayout21.xml><?xml version="1.0" encoding="utf-8"?>
 <p:sldLayout xmlns:a="http://schemas.openxmlformats.org/drawingml/2006/main" xmlns:r="http://schemas.openxmlformats.org/officeDocument/2006/relationships" xmlns:p="http://schemas.openxmlformats.org/presentationml/2006/main" preserve="1" userDrawn="1">
   <p:cSld name="1_Title and Content">
     <p:spTree>
@@ -15034,7 +14945,7 @@
 </p:sldLayout>
 </file>
 
-<file path=ppt/slideLayouts/slideLayout23.xml><?xml version="1.0" encoding="utf-8"?>
+<file path=ppt/slideLayouts/slideLayout22.xml><?xml version="1.0" encoding="utf-8"?>
 <p:sldLayout xmlns:a="http://schemas.openxmlformats.org/drawingml/2006/main" xmlns:r="http://schemas.openxmlformats.org/officeDocument/2006/relationships" xmlns:p="http://schemas.openxmlformats.org/presentationml/2006/main" preserve="1" userDrawn="1">
   <p:cSld name="5_Title and Content">
     <p:spTree>
@@ -15394,7 +15305,7 @@
 </p:sldLayout>
 </file>
 
-<file path=ppt/slideLayouts/slideLayout24.xml><?xml version="1.0" encoding="utf-8"?>
+<file path=ppt/slideLayouts/slideLayout23.xml><?xml version="1.0" encoding="utf-8"?>
 <p:sldLayout xmlns:a="http://schemas.openxmlformats.org/drawingml/2006/main" xmlns:r="http://schemas.openxmlformats.org/officeDocument/2006/relationships" xmlns:p="http://schemas.openxmlformats.org/presentationml/2006/main" preserve="1" userDrawn="1">
   <p:cSld name="3_Title and Content">
     <p:spTree>
@@ -15873,7 +15784,7 @@
 </p:sldLayout>
 </file>
 
-<file path=ppt/slideLayouts/slideLayout25.xml><?xml version="1.0" encoding="utf-8"?>
+<file path=ppt/slideLayouts/slideLayout24.xml><?xml version="1.0" encoding="utf-8"?>
 <p:sldLayout xmlns:a="http://schemas.openxmlformats.org/drawingml/2006/main" xmlns:r="http://schemas.openxmlformats.org/officeDocument/2006/relationships" xmlns:p="http://schemas.openxmlformats.org/presentationml/2006/main" preserve="1" userDrawn="1">
   <p:cSld name="Custom Layout">
     <p:spTree>
@@ -16047,7 +15958,7 @@
 </p:sldLayout>
 </file>
 
-<file path=ppt/slideLayouts/slideLayout26.xml><?xml version="1.0" encoding="utf-8"?>
+<file path=ppt/slideLayouts/slideLayout25.xml><?xml version="1.0" encoding="utf-8"?>
 <p:sldLayout xmlns:a="http://schemas.openxmlformats.org/drawingml/2006/main" xmlns:r="http://schemas.openxmlformats.org/officeDocument/2006/relationships" xmlns:p="http://schemas.openxmlformats.org/presentationml/2006/main" preserve="1" userDrawn="1">
   <p:cSld name="Closing Slide">
     <p:spTree>
@@ -16251,7 +16162,7 @@
 </p:sldLayout>
 </file>
 
-<file path=ppt/slideLayouts/slideLayout27.xml><?xml version="1.0" encoding="utf-8"?>
+<file path=ppt/slideLayouts/slideLayout26.xml><?xml version="1.0" encoding="utf-8"?>
 <p:sldLayout xmlns:a="http://schemas.openxmlformats.org/drawingml/2006/main" xmlns:r="http://schemas.openxmlformats.org/officeDocument/2006/relationships" xmlns:p="http://schemas.openxmlformats.org/presentationml/2006/main" userDrawn="1">
   <p:cSld name="Presentation Title_02">
     <p:spTree>
@@ -16473,7 +16384,7 @@
 </p:sldLayout>
 </file>
 
-<file path=ppt/slideLayouts/slideLayout28.xml><?xml version="1.0" encoding="utf-8"?>
+<file path=ppt/slideLayouts/slideLayout27.xml><?xml version="1.0" encoding="utf-8"?>
 <p:sldLayout xmlns:a="http://schemas.openxmlformats.org/drawingml/2006/main" xmlns:r="http://schemas.openxmlformats.org/officeDocument/2006/relationships" xmlns:p="http://schemas.openxmlformats.org/presentationml/2006/main" userDrawn="1">
   <p:cSld name="6_Title and Content">
     <p:spTree>
@@ -16627,6 +16538,353 @@
 </p:sldLayout>
 </file>
 
+<file path=ppt/slideLayouts/slideLayout28.xml><?xml version="1.0" encoding="utf-8"?>
+<p:sldLayout xmlns:a="http://schemas.openxmlformats.org/drawingml/2006/main" xmlns:r="http://schemas.openxmlformats.org/officeDocument/2006/relationships" xmlns:p="http://schemas.openxmlformats.org/presentationml/2006/main" preserve="1" userDrawn="1">
+  <p:cSld name="Title and Content">
+    <p:spTree>
+      <p:nvGrpSpPr>
+        <p:cNvPr id="1" name=""/>
+        <p:cNvGrpSpPr/>
+        <p:nvPr/>
+      </p:nvGrpSpPr>
+      <p:grpSpPr>
+        <a:xfrm>
+          <a:off x="0" y="0"/>
+          <a:ext cx="0" cy="0"/>
+          <a:chOff x="0" y="0"/>
+          <a:chExt cx="0" cy="0"/>
+        </a:xfrm>
+      </p:grpSpPr>
+      <p:sp>
+        <p:nvSpPr>
+          <p:cNvPr id="5" name="Title 1"/>
+          <p:cNvSpPr>
+            <a:spLocks noGrp="1"/>
+          </p:cNvSpPr>
+          <p:nvPr>
+            <p:ph type="title"/>
+          </p:nvPr>
+        </p:nvSpPr>
+        <p:spPr>
+          <a:xfrm>
+            <a:off x="611560" y="2819400"/>
+            <a:ext cx="7914456" cy="609600"/>
+          </a:xfrm>
+          <a:prstGeom prst="rect">
+            <a:avLst/>
+          </a:prstGeom>
+        </p:spPr>
+        <p:txBody>
+          <a:bodyPr/>
+          <a:lstStyle>
+            <a:lvl1pPr algn="l">
+              <a:defRPr sz="2625">
+                <a:solidFill>
+                  <a:schemeClr val="bg1"/>
+                </a:solidFill>
+                <a:latin typeface="Lucida sans"/>
+                <a:cs typeface="Lucida sans"/>
+              </a:defRPr>
+            </a:lvl1pPr>
+          </a:lstStyle>
+          <a:p>
+            <a:r>
+              <a:rPr lang="en-US" altLang="en-US" dirty="0"/>
+              <a:t>Click to edit Master title style</a:t>
+            </a:r>
+            <a:endParaRPr lang="en-US" dirty="0"/>
+          </a:p>
+        </p:txBody>
+      </p:sp>
+      <p:sp>
+        <p:nvSpPr>
+          <p:cNvPr id="6" name="Text Placeholder 7"/>
+          <p:cNvSpPr>
+            <a:spLocks noGrp="1"/>
+          </p:cNvSpPr>
+          <p:nvPr>
+            <p:ph type="body" sz="quarter" idx="11"/>
+          </p:nvPr>
+        </p:nvSpPr>
+        <p:spPr>
+          <a:xfrm>
+            <a:off x="611560" y="3564179"/>
+            <a:ext cx="7914456" cy="360000"/>
+          </a:xfrm>
+          <a:prstGeom prst="rect">
+            <a:avLst/>
+          </a:prstGeom>
+        </p:spPr>
+        <p:txBody>
+          <a:bodyPr vert="horz"/>
+          <a:lstStyle>
+            <a:lvl1pPr marL="257175" marR="0" indent="-257175" algn="l" defTabSz="342900" rtl="0" eaLnBrk="0" fontAlgn="base" latinLnBrk="0" hangingPunct="0">
+              <a:lnSpc>
+                <a:spcPct val="100000"/>
+              </a:lnSpc>
+              <a:spcBef>
+                <a:spcPct val="20000"/>
+              </a:spcBef>
+              <a:spcAft>
+                <a:spcPct val="0"/>
+              </a:spcAft>
+              <a:buClrTx/>
+              <a:buSzTx/>
+              <a:buFontTx/>
+              <a:buNone/>
+              <a:tabLst/>
+              <a:defRPr sz="1200" b="0" baseline="0">
+                <a:solidFill>
+                  <a:schemeClr val="bg1"/>
+                </a:solidFill>
+                <a:latin typeface="Lucida sans"/>
+                <a:cs typeface="Lucida sans"/>
+              </a:defRPr>
+            </a:lvl1pPr>
+            <a:lvl2pPr marL="1191" indent="-1191">
+              <a:buFontTx/>
+              <a:buNone/>
+              <a:tabLst/>
+              <a:defRPr sz="1050"/>
+            </a:lvl2pPr>
+          </a:lstStyle>
+          <a:p>
+            <a:pPr lvl="0"/>
+            <a:r>
+              <a:rPr lang="en-US" altLang="en-US" dirty="0"/>
+              <a:t>Click to edit Master text styles</a:t>
+            </a:r>
+          </a:p>
+        </p:txBody>
+      </p:sp>
+      <p:sp>
+        <p:nvSpPr>
+          <p:cNvPr id="7" name="Text Placeholder 7"/>
+          <p:cNvSpPr>
+            <a:spLocks noGrp="1"/>
+          </p:cNvSpPr>
+          <p:nvPr>
+            <p:ph type="body" sz="quarter" idx="12"/>
+          </p:nvPr>
+        </p:nvSpPr>
+        <p:spPr>
+          <a:xfrm>
+            <a:off x="611560" y="3933096"/>
+            <a:ext cx="7914456" cy="360000"/>
+          </a:xfrm>
+          <a:prstGeom prst="rect">
+            <a:avLst/>
+          </a:prstGeom>
+        </p:spPr>
+        <p:txBody>
+          <a:bodyPr vert="horz"/>
+          <a:lstStyle>
+            <a:lvl1pPr marL="257175" marR="0" indent="-257175" algn="l" defTabSz="342900" rtl="0" eaLnBrk="0" fontAlgn="base" latinLnBrk="0" hangingPunct="0">
+              <a:lnSpc>
+                <a:spcPct val="100000"/>
+              </a:lnSpc>
+              <a:spcBef>
+                <a:spcPct val="20000"/>
+              </a:spcBef>
+              <a:spcAft>
+                <a:spcPct val="0"/>
+              </a:spcAft>
+              <a:buClrTx/>
+              <a:buSzTx/>
+              <a:buFontTx/>
+              <a:buNone/>
+              <a:tabLst/>
+              <a:defRPr sz="1200" b="0" baseline="0">
+                <a:solidFill>
+                  <a:schemeClr val="bg1"/>
+                </a:solidFill>
+                <a:latin typeface="Lucida sans"/>
+                <a:cs typeface="Lucida sans"/>
+              </a:defRPr>
+            </a:lvl1pPr>
+            <a:lvl2pPr marL="1191" indent="-1191">
+              <a:buFontTx/>
+              <a:buNone/>
+              <a:tabLst/>
+              <a:defRPr sz="1050"/>
+            </a:lvl2pPr>
+          </a:lstStyle>
+          <a:p>
+            <a:pPr lvl="0"/>
+            <a:r>
+              <a:rPr lang="en-US" altLang="en-US" dirty="0"/>
+              <a:t>Click to edit Master text styles</a:t>
+            </a:r>
+          </a:p>
+        </p:txBody>
+      </p:sp>
+    </p:spTree>
+    <p:extLst>
+      <p:ext uri="{BB962C8B-B14F-4D97-AF65-F5344CB8AC3E}">
+        <p14:creationId xmlns:p14="http://schemas.microsoft.com/office/powerpoint/2010/main" val="665503695"/>
+      </p:ext>
+    </p:extLst>
+  </p:cSld>
+  <p:clrMapOvr>
+    <a:masterClrMapping/>
+  </p:clrMapOvr>
+</p:sldLayout>
+</file>
+
+<file path=ppt/slideLayouts/slideLayout29.xml><?xml version="1.0" encoding="utf-8"?>
+<p:sldLayout xmlns:a="http://schemas.openxmlformats.org/drawingml/2006/main" xmlns:r="http://schemas.openxmlformats.org/officeDocument/2006/relationships" xmlns:p="http://schemas.openxmlformats.org/presentationml/2006/main" userDrawn="1">
+  <p:cSld name="2_Title and Content">
+    <p:spTree>
+      <p:nvGrpSpPr>
+        <p:cNvPr id="1" name=""/>
+        <p:cNvGrpSpPr/>
+        <p:nvPr/>
+      </p:nvGrpSpPr>
+      <p:grpSpPr>
+        <a:xfrm>
+          <a:off x="0" y="0"/>
+          <a:ext cx="0" cy="0"/>
+          <a:chOff x="0" y="0"/>
+          <a:chExt cx="0" cy="0"/>
+        </a:xfrm>
+      </p:grpSpPr>
+      <p:sp>
+        <p:nvSpPr>
+          <p:cNvPr id="2" name="Title 1"/>
+          <p:cNvSpPr>
+            <a:spLocks noGrp="1"/>
+          </p:cNvSpPr>
+          <p:nvPr>
+            <p:ph type="title"/>
+          </p:nvPr>
+        </p:nvSpPr>
+        <p:spPr>
+          <a:xfrm>
+            <a:off x="685800" y="381000"/>
+            <a:ext cx="7543800" cy="609600"/>
+          </a:xfrm>
+          <a:prstGeom prst="rect">
+            <a:avLst/>
+          </a:prstGeom>
+        </p:spPr>
+        <p:txBody>
+          <a:bodyPr/>
+          <a:lstStyle>
+            <a:lvl1pPr algn="l">
+              <a:defRPr sz="1800" baseline="0">
+                <a:solidFill>
+                  <a:srgbClr val="890018"/>
+                </a:solidFill>
+                <a:latin typeface="Lucida sans"/>
+                <a:cs typeface="Lucida sans"/>
+              </a:defRPr>
+            </a:lvl1pPr>
+          </a:lstStyle>
+          <a:p>
+            <a:r>
+              <a:rPr lang="en-US" dirty="0"/>
+              <a:t>Click to edit Master title style</a:t>
+            </a:r>
+          </a:p>
+        </p:txBody>
+      </p:sp>
+      <p:sp>
+        <p:nvSpPr>
+          <p:cNvPr id="10" name="Text Placeholder 9"/>
+          <p:cNvSpPr>
+            <a:spLocks noGrp="1"/>
+          </p:cNvSpPr>
+          <p:nvPr>
+            <p:ph type="body" sz="quarter" idx="10"/>
+          </p:nvPr>
+        </p:nvSpPr>
+        <p:spPr>
+          <a:xfrm>
+            <a:off x="685800" y="990600"/>
+            <a:ext cx="7543800" cy="304800"/>
+          </a:xfrm>
+          <a:prstGeom prst="rect">
+            <a:avLst/>
+          </a:prstGeom>
+        </p:spPr>
+        <p:txBody>
+          <a:bodyPr/>
+          <a:lstStyle>
+            <a:lvl1pPr>
+              <a:buNone/>
+              <a:defRPr sz="1200" b="1" baseline="0">
+                <a:solidFill>
+                  <a:srgbClr val="890018"/>
+                </a:solidFill>
+                <a:latin typeface="Lucida sans"/>
+                <a:cs typeface="Lucida sans"/>
+              </a:defRPr>
+            </a:lvl1pPr>
+          </a:lstStyle>
+          <a:p>
+            <a:pPr lvl="0"/>
+            <a:r>
+              <a:rPr lang="en-US" dirty="0"/>
+              <a:t>Click to edit Master text styles</a:t>
+            </a:r>
+          </a:p>
+        </p:txBody>
+      </p:sp>
+      <p:sp>
+        <p:nvSpPr>
+          <p:cNvPr id="4" name="Text Placeholder 9"/>
+          <p:cNvSpPr>
+            <a:spLocks noGrp="1"/>
+          </p:cNvSpPr>
+          <p:nvPr>
+            <p:ph type="body" sz="quarter" idx="11"/>
+          </p:nvPr>
+        </p:nvSpPr>
+        <p:spPr>
+          <a:xfrm>
+            <a:off x="685800" y="1387811"/>
+            <a:ext cx="7543800" cy="4572000"/>
+          </a:xfrm>
+          <a:prstGeom prst="rect">
+            <a:avLst/>
+          </a:prstGeom>
+        </p:spPr>
+        <p:txBody>
+          <a:bodyPr/>
+          <a:lstStyle>
+            <a:lvl1pPr>
+              <a:buNone/>
+              <a:defRPr sz="1200" baseline="0">
+                <a:solidFill>
+                  <a:srgbClr val="474B55"/>
+                </a:solidFill>
+                <a:latin typeface="Lucida Sans"/>
+                <a:cs typeface="Lucida Sans"/>
+              </a:defRPr>
+            </a:lvl1pPr>
+          </a:lstStyle>
+          <a:p>
+            <a:pPr lvl="0"/>
+            <a:r>
+              <a:rPr lang="en-US" dirty="0"/>
+              <a:t>Click to edit Master text styles</a:t>
+            </a:r>
+          </a:p>
+        </p:txBody>
+      </p:sp>
+    </p:spTree>
+    <p:extLst>
+      <p:ext uri="{BB962C8B-B14F-4D97-AF65-F5344CB8AC3E}">
+        <p14:creationId xmlns:p14="http://schemas.microsoft.com/office/powerpoint/2010/main" val="3313141367"/>
+      </p:ext>
+    </p:extLst>
+  </p:cSld>
+  <p:clrMapOvr>
+    <a:masterClrMapping/>
+  </p:clrMapOvr>
+</p:sldLayout>
+</file>
+
 <file path=ppt/slideLayouts/slideLayout3.xml><?xml version="1.0" encoding="utf-8"?>
 <p:sldLayout xmlns:a="http://schemas.openxmlformats.org/drawingml/2006/main" xmlns:r="http://schemas.openxmlformats.org/officeDocument/2006/relationships" xmlns:p="http://schemas.openxmlformats.org/presentationml/2006/main" preserve="1" userDrawn="1">
   <p:cSld name="Comparison">
@@ -16649,7 +16907,7 @@
           <p:cNvPr id="6" name="Picture 5" descr="holding device-02.png">
             <a:extLst>
               <a:ext uri="{FF2B5EF4-FFF2-40B4-BE49-F238E27FC236}">
-                <a16:creationId xmlns:a16="http://schemas.microsoft.com/office/drawing/2014/main" id="{40570172-6531-4623-94F6-969DC93D5C82}"/>
+                <a16:creationId xmlns:a16="http://schemas.microsoft.com/office/drawing/2014/main" xmlns="" id="{40570172-6531-4623-94F6-969DC93D5C82}"/>
               </a:ext>
             </a:extLst>
           </p:cNvPr>
@@ -16684,7 +16942,7 @@
           <p:cNvPr id="7" name="Subtitle 2">
             <a:extLst>
               <a:ext uri="{FF2B5EF4-FFF2-40B4-BE49-F238E27FC236}">
-                <a16:creationId xmlns:a16="http://schemas.microsoft.com/office/drawing/2014/main" id="{6DCAD2DA-B888-43BF-AF5D-2273C167D24A}"/>
+                <a16:creationId xmlns:a16="http://schemas.microsoft.com/office/drawing/2014/main" xmlns="" id="{6DCAD2DA-B888-43BF-AF5D-2273C167D24A}"/>
               </a:ext>
             </a:extLst>
           </p:cNvPr>
@@ -16808,7 +17066,7 @@
           <p:cNvPr id="8" name="Title 1">
             <a:extLst>
               <a:ext uri="{FF2B5EF4-FFF2-40B4-BE49-F238E27FC236}">
-                <a16:creationId xmlns:a16="http://schemas.microsoft.com/office/drawing/2014/main" id="{03BA398C-AB64-4B75-A4A8-AC23FFCB87C7}"/>
+                <a16:creationId xmlns:a16="http://schemas.microsoft.com/office/drawing/2014/main" xmlns="" id="{03BA398C-AB64-4B75-A4A8-AC23FFCB87C7}"/>
               </a:ext>
             </a:extLst>
           </p:cNvPr>
@@ -16877,7 +17135,7 @@
           <p:cNvPr id="8" name="Picture 7" descr="holding device-02.png">
             <a:extLst>
               <a:ext uri="{FF2B5EF4-FFF2-40B4-BE49-F238E27FC236}">
-                <a16:creationId xmlns:a16="http://schemas.microsoft.com/office/drawing/2014/main" id="{DC58F275-C00E-4C38-8E85-7D10AB5BC611}"/>
+                <a16:creationId xmlns:a16="http://schemas.microsoft.com/office/drawing/2014/main" xmlns="" id="{DC58F275-C00E-4C38-8E85-7D10AB5BC611}"/>
               </a:ext>
             </a:extLst>
           </p:cNvPr>
@@ -16912,7 +17170,7 @@
           <p:cNvPr id="9" name="Subtitle 2">
             <a:extLst>
               <a:ext uri="{FF2B5EF4-FFF2-40B4-BE49-F238E27FC236}">
-                <a16:creationId xmlns:a16="http://schemas.microsoft.com/office/drawing/2014/main" id="{655A8B44-E113-4C6B-A2FC-5BEFE731A049}"/>
+                <a16:creationId xmlns:a16="http://schemas.microsoft.com/office/drawing/2014/main" xmlns="" id="{655A8B44-E113-4C6B-A2FC-5BEFE731A049}"/>
               </a:ext>
             </a:extLst>
           </p:cNvPr>
@@ -17036,7 +17294,7 @@
           <p:cNvPr id="5" name="Title 1">
             <a:extLst>
               <a:ext uri="{FF2B5EF4-FFF2-40B4-BE49-F238E27FC236}">
-                <a16:creationId xmlns:a16="http://schemas.microsoft.com/office/drawing/2014/main" id="{486C143F-0CAE-4322-85F8-A84B2F2B2CAA}"/>
+                <a16:creationId xmlns:a16="http://schemas.microsoft.com/office/drawing/2014/main" xmlns="" id="{486C143F-0CAE-4322-85F8-A84B2F2B2CAA}"/>
               </a:ext>
             </a:extLst>
           </p:cNvPr>
@@ -17105,7 +17363,7 @@
           <p:cNvPr id="6" name="Picture 5" descr="holding device-02.png">
             <a:extLst>
               <a:ext uri="{FF2B5EF4-FFF2-40B4-BE49-F238E27FC236}">
-                <a16:creationId xmlns:a16="http://schemas.microsoft.com/office/drawing/2014/main" id="{2DB593FB-453B-49CE-8C22-EC4F23596A03}"/>
+                <a16:creationId xmlns:a16="http://schemas.microsoft.com/office/drawing/2014/main" xmlns="" id="{2DB593FB-453B-49CE-8C22-EC4F23596A03}"/>
               </a:ext>
             </a:extLst>
           </p:cNvPr>
@@ -17140,7 +17398,7 @@
           <p:cNvPr id="10" name="Subtitle 2">
             <a:extLst>
               <a:ext uri="{FF2B5EF4-FFF2-40B4-BE49-F238E27FC236}">
-                <a16:creationId xmlns:a16="http://schemas.microsoft.com/office/drawing/2014/main" id="{B8C2D3B4-8000-4C3B-83C3-D27675CA2CFF}"/>
+                <a16:creationId xmlns:a16="http://schemas.microsoft.com/office/drawing/2014/main" xmlns="" id="{B8C2D3B4-8000-4C3B-83C3-D27675CA2CFF}"/>
               </a:ext>
             </a:extLst>
           </p:cNvPr>
@@ -17264,7 +17522,7 @@
           <p:cNvPr id="7" name="Title 1">
             <a:extLst>
               <a:ext uri="{FF2B5EF4-FFF2-40B4-BE49-F238E27FC236}">
-                <a16:creationId xmlns:a16="http://schemas.microsoft.com/office/drawing/2014/main" id="{C9A2616B-02CE-4236-99D0-04116F8593B1}"/>
+                <a16:creationId xmlns:a16="http://schemas.microsoft.com/office/drawing/2014/main" xmlns="" id="{C9A2616B-02CE-4236-99D0-04116F8593B1}"/>
               </a:ext>
             </a:extLst>
           </p:cNvPr>
@@ -17367,7 +17625,7 @@
           <p:cNvPr id="4" name="Picture 3" descr="01 Singapore University of Social Sciences_Horizontal Format_Version A_White Background_RGB.png">
             <a:extLst>
               <a:ext uri="{FF2B5EF4-FFF2-40B4-BE49-F238E27FC236}">
-                <a16:creationId xmlns:a16="http://schemas.microsoft.com/office/drawing/2014/main" id="{F4B87DF8-359B-428C-8106-C024322B14EB}"/>
+                <a16:creationId xmlns:a16="http://schemas.microsoft.com/office/drawing/2014/main" xmlns="" id="{F4B87DF8-359B-428C-8106-C024322B14EB}"/>
               </a:ext>
             </a:extLst>
           </p:cNvPr>
@@ -17403,7 +17661,7 @@
           <p:cNvPr id="5" name="Title 1">
             <a:extLst>
               <a:ext uri="{FF2B5EF4-FFF2-40B4-BE49-F238E27FC236}">
-                <a16:creationId xmlns:a16="http://schemas.microsoft.com/office/drawing/2014/main" id="{199BAE98-A49E-472D-8ACE-E2B33FF24B12}"/>
+                <a16:creationId xmlns:a16="http://schemas.microsoft.com/office/drawing/2014/main" xmlns="" id="{199BAE98-A49E-472D-8ACE-E2B33FF24B12}"/>
               </a:ext>
             </a:extLst>
           </p:cNvPr>
@@ -17982,8 +18240,8 @@
 </file>
 
 <file path=ppt/slideLayouts/slideLayout9.xml><?xml version="1.0" encoding="utf-8"?>
-<p:sldLayout xmlns:a="http://schemas.openxmlformats.org/drawingml/2006/main" xmlns:r="http://schemas.openxmlformats.org/officeDocument/2006/relationships" xmlns:p="http://schemas.openxmlformats.org/presentationml/2006/main" userDrawn="1">
-  <p:cSld name="2_Title and Content">
+<p:sldLayout xmlns:a="http://schemas.openxmlformats.org/drawingml/2006/main" xmlns:r="http://schemas.openxmlformats.org/officeDocument/2006/relationships" xmlns:p="http://schemas.openxmlformats.org/presentationml/2006/main" preserve="1" userDrawn="1">
+  <p:cSld name="2_Title Slide 01">
     <p:spTree>
       <p:nvGrpSpPr>
         <p:cNvPr id="1" name=""/>
@@ -17998,134 +18256,70 @@
           <a:chExt cx="0" cy="0"/>
         </a:xfrm>
       </p:grpSpPr>
-      <p:sp>
-        <p:nvSpPr>
-          <p:cNvPr id="2" name="Title 1"/>
-          <p:cNvSpPr>
-            <a:spLocks noGrp="1"/>
-          </p:cNvSpPr>
-          <p:nvPr>
-            <p:ph type="title"/>
-          </p:nvPr>
-        </p:nvSpPr>
+      <p:pic>
+        <p:nvPicPr>
+          <p:cNvPr id="5" name="Picture 4" descr="Template01-01.png"/>
+          <p:cNvPicPr>
+            <a:picLocks noChangeAspect="1"/>
+          </p:cNvPicPr>
+          <p:nvPr userDrawn="1"/>
+        </p:nvPicPr>
+        <p:blipFill>
+          <a:blip r:embed="rId2" cstate="screen">
+            <a:extLst>
+              <a:ext uri="{28A0092B-C50C-407E-A947-70E740481C1C}">
+                <a14:useLocalDpi xmlns:a14="http://schemas.microsoft.com/office/drawing/2010/main"/>
+              </a:ext>
+            </a:extLst>
+          </a:blip>
+          <a:stretch>
+            <a:fillRect/>
+          </a:stretch>
+        </p:blipFill>
         <p:spPr>
           <a:xfrm>
-            <a:off x="685800" y="381000"/>
-            <a:ext cx="7543800" cy="609600"/>
+            <a:off x="0" y="1"/>
+            <a:ext cx="9144000" cy="6851703"/>
           </a:xfrm>
           <a:prstGeom prst="rect">
             <a:avLst/>
           </a:prstGeom>
         </p:spPr>
-        <p:txBody>
-          <a:bodyPr/>
-          <a:lstStyle>
-            <a:lvl1pPr algn="l">
-              <a:defRPr sz="1800" baseline="0">
-                <a:solidFill>
-                  <a:srgbClr val="890018"/>
-                </a:solidFill>
-                <a:latin typeface="Lucida sans"/>
-                <a:cs typeface="Lucida sans"/>
-              </a:defRPr>
-            </a:lvl1pPr>
-          </a:lstStyle>
-          <a:p>
-            <a:r>
-              <a:rPr lang="en-US" dirty="0"/>
-              <a:t>Click to edit Master title style</a:t>
-            </a:r>
-          </a:p>
-        </p:txBody>
-      </p:sp>
-      <p:sp>
-        <p:nvSpPr>
-          <p:cNvPr id="10" name="Text Placeholder 9"/>
-          <p:cNvSpPr>
-            <a:spLocks noGrp="1"/>
-          </p:cNvSpPr>
-          <p:nvPr>
-            <p:ph type="body" sz="quarter" idx="10"/>
-          </p:nvPr>
-        </p:nvSpPr>
+      </p:pic>
+      <p:pic>
+        <p:nvPicPr>
+          <p:cNvPr id="9" name="Picture 8" descr="01 Singapore University of Social Sciences_Horizontal Format_Version A_White Background_RGB.png"/>
+          <p:cNvPicPr>
+            <a:picLocks noChangeAspect="1"/>
+          </p:cNvPicPr>
+          <p:nvPr userDrawn="1"/>
+        </p:nvPicPr>
+        <p:blipFill>
+          <a:blip r:embed="rId3" cstate="screen">
+            <a:extLst>
+              <a:ext uri="{28A0092B-C50C-407E-A947-70E740481C1C}">
+                <a14:useLocalDpi xmlns:a14="http://schemas.microsoft.com/office/drawing/2010/main"/>
+              </a:ext>
+            </a:extLst>
+          </a:blip>
+          <a:stretch>
+            <a:fillRect/>
+          </a:stretch>
+        </p:blipFill>
         <p:spPr>
           <a:xfrm>
-            <a:off x="685800" y="990600"/>
-            <a:ext cx="7543800" cy="304800"/>
+            <a:off x="3352956" y="2616969"/>
+            <a:ext cx="2438090" cy="1647099"/>
           </a:xfrm>
           <a:prstGeom prst="rect">
             <a:avLst/>
           </a:prstGeom>
         </p:spPr>
-        <p:txBody>
-          <a:bodyPr/>
-          <a:lstStyle>
-            <a:lvl1pPr>
-              <a:buNone/>
-              <a:defRPr sz="1200" b="1" baseline="0">
-                <a:solidFill>
-                  <a:srgbClr val="890018"/>
-                </a:solidFill>
-                <a:latin typeface="Lucida sans"/>
-                <a:cs typeface="Lucida sans"/>
-              </a:defRPr>
-            </a:lvl1pPr>
-          </a:lstStyle>
-          <a:p>
-            <a:pPr lvl="0"/>
-            <a:r>
-              <a:rPr lang="en-US" dirty="0"/>
-              <a:t>Click to edit Master text styles</a:t>
-            </a:r>
-          </a:p>
-        </p:txBody>
-      </p:sp>
-      <p:sp>
-        <p:nvSpPr>
-          <p:cNvPr id="4" name="Text Placeholder 9"/>
-          <p:cNvSpPr>
-            <a:spLocks noGrp="1"/>
-          </p:cNvSpPr>
-          <p:nvPr>
-            <p:ph type="body" sz="quarter" idx="11"/>
-          </p:nvPr>
-        </p:nvSpPr>
-        <p:spPr>
-          <a:xfrm>
-            <a:off x="685800" y="1387811"/>
-            <a:ext cx="7543800" cy="4572000"/>
-          </a:xfrm>
-          <a:prstGeom prst="rect">
-            <a:avLst/>
-          </a:prstGeom>
-        </p:spPr>
-        <p:txBody>
-          <a:bodyPr/>
-          <a:lstStyle>
-            <a:lvl1pPr>
-              <a:buNone/>
-              <a:defRPr sz="1200" baseline="0">
-                <a:solidFill>
-                  <a:srgbClr val="474B55"/>
-                </a:solidFill>
-                <a:latin typeface="Lucida Sans"/>
-                <a:cs typeface="Lucida Sans"/>
-              </a:defRPr>
-            </a:lvl1pPr>
-          </a:lstStyle>
-          <a:p>
-            <a:pPr lvl="0"/>
-            <a:r>
-              <a:rPr lang="en-US" dirty="0"/>
-              <a:t>Click to edit Master text styles</a:t>
-            </a:r>
-          </a:p>
-        </p:txBody>
-      </p:sp>
+      </p:pic>
     </p:spTree>
     <p:extLst>
       <p:ext uri="{BB962C8B-B14F-4D97-AF65-F5344CB8AC3E}">
-        <p14:creationId xmlns:p14="http://schemas.microsoft.com/office/powerpoint/2010/main" val="2656004226"/>
+        <p14:creationId xmlns:p14="http://schemas.microsoft.com/office/powerpoint/2010/main" val="1269925330"/>
       </p:ext>
     </p:extLst>
   </p:cSld>
@@ -19914,7 +20108,7 @@
           <p:nvPr userDrawn="1"/>
         </p:nvPicPr>
         <p:blipFill>
-          <a:blip r:embed="rId4" cstate="print">
+          <a:blip r:embed="rId3" cstate="print">
             <a:extLst>
               <a:ext uri="{28A0092B-C50C-407E-A947-70E740481C1C}">
                 <a14:useLocalDpi xmlns:a14="http://schemas.microsoft.com/office/drawing/2010/main" val="0"/>
@@ -19969,7 +20163,6 @@
   <p:clrMap bg1="lt1" tx1="dk1" bg2="lt2" tx2="dk2" accent1="accent1" accent2="accent2" accent3="accent3" accent4="accent4" accent5="accent5" accent6="accent6" hlink="hlink" folHlink="folHlink"/>
   <p:sldLayoutIdLst>
     <p:sldLayoutId id="2147483661" r:id="rId1"/>
-    <p:sldLayoutId id="2147483662" r:id="rId2"/>
   </p:sldLayoutIdLst>
   <p:txStyles>
     <p:titleStyle>
@@ -20917,6 +21110,1664 @@
 </p:sldMaster>
 </file>
 
+<file path=ppt/slideMasters/slideMaster4.xml><?xml version="1.0" encoding="utf-8"?>
+<p:sldMaster xmlns:a="http://schemas.openxmlformats.org/drawingml/2006/main" xmlns:r="http://schemas.openxmlformats.org/officeDocument/2006/relationships" xmlns:p="http://schemas.openxmlformats.org/presentationml/2006/main" preserve="1">
+  <p:cSld>
+    <p:bg>
+      <p:bgPr>
+        <a:solidFill>
+          <a:schemeClr val="bg1"/>
+        </a:solidFill>
+        <a:effectLst/>
+      </p:bgPr>
+    </p:bg>
+    <p:spTree>
+      <p:nvGrpSpPr>
+        <p:cNvPr id="1" name=""/>
+        <p:cNvGrpSpPr/>
+        <p:nvPr/>
+      </p:nvGrpSpPr>
+      <p:grpSpPr>
+        <a:xfrm>
+          <a:off x="0" y="0"/>
+          <a:ext cx="0" cy="0"/>
+          <a:chOff x="0" y="0"/>
+          <a:chExt cx="0" cy="0"/>
+        </a:xfrm>
+      </p:grpSpPr>
+      <p:sp>
+        <p:nvSpPr>
+          <p:cNvPr id="15" name="Rectangle 14"/>
+          <p:cNvSpPr/>
+          <p:nvPr userDrawn="1"/>
+        </p:nvSpPr>
+        <p:spPr>
+          <a:xfrm>
+            <a:off x="-1588" y="0"/>
+            <a:ext cx="9144001" cy="6858000"/>
+          </a:xfrm>
+          <a:prstGeom prst="rect">
+            <a:avLst/>
+          </a:prstGeom>
+          <a:solidFill>
+            <a:srgbClr val="003B5C"/>
+          </a:solidFill>
+          <a:ln>
+            <a:noFill/>
+          </a:ln>
+          <a:effectLst/>
+        </p:spPr>
+        <p:style>
+          <a:lnRef idx="1">
+            <a:schemeClr val="accent1"/>
+          </a:lnRef>
+          <a:fillRef idx="3">
+            <a:schemeClr val="accent1"/>
+          </a:fillRef>
+          <a:effectRef idx="2">
+            <a:schemeClr val="accent1"/>
+          </a:effectRef>
+          <a:fontRef idx="minor">
+            <a:schemeClr val="lt1"/>
+          </a:fontRef>
+        </p:style>
+        <p:txBody>
+          <a:bodyPr anchor="ctr"/>
+          <a:lstStyle>
+            <a:lvl1pPr>
+              <a:defRPr>
+                <a:solidFill>
+                  <a:schemeClr val="tx1"/>
+                </a:solidFill>
+                <a:latin typeface="Arial" panose="020B0604020202020204" pitchFamily="34" charset="0"/>
+                <a:ea typeface="ヒラギノ角ゴ Pro W3"/>
+                <a:cs typeface="ヒラギノ角ゴ Pro W3"/>
+              </a:defRPr>
+            </a:lvl1pPr>
+            <a:lvl2pPr marL="742950" indent="-285750">
+              <a:defRPr>
+                <a:solidFill>
+                  <a:schemeClr val="tx1"/>
+                </a:solidFill>
+                <a:latin typeface="Arial" panose="020B0604020202020204" pitchFamily="34" charset="0"/>
+                <a:ea typeface="ヒラギノ角ゴ Pro W3"/>
+                <a:cs typeface="ヒラギノ角ゴ Pro W3"/>
+              </a:defRPr>
+            </a:lvl2pPr>
+            <a:lvl3pPr marL="1143000" indent="-228600">
+              <a:defRPr>
+                <a:solidFill>
+                  <a:schemeClr val="tx1"/>
+                </a:solidFill>
+                <a:latin typeface="Arial" panose="020B0604020202020204" pitchFamily="34" charset="0"/>
+                <a:ea typeface="ヒラギノ角ゴ Pro W3"/>
+                <a:cs typeface="ヒラギノ角ゴ Pro W3"/>
+              </a:defRPr>
+            </a:lvl3pPr>
+            <a:lvl4pPr marL="1600200" indent="-228600">
+              <a:defRPr>
+                <a:solidFill>
+                  <a:schemeClr val="tx1"/>
+                </a:solidFill>
+                <a:latin typeface="Arial" panose="020B0604020202020204" pitchFamily="34" charset="0"/>
+                <a:ea typeface="ヒラギノ角ゴ Pro W3"/>
+                <a:cs typeface="ヒラギノ角ゴ Pro W3"/>
+              </a:defRPr>
+            </a:lvl4pPr>
+            <a:lvl5pPr marL="2057400" indent="-228600">
+              <a:defRPr>
+                <a:solidFill>
+                  <a:schemeClr val="tx1"/>
+                </a:solidFill>
+                <a:latin typeface="Arial" panose="020B0604020202020204" pitchFamily="34" charset="0"/>
+                <a:ea typeface="ヒラギノ角ゴ Pro W3"/>
+                <a:cs typeface="ヒラギノ角ゴ Pro W3"/>
+              </a:defRPr>
+            </a:lvl5pPr>
+            <a:lvl6pPr marL="2514600" indent="-228600" defTabSz="457200" eaLnBrk="0" fontAlgn="base" hangingPunct="0">
+              <a:spcBef>
+                <a:spcPct val="0"/>
+              </a:spcBef>
+              <a:spcAft>
+                <a:spcPct val="0"/>
+              </a:spcAft>
+              <a:defRPr>
+                <a:solidFill>
+                  <a:schemeClr val="tx1"/>
+                </a:solidFill>
+                <a:latin typeface="Arial" panose="020B0604020202020204" pitchFamily="34" charset="0"/>
+                <a:ea typeface="ヒラギノ角ゴ Pro W3"/>
+                <a:cs typeface="ヒラギノ角ゴ Pro W3"/>
+              </a:defRPr>
+            </a:lvl6pPr>
+            <a:lvl7pPr marL="2971800" indent="-228600" defTabSz="457200" eaLnBrk="0" fontAlgn="base" hangingPunct="0">
+              <a:spcBef>
+                <a:spcPct val="0"/>
+              </a:spcBef>
+              <a:spcAft>
+                <a:spcPct val="0"/>
+              </a:spcAft>
+              <a:defRPr>
+                <a:solidFill>
+                  <a:schemeClr val="tx1"/>
+                </a:solidFill>
+                <a:latin typeface="Arial" panose="020B0604020202020204" pitchFamily="34" charset="0"/>
+                <a:ea typeface="ヒラギノ角ゴ Pro W3"/>
+                <a:cs typeface="ヒラギノ角ゴ Pro W3"/>
+              </a:defRPr>
+            </a:lvl7pPr>
+            <a:lvl8pPr marL="3429000" indent="-228600" defTabSz="457200" eaLnBrk="0" fontAlgn="base" hangingPunct="0">
+              <a:spcBef>
+                <a:spcPct val="0"/>
+              </a:spcBef>
+              <a:spcAft>
+                <a:spcPct val="0"/>
+              </a:spcAft>
+              <a:defRPr>
+                <a:solidFill>
+                  <a:schemeClr val="tx1"/>
+                </a:solidFill>
+                <a:latin typeface="Arial" panose="020B0604020202020204" pitchFamily="34" charset="0"/>
+                <a:ea typeface="ヒラギノ角ゴ Pro W3"/>
+                <a:cs typeface="ヒラギノ角ゴ Pro W3"/>
+              </a:defRPr>
+            </a:lvl8pPr>
+            <a:lvl9pPr marL="3886200" indent="-228600" defTabSz="457200" eaLnBrk="0" fontAlgn="base" hangingPunct="0">
+              <a:spcBef>
+                <a:spcPct val="0"/>
+              </a:spcBef>
+              <a:spcAft>
+                <a:spcPct val="0"/>
+              </a:spcAft>
+              <a:defRPr>
+                <a:solidFill>
+                  <a:schemeClr val="tx1"/>
+                </a:solidFill>
+                <a:latin typeface="Arial" panose="020B0604020202020204" pitchFamily="34" charset="0"/>
+                <a:ea typeface="ヒラギノ角ゴ Pro W3"/>
+                <a:cs typeface="ヒラギノ角ゴ Pro W3"/>
+              </a:defRPr>
+            </a:lvl9pPr>
+          </a:lstStyle>
+          <a:p>
+            <a:pPr algn="ctr" defTabSz="457200">
+              <a:defRPr/>
+            </a:pPr>
+            <a:endParaRPr lang="en-US" altLang="en-US" sz="1350">
+              <a:solidFill>
+                <a:srgbClr val="FFFFFF"/>
+              </a:solidFill>
+              <a:latin typeface="Calibri" panose="020F0502020204030204" pitchFamily="34" charset="0"/>
+            </a:endParaRPr>
+          </a:p>
+        </p:txBody>
+      </p:sp>
+      <p:sp>
+        <p:nvSpPr>
+          <p:cNvPr id="10" name="Flowchart: Stored Data 9"/>
+          <p:cNvSpPr/>
+          <p:nvPr userDrawn="1"/>
+        </p:nvSpPr>
+        <p:spPr>
+          <a:xfrm>
+            <a:off x="2" y="6510338"/>
+            <a:ext cx="8640763" cy="17463"/>
+          </a:xfrm>
+          <a:prstGeom prst="flowChartOnlineStorage">
+            <a:avLst/>
+          </a:prstGeom>
+          <a:solidFill>
+            <a:srgbClr val="DA291C"/>
+          </a:solidFill>
+          <a:ln>
+            <a:noFill/>
+          </a:ln>
+          <a:effectLst/>
+        </p:spPr>
+        <p:style>
+          <a:lnRef idx="1">
+            <a:schemeClr val="accent1"/>
+          </a:lnRef>
+          <a:fillRef idx="3">
+            <a:schemeClr val="accent1"/>
+          </a:fillRef>
+          <a:effectRef idx="2">
+            <a:schemeClr val="accent1"/>
+          </a:effectRef>
+          <a:fontRef idx="minor">
+            <a:schemeClr val="lt1"/>
+          </a:fontRef>
+        </p:style>
+        <p:txBody>
+          <a:bodyPr anchor="ctr"/>
+          <a:lstStyle>
+            <a:lvl1pPr>
+              <a:defRPr>
+                <a:solidFill>
+                  <a:schemeClr val="tx1"/>
+                </a:solidFill>
+                <a:latin typeface="Arial" panose="020B0604020202020204" pitchFamily="34" charset="0"/>
+                <a:ea typeface="ヒラギノ角ゴ Pro W3"/>
+                <a:cs typeface="ヒラギノ角ゴ Pro W3"/>
+              </a:defRPr>
+            </a:lvl1pPr>
+            <a:lvl2pPr marL="742950" indent="-285750">
+              <a:defRPr>
+                <a:solidFill>
+                  <a:schemeClr val="tx1"/>
+                </a:solidFill>
+                <a:latin typeface="Arial" panose="020B0604020202020204" pitchFamily="34" charset="0"/>
+                <a:ea typeface="ヒラギノ角ゴ Pro W3"/>
+                <a:cs typeface="ヒラギノ角ゴ Pro W3"/>
+              </a:defRPr>
+            </a:lvl2pPr>
+            <a:lvl3pPr marL="1143000" indent="-228600">
+              <a:defRPr>
+                <a:solidFill>
+                  <a:schemeClr val="tx1"/>
+                </a:solidFill>
+                <a:latin typeface="Arial" panose="020B0604020202020204" pitchFamily="34" charset="0"/>
+                <a:ea typeface="ヒラギノ角ゴ Pro W3"/>
+                <a:cs typeface="ヒラギノ角ゴ Pro W3"/>
+              </a:defRPr>
+            </a:lvl3pPr>
+            <a:lvl4pPr marL="1600200" indent="-228600">
+              <a:defRPr>
+                <a:solidFill>
+                  <a:schemeClr val="tx1"/>
+                </a:solidFill>
+                <a:latin typeface="Arial" panose="020B0604020202020204" pitchFamily="34" charset="0"/>
+                <a:ea typeface="ヒラギノ角ゴ Pro W3"/>
+                <a:cs typeface="ヒラギノ角ゴ Pro W3"/>
+              </a:defRPr>
+            </a:lvl4pPr>
+            <a:lvl5pPr marL="2057400" indent="-228600">
+              <a:defRPr>
+                <a:solidFill>
+                  <a:schemeClr val="tx1"/>
+                </a:solidFill>
+                <a:latin typeface="Arial" panose="020B0604020202020204" pitchFamily="34" charset="0"/>
+                <a:ea typeface="ヒラギノ角ゴ Pro W3"/>
+                <a:cs typeface="ヒラギノ角ゴ Pro W3"/>
+              </a:defRPr>
+            </a:lvl5pPr>
+            <a:lvl6pPr marL="2514600" indent="-228600" defTabSz="457200" eaLnBrk="0" fontAlgn="base" hangingPunct="0">
+              <a:spcBef>
+                <a:spcPct val="0"/>
+              </a:spcBef>
+              <a:spcAft>
+                <a:spcPct val="0"/>
+              </a:spcAft>
+              <a:defRPr>
+                <a:solidFill>
+                  <a:schemeClr val="tx1"/>
+                </a:solidFill>
+                <a:latin typeface="Arial" panose="020B0604020202020204" pitchFamily="34" charset="0"/>
+                <a:ea typeface="ヒラギノ角ゴ Pro W3"/>
+                <a:cs typeface="ヒラギノ角ゴ Pro W3"/>
+              </a:defRPr>
+            </a:lvl6pPr>
+            <a:lvl7pPr marL="2971800" indent="-228600" defTabSz="457200" eaLnBrk="0" fontAlgn="base" hangingPunct="0">
+              <a:spcBef>
+                <a:spcPct val="0"/>
+              </a:spcBef>
+              <a:spcAft>
+                <a:spcPct val="0"/>
+              </a:spcAft>
+              <a:defRPr>
+                <a:solidFill>
+                  <a:schemeClr val="tx1"/>
+                </a:solidFill>
+                <a:latin typeface="Arial" panose="020B0604020202020204" pitchFamily="34" charset="0"/>
+                <a:ea typeface="ヒラギノ角ゴ Pro W3"/>
+                <a:cs typeface="ヒラギノ角ゴ Pro W3"/>
+              </a:defRPr>
+            </a:lvl7pPr>
+            <a:lvl8pPr marL="3429000" indent="-228600" defTabSz="457200" eaLnBrk="0" fontAlgn="base" hangingPunct="0">
+              <a:spcBef>
+                <a:spcPct val="0"/>
+              </a:spcBef>
+              <a:spcAft>
+                <a:spcPct val="0"/>
+              </a:spcAft>
+              <a:defRPr>
+                <a:solidFill>
+                  <a:schemeClr val="tx1"/>
+                </a:solidFill>
+                <a:latin typeface="Arial" panose="020B0604020202020204" pitchFamily="34" charset="0"/>
+                <a:ea typeface="ヒラギノ角ゴ Pro W3"/>
+                <a:cs typeface="ヒラギノ角ゴ Pro W3"/>
+              </a:defRPr>
+            </a:lvl8pPr>
+            <a:lvl9pPr marL="3886200" indent="-228600" defTabSz="457200" eaLnBrk="0" fontAlgn="base" hangingPunct="0">
+              <a:spcBef>
+                <a:spcPct val="0"/>
+              </a:spcBef>
+              <a:spcAft>
+                <a:spcPct val="0"/>
+              </a:spcAft>
+              <a:defRPr>
+                <a:solidFill>
+                  <a:schemeClr val="tx1"/>
+                </a:solidFill>
+                <a:latin typeface="Arial" panose="020B0604020202020204" pitchFamily="34" charset="0"/>
+                <a:ea typeface="ヒラギノ角ゴ Pro W3"/>
+                <a:cs typeface="ヒラギノ角ゴ Pro W3"/>
+              </a:defRPr>
+            </a:lvl9pPr>
+          </a:lstStyle>
+          <a:p>
+            <a:pPr algn="ctr" defTabSz="457200">
+              <a:defRPr/>
+            </a:pPr>
+            <a:endParaRPr lang="en-SG" altLang="en-US" sz="1350">
+              <a:solidFill>
+                <a:srgbClr val="FFFFFF"/>
+              </a:solidFill>
+              <a:latin typeface="Calibri" panose="020F0502020204030204" pitchFamily="34" charset="0"/>
+            </a:endParaRPr>
+          </a:p>
+        </p:txBody>
+      </p:sp>
+      <p:sp>
+        <p:nvSpPr>
+          <p:cNvPr id="11" name="Flowchart: Stored Data 10"/>
+          <p:cNvSpPr/>
+          <p:nvPr userDrawn="1"/>
+        </p:nvSpPr>
+        <p:spPr>
+          <a:xfrm>
+            <a:off x="0" y="6562726"/>
+            <a:ext cx="8712200" cy="36513"/>
+          </a:xfrm>
+          <a:prstGeom prst="flowChartOnlineStorage">
+            <a:avLst/>
+          </a:prstGeom>
+          <a:solidFill>
+            <a:srgbClr val="DA291C"/>
+          </a:solidFill>
+          <a:ln>
+            <a:noFill/>
+          </a:ln>
+          <a:effectLst/>
+        </p:spPr>
+        <p:style>
+          <a:lnRef idx="1">
+            <a:schemeClr val="accent1"/>
+          </a:lnRef>
+          <a:fillRef idx="3">
+            <a:schemeClr val="accent1"/>
+          </a:fillRef>
+          <a:effectRef idx="2">
+            <a:schemeClr val="accent1"/>
+          </a:effectRef>
+          <a:fontRef idx="minor">
+            <a:schemeClr val="lt1"/>
+          </a:fontRef>
+        </p:style>
+        <p:txBody>
+          <a:bodyPr anchor="ctr"/>
+          <a:lstStyle>
+            <a:lvl1pPr>
+              <a:defRPr>
+                <a:solidFill>
+                  <a:schemeClr val="tx1"/>
+                </a:solidFill>
+                <a:latin typeface="Arial" panose="020B0604020202020204" pitchFamily="34" charset="0"/>
+                <a:ea typeface="ヒラギノ角ゴ Pro W3"/>
+                <a:cs typeface="ヒラギノ角ゴ Pro W3"/>
+              </a:defRPr>
+            </a:lvl1pPr>
+            <a:lvl2pPr marL="742950" indent="-285750">
+              <a:defRPr>
+                <a:solidFill>
+                  <a:schemeClr val="tx1"/>
+                </a:solidFill>
+                <a:latin typeface="Arial" panose="020B0604020202020204" pitchFamily="34" charset="0"/>
+                <a:ea typeface="ヒラギノ角ゴ Pro W3"/>
+                <a:cs typeface="ヒラギノ角ゴ Pro W3"/>
+              </a:defRPr>
+            </a:lvl2pPr>
+            <a:lvl3pPr marL="1143000" indent="-228600">
+              <a:defRPr>
+                <a:solidFill>
+                  <a:schemeClr val="tx1"/>
+                </a:solidFill>
+                <a:latin typeface="Arial" panose="020B0604020202020204" pitchFamily="34" charset="0"/>
+                <a:ea typeface="ヒラギノ角ゴ Pro W3"/>
+                <a:cs typeface="ヒラギノ角ゴ Pro W3"/>
+              </a:defRPr>
+            </a:lvl3pPr>
+            <a:lvl4pPr marL="1600200" indent="-228600">
+              <a:defRPr>
+                <a:solidFill>
+                  <a:schemeClr val="tx1"/>
+                </a:solidFill>
+                <a:latin typeface="Arial" panose="020B0604020202020204" pitchFamily="34" charset="0"/>
+                <a:ea typeface="ヒラギノ角ゴ Pro W3"/>
+                <a:cs typeface="ヒラギノ角ゴ Pro W3"/>
+              </a:defRPr>
+            </a:lvl4pPr>
+            <a:lvl5pPr marL="2057400" indent="-228600">
+              <a:defRPr>
+                <a:solidFill>
+                  <a:schemeClr val="tx1"/>
+                </a:solidFill>
+                <a:latin typeface="Arial" panose="020B0604020202020204" pitchFamily="34" charset="0"/>
+                <a:ea typeface="ヒラギノ角ゴ Pro W3"/>
+                <a:cs typeface="ヒラギノ角ゴ Pro W3"/>
+              </a:defRPr>
+            </a:lvl5pPr>
+            <a:lvl6pPr marL="2514600" indent="-228600" defTabSz="457200" eaLnBrk="0" fontAlgn="base" hangingPunct="0">
+              <a:spcBef>
+                <a:spcPct val="0"/>
+              </a:spcBef>
+              <a:spcAft>
+                <a:spcPct val="0"/>
+              </a:spcAft>
+              <a:defRPr>
+                <a:solidFill>
+                  <a:schemeClr val="tx1"/>
+                </a:solidFill>
+                <a:latin typeface="Arial" panose="020B0604020202020204" pitchFamily="34" charset="0"/>
+                <a:ea typeface="ヒラギノ角ゴ Pro W3"/>
+                <a:cs typeface="ヒラギノ角ゴ Pro W3"/>
+              </a:defRPr>
+            </a:lvl6pPr>
+            <a:lvl7pPr marL="2971800" indent="-228600" defTabSz="457200" eaLnBrk="0" fontAlgn="base" hangingPunct="0">
+              <a:spcBef>
+                <a:spcPct val="0"/>
+              </a:spcBef>
+              <a:spcAft>
+                <a:spcPct val="0"/>
+              </a:spcAft>
+              <a:defRPr>
+                <a:solidFill>
+                  <a:schemeClr val="tx1"/>
+                </a:solidFill>
+                <a:latin typeface="Arial" panose="020B0604020202020204" pitchFamily="34" charset="0"/>
+                <a:ea typeface="ヒラギノ角ゴ Pro W3"/>
+                <a:cs typeface="ヒラギノ角ゴ Pro W3"/>
+              </a:defRPr>
+            </a:lvl7pPr>
+            <a:lvl8pPr marL="3429000" indent="-228600" defTabSz="457200" eaLnBrk="0" fontAlgn="base" hangingPunct="0">
+              <a:spcBef>
+                <a:spcPct val="0"/>
+              </a:spcBef>
+              <a:spcAft>
+                <a:spcPct val="0"/>
+              </a:spcAft>
+              <a:defRPr>
+                <a:solidFill>
+                  <a:schemeClr val="tx1"/>
+                </a:solidFill>
+                <a:latin typeface="Arial" panose="020B0604020202020204" pitchFamily="34" charset="0"/>
+                <a:ea typeface="ヒラギノ角ゴ Pro W3"/>
+                <a:cs typeface="ヒラギノ角ゴ Pro W3"/>
+              </a:defRPr>
+            </a:lvl8pPr>
+            <a:lvl9pPr marL="3886200" indent="-228600" defTabSz="457200" eaLnBrk="0" fontAlgn="base" hangingPunct="0">
+              <a:spcBef>
+                <a:spcPct val="0"/>
+              </a:spcBef>
+              <a:spcAft>
+                <a:spcPct val="0"/>
+              </a:spcAft>
+              <a:defRPr>
+                <a:solidFill>
+                  <a:schemeClr val="tx1"/>
+                </a:solidFill>
+                <a:latin typeface="Arial" panose="020B0604020202020204" pitchFamily="34" charset="0"/>
+                <a:ea typeface="ヒラギノ角ゴ Pro W3"/>
+                <a:cs typeface="ヒラギノ角ゴ Pro W3"/>
+              </a:defRPr>
+            </a:lvl9pPr>
+          </a:lstStyle>
+          <a:p>
+            <a:pPr algn="ctr" defTabSz="457200">
+              <a:defRPr/>
+            </a:pPr>
+            <a:endParaRPr lang="en-SG" altLang="en-US" sz="1350">
+              <a:solidFill>
+                <a:srgbClr val="FFFFFF"/>
+              </a:solidFill>
+              <a:latin typeface="Calibri" panose="020F0502020204030204" pitchFamily="34" charset="0"/>
+            </a:endParaRPr>
+          </a:p>
+        </p:txBody>
+      </p:sp>
+      <p:sp>
+        <p:nvSpPr>
+          <p:cNvPr id="12" name="Flowchart: Stored Data 11"/>
+          <p:cNvSpPr/>
+          <p:nvPr userDrawn="1"/>
+        </p:nvSpPr>
+        <p:spPr>
+          <a:xfrm>
+            <a:off x="-1588" y="6637339"/>
+            <a:ext cx="8815388" cy="53975"/>
+          </a:xfrm>
+          <a:prstGeom prst="flowChartOnlineStorage">
+            <a:avLst/>
+          </a:prstGeom>
+          <a:solidFill>
+            <a:srgbClr val="DA291C"/>
+          </a:solidFill>
+          <a:ln>
+            <a:noFill/>
+          </a:ln>
+          <a:effectLst/>
+        </p:spPr>
+        <p:style>
+          <a:lnRef idx="1">
+            <a:schemeClr val="accent1"/>
+          </a:lnRef>
+          <a:fillRef idx="3">
+            <a:schemeClr val="accent1"/>
+          </a:fillRef>
+          <a:effectRef idx="2">
+            <a:schemeClr val="accent1"/>
+          </a:effectRef>
+          <a:fontRef idx="minor">
+            <a:schemeClr val="lt1"/>
+          </a:fontRef>
+        </p:style>
+        <p:txBody>
+          <a:bodyPr anchor="ctr"/>
+          <a:lstStyle>
+            <a:lvl1pPr>
+              <a:defRPr>
+                <a:solidFill>
+                  <a:schemeClr val="tx1"/>
+                </a:solidFill>
+                <a:latin typeface="Arial" panose="020B0604020202020204" pitchFamily="34" charset="0"/>
+                <a:ea typeface="ヒラギノ角ゴ Pro W3"/>
+                <a:cs typeface="ヒラギノ角ゴ Pro W3"/>
+              </a:defRPr>
+            </a:lvl1pPr>
+            <a:lvl2pPr marL="742950" indent="-285750">
+              <a:defRPr>
+                <a:solidFill>
+                  <a:schemeClr val="tx1"/>
+                </a:solidFill>
+                <a:latin typeface="Arial" panose="020B0604020202020204" pitchFamily="34" charset="0"/>
+                <a:ea typeface="ヒラギノ角ゴ Pro W3"/>
+                <a:cs typeface="ヒラギノ角ゴ Pro W3"/>
+              </a:defRPr>
+            </a:lvl2pPr>
+            <a:lvl3pPr marL="1143000" indent="-228600">
+              <a:defRPr>
+                <a:solidFill>
+                  <a:schemeClr val="tx1"/>
+                </a:solidFill>
+                <a:latin typeface="Arial" panose="020B0604020202020204" pitchFamily="34" charset="0"/>
+                <a:ea typeface="ヒラギノ角ゴ Pro W3"/>
+                <a:cs typeface="ヒラギノ角ゴ Pro W3"/>
+              </a:defRPr>
+            </a:lvl3pPr>
+            <a:lvl4pPr marL="1600200" indent="-228600">
+              <a:defRPr>
+                <a:solidFill>
+                  <a:schemeClr val="tx1"/>
+                </a:solidFill>
+                <a:latin typeface="Arial" panose="020B0604020202020204" pitchFamily="34" charset="0"/>
+                <a:ea typeface="ヒラギノ角ゴ Pro W3"/>
+                <a:cs typeface="ヒラギノ角ゴ Pro W3"/>
+              </a:defRPr>
+            </a:lvl4pPr>
+            <a:lvl5pPr marL="2057400" indent="-228600">
+              <a:defRPr>
+                <a:solidFill>
+                  <a:schemeClr val="tx1"/>
+                </a:solidFill>
+                <a:latin typeface="Arial" panose="020B0604020202020204" pitchFamily="34" charset="0"/>
+                <a:ea typeface="ヒラギノ角ゴ Pro W3"/>
+                <a:cs typeface="ヒラギノ角ゴ Pro W3"/>
+              </a:defRPr>
+            </a:lvl5pPr>
+            <a:lvl6pPr marL="2514600" indent="-228600" defTabSz="457200" eaLnBrk="0" fontAlgn="base" hangingPunct="0">
+              <a:spcBef>
+                <a:spcPct val="0"/>
+              </a:spcBef>
+              <a:spcAft>
+                <a:spcPct val="0"/>
+              </a:spcAft>
+              <a:defRPr>
+                <a:solidFill>
+                  <a:schemeClr val="tx1"/>
+                </a:solidFill>
+                <a:latin typeface="Arial" panose="020B0604020202020204" pitchFamily="34" charset="0"/>
+                <a:ea typeface="ヒラギノ角ゴ Pro W3"/>
+                <a:cs typeface="ヒラギノ角ゴ Pro W3"/>
+              </a:defRPr>
+            </a:lvl6pPr>
+            <a:lvl7pPr marL="2971800" indent="-228600" defTabSz="457200" eaLnBrk="0" fontAlgn="base" hangingPunct="0">
+              <a:spcBef>
+                <a:spcPct val="0"/>
+              </a:spcBef>
+              <a:spcAft>
+                <a:spcPct val="0"/>
+              </a:spcAft>
+              <a:defRPr>
+                <a:solidFill>
+                  <a:schemeClr val="tx1"/>
+                </a:solidFill>
+                <a:latin typeface="Arial" panose="020B0604020202020204" pitchFamily="34" charset="0"/>
+                <a:ea typeface="ヒラギノ角ゴ Pro W3"/>
+                <a:cs typeface="ヒラギノ角ゴ Pro W3"/>
+              </a:defRPr>
+            </a:lvl7pPr>
+            <a:lvl8pPr marL="3429000" indent="-228600" defTabSz="457200" eaLnBrk="0" fontAlgn="base" hangingPunct="0">
+              <a:spcBef>
+                <a:spcPct val="0"/>
+              </a:spcBef>
+              <a:spcAft>
+                <a:spcPct val="0"/>
+              </a:spcAft>
+              <a:defRPr>
+                <a:solidFill>
+                  <a:schemeClr val="tx1"/>
+                </a:solidFill>
+                <a:latin typeface="Arial" panose="020B0604020202020204" pitchFamily="34" charset="0"/>
+                <a:ea typeface="ヒラギノ角ゴ Pro W3"/>
+                <a:cs typeface="ヒラギノ角ゴ Pro W3"/>
+              </a:defRPr>
+            </a:lvl8pPr>
+            <a:lvl9pPr marL="3886200" indent="-228600" defTabSz="457200" eaLnBrk="0" fontAlgn="base" hangingPunct="0">
+              <a:spcBef>
+                <a:spcPct val="0"/>
+              </a:spcBef>
+              <a:spcAft>
+                <a:spcPct val="0"/>
+              </a:spcAft>
+              <a:defRPr>
+                <a:solidFill>
+                  <a:schemeClr val="tx1"/>
+                </a:solidFill>
+                <a:latin typeface="Arial" panose="020B0604020202020204" pitchFamily="34" charset="0"/>
+                <a:ea typeface="ヒラギノ角ゴ Pro W3"/>
+                <a:cs typeface="ヒラギノ角ゴ Pro W3"/>
+              </a:defRPr>
+            </a:lvl9pPr>
+          </a:lstStyle>
+          <a:p>
+            <a:pPr algn="ctr" defTabSz="457200">
+              <a:defRPr/>
+            </a:pPr>
+            <a:endParaRPr lang="en-SG" altLang="en-US" sz="1350">
+              <a:solidFill>
+                <a:srgbClr val="FFFFFF"/>
+              </a:solidFill>
+              <a:latin typeface="Calibri" panose="020F0502020204030204" pitchFamily="34" charset="0"/>
+            </a:endParaRPr>
+          </a:p>
+        </p:txBody>
+      </p:sp>
+      <p:sp>
+        <p:nvSpPr>
+          <p:cNvPr id="13" name="Flowchart: Stored Data 12"/>
+          <p:cNvSpPr/>
+          <p:nvPr userDrawn="1"/>
+        </p:nvSpPr>
+        <p:spPr>
+          <a:xfrm rot="16200000">
+            <a:off x="6225382" y="4101307"/>
+            <a:ext cx="4824413" cy="19050"/>
+          </a:xfrm>
+          <a:prstGeom prst="flowChartOnlineStorage">
+            <a:avLst/>
+          </a:prstGeom>
+          <a:solidFill>
+            <a:srgbClr val="DA291C"/>
+          </a:solidFill>
+          <a:ln>
+            <a:noFill/>
+          </a:ln>
+          <a:effectLst/>
+        </p:spPr>
+        <p:style>
+          <a:lnRef idx="1">
+            <a:schemeClr val="accent1"/>
+          </a:lnRef>
+          <a:fillRef idx="3">
+            <a:schemeClr val="accent1"/>
+          </a:fillRef>
+          <a:effectRef idx="2">
+            <a:schemeClr val="accent1"/>
+          </a:effectRef>
+          <a:fontRef idx="minor">
+            <a:schemeClr val="lt1"/>
+          </a:fontRef>
+        </p:style>
+        <p:txBody>
+          <a:bodyPr anchor="ctr"/>
+          <a:lstStyle>
+            <a:lvl1pPr>
+              <a:defRPr>
+                <a:solidFill>
+                  <a:schemeClr val="tx1"/>
+                </a:solidFill>
+                <a:latin typeface="Arial" panose="020B0604020202020204" pitchFamily="34" charset="0"/>
+                <a:ea typeface="ヒラギノ角ゴ Pro W3"/>
+                <a:cs typeface="ヒラギノ角ゴ Pro W3"/>
+              </a:defRPr>
+            </a:lvl1pPr>
+            <a:lvl2pPr marL="742950" indent="-285750">
+              <a:defRPr>
+                <a:solidFill>
+                  <a:schemeClr val="tx1"/>
+                </a:solidFill>
+                <a:latin typeface="Arial" panose="020B0604020202020204" pitchFamily="34" charset="0"/>
+                <a:ea typeface="ヒラギノ角ゴ Pro W3"/>
+                <a:cs typeface="ヒラギノ角ゴ Pro W3"/>
+              </a:defRPr>
+            </a:lvl2pPr>
+            <a:lvl3pPr marL="1143000" indent="-228600">
+              <a:defRPr>
+                <a:solidFill>
+                  <a:schemeClr val="tx1"/>
+                </a:solidFill>
+                <a:latin typeface="Arial" panose="020B0604020202020204" pitchFamily="34" charset="0"/>
+                <a:ea typeface="ヒラギノ角ゴ Pro W3"/>
+                <a:cs typeface="ヒラギノ角ゴ Pro W3"/>
+              </a:defRPr>
+            </a:lvl3pPr>
+            <a:lvl4pPr marL="1600200" indent="-228600">
+              <a:defRPr>
+                <a:solidFill>
+                  <a:schemeClr val="tx1"/>
+                </a:solidFill>
+                <a:latin typeface="Arial" panose="020B0604020202020204" pitchFamily="34" charset="0"/>
+                <a:ea typeface="ヒラギノ角ゴ Pro W3"/>
+                <a:cs typeface="ヒラギノ角ゴ Pro W3"/>
+              </a:defRPr>
+            </a:lvl4pPr>
+            <a:lvl5pPr marL="2057400" indent="-228600">
+              <a:defRPr>
+                <a:solidFill>
+                  <a:schemeClr val="tx1"/>
+                </a:solidFill>
+                <a:latin typeface="Arial" panose="020B0604020202020204" pitchFamily="34" charset="0"/>
+                <a:ea typeface="ヒラギノ角ゴ Pro W3"/>
+                <a:cs typeface="ヒラギノ角ゴ Pro W3"/>
+              </a:defRPr>
+            </a:lvl5pPr>
+            <a:lvl6pPr marL="2514600" indent="-228600" defTabSz="457200" eaLnBrk="0" fontAlgn="base" hangingPunct="0">
+              <a:spcBef>
+                <a:spcPct val="0"/>
+              </a:spcBef>
+              <a:spcAft>
+                <a:spcPct val="0"/>
+              </a:spcAft>
+              <a:defRPr>
+                <a:solidFill>
+                  <a:schemeClr val="tx1"/>
+                </a:solidFill>
+                <a:latin typeface="Arial" panose="020B0604020202020204" pitchFamily="34" charset="0"/>
+                <a:ea typeface="ヒラギノ角ゴ Pro W3"/>
+                <a:cs typeface="ヒラギノ角ゴ Pro W3"/>
+              </a:defRPr>
+            </a:lvl6pPr>
+            <a:lvl7pPr marL="2971800" indent="-228600" defTabSz="457200" eaLnBrk="0" fontAlgn="base" hangingPunct="0">
+              <a:spcBef>
+                <a:spcPct val="0"/>
+              </a:spcBef>
+              <a:spcAft>
+                <a:spcPct val="0"/>
+              </a:spcAft>
+              <a:defRPr>
+                <a:solidFill>
+                  <a:schemeClr val="tx1"/>
+                </a:solidFill>
+                <a:latin typeface="Arial" panose="020B0604020202020204" pitchFamily="34" charset="0"/>
+                <a:ea typeface="ヒラギノ角ゴ Pro W3"/>
+                <a:cs typeface="ヒラギノ角ゴ Pro W3"/>
+              </a:defRPr>
+            </a:lvl7pPr>
+            <a:lvl8pPr marL="3429000" indent="-228600" defTabSz="457200" eaLnBrk="0" fontAlgn="base" hangingPunct="0">
+              <a:spcBef>
+                <a:spcPct val="0"/>
+              </a:spcBef>
+              <a:spcAft>
+                <a:spcPct val="0"/>
+              </a:spcAft>
+              <a:defRPr>
+                <a:solidFill>
+                  <a:schemeClr val="tx1"/>
+                </a:solidFill>
+                <a:latin typeface="Arial" panose="020B0604020202020204" pitchFamily="34" charset="0"/>
+                <a:ea typeface="ヒラギノ角ゴ Pro W3"/>
+                <a:cs typeface="ヒラギノ角ゴ Pro W3"/>
+              </a:defRPr>
+            </a:lvl8pPr>
+            <a:lvl9pPr marL="3886200" indent="-228600" defTabSz="457200" eaLnBrk="0" fontAlgn="base" hangingPunct="0">
+              <a:spcBef>
+                <a:spcPct val="0"/>
+              </a:spcBef>
+              <a:spcAft>
+                <a:spcPct val="0"/>
+              </a:spcAft>
+              <a:defRPr>
+                <a:solidFill>
+                  <a:schemeClr val="tx1"/>
+                </a:solidFill>
+                <a:latin typeface="Arial" panose="020B0604020202020204" pitchFamily="34" charset="0"/>
+                <a:ea typeface="ヒラギノ角ゴ Pro W3"/>
+                <a:cs typeface="ヒラギノ角ゴ Pro W3"/>
+              </a:defRPr>
+            </a:lvl9pPr>
+          </a:lstStyle>
+          <a:p>
+            <a:pPr algn="ctr" defTabSz="457200">
+              <a:defRPr/>
+            </a:pPr>
+            <a:endParaRPr lang="en-SG" altLang="en-US" sz="1350">
+              <a:solidFill>
+                <a:srgbClr val="FFFFFF"/>
+              </a:solidFill>
+              <a:latin typeface="Calibri" panose="020F0502020204030204" pitchFamily="34" charset="0"/>
+            </a:endParaRPr>
+          </a:p>
+        </p:txBody>
+      </p:sp>
+      <p:sp>
+        <p:nvSpPr>
+          <p:cNvPr id="14" name="Flowchart: Stored Data 13"/>
+          <p:cNvSpPr/>
+          <p:nvPr userDrawn="1"/>
+        </p:nvSpPr>
+        <p:spPr>
+          <a:xfrm rot="16200000">
+            <a:off x="6163470" y="4040983"/>
+            <a:ext cx="5075239" cy="34925"/>
+          </a:xfrm>
+          <a:prstGeom prst="flowChartOnlineStorage">
+            <a:avLst/>
+          </a:prstGeom>
+          <a:solidFill>
+            <a:srgbClr val="DA291C"/>
+          </a:solidFill>
+          <a:ln>
+            <a:noFill/>
+          </a:ln>
+          <a:effectLst/>
+        </p:spPr>
+        <p:style>
+          <a:lnRef idx="1">
+            <a:schemeClr val="accent1"/>
+          </a:lnRef>
+          <a:fillRef idx="3">
+            <a:schemeClr val="accent1"/>
+          </a:fillRef>
+          <a:effectRef idx="2">
+            <a:schemeClr val="accent1"/>
+          </a:effectRef>
+          <a:fontRef idx="minor">
+            <a:schemeClr val="lt1"/>
+          </a:fontRef>
+        </p:style>
+        <p:txBody>
+          <a:bodyPr anchor="ctr"/>
+          <a:lstStyle>
+            <a:lvl1pPr>
+              <a:defRPr>
+                <a:solidFill>
+                  <a:schemeClr val="tx1"/>
+                </a:solidFill>
+                <a:latin typeface="Arial" panose="020B0604020202020204" pitchFamily="34" charset="0"/>
+                <a:ea typeface="ヒラギノ角ゴ Pro W3"/>
+                <a:cs typeface="ヒラギノ角ゴ Pro W3"/>
+              </a:defRPr>
+            </a:lvl1pPr>
+            <a:lvl2pPr marL="742950" indent="-285750">
+              <a:defRPr>
+                <a:solidFill>
+                  <a:schemeClr val="tx1"/>
+                </a:solidFill>
+                <a:latin typeface="Arial" panose="020B0604020202020204" pitchFamily="34" charset="0"/>
+                <a:ea typeface="ヒラギノ角ゴ Pro W3"/>
+                <a:cs typeface="ヒラギノ角ゴ Pro W3"/>
+              </a:defRPr>
+            </a:lvl2pPr>
+            <a:lvl3pPr marL="1143000" indent="-228600">
+              <a:defRPr>
+                <a:solidFill>
+                  <a:schemeClr val="tx1"/>
+                </a:solidFill>
+                <a:latin typeface="Arial" panose="020B0604020202020204" pitchFamily="34" charset="0"/>
+                <a:ea typeface="ヒラギノ角ゴ Pro W3"/>
+                <a:cs typeface="ヒラギノ角ゴ Pro W3"/>
+              </a:defRPr>
+            </a:lvl3pPr>
+            <a:lvl4pPr marL="1600200" indent="-228600">
+              <a:defRPr>
+                <a:solidFill>
+                  <a:schemeClr val="tx1"/>
+                </a:solidFill>
+                <a:latin typeface="Arial" panose="020B0604020202020204" pitchFamily="34" charset="0"/>
+                <a:ea typeface="ヒラギノ角ゴ Pro W3"/>
+                <a:cs typeface="ヒラギノ角ゴ Pro W3"/>
+              </a:defRPr>
+            </a:lvl4pPr>
+            <a:lvl5pPr marL="2057400" indent="-228600">
+              <a:defRPr>
+                <a:solidFill>
+                  <a:schemeClr val="tx1"/>
+                </a:solidFill>
+                <a:latin typeface="Arial" panose="020B0604020202020204" pitchFamily="34" charset="0"/>
+                <a:ea typeface="ヒラギノ角ゴ Pro W3"/>
+                <a:cs typeface="ヒラギノ角ゴ Pro W3"/>
+              </a:defRPr>
+            </a:lvl5pPr>
+            <a:lvl6pPr marL="2514600" indent="-228600" defTabSz="457200" eaLnBrk="0" fontAlgn="base" hangingPunct="0">
+              <a:spcBef>
+                <a:spcPct val="0"/>
+              </a:spcBef>
+              <a:spcAft>
+                <a:spcPct val="0"/>
+              </a:spcAft>
+              <a:defRPr>
+                <a:solidFill>
+                  <a:schemeClr val="tx1"/>
+                </a:solidFill>
+                <a:latin typeface="Arial" panose="020B0604020202020204" pitchFamily="34" charset="0"/>
+                <a:ea typeface="ヒラギノ角ゴ Pro W3"/>
+                <a:cs typeface="ヒラギノ角ゴ Pro W3"/>
+              </a:defRPr>
+            </a:lvl6pPr>
+            <a:lvl7pPr marL="2971800" indent="-228600" defTabSz="457200" eaLnBrk="0" fontAlgn="base" hangingPunct="0">
+              <a:spcBef>
+                <a:spcPct val="0"/>
+              </a:spcBef>
+              <a:spcAft>
+                <a:spcPct val="0"/>
+              </a:spcAft>
+              <a:defRPr>
+                <a:solidFill>
+                  <a:schemeClr val="tx1"/>
+                </a:solidFill>
+                <a:latin typeface="Arial" panose="020B0604020202020204" pitchFamily="34" charset="0"/>
+                <a:ea typeface="ヒラギノ角ゴ Pro W3"/>
+                <a:cs typeface="ヒラギノ角ゴ Pro W3"/>
+              </a:defRPr>
+            </a:lvl7pPr>
+            <a:lvl8pPr marL="3429000" indent="-228600" defTabSz="457200" eaLnBrk="0" fontAlgn="base" hangingPunct="0">
+              <a:spcBef>
+                <a:spcPct val="0"/>
+              </a:spcBef>
+              <a:spcAft>
+                <a:spcPct val="0"/>
+              </a:spcAft>
+              <a:defRPr>
+                <a:solidFill>
+                  <a:schemeClr val="tx1"/>
+                </a:solidFill>
+                <a:latin typeface="Arial" panose="020B0604020202020204" pitchFamily="34" charset="0"/>
+                <a:ea typeface="ヒラギノ角ゴ Pro W3"/>
+                <a:cs typeface="ヒラギノ角ゴ Pro W3"/>
+              </a:defRPr>
+            </a:lvl8pPr>
+            <a:lvl9pPr marL="3886200" indent="-228600" defTabSz="457200" eaLnBrk="0" fontAlgn="base" hangingPunct="0">
+              <a:spcBef>
+                <a:spcPct val="0"/>
+              </a:spcBef>
+              <a:spcAft>
+                <a:spcPct val="0"/>
+              </a:spcAft>
+              <a:defRPr>
+                <a:solidFill>
+                  <a:schemeClr val="tx1"/>
+                </a:solidFill>
+                <a:latin typeface="Arial" panose="020B0604020202020204" pitchFamily="34" charset="0"/>
+                <a:ea typeface="ヒラギノ角ゴ Pro W3"/>
+                <a:cs typeface="ヒラギノ角ゴ Pro W3"/>
+              </a:defRPr>
+            </a:lvl9pPr>
+          </a:lstStyle>
+          <a:p>
+            <a:pPr algn="ctr" defTabSz="457200">
+              <a:defRPr/>
+            </a:pPr>
+            <a:endParaRPr lang="en-SG" altLang="en-US" sz="1350">
+              <a:solidFill>
+                <a:srgbClr val="FFFFFF"/>
+              </a:solidFill>
+              <a:latin typeface="Calibri" panose="020F0502020204030204" pitchFamily="34" charset="0"/>
+            </a:endParaRPr>
+          </a:p>
+        </p:txBody>
+      </p:sp>
+      <p:sp>
+        <p:nvSpPr>
+          <p:cNvPr id="16" name="Flowchart: Stored Data 15"/>
+          <p:cNvSpPr/>
+          <p:nvPr userDrawn="1"/>
+        </p:nvSpPr>
+        <p:spPr>
+          <a:xfrm rot="16200000">
+            <a:off x="6120607" y="3998121"/>
+            <a:ext cx="5332413" cy="53975"/>
+          </a:xfrm>
+          <a:prstGeom prst="flowChartOnlineStorage">
+            <a:avLst/>
+          </a:prstGeom>
+          <a:solidFill>
+            <a:srgbClr val="DA291C"/>
+          </a:solidFill>
+          <a:ln>
+            <a:noFill/>
+          </a:ln>
+          <a:effectLst/>
+        </p:spPr>
+        <p:style>
+          <a:lnRef idx="1">
+            <a:schemeClr val="accent1"/>
+          </a:lnRef>
+          <a:fillRef idx="3">
+            <a:schemeClr val="accent1"/>
+          </a:fillRef>
+          <a:effectRef idx="2">
+            <a:schemeClr val="accent1"/>
+          </a:effectRef>
+          <a:fontRef idx="minor">
+            <a:schemeClr val="lt1"/>
+          </a:fontRef>
+        </p:style>
+        <p:txBody>
+          <a:bodyPr anchor="ctr"/>
+          <a:lstStyle>
+            <a:lvl1pPr>
+              <a:defRPr>
+                <a:solidFill>
+                  <a:schemeClr val="tx1"/>
+                </a:solidFill>
+                <a:latin typeface="Arial" panose="020B0604020202020204" pitchFamily="34" charset="0"/>
+                <a:ea typeface="ヒラギノ角ゴ Pro W3"/>
+                <a:cs typeface="ヒラギノ角ゴ Pro W3"/>
+              </a:defRPr>
+            </a:lvl1pPr>
+            <a:lvl2pPr marL="742950" indent="-285750">
+              <a:defRPr>
+                <a:solidFill>
+                  <a:schemeClr val="tx1"/>
+                </a:solidFill>
+                <a:latin typeface="Arial" panose="020B0604020202020204" pitchFamily="34" charset="0"/>
+                <a:ea typeface="ヒラギノ角ゴ Pro W3"/>
+                <a:cs typeface="ヒラギノ角ゴ Pro W3"/>
+              </a:defRPr>
+            </a:lvl2pPr>
+            <a:lvl3pPr marL="1143000" indent="-228600">
+              <a:defRPr>
+                <a:solidFill>
+                  <a:schemeClr val="tx1"/>
+                </a:solidFill>
+                <a:latin typeface="Arial" panose="020B0604020202020204" pitchFamily="34" charset="0"/>
+                <a:ea typeface="ヒラギノ角ゴ Pro W3"/>
+                <a:cs typeface="ヒラギノ角ゴ Pro W3"/>
+              </a:defRPr>
+            </a:lvl3pPr>
+            <a:lvl4pPr marL="1600200" indent="-228600">
+              <a:defRPr>
+                <a:solidFill>
+                  <a:schemeClr val="tx1"/>
+                </a:solidFill>
+                <a:latin typeface="Arial" panose="020B0604020202020204" pitchFamily="34" charset="0"/>
+                <a:ea typeface="ヒラギノ角ゴ Pro W3"/>
+                <a:cs typeface="ヒラギノ角ゴ Pro W3"/>
+              </a:defRPr>
+            </a:lvl4pPr>
+            <a:lvl5pPr marL="2057400" indent="-228600">
+              <a:defRPr>
+                <a:solidFill>
+                  <a:schemeClr val="tx1"/>
+                </a:solidFill>
+                <a:latin typeface="Arial" panose="020B0604020202020204" pitchFamily="34" charset="0"/>
+                <a:ea typeface="ヒラギノ角ゴ Pro W3"/>
+                <a:cs typeface="ヒラギノ角ゴ Pro W3"/>
+              </a:defRPr>
+            </a:lvl5pPr>
+            <a:lvl6pPr marL="2514600" indent="-228600" defTabSz="457200" eaLnBrk="0" fontAlgn="base" hangingPunct="0">
+              <a:spcBef>
+                <a:spcPct val="0"/>
+              </a:spcBef>
+              <a:spcAft>
+                <a:spcPct val="0"/>
+              </a:spcAft>
+              <a:defRPr>
+                <a:solidFill>
+                  <a:schemeClr val="tx1"/>
+                </a:solidFill>
+                <a:latin typeface="Arial" panose="020B0604020202020204" pitchFamily="34" charset="0"/>
+                <a:ea typeface="ヒラギノ角ゴ Pro W3"/>
+                <a:cs typeface="ヒラギノ角ゴ Pro W3"/>
+              </a:defRPr>
+            </a:lvl6pPr>
+            <a:lvl7pPr marL="2971800" indent="-228600" defTabSz="457200" eaLnBrk="0" fontAlgn="base" hangingPunct="0">
+              <a:spcBef>
+                <a:spcPct val="0"/>
+              </a:spcBef>
+              <a:spcAft>
+                <a:spcPct val="0"/>
+              </a:spcAft>
+              <a:defRPr>
+                <a:solidFill>
+                  <a:schemeClr val="tx1"/>
+                </a:solidFill>
+                <a:latin typeface="Arial" panose="020B0604020202020204" pitchFamily="34" charset="0"/>
+                <a:ea typeface="ヒラギノ角ゴ Pro W3"/>
+                <a:cs typeface="ヒラギノ角ゴ Pro W3"/>
+              </a:defRPr>
+            </a:lvl7pPr>
+            <a:lvl8pPr marL="3429000" indent="-228600" defTabSz="457200" eaLnBrk="0" fontAlgn="base" hangingPunct="0">
+              <a:spcBef>
+                <a:spcPct val="0"/>
+              </a:spcBef>
+              <a:spcAft>
+                <a:spcPct val="0"/>
+              </a:spcAft>
+              <a:defRPr>
+                <a:solidFill>
+                  <a:schemeClr val="tx1"/>
+                </a:solidFill>
+                <a:latin typeface="Arial" panose="020B0604020202020204" pitchFamily="34" charset="0"/>
+                <a:ea typeface="ヒラギノ角ゴ Pro W3"/>
+                <a:cs typeface="ヒラギノ角ゴ Pro W3"/>
+              </a:defRPr>
+            </a:lvl8pPr>
+            <a:lvl9pPr marL="3886200" indent="-228600" defTabSz="457200" eaLnBrk="0" fontAlgn="base" hangingPunct="0">
+              <a:spcBef>
+                <a:spcPct val="0"/>
+              </a:spcBef>
+              <a:spcAft>
+                <a:spcPct val="0"/>
+              </a:spcAft>
+              <a:defRPr>
+                <a:solidFill>
+                  <a:schemeClr val="tx1"/>
+                </a:solidFill>
+                <a:latin typeface="Arial" panose="020B0604020202020204" pitchFamily="34" charset="0"/>
+                <a:ea typeface="ヒラギノ角ゴ Pro W3"/>
+                <a:cs typeface="ヒラギノ角ゴ Pro W3"/>
+              </a:defRPr>
+            </a:lvl9pPr>
+          </a:lstStyle>
+          <a:p>
+            <a:pPr algn="ctr" defTabSz="457200">
+              <a:defRPr/>
+            </a:pPr>
+            <a:endParaRPr lang="en-SG" altLang="en-US" sz="1350">
+              <a:solidFill>
+                <a:srgbClr val="FFFFFF"/>
+              </a:solidFill>
+              <a:latin typeface="Calibri" panose="020F0502020204030204" pitchFamily="34" charset="0"/>
+            </a:endParaRPr>
+          </a:p>
+        </p:txBody>
+      </p:sp>
+      <p:pic>
+        <p:nvPicPr>
+          <p:cNvPr id="1033" name="Picture 1"/>
+          <p:cNvPicPr>
+            <a:picLocks noChangeAspect="1"/>
+          </p:cNvPicPr>
+          <p:nvPr userDrawn="1"/>
+        </p:nvPicPr>
+        <p:blipFill>
+          <a:blip r:embed="rId4" cstate="print">
+            <a:extLst>
+              <a:ext uri="{28A0092B-C50C-407E-A947-70E740481C1C}">
+                <a14:useLocalDpi xmlns:a14="http://schemas.microsoft.com/office/drawing/2010/main" val="0"/>
+              </a:ext>
+            </a:extLst>
+          </a:blip>
+          <a:srcRect l="16106" t="18172" r="16106" b="18172"/>
+          <a:stretch>
+            <a:fillRect/>
+          </a:stretch>
+        </p:blipFill>
+        <p:spPr bwMode="auto">
+          <a:xfrm>
+            <a:off x="7110413" y="284163"/>
+            <a:ext cx="1706562" cy="887412"/>
+          </a:xfrm>
+          <a:prstGeom prst="rect">
+            <a:avLst/>
+          </a:prstGeom>
+          <a:noFill/>
+          <a:ln>
+            <a:noFill/>
+          </a:ln>
+          <a:extLst>
+            <a:ext uri="{909E8E84-426E-40DD-AFC4-6F175D3DCCD1}">
+              <a14:hiddenFill xmlns:a14="http://schemas.microsoft.com/office/drawing/2010/main">
+                <a:solidFill>
+                  <a:srgbClr val="FFFFFF"/>
+                </a:solidFill>
+              </a14:hiddenFill>
+            </a:ext>
+            <a:ext uri="{91240B29-F687-4F45-9708-019B960494DF}">
+              <a14:hiddenLine xmlns:a14="http://schemas.microsoft.com/office/drawing/2010/main" w="9525">
+                <a:solidFill>
+                  <a:srgbClr val="000000"/>
+                </a:solidFill>
+                <a:miter lim="800000"/>
+                <a:headEnd/>
+                <a:tailEnd/>
+              </a14:hiddenLine>
+            </a:ext>
+          </a:extLst>
+        </p:spPr>
+      </p:pic>
+    </p:spTree>
+    <p:extLst>
+      <p:ext uri="{BB962C8B-B14F-4D97-AF65-F5344CB8AC3E}">
+        <p14:creationId xmlns:p14="http://schemas.microsoft.com/office/powerpoint/2010/main" val="1186442903"/>
+      </p:ext>
+    </p:extLst>
+  </p:cSld>
+  <p:clrMap bg1="lt1" tx1="dk1" bg2="lt2" tx2="dk2" accent1="accent1" accent2="accent2" accent3="accent3" accent4="accent4" accent5="accent5" accent6="accent6" hlink="hlink" folHlink="folHlink"/>
+  <p:sldLayoutIdLst>
+    <p:sldLayoutId id="2147483684" r:id="rId1"/>
+    <p:sldLayoutId id="2147483685" r:id="rId2"/>
+  </p:sldLayoutIdLst>
+  <p:txStyles>
+    <p:titleStyle>
+      <a:lvl1pPr algn="ctr" defTabSz="342900" rtl="0" eaLnBrk="0" fontAlgn="base" hangingPunct="0">
+        <a:spcBef>
+          <a:spcPct val="0"/>
+        </a:spcBef>
+        <a:spcAft>
+          <a:spcPct val="0"/>
+        </a:spcAft>
+        <a:defRPr sz="3300" kern="1200">
+          <a:solidFill>
+            <a:schemeClr val="tx1"/>
+          </a:solidFill>
+          <a:latin typeface="+mj-lt"/>
+          <a:ea typeface="ヒラギノ角ゴ Pro W3" charset="-128"/>
+          <a:cs typeface="ヒラギノ角ゴ Pro W3" charset="-128"/>
+        </a:defRPr>
+      </a:lvl1pPr>
+      <a:lvl2pPr algn="ctr" defTabSz="342900" rtl="0" eaLnBrk="0" fontAlgn="base" hangingPunct="0">
+        <a:spcBef>
+          <a:spcPct val="0"/>
+        </a:spcBef>
+        <a:spcAft>
+          <a:spcPct val="0"/>
+        </a:spcAft>
+        <a:defRPr sz="3300">
+          <a:solidFill>
+            <a:schemeClr val="tx1"/>
+          </a:solidFill>
+          <a:latin typeface="Calibri" pitchFamily="-65" charset="0"/>
+          <a:ea typeface="ヒラギノ角ゴ Pro W3" charset="-128"/>
+          <a:cs typeface="ヒラギノ角ゴ Pro W3" charset="-128"/>
+        </a:defRPr>
+      </a:lvl2pPr>
+      <a:lvl3pPr algn="ctr" defTabSz="342900" rtl="0" eaLnBrk="0" fontAlgn="base" hangingPunct="0">
+        <a:spcBef>
+          <a:spcPct val="0"/>
+        </a:spcBef>
+        <a:spcAft>
+          <a:spcPct val="0"/>
+        </a:spcAft>
+        <a:defRPr sz="3300">
+          <a:solidFill>
+            <a:schemeClr val="tx1"/>
+          </a:solidFill>
+          <a:latin typeface="Calibri" pitchFamily="-65" charset="0"/>
+          <a:ea typeface="ヒラギノ角ゴ Pro W3" charset="-128"/>
+          <a:cs typeface="ヒラギノ角ゴ Pro W3" charset="-128"/>
+        </a:defRPr>
+      </a:lvl3pPr>
+      <a:lvl4pPr algn="ctr" defTabSz="342900" rtl="0" eaLnBrk="0" fontAlgn="base" hangingPunct="0">
+        <a:spcBef>
+          <a:spcPct val="0"/>
+        </a:spcBef>
+        <a:spcAft>
+          <a:spcPct val="0"/>
+        </a:spcAft>
+        <a:defRPr sz="3300">
+          <a:solidFill>
+            <a:schemeClr val="tx1"/>
+          </a:solidFill>
+          <a:latin typeface="Calibri" pitchFamily="-65" charset="0"/>
+          <a:ea typeface="ヒラギノ角ゴ Pro W3" charset="-128"/>
+          <a:cs typeface="ヒラギノ角ゴ Pro W3" charset="-128"/>
+        </a:defRPr>
+      </a:lvl4pPr>
+      <a:lvl5pPr algn="ctr" defTabSz="342900" rtl="0" eaLnBrk="0" fontAlgn="base" hangingPunct="0">
+        <a:spcBef>
+          <a:spcPct val="0"/>
+        </a:spcBef>
+        <a:spcAft>
+          <a:spcPct val="0"/>
+        </a:spcAft>
+        <a:defRPr sz="3300">
+          <a:solidFill>
+            <a:schemeClr val="tx1"/>
+          </a:solidFill>
+          <a:latin typeface="Calibri" pitchFamily="-65" charset="0"/>
+          <a:ea typeface="ヒラギノ角ゴ Pro W3" charset="-128"/>
+          <a:cs typeface="ヒラギノ角ゴ Pro W3" charset="-128"/>
+        </a:defRPr>
+      </a:lvl5pPr>
+      <a:lvl6pPr marL="342900" algn="ctr" defTabSz="342900" rtl="0" fontAlgn="base">
+        <a:spcBef>
+          <a:spcPct val="0"/>
+        </a:spcBef>
+        <a:spcAft>
+          <a:spcPct val="0"/>
+        </a:spcAft>
+        <a:defRPr sz="3300">
+          <a:solidFill>
+            <a:schemeClr val="tx1"/>
+          </a:solidFill>
+          <a:latin typeface="Calibri" pitchFamily="-65" charset="0"/>
+          <a:ea typeface="ヒラギノ角ゴ Pro W3" charset="-128"/>
+          <a:cs typeface="ヒラギノ角ゴ Pro W3" charset="-128"/>
+        </a:defRPr>
+      </a:lvl6pPr>
+      <a:lvl7pPr marL="685800" algn="ctr" defTabSz="342900" rtl="0" fontAlgn="base">
+        <a:spcBef>
+          <a:spcPct val="0"/>
+        </a:spcBef>
+        <a:spcAft>
+          <a:spcPct val="0"/>
+        </a:spcAft>
+        <a:defRPr sz="3300">
+          <a:solidFill>
+            <a:schemeClr val="tx1"/>
+          </a:solidFill>
+          <a:latin typeface="Calibri" pitchFamily="-65" charset="0"/>
+          <a:ea typeface="ヒラギノ角ゴ Pro W3" charset="-128"/>
+          <a:cs typeface="ヒラギノ角ゴ Pro W3" charset="-128"/>
+        </a:defRPr>
+      </a:lvl7pPr>
+      <a:lvl8pPr marL="1028700" algn="ctr" defTabSz="342900" rtl="0" fontAlgn="base">
+        <a:spcBef>
+          <a:spcPct val="0"/>
+        </a:spcBef>
+        <a:spcAft>
+          <a:spcPct val="0"/>
+        </a:spcAft>
+        <a:defRPr sz="3300">
+          <a:solidFill>
+            <a:schemeClr val="tx1"/>
+          </a:solidFill>
+          <a:latin typeface="Calibri" pitchFamily="-65" charset="0"/>
+          <a:ea typeface="ヒラギノ角ゴ Pro W3" charset="-128"/>
+          <a:cs typeface="ヒラギノ角ゴ Pro W3" charset="-128"/>
+        </a:defRPr>
+      </a:lvl8pPr>
+      <a:lvl9pPr marL="1371600" algn="ctr" defTabSz="342900" rtl="0" fontAlgn="base">
+        <a:spcBef>
+          <a:spcPct val="0"/>
+        </a:spcBef>
+        <a:spcAft>
+          <a:spcPct val="0"/>
+        </a:spcAft>
+        <a:defRPr sz="3300">
+          <a:solidFill>
+            <a:schemeClr val="tx1"/>
+          </a:solidFill>
+          <a:latin typeface="Calibri" pitchFamily="-65" charset="0"/>
+          <a:ea typeface="ヒラギノ角ゴ Pro W3" charset="-128"/>
+          <a:cs typeface="ヒラギノ角ゴ Pro W3" charset="-128"/>
+        </a:defRPr>
+      </a:lvl9pPr>
+    </p:titleStyle>
+    <p:bodyStyle>
+      <a:lvl1pPr marL="257175" indent="-257175" algn="l" defTabSz="342900" rtl="0" eaLnBrk="0" fontAlgn="base" hangingPunct="0">
+        <a:spcBef>
+          <a:spcPct val="20000"/>
+        </a:spcBef>
+        <a:spcAft>
+          <a:spcPct val="0"/>
+        </a:spcAft>
+        <a:buFont typeface="Arial" panose="020B0604020202020204" pitchFamily="34" charset="0"/>
+        <a:buChar char="•"/>
+        <a:defRPr sz="2400" kern="1200">
+          <a:solidFill>
+            <a:schemeClr val="tx1"/>
+          </a:solidFill>
+          <a:latin typeface="+mn-lt"/>
+          <a:ea typeface="ヒラギノ角ゴ Pro W3" charset="-128"/>
+          <a:cs typeface="ヒラギノ角ゴ Pro W3" charset="-128"/>
+        </a:defRPr>
+      </a:lvl1pPr>
+      <a:lvl2pPr marL="557213" indent="-214313" algn="l" defTabSz="342900" rtl="0" eaLnBrk="0" fontAlgn="base" hangingPunct="0">
+        <a:spcBef>
+          <a:spcPct val="20000"/>
+        </a:spcBef>
+        <a:spcAft>
+          <a:spcPct val="0"/>
+        </a:spcAft>
+        <a:buFont typeface="Arial" panose="020B0604020202020204" pitchFamily="34" charset="0"/>
+        <a:buChar char="–"/>
+        <a:defRPr sz="2100" kern="1200">
+          <a:solidFill>
+            <a:schemeClr val="tx1"/>
+          </a:solidFill>
+          <a:latin typeface="+mn-lt"/>
+          <a:ea typeface="ヒラギノ角ゴ Pro W3" charset="-128"/>
+          <a:cs typeface="ヒラギノ角ゴ Pro W3"/>
+        </a:defRPr>
+      </a:lvl2pPr>
+      <a:lvl3pPr marL="857250" indent="-171450" algn="l" defTabSz="342900" rtl="0" eaLnBrk="0" fontAlgn="base" hangingPunct="0">
+        <a:spcBef>
+          <a:spcPct val="20000"/>
+        </a:spcBef>
+        <a:spcAft>
+          <a:spcPct val="0"/>
+        </a:spcAft>
+        <a:buFont typeface="Arial" panose="020B0604020202020204" pitchFamily="34" charset="0"/>
+        <a:buChar char="•"/>
+        <a:defRPr sz="1800" kern="1200">
+          <a:solidFill>
+            <a:schemeClr val="tx1"/>
+          </a:solidFill>
+          <a:latin typeface="+mn-lt"/>
+          <a:ea typeface="ヒラギノ角ゴ Pro W3" charset="-128"/>
+          <a:cs typeface="ヒラギノ角ゴ Pro W3"/>
+        </a:defRPr>
+      </a:lvl3pPr>
+      <a:lvl4pPr marL="1200150" indent="-171450" algn="l" defTabSz="342900" rtl="0" eaLnBrk="0" fontAlgn="base" hangingPunct="0">
+        <a:spcBef>
+          <a:spcPct val="20000"/>
+        </a:spcBef>
+        <a:spcAft>
+          <a:spcPct val="0"/>
+        </a:spcAft>
+        <a:buFont typeface="Arial" panose="020B0604020202020204" pitchFamily="34" charset="0"/>
+        <a:buChar char="–"/>
+        <a:defRPr sz="1500" kern="1200">
+          <a:solidFill>
+            <a:schemeClr val="tx1"/>
+          </a:solidFill>
+          <a:latin typeface="+mn-lt"/>
+          <a:ea typeface="ヒラギノ角ゴ Pro W3" charset="-128"/>
+          <a:cs typeface="ヒラギノ角ゴ Pro W3"/>
+        </a:defRPr>
+      </a:lvl4pPr>
+      <a:lvl5pPr marL="1543050" indent="-171450" algn="l" defTabSz="342900" rtl="0" eaLnBrk="0" fontAlgn="base" hangingPunct="0">
+        <a:spcBef>
+          <a:spcPct val="20000"/>
+        </a:spcBef>
+        <a:spcAft>
+          <a:spcPct val="0"/>
+        </a:spcAft>
+        <a:buFont typeface="Arial" panose="020B0604020202020204" pitchFamily="34" charset="0"/>
+        <a:buChar char="»"/>
+        <a:defRPr sz="1500" kern="1200">
+          <a:solidFill>
+            <a:schemeClr val="tx1"/>
+          </a:solidFill>
+          <a:latin typeface="+mn-lt"/>
+          <a:ea typeface="ヒラギノ角ゴ Pro W3" charset="-128"/>
+          <a:cs typeface="ヒラギノ角ゴ Pro W3"/>
+        </a:defRPr>
+      </a:lvl5pPr>
+      <a:lvl6pPr marL="1885950" indent="-171450" algn="l" defTabSz="342900" rtl="0" eaLnBrk="1" latinLnBrk="0" hangingPunct="1">
+        <a:spcBef>
+          <a:spcPct val="20000"/>
+        </a:spcBef>
+        <a:buFont typeface="Arial"/>
+        <a:buChar char="•"/>
+        <a:defRPr sz="1500" kern="1200">
+          <a:solidFill>
+            <a:schemeClr val="tx1"/>
+          </a:solidFill>
+          <a:latin typeface="+mn-lt"/>
+          <a:ea typeface="+mn-ea"/>
+          <a:cs typeface="+mn-cs"/>
+        </a:defRPr>
+      </a:lvl6pPr>
+      <a:lvl7pPr marL="2228850" indent="-171450" algn="l" defTabSz="342900" rtl="0" eaLnBrk="1" latinLnBrk="0" hangingPunct="1">
+        <a:spcBef>
+          <a:spcPct val="20000"/>
+        </a:spcBef>
+        <a:buFont typeface="Arial"/>
+        <a:buChar char="•"/>
+        <a:defRPr sz="1500" kern="1200">
+          <a:solidFill>
+            <a:schemeClr val="tx1"/>
+          </a:solidFill>
+          <a:latin typeface="+mn-lt"/>
+          <a:ea typeface="+mn-ea"/>
+          <a:cs typeface="+mn-cs"/>
+        </a:defRPr>
+      </a:lvl7pPr>
+      <a:lvl8pPr marL="2571750" indent="-171450" algn="l" defTabSz="342900" rtl="0" eaLnBrk="1" latinLnBrk="0" hangingPunct="1">
+        <a:spcBef>
+          <a:spcPct val="20000"/>
+        </a:spcBef>
+        <a:buFont typeface="Arial"/>
+        <a:buChar char="•"/>
+        <a:defRPr sz="1500" kern="1200">
+          <a:solidFill>
+            <a:schemeClr val="tx1"/>
+          </a:solidFill>
+          <a:latin typeface="+mn-lt"/>
+          <a:ea typeface="+mn-ea"/>
+          <a:cs typeface="+mn-cs"/>
+        </a:defRPr>
+      </a:lvl8pPr>
+      <a:lvl9pPr marL="2914650" indent="-171450" algn="l" defTabSz="342900" rtl="0" eaLnBrk="1" latinLnBrk="0" hangingPunct="1">
+        <a:spcBef>
+          <a:spcPct val="20000"/>
+        </a:spcBef>
+        <a:buFont typeface="Arial"/>
+        <a:buChar char="•"/>
+        <a:defRPr sz="1500" kern="1200">
+          <a:solidFill>
+            <a:schemeClr val="tx1"/>
+          </a:solidFill>
+          <a:latin typeface="+mn-lt"/>
+          <a:ea typeface="+mn-ea"/>
+          <a:cs typeface="+mn-cs"/>
+        </a:defRPr>
+      </a:lvl9pPr>
+    </p:bodyStyle>
+    <p:otherStyle>
+      <a:defPPr>
+        <a:defRPr lang="en-US"/>
+      </a:defPPr>
+      <a:lvl1pPr marL="0" algn="l" defTabSz="342900" rtl="0" eaLnBrk="1" latinLnBrk="0" hangingPunct="1">
+        <a:defRPr sz="1350" kern="1200">
+          <a:solidFill>
+            <a:schemeClr val="tx1"/>
+          </a:solidFill>
+          <a:latin typeface="+mn-lt"/>
+          <a:ea typeface="+mn-ea"/>
+          <a:cs typeface="+mn-cs"/>
+        </a:defRPr>
+      </a:lvl1pPr>
+      <a:lvl2pPr marL="342900" algn="l" defTabSz="342900" rtl="0" eaLnBrk="1" latinLnBrk="0" hangingPunct="1">
+        <a:defRPr sz="1350" kern="1200">
+          <a:solidFill>
+            <a:schemeClr val="tx1"/>
+          </a:solidFill>
+          <a:latin typeface="+mn-lt"/>
+          <a:ea typeface="+mn-ea"/>
+          <a:cs typeface="+mn-cs"/>
+        </a:defRPr>
+      </a:lvl2pPr>
+      <a:lvl3pPr marL="685800" algn="l" defTabSz="342900" rtl="0" eaLnBrk="1" latinLnBrk="0" hangingPunct="1">
+        <a:defRPr sz="1350" kern="1200">
+          <a:solidFill>
+            <a:schemeClr val="tx1"/>
+          </a:solidFill>
+          <a:latin typeface="+mn-lt"/>
+          <a:ea typeface="+mn-ea"/>
+          <a:cs typeface="+mn-cs"/>
+        </a:defRPr>
+      </a:lvl3pPr>
+      <a:lvl4pPr marL="1028700" algn="l" defTabSz="342900" rtl="0" eaLnBrk="1" latinLnBrk="0" hangingPunct="1">
+        <a:defRPr sz="1350" kern="1200">
+          <a:solidFill>
+            <a:schemeClr val="tx1"/>
+          </a:solidFill>
+          <a:latin typeface="+mn-lt"/>
+          <a:ea typeface="+mn-ea"/>
+          <a:cs typeface="+mn-cs"/>
+        </a:defRPr>
+      </a:lvl4pPr>
+      <a:lvl5pPr marL="1371600" algn="l" defTabSz="342900" rtl="0" eaLnBrk="1" latinLnBrk="0" hangingPunct="1">
+        <a:defRPr sz="1350" kern="1200">
+          <a:solidFill>
+            <a:schemeClr val="tx1"/>
+          </a:solidFill>
+          <a:latin typeface="+mn-lt"/>
+          <a:ea typeface="+mn-ea"/>
+          <a:cs typeface="+mn-cs"/>
+        </a:defRPr>
+      </a:lvl5pPr>
+      <a:lvl6pPr marL="1714500" algn="l" defTabSz="342900" rtl="0" eaLnBrk="1" latinLnBrk="0" hangingPunct="1">
+        <a:defRPr sz="1350" kern="1200">
+          <a:solidFill>
+            <a:schemeClr val="tx1"/>
+          </a:solidFill>
+          <a:latin typeface="+mn-lt"/>
+          <a:ea typeface="+mn-ea"/>
+          <a:cs typeface="+mn-cs"/>
+        </a:defRPr>
+      </a:lvl6pPr>
+      <a:lvl7pPr marL="2057400" algn="l" defTabSz="342900" rtl="0" eaLnBrk="1" latinLnBrk="0" hangingPunct="1">
+        <a:defRPr sz="1350" kern="1200">
+          <a:solidFill>
+            <a:schemeClr val="tx1"/>
+          </a:solidFill>
+          <a:latin typeface="+mn-lt"/>
+          <a:ea typeface="+mn-ea"/>
+          <a:cs typeface="+mn-cs"/>
+        </a:defRPr>
+      </a:lvl7pPr>
+      <a:lvl8pPr marL="2400300" algn="l" defTabSz="342900" rtl="0" eaLnBrk="1" latinLnBrk="0" hangingPunct="1">
+        <a:defRPr sz="1350" kern="1200">
+          <a:solidFill>
+            <a:schemeClr val="tx1"/>
+          </a:solidFill>
+          <a:latin typeface="+mn-lt"/>
+          <a:ea typeface="+mn-ea"/>
+          <a:cs typeface="+mn-cs"/>
+        </a:defRPr>
+      </a:lvl8pPr>
+      <a:lvl9pPr marL="2743200" algn="l" defTabSz="342900" rtl="0" eaLnBrk="1" latinLnBrk="0" hangingPunct="1">
+        <a:defRPr sz="1350" kern="1200">
+          <a:solidFill>
+            <a:schemeClr val="tx1"/>
+          </a:solidFill>
+          <a:latin typeface="+mn-lt"/>
+          <a:ea typeface="+mn-ea"/>
+          <a:cs typeface="+mn-cs"/>
+        </a:defRPr>
+      </a:lvl9pPr>
+    </p:otherStyle>
+  </p:txStyles>
+</p:sldMaster>
+</file>
+
 <file path=ppt/slides/slide1.xml><?xml version="1.0" encoding="utf-8"?>
 <p:sld xmlns:a="http://schemas.openxmlformats.org/drawingml/2006/main" xmlns:r="http://schemas.openxmlformats.org/officeDocument/2006/relationships" xmlns:p="http://schemas.openxmlformats.org/presentationml/2006/main">
   <p:cSld>
@@ -20946,8 +22797,8 @@
         </p:nvSpPr>
         <p:spPr bwMode="auto">
           <a:xfrm>
-            <a:off x="1433513" y="1022747"/>
-            <a:ext cx="5657850" cy="457200"/>
+            <a:off x="497118" y="1060325"/>
+            <a:ext cx="6204306" cy="457200"/>
           </a:xfrm>
           <a:noFill/>
           <a:extLst>
@@ -20998,7 +22849,18 @@
                 <a:ea typeface="ヒラギノ角ゴ Pro W3"/>
                 <a:cs typeface="ヒラギノ角ゴ Pro W3"/>
               </a:rPr>
-              <a:t>– Study Units</a:t>
+              <a:t>– </a:t>
+            </a:r>
+            <a:r>
+              <a:rPr lang="en-US" altLang="en-US" sz="2100" dirty="0">
+                <a:solidFill>
+                  <a:schemeClr val="bg1"/>
+                </a:solidFill>
+                <a:latin typeface="Lucida Sans" panose="020B0602030504020204" pitchFamily="34" charset="0"/>
+                <a:ea typeface="ヒラギノ角ゴ Pro W3"/>
+                <a:cs typeface="ヒラギノ角ゴ Pro W3"/>
+              </a:rPr>
+              <a:t>Assessments, weightage, deadlines</a:t>
             </a:r>
             <a:endParaRPr lang="en-SG" altLang="en-US" sz="2100" dirty="0">
               <a:solidFill>
@@ -21023,7 +22885,7 @@
         </p:nvSpPr>
         <p:spPr bwMode="auto">
           <a:xfrm>
-            <a:off x="1223628" y="1606088"/>
+            <a:off x="497118" y="1631140"/>
             <a:ext cx="5657850" cy="228600"/>
           </a:xfrm>
           <a:noFill/>
@@ -21073,23 +22935,17 @@
       </p:sp>
       <p:graphicFrame>
         <p:nvGraphicFramePr>
-          <p:cNvPr id="2" name="Table 2">
-            <a:extLst>
-              <a:ext uri="{FF2B5EF4-FFF2-40B4-BE49-F238E27FC236}">
-                <a16:creationId xmlns:a16="http://schemas.microsoft.com/office/drawing/2014/main" id="{A557F063-8854-48BA-BF0D-D7E1B7E4BBA7}"/>
-              </a:ext>
-            </a:extLst>
-          </p:cNvPr>
+          <p:cNvPr id="6" name="Content Placeholder 3"/>
           <p:cNvGraphicFramePr>
-            <a:graphicFrameLocks noGrp="1"/>
+            <a:graphicFrameLocks/>
           </p:cNvGraphicFramePr>
           <p:nvPr>
             <p:extLst/>
           </p:nvPr>
         </p:nvGraphicFramePr>
         <p:xfrm>
-          <a:off x="1223628" y="1978519"/>
-          <a:ext cx="6683956" cy="3108960"/>
+          <a:off x="495522" y="2093160"/>
+          <a:ext cx="8152956" cy="3773204"/>
         </p:xfrm>
         <a:graphic>
           <a:graphicData uri="http://schemas.openxmlformats.org/drawingml/2006/table">
@@ -21098,101 +22954,49 @@
                 <a:tableStyleId>{5C22544A-7EE6-4342-B048-85BDC9FD1C3A}</a:tableStyleId>
               </a:tblPr>
               <a:tblGrid>
-                <a:gridCol w="568166">
+                <a:gridCol w="2073847">
                   <a:extLst>
                     <a:ext uri="{9D8B030D-6E8A-4147-A177-3AD203B41FA5}">
-                      <a16:colId xmlns:a16="http://schemas.microsoft.com/office/drawing/2014/main" val="490576269"/>
+                      <a16:colId xmlns:a16="http://schemas.microsoft.com/office/drawing/2014/main" xmlns="" val="736504923"/>
                     </a:ext>
                   </a:extLst>
                 </a:gridCol>
-                <a:gridCol w="2398728">
+                <a:gridCol w="2867660">
                   <a:extLst>
                     <a:ext uri="{9D8B030D-6E8A-4147-A177-3AD203B41FA5}">
-                      <a16:colId xmlns:a16="http://schemas.microsoft.com/office/drawing/2014/main" val="2750247129"/>
+                      <a16:colId xmlns:a16="http://schemas.microsoft.com/office/drawing/2014/main" xmlns="" val="2972121942"/>
                     </a:ext>
                   </a:extLst>
                 </a:gridCol>
-                <a:gridCol w="705089">
+                <a:gridCol w="1188085">
                   <a:extLst>
                     <a:ext uri="{9D8B030D-6E8A-4147-A177-3AD203B41FA5}">
-                      <a16:colId xmlns:a16="http://schemas.microsoft.com/office/drawing/2014/main" val="3137058074"/>
+                      <a16:colId xmlns:a16="http://schemas.microsoft.com/office/drawing/2014/main" xmlns="" val="366444726"/>
                     </a:ext>
                   </a:extLst>
                 </a:gridCol>
-                <a:gridCol w="1765364">
+                <a:gridCol w="2023364">
                   <a:extLst>
                     <a:ext uri="{9D8B030D-6E8A-4147-A177-3AD203B41FA5}">
-                      <a16:colId xmlns:a16="http://schemas.microsoft.com/office/drawing/2014/main" val="2240145745"/>
-                    </a:ext>
-                  </a:extLst>
-                </a:gridCol>
-                <a:gridCol w="1246609">
-                  <a:extLst>
-                    <a:ext uri="{9D8B030D-6E8A-4147-A177-3AD203B41FA5}">
-                      <a16:colId xmlns:a16="http://schemas.microsoft.com/office/drawing/2014/main" val="3968797517"/>
+                      <a16:colId xmlns:a16="http://schemas.microsoft.com/office/drawing/2014/main" xmlns="" val="4127926302"/>
                     </a:ext>
                   </a:extLst>
                 </a:gridCol>
               </a:tblGrid>
-              <a:tr h="434340">
+              <a:tr h="391886">
                 <a:tc>
                   <a:txBody>
                     <a:bodyPr/>
                     <a:lstStyle/>
                     <a:p>
-                      <a:pPr algn="ctr"/>
                       <a:r>
-                        <a:rPr lang="en-US" sz="1200" dirty="0"/>
-                        <a:t>Study </a:t>
+                        <a:rPr lang="en-US" dirty="0" smtClean="0"/>
+                        <a:t>Assessment</a:t>
                       </a:r>
-                    </a:p>
-                    <a:p>
-                      <a:pPr algn="ctr"/>
-                      <a:r>
-                        <a:rPr lang="en-US" sz="1200" dirty="0"/>
-                        <a:t>Unit</a:t>
-                      </a:r>
-                      <a:endParaRPr lang="en-SG" sz="1200" dirty="0"/>
+                      <a:endParaRPr lang="en-SG" dirty="0"/>
                     </a:p>
                   </a:txBody>
-                  <a:tcPr marL="68580" marR="68580" marT="34290" marB="34290" anchor="ctr">
-                    <a:lnL w="12700" cap="flat" cmpd="sng" algn="ctr">
-                      <a:solidFill>
-                        <a:schemeClr val="tx1"/>
-                      </a:solidFill>
-                      <a:prstDash val="solid"/>
-                      <a:round/>
-                      <a:headEnd type="none" w="med" len="med"/>
-                      <a:tailEnd type="none" w="med" len="med"/>
-                    </a:lnL>
-                    <a:lnR w="12700" cap="flat" cmpd="sng" algn="ctr">
-                      <a:solidFill>
-                        <a:schemeClr val="tx1"/>
-                      </a:solidFill>
-                      <a:prstDash val="solid"/>
-                      <a:round/>
-                      <a:headEnd type="none" w="med" len="med"/>
-                      <a:tailEnd type="none" w="med" len="med"/>
-                    </a:lnR>
-                    <a:lnT w="12700" cap="flat" cmpd="sng" algn="ctr">
-                      <a:solidFill>
-                        <a:schemeClr val="tx1"/>
-                      </a:solidFill>
-                      <a:prstDash val="solid"/>
-                      <a:round/>
-                      <a:headEnd type="none" w="med" len="med"/>
-                      <a:tailEnd type="none" w="med" len="med"/>
-                    </a:lnT>
-                    <a:lnB w="12700" cap="flat" cmpd="sng" algn="ctr">
-                      <a:solidFill>
-                        <a:schemeClr val="tx1"/>
-                      </a:solidFill>
-                      <a:prstDash val="solid"/>
-                      <a:round/>
-                      <a:headEnd type="none" w="med" len="med"/>
-                      <a:tailEnd type="none" w="med" len="med"/>
-                    </a:lnB>
-                  </a:tcPr>
+                  <a:tcPr anchor="ctr"/>
                 </a:tc>
                 <a:tc>
                   <a:txBody>
@@ -21201,50 +23005,13 @@
                     <a:p>
                       <a:pPr algn="ctr"/>
                       <a:r>
-                        <a:rPr lang="en-US" sz="1200" dirty="0"/>
-                        <a:t>Topic</a:t>
+                        <a:rPr lang="en-US" dirty="0" smtClean="0"/>
+                        <a:t>Weightage</a:t>
                       </a:r>
-                      <a:endParaRPr lang="en-SG" sz="1200" dirty="0"/>
+                      <a:endParaRPr lang="en-SG" dirty="0"/>
                     </a:p>
                   </a:txBody>
-                  <a:tcPr marL="68580" marR="68580" marT="34290" marB="34290" anchor="ctr">
-                    <a:lnL w="12700" cap="flat" cmpd="sng" algn="ctr">
-                      <a:solidFill>
-                        <a:schemeClr val="tx1"/>
-                      </a:solidFill>
-                      <a:prstDash val="solid"/>
-                      <a:round/>
-                      <a:headEnd type="none" w="med" len="med"/>
-                      <a:tailEnd type="none" w="med" len="med"/>
-                    </a:lnL>
-                    <a:lnR w="12700" cap="flat" cmpd="sng" algn="ctr">
-                      <a:solidFill>
-                        <a:schemeClr val="tx1"/>
-                      </a:solidFill>
-                      <a:prstDash val="solid"/>
-                      <a:round/>
-                      <a:headEnd type="none" w="med" len="med"/>
-                      <a:tailEnd type="none" w="med" len="med"/>
-                    </a:lnR>
-                    <a:lnT w="12700" cap="flat" cmpd="sng" algn="ctr">
-                      <a:solidFill>
-                        <a:schemeClr val="tx1"/>
-                      </a:solidFill>
-                      <a:prstDash val="solid"/>
-                      <a:round/>
-                      <a:headEnd type="none" w="med" len="med"/>
-                      <a:tailEnd type="none" w="med" len="med"/>
-                    </a:lnT>
-                    <a:lnB w="12700" cap="flat" cmpd="sng" algn="ctr">
-                      <a:solidFill>
-                        <a:schemeClr val="tx1"/>
-                      </a:solidFill>
-                      <a:prstDash val="solid"/>
-                      <a:round/>
-                      <a:headEnd type="none" w="med" len="med"/>
-                      <a:tailEnd type="none" w="med" len="med"/>
-                    </a:lnB>
-                  </a:tcPr>
+                  <a:tcPr anchor="ctr"/>
                 </a:tc>
                 <a:tc>
                   <a:txBody>
@@ -21253,57 +23020,13 @@
                     <a:p>
                       <a:pPr algn="ctr"/>
                       <a:r>
-                        <a:rPr lang="en-US" sz="1200" dirty="0"/>
-                        <a:t>Date </a:t>
+                        <a:rPr lang="en-US" dirty="0" smtClean="0"/>
+                        <a:t>Start date</a:t>
                       </a:r>
-                    </a:p>
-                    <a:p>
-                      <a:pPr algn="ctr"/>
-                      <a:r>
-                        <a:rPr lang="en-US" sz="1200" dirty="0"/>
-                        <a:t>(2021)</a:t>
-                      </a:r>
-                      <a:endParaRPr lang="en-SG" sz="1200" dirty="0"/>
+                      <a:endParaRPr lang="en-SG" dirty="0"/>
                     </a:p>
                   </a:txBody>
-                  <a:tcPr marL="68580" marR="68580" marT="34290" marB="34290" anchor="ctr">
-                    <a:lnL w="12700" cap="flat" cmpd="sng" algn="ctr">
-                      <a:solidFill>
-                        <a:schemeClr val="tx1"/>
-                      </a:solidFill>
-                      <a:prstDash val="solid"/>
-                      <a:round/>
-                      <a:headEnd type="none" w="med" len="med"/>
-                      <a:tailEnd type="none" w="med" len="med"/>
-                    </a:lnL>
-                    <a:lnR w="12700" cap="flat" cmpd="sng" algn="ctr">
-                      <a:solidFill>
-                        <a:schemeClr val="tx1"/>
-                      </a:solidFill>
-                      <a:prstDash val="solid"/>
-                      <a:round/>
-                      <a:headEnd type="none" w="med" len="med"/>
-                      <a:tailEnd type="none" w="med" len="med"/>
-                    </a:lnR>
-                    <a:lnT w="12700" cap="flat" cmpd="sng" algn="ctr">
-                      <a:solidFill>
-                        <a:schemeClr val="tx1"/>
-                      </a:solidFill>
-                      <a:prstDash val="solid"/>
-                      <a:round/>
-                      <a:headEnd type="none" w="med" len="med"/>
-                      <a:tailEnd type="none" w="med" len="med"/>
-                    </a:lnT>
-                    <a:lnB w="12700" cap="flat" cmpd="sng" algn="ctr">
-                      <a:solidFill>
-                        <a:schemeClr val="tx1"/>
-                      </a:solidFill>
-                      <a:prstDash val="solid"/>
-                      <a:round/>
-                      <a:headEnd type="none" w="med" len="med"/>
-                      <a:tailEnd type="none" w="med" len="med"/>
-                    </a:lnB>
-                  </a:tcPr>
+                  <a:tcPr anchor="ctr"/>
                 </a:tc>
                 <a:tc>
                   <a:txBody>
@@ -21312,50 +23035,38 @@
                     <a:p>
                       <a:pPr algn="ctr"/>
                       <a:r>
-                        <a:rPr lang="en-US" sz="1200" dirty="0"/>
-                        <a:t>Quiz</a:t>
+                        <a:rPr lang="en-US" dirty="0" smtClean="0"/>
+                        <a:t>Deadline</a:t>
                       </a:r>
-                      <a:endParaRPr lang="en-SG" sz="1200" dirty="0"/>
+                      <a:endParaRPr lang="en-SG" dirty="0"/>
                     </a:p>
                   </a:txBody>
-                  <a:tcPr marL="68580" marR="68580" marT="34290" marB="34290" anchor="ctr">
-                    <a:lnL w="12700" cap="flat" cmpd="sng" algn="ctr">
-                      <a:solidFill>
-                        <a:schemeClr val="tx1"/>
-                      </a:solidFill>
-                      <a:prstDash val="solid"/>
-                      <a:round/>
-                      <a:headEnd type="none" w="med" len="med"/>
-                      <a:tailEnd type="none" w="med" len="med"/>
-                    </a:lnL>
-                    <a:lnR w="12700" cap="flat" cmpd="sng" algn="ctr">
-                      <a:solidFill>
-                        <a:schemeClr val="tx1"/>
-                      </a:solidFill>
-                      <a:prstDash val="solid"/>
-                      <a:round/>
-                      <a:headEnd type="none" w="med" len="med"/>
-                      <a:tailEnd type="none" w="med" len="med"/>
-                    </a:lnR>
-                    <a:lnT w="12700" cap="flat" cmpd="sng" algn="ctr">
-                      <a:solidFill>
-                        <a:schemeClr val="tx1"/>
-                      </a:solidFill>
-                      <a:prstDash val="solid"/>
-                      <a:round/>
-                      <a:headEnd type="none" w="med" len="med"/>
-                      <a:tailEnd type="none" w="med" len="med"/>
-                    </a:lnT>
-                    <a:lnB w="12700" cap="flat" cmpd="sng" algn="ctr">
-                      <a:solidFill>
-                        <a:schemeClr val="tx1"/>
-                      </a:solidFill>
-                      <a:prstDash val="solid"/>
-                      <a:round/>
-                      <a:headEnd type="none" w="med" len="med"/>
-                      <a:tailEnd type="none" w="med" len="med"/>
-                    </a:lnB>
-                  </a:tcPr>
+                  <a:tcPr anchor="ctr"/>
+                </a:tc>
+                <a:extLst>
+                  <a:ext uri="{0D108BD9-81ED-4DB2-BD59-A6C34878D82A}">
+                    <a16:rowId xmlns:a16="http://schemas.microsoft.com/office/drawing/2014/main" xmlns="" val="920890589"/>
+                  </a:ext>
+                </a:extLst>
+              </a:tr>
+              <a:tr h="368412">
+                <a:tc>
+                  <a:txBody>
+                    <a:bodyPr/>
+                    <a:lstStyle/>
+                    <a:p>
+                      <a:r>
+                        <a:rPr lang="en-US" dirty="0" smtClean="0"/>
+                        <a:t>Pre-Course</a:t>
+                      </a:r>
+                      <a:r>
+                        <a:rPr lang="en-US" baseline="0" dirty="0" smtClean="0"/>
+                        <a:t> Quiz 1</a:t>
+                      </a:r>
+                      <a:endParaRPr lang="en-SG" dirty="0"/>
+                    </a:p>
+                  </a:txBody>
+                  <a:tcPr anchor="ctr"/>
                 </a:tc>
                 <a:tc>
                   <a:txBody>
@@ -21364,120 +23075,13 @@
                     <a:p>
                       <a:pPr algn="ctr"/>
                       <a:r>
-                        <a:rPr lang="en-US" sz="1200" dirty="0">
-                          <a:solidFill>
-                            <a:srgbClr val="FF0000"/>
-                          </a:solidFill>
-                        </a:rPr>
-                        <a:t>Deadlines</a:t>
+                        <a:rPr lang="en-US" dirty="0" smtClean="0"/>
+                        <a:t>2%</a:t>
                       </a:r>
-                      <a:endParaRPr lang="en-SG" sz="1200" dirty="0">
-                        <a:solidFill>
-                          <a:srgbClr val="FF0000"/>
-                        </a:solidFill>
-                      </a:endParaRPr>
+                      <a:endParaRPr lang="en-SG" dirty="0"/>
                     </a:p>
                   </a:txBody>
-                  <a:tcPr marL="68580" marR="68580" marT="34290" marB="34290" anchor="ctr">
-                    <a:lnL w="12700" cap="flat" cmpd="sng" algn="ctr">
-                      <a:solidFill>
-                        <a:schemeClr val="tx1"/>
-                      </a:solidFill>
-                      <a:prstDash val="solid"/>
-                      <a:round/>
-                      <a:headEnd type="none" w="med" len="med"/>
-                      <a:tailEnd type="none" w="med" len="med"/>
-                    </a:lnL>
-                    <a:lnR w="12700" cap="flat" cmpd="sng" algn="ctr">
-                      <a:solidFill>
-                        <a:schemeClr val="tx1"/>
-                      </a:solidFill>
-                      <a:prstDash val="solid"/>
-                      <a:round/>
-                      <a:headEnd type="none" w="med" len="med"/>
-                      <a:tailEnd type="none" w="med" len="med"/>
-                    </a:lnR>
-                    <a:lnT w="12700" cap="flat" cmpd="sng" algn="ctr">
-                      <a:solidFill>
-                        <a:schemeClr val="tx1"/>
-                      </a:solidFill>
-                      <a:prstDash val="solid"/>
-                      <a:round/>
-                      <a:headEnd type="none" w="med" len="med"/>
-                      <a:tailEnd type="none" w="med" len="med"/>
-                    </a:lnT>
-                    <a:lnB w="12700" cap="flat" cmpd="sng" algn="ctr">
-                      <a:solidFill>
-                        <a:schemeClr val="tx1"/>
-                      </a:solidFill>
-                      <a:prstDash val="solid"/>
-                      <a:round/>
-                      <a:headEnd type="none" w="med" len="med"/>
-                      <a:tailEnd type="none" w="med" len="med"/>
-                    </a:lnB>
-                    <a:solidFill>
-                      <a:srgbClr val="FFFF00"/>
-                    </a:solidFill>
-                  </a:tcPr>
-                </a:tc>
-                <a:extLst>
-                  <a:ext uri="{0D108BD9-81ED-4DB2-BD59-A6C34878D82A}">
-                    <a16:rowId xmlns:a16="http://schemas.microsoft.com/office/drawing/2014/main" val="1944635151"/>
-                  </a:ext>
-                </a:extLst>
-              </a:tr>
-              <a:tr h="617220">
-                <a:tc>
-                  <a:txBody>
-                    <a:bodyPr/>
-                    <a:lstStyle/>
-                    <a:p>
-                      <a:pPr algn="ctr"/>
-                      <a:r>
-                        <a:rPr lang="en-US" sz="1200" dirty="0"/>
-                        <a:t>1</a:t>
-                      </a:r>
-                      <a:endParaRPr lang="en-SG" sz="1200" dirty="0"/>
-                    </a:p>
-                  </a:txBody>
-                  <a:tcPr marL="68580" marR="68580" marT="34290" marB="34290" anchor="ctr">
-                    <a:lnL w="12700" cap="flat" cmpd="sng" algn="ctr">
-                      <a:solidFill>
-                        <a:schemeClr val="tx1"/>
-                      </a:solidFill>
-                      <a:prstDash val="solid"/>
-                      <a:round/>
-                      <a:headEnd type="none" w="med" len="med"/>
-                      <a:tailEnd type="none" w="med" len="med"/>
-                    </a:lnL>
-                    <a:lnR w="12700" cap="flat" cmpd="sng" algn="ctr">
-                      <a:solidFill>
-                        <a:schemeClr val="tx1"/>
-                      </a:solidFill>
-                      <a:prstDash val="solid"/>
-                      <a:round/>
-                      <a:headEnd type="none" w="med" len="med"/>
-                      <a:tailEnd type="none" w="med" len="med"/>
-                    </a:lnR>
-                    <a:lnT w="12700" cap="flat" cmpd="sng" algn="ctr">
-                      <a:solidFill>
-                        <a:schemeClr val="tx1"/>
-                      </a:solidFill>
-                      <a:prstDash val="solid"/>
-                      <a:round/>
-                      <a:headEnd type="none" w="med" len="med"/>
-                      <a:tailEnd type="none" w="med" len="med"/>
-                    </a:lnT>
-                    <a:lnB w="12700" cap="flat" cmpd="sng" algn="ctr">
-                      <a:solidFill>
-                        <a:schemeClr val="tx1"/>
-                      </a:solidFill>
-                      <a:prstDash val="solid"/>
-                      <a:round/>
-                      <a:headEnd type="none" w="med" len="med"/>
-                      <a:tailEnd type="none" w="med" len="med"/>
-                    </a:lnB>
-                  </a:tcPr>
+                  <a:tcPr anchor="ctr"/>
                 </a:tc>
                 <a:tc>
                   <a:txBody>
@@ -21486,50 +23090,13 @@
                     <a:p>
                       <a:pPr algn="ctr"/>
                       <a:r>
-                        <a:rPr lang="en-US" sz="1200" dirty="0" smtClean="0"/>
-                        <a:t>Introduction to Python Programming</a:t>
+                        <a:rPr lang="en-US" dirty="0" smtClean="0"/>
+                        <a:t>19 July, 12pm</a:t>
                       </a:r>
-                      <a:endParaRPr lang="en-SG" sz="1200" dirty="0"/>
+                      <a:endParaRPr lang="en-SG" dirty="0"/>
                     </a:p>
                   </a:txBody>
-                  <a:tcPr marL="68580" marR="68580" marT="34290" marB="34290" anchor="ctr">
-                    <a:lnL w="12700" cap="flat" cmpd="sng" algn="ctr">
-                      <a:solidFill>
-                        <a:schemeClr val="tx1"/>
-                      </a:solidFill>
-                      <a:prstDash val="solid"/>
-                      <a:round/>
-                      <a:headEnd type="none" w="med" len="med"/>
-                      <a:tailEnd type="none" w="med" len="med"/>
-                    </a:lnL>
-                    <a:lnR w="12700" cap="flat" cmpd="sng" algn="ctr">
-                      <a:solidFill>
-                        <a:schemeClr val="tx1"/>
-                      </a:solidFill>
-                      <a:prstDash val="solid"/>
-                      <a:round/>
-                      <a:headEnd type="none" w="med" len="med"/>
-                      <a:tailEnd type="none" w="med" len="med"/>
-                    </a:lnR>
-                    <a:lnT w="12700" cap="flat" cmpd="sng" algn="ctr">
-                      <a:solidFill>
-                        <a:schemeClr val="tx1"/>
-                      </a:solidFill>
-                      <a:prstDash val="solid"/>
-                      <a:round/>
-                      <a:headEnd type="none" w="med" len="med"/>
-                      <a:tailEnd type="none" w="med" len="med"/>
-                    </a:lnT>
-                    <a:lnB w="12700" cap="flat" cmpd="sng" algn="ctr">
-                      <a:solidFill>
-                        <a:schemeClr val="tx1"/>
-                      </a:solidFill>
-                      <a:prstDash val="solid"/>
-                      <a:round/>
-                      <a:headEnd type="none" w="med" len="med"/>
-                      <a:tailEnd type="none" w="med" len="med"/>
-                    </a:lnB>
-                  </a:tcPr>
+                  <a:tcPr anchor="ctr"/>
                 </a:tc>
                 <a:tc>
                   <a:txBody>
@@ -21538,58 +23105,38 @@
                     <a:p>
                       <a:pPr algn="ctr"/>
                       <a:r>
-                        <a:rPr lang="en-US" sz="1200" dirty="0" smtClean="0"/>
-                        <a:t>26</a:t>
+                        <a:rPr lang="en-US" dirty="0" smtClean="0"/>
+                        <a:t>30 July,</a:t>
                       </a:r>
                       <a:r>
-                        <a:rPr lang="en-US" sz="1200" baseline="30000" dirty="0" smtClean="0"/>
-                        <a:t>th</a:t>
+                        <a:rPr lang="en-US" baseline="0" dirty="0" smtClean="0"/>
+                        <a:t> 12pm</a:t>
                       </a:r>
-                      <a:r>
-                        <a:rPr lang="en-US" sz="1200" dirty="0" smtClean="0"/>
-                        <a:t> Jul</a:t>
-                      </a:r>
-                      <a:endParaRPr lang="en-SG" sz="1200" dirty="0"/>
+                      <a:endParaRPr lang="en-SG" dirty="0"/>
                     </a:p>
                   </a:txBody>
-                  <a:tcPr marL="68580" marR="68580" marT="34290" marB="34290" anchor="ctr">
-                    <a:lnL w="12700" cap="flat" cmpd="sng" algn="ctr">
-                      <a:solidFill>
-                        <a:schemeClr val="tx1"/>
-                      </a:solidFill>
-                      <a:prstDash val="solid"/>
-                      <a:round/>
-                      <a:headEnd type="none" w="med" len="med"/>
-                      <a:tailEnd type="none" w="med" len="med"/>
-                    </a:lnL>
-                    <a:lnR w="12700" cap="flat" cmpd="sng" algn="ctr">
-                      <a:solidFill>
-                        <a:schemeClr val="tx1"/>
-                      </a:solidFill>
-                      <a:prstDash val="solid"/>
-                      <a:round/>
-                      <a:headEnd type="none" w="med" len="med"/>
-                      <a:tailEnd type="none" w="med" len="med"/>
-                    </a:lnR>
-                    <a:lnT w="12700" cap="flat" cmpd="sng" algn="ctr">
-                      <a:solidFill>
-                        <a:schemeClr val="tx1"/>
-                      </a:solidFill>
-                      <a:prstDash val="solid"/>
-                      <a:round/>
-                      <a:headEnd type="none" w="med" len="med"/>
-                      <a:tailEnd type="none" w="med" len="med"/>
-                    </a:lnT>
-                    <a:lnB w="12700" cap="flat" cmpd="sng" algn="ctr">
-                      <a:solidFill>
-                        <a:schemeClr val="tx1"/>
-                      </a:solidFill>
-                      <a:prstDash val="solid"/>
-                      <a:round/>
-                      <a:headEnd type="none" w="med" len="med"/>
-                      <a:tailEnd type="none" w="med" len="med"/>
-                    </a:lnB>
-                  </a:tcPr>
+                  <a:tcPr anchor="ctr"/>
+                </a:tc>
+                <a:extLst>
+                  <a:ext uri="{0D108BD9-81ED-4DB2-BD59-A6C34878D82A}">
+                    <a16:rowId xmlns:a16="http://schemas.microsoft.com/office/drawing/2014/main" xmlns="" val="301574426"/>
+                  </a:ext>
+                </a:extLst>
+              </a:tr>
+              <a:tr h="368412">
+                <a:tc>
+                  <a:txBody>
+                    <a:bodyPr/>
+                    <a:lstStyle/>
+                    <a:p>
+                      <a:r>
+                        <a:rPr lang="en-US" dirty="0" smtClean="0"/>
+                        <a:t>Pre-Class Quiz 1</a:t>
+                      </a:r>
+                      <a:endParaRPr lang="en-SG" dirty="0"/>
+                    </a:p>
+                  </a:txBody>
+                  <a:tcPr anchor="ctr"/>
                 </a:tc>
                 <a:tc>
                   <a:txBody>
@@ -21598,212 +23145,13 @@
                     <a:p>
                       <a:pPr algn="ctr"/>
                       <a:r>
-                        <a:rPr lang="en-US" sz="1200" dirty="0"/>
-                        <a:t>Pre-Course Quiz 01*</a:t>
+                        <a:rPr lang="en-US" dirty="0" smtClean="0"/>
+                        <a:t>2%</a:t>
                       </a:r>
-                      <a:endParaRPr lang="en-SG" sz="1200" dirty="0"/>
+                      <a:endParaRPr lang="en-SG" dirty="0"/>
                     </a:p>
                   </a:txBody>
-                  <a:tcPr marL="68580" marR="68580" marT="34290" marB="34290" anchor="ctr">
-                    <a:lnL w="12700" cap="flat" cmpd="sng" algn="ctr">
-                      <a:solidFill>
-                        <a:schemeClr val="tx1"/>
-                      </a:solidFill>
-                      <a:prstDash val="solid"/>
-                      <a:round/>
-                      <a:headEnd type="none" w="med" len="med"/>
-                      <a:tailEnd type="none" w="med" len="med"/>
-                    </a:lnL>
-                    <a:lnR w="12700" cap="flat" cmpd="sng" algn="ctr">
-                      <a:solidFill>
-                        <a:schemeClr val="tx1"/>
-                      </a:solidFill>
-                      <a:prstDash val="solid"/>
-                      <a:round/>
-                      <a:headEnd type="none" w="med" len="med"/>
-                      <a:tailEnd type="none" w="med" len="med"/>
-                    </a:lnR>
-                    <a:lnT w="12700" cap="flat" cmpd="sng" algn="ctr">
-                      <a:solidFill>
-                        <a:schemeClr val="tx1"/>
-                      </a:solidFill>
-                      <a:prstDash val="solid"/>
-                      <a:round/>
-                      <a:headEnd type="none" w="med" len="med"/>
-                      <a:tailEnd type="none" w="med" len="med"/>
-                    </a:lnT>
-                    <a:lnB w="12700" cap="flat" cmpd="sng" algn="ctr">
-                      <a:solidFill>
-                        <a:schemeClr val="tx1"/>
-                      </a:solidFill>
-                      <a:prstDash val="solid"/>
-                      <a:round/>
-                      <a:headEnd type="none" w="med" len="med"/>
-                      <a:tailEnd type="none" w="med" len="med"/>
-                    </a:lnB>
-                  </a:tcPr>
-                </a:tc>
-                <a:tc>
-                  <a:txBody>
-                    <a:bodyPr/>
-                    <a:lstStyle/>
-                    <a:p>
-                      <a:pPr algn="ctr"/>
-                      <a:endParaRPr lang="en-SG" sz="1200" dirty="0">
-                        <a:solidFill>
-                          <a:srgbClr val="FF0000"/>
-                        </a:solidFill>
-                      </a:endParaRPr>
-                    </a:p>
-                  </a:txBody>
-                  <a:tcPr marL="68580" marR="68580" marT="34290" marB="34290" anchor="ctr">
-                    <a:lnL w="12700" cap="flat" cmpd="sng" algn="ctr">
-                      <a:solidFill>
-                        <a:schemeClr val="tx1"/>
-                      </a:solidFill>
-                      <a:prstDash val="solid"/>
-                      <a:round/>
-                      <a:headEnd type="none" w="med" len="med"/>
-                      <a:tailEnd type="none" w="med" len="med"/>
-                    </a:lnL>
-                    <a:lnR w="12700" cap="flat" cmpd="sng" algn="ctr">
-                      <a:solidFill>
-                        <a:schemeClr val="tx1"/>
-                      </a:solidFill>
-                      <a:prstDash val="solid"/>
-                      <a:round/>
-                      <a:headEnd type="none" w="med" len="med"/>
-                      <a:tailEnd type="none" w="med" len="med"/>
-                    </a:lnR>
-                    <a:lnT w="12700" cap="flat" cmpd="sng" algn="ctr">
-                      <a:solidFill>
-                        <a:schemeClr val="tx1"/>
-                      </a:solidFill>
-                      <a:prstDash val="solid"/>
-                      <a:round/>
-                      <a:headEnd type="none" w="med" len="med"/>
-                      <a:tailEnd type="none" w="med" len="med"/>
-                    </a:lnT>
-                    <a:lnB w="12700" cap="flat" cmpd="sng" algn="ctr">
-                      <a:solidFill>
-                        <a:schemeClr val="tx1"/>
-                      </a:solidFill>
-                      <a:prstDash val="solid"/>
-                      <a:round/>
-                      <a:headEnd type="none" w="med" len="med"/>
-                      <a:tailEnd type="none" w="med" len="med"/>
-                    </a:lnB>
-                    <a:solidFill>
-                      <a:srgbClr val="FFFF00"/>
-                    </a:solidFill>
-                  </a:tcPr>
-                </a:tc>
-                <a:extLst>
-                  <a:ext uri="{0D108BD9-81ED-4DB2-BD59-A6C34878D82A}">
-                    <a16:rowId xmlns:a16="http://schemas.microsoft.com/office/drawing/2014/main" val="3504103745"/>
-                  </a:ext>
-                </a:extLst>
-              </a:tr>
-              <a:tr h="251460">
-                <a:tc>
-                  <a:txBody>
-                    <a:bodyPr/>
-                    <a:lstStyle/>
-                    <a:p>
-                      <a:pPr algn="ctr"/>
-                      <a:r>
-                        <a:rPr lang="en-US" sz="1200" dirty="0"/>
-                        <a:t>2</a:t>
-                      </a:r>
-                      <a:endParaRPr lang="en-SG" sz="1200" dirty="0"/>
-                    </a:p>
-                  </a:txBody>
-                  <a:tcPr marL="68580" marR="68580" marT="34290" marB="34290" anchor="ctr">
-                    <a:lnL w="12700" cap="flat" cmpd="sng" algn="ctr">
-                      <a:solidFill>
-                        <a:schemeClr val="tx1"/>
-                      </a:solidFill>
-                      <a:prstDash val="solid"/>
-                      <a:round/>
-                      <a:headEnd type="none" w="med" len="med"/>
-                      <a:tailEnd type="none" w="med" len="med"/>
-                    </a:lnL>
-                    <a:lnR w="12700" cap="flat" cmpd="sng" algn="ctr">
-                      <a:solidFill>
-                        <a:schemeClr val="tx1"/>
-                      </a:solidFill>
-                      <a:prstDash val="solid"/>
-                      <a:round/>
-                      <a:headEnd type="none" w="med" len="med"/>
-                      <a:tailEnd type="none" w="med" len="med"/>
-                    </a:lnR>
-                    <a:lnT w="12700" cap="flat" cmpd="sng" algn="ctr">
-                      <a:solidFill>
-                        <a:schemeClr val="tx1"/>
-                      </a:solidFill>
-                      <a:prstDash val="solid"/>
-                      <a:round/>
-                      <a:headEnd type="none" w="med" len="med"/>
-                      <a:tailEnd type="none" w="med" len="med"/>
-                    </a:lnT>
-                    <a:lnB w="12700" cap="flat" cmpd="sng" algn="ctr">
-                      <a:solidFill>
-                        <a:schemeClr val="tx1"/>
-                      </a:solidFill>
-                      <a:prstDash val="solid"/>
-                      <a:round/>
-                      <a:headEnd type="none" w="med" len="med"/>
-                      <a:tailEnd type="none" w="med" len="med"/>
-                    </a:lnB>
-                  </a:tcPr>
-                </a:tc>
-                <a:tc>
-                  <a:txBody>
-                    <a:bodyPr/>
-                    <a:lstStyle/>
-                    <a:p>
-                      <a:pPr algn="ctr"/>
-                      <a:endParaRPr lang="en-SG" sz="1200" dirty="0"/>
-                    </a:p>
-                  </a:txBody>
-                  <a:tcPr marL="68580" marR="68580" marT="34290" marB="34290" anchor="ctr">
-                    <a:lnL w="12700" cap="flat" cmpd="sng" algn="ctr">
-                      <a:solidFill>
-                        <a:schemeClr val="tx1"/>
-                      </a:solidFill>
-                      <a:prstDash val="solid"/>
-                      <a:round/>
-                      <a:headEnd type="none" w="med" len="med"/>
-                      <a:tailEnd type="none" w="med" len="med"/>
-                    </a:lnL>
-                    <a:lnR w="12700" cap="flat" cmpd="sng" algn="ctr">
-                      <a:solidFill>
-                        <a:schemeClr val="tx1"/>
-                      </a:solidFill>
-                      <a:prstDash val="solid"/>
-                      <a:round/>
-                      <a:headEnd type="none" w="med" len="med"/>
-                      <a:tailEnd type="none" w="med" len="med"/>
-                    </a:lnR>
-                    <a:lnT w="12700" cap="flat" cmpd="sng" algn="ctr">
-                      <a:solidFill>
-                        <a:schemeClr val="tx1"/>
-                      </a:solidFill>
-                      <a:prstDash val="solid"/>
-                      <a:round/>
-                      <a:headEnd type="none" w="med" len="med"/>
-                      <a:tailEnd type="none" w="med" len="med"/>
-                    </a:lnT>
-                    <a:lnB w="12700" cap="flat" cmpd="sng" algn="ctr">
-                      <a:solidFill>
-                        <a:schemeClr val="tx1"/>
-                      </a:solidFill>
-                      <a:prstDash val="solid"/>
-                      <a:round/>
-                      <a:headEnd type="none" w="med" len="med"/>
-                      <a:tailEnd type="none" w="med" len="med"/>
-                    </a:lnB>
-                  </a:tcPr>
+                  <a:tcPr anchor="ctr"/>
                 </a:tc>
                 <a:tc>
                   <a:txBody>
@@ -21812,58 +23160,17 @@
                     <a:p>
                       <a:pPr algn="ctr"/>
                       <a:r>
-                        <a:rPr lang="en-US" sz="1200" dirty="0" smtClean="0"/>
-                        <a:t>2</a:t>
+                        <a:rPr lang="en-US" dirty="0" smtClean="0"/>
+                        <a:t>2 Aug,</a:t>
                       </a:r>
                       <a:r>
-                        <a:rPr lang="en-US" sz="1200" baseline="30000" dirty="0" smtClean="0"/>
-                        <a:t>nd</a:t>
+                        <a:rPr lang="en-US" baseline="0" dirty="0" smtClean="0"/>
+                        <a:t> 12pm</a:t>
                       </a:r>
-                      <a:r>
-                        <a:rPr lang="en-US" sz="1200" dirty="0" smtClean="0"/>
-                        <a:t> Aug</a:t>
-                      </a:r>
-                      <a:endParaRPr lang="en-SG" sz="1200" dirty="0"/>
+                      <a:endParaRPr lang="en-SG" dirty="0"/>
                     </a:p>
                   </a:txBody>
-                  <a:tcPr marL="68580" marR="68580" marT="34290" marB="34290" anchor="ctr">
-                    <a:lnL w="12700" cap="flat" cmpd="sng" algn="ctr">
-                      <a:solidFill>
-                        <a:schemeClr val="tx1"/>
-                      </a:solidFill>
-                      <a:prstDash val="solid"/>
-                      <a:round/>
-                      <a:headEnd type="none" w="med" len="med"/>
-                      <a:tailEnd type="none" w="med" len="med"/>
-                    </a:lnL>
-                    <a:lnR w="12700" cap="flat" cmpd="sng" algn="ctr">
-                      <a:solidFill>
-                        <a:schemeClr val="tx1"/>
-                      </a:solidFill>
-                      <a:prstDash val="solid"/>
-                      <a:round/>
-                      <a:headEnd type="none" w="med" len="med"/>
-                      <a:tailEnd type="none" w="med" len="med"/>
-                    </a:lnR>
-                    <a:lnT w="12700" cap="flat" cmpd="sng" algn="ctr">
-                      <a:solidFill>
-                        <a:schemeClr val="tx1"/>
-                      </a:solidFill>
-                      <a:prstDash val="solid"/>
-                      <a:round/>
-                      <a:headEnd type="none" w="med" len="med"/>
-                      <a:tailEnd type="none" w="med" len="med"/>
-                    </a:lnT>
-                    <a:lnB w="12700" cap="flat" cmpd="sng" algn="ctr">
-                      <a:solidFill>
-                        <a:schemeClr val="tx1"/>
-                      </a:solidFill>
-                      <a:prstDash val="solid"/>
-                      <a:round/>
-                      <a:headEnd type="none" w="med" len="med"/>
-                      <a:tailEnd type="none" w="med" len="med"/>
-                    </a:lnB>
-                  </a:tcPr>
+                  <a:tcPr anchor="ctr"/>
                 </a:tc>
                 <a:tc>
                   <a:txBody>
@@ -21872,256 +23179,38 @@
                     <a:p>
                       <a:pPr algn="ctr"/>
                       <a:r>
-                        <a:rPr lang="en-US" sz="1200" dirty="0"/>
-                        <a:t>Pre-Class Quiz 01*</a:t>
+                        <a:rPr lang="en-US" dirty="0" smtClean="0"/>
+                        <a:t>9 Aug, 12pm</a:t>
                       </a:r>
-                      <a:endParaRPr lang="en-SG" sz="1200" dirty="0"/>
+                      <a:endParaRPr lang="en-SG" dirty="0"/>
                     </a:p>
                   </a:txBody>
-                  <a:tcPr marL="68580" marR="68580" marT="34290" marB="34290" anchor="ctr">
-                    <a:lnL w="12700" cap="flat" cmpd="sng" algn="ctr">
-                      <a:solidFill>
-                        <a:schemeClr val="tx1"/>
-                      </a:solidFill>
-                      <a:prstDash val="solid"/>
-                      <a:round/>
-                      <a:headEnd type="none" w="med" len="med"/>
-                      <a:tailEnd type="none" w="med" len="med"/>
-                    </a:lnL>
-                    <a:lnR w="12700" cap="flat" cmpd="sng" algn="ctr">
-                      <a:solidFill>
-                        <a:schemeClr val="tx1"/>
-                      </a:solidFill>
-                      <a:prstDash val="solid"/>
-                      <a:round/>
-                      <a:headEnd type="none" w="med" len="med"/>
-                      <a:tailEnd type="none" w="med" len="med"/>
-                    </a:lnR>
-                    <a:lnT w="12700" cap="flat" cmpd="sng" algn="ctr">
-                      <a:solidFill>
-                        <a:schemeClr val="tx1"/>
-                      </a:solidFill>
-                      <a:prstDash val="solid"/>
-                      <a:round/>
-                      <a:headEnd type="none" w="med" len="med"/>
-                      <a:tailEnd type="none" w="med" len="med"/>
-                    </a:lnT>
-                    <a:lnB w="12700" cap="flat" cmpd="sng" algn="ctr">
-                      <a:solidFill>
-                        <a:schemeClr val="tx1"/>
-                      </a:solidFill>
-                      <a:prstDash val="solid"/>
-                      <a:round/>
-                      <a:headEnd type="none" w="med" len="med"/>
-                      <a:tailEnd type="none" w="med" len="med"/>
-                    </a:lnB>
-                  </a:tcPr>
+                  <a:tcPr anchor="ctr"/>
                 </a:tc>
+                <a:extLst>
+                  <a:ext uri="{0D108BD9-81ED-4DB2-BD59-A6C34878D82A}">
+                    <a16:rowId xmlns:a16="http://schemas.microsoft.com/office/drawing/2014/main" xmlns="" val="196128480"/>
+                  </a:ext>
+                </a:extLst>
+              </a:tr>
+              <a:tr h="368412">
                 <a:tc>
                   <a:txBody>
                     <a:bodyPr/>
                     <a:lstStyle/>
                     <a:p>
-                      <a:pPr algn="ctr"/>
-                      <a:endParaRPr lang="en-SG" sz="1200" dirty="0">
-                        <a:solidFill>
-                          <a:srgbClr val="FF0000"/>
-                        </a:solidFill>
-                      </a:endParaRPr>
+                      <a:r>
+                        <a:rPr lang="en-US" dirty="0" smtClean="0"/>
+                        <a:t>Pre-Class Quiz</a:t>
+                      </a:r>
+                      <a:r>
+                        <a:rPr lang="en-US" baseline="0" dirty="0" smtClean="0"/>
+                        <a:t> 2</a:t>
+                      </a:r>
+                      <a:endParaRPr lang="en-SG" dirty="0"/>
                     </a:p>
                   </a:txBody>
-                  <a:tcPr marL="68580" marR="68580" marT="34290" marB="34290" anchor="ctr">
-                    <a:lnL w="12700" cap="flat" cmpd="sng" algn="ctr">
-                      <a:solidFill>
-                        <a:schemeClr val="tx1"/>
-                      </a:solidFill>
-                      <a:prstDash val="solid"/>
-                      <a:round/>
-                      <a:headEnd type="none" w="med" len="med"/>
-                      <a:tailEnd type="none" w="med" len="med"/>
-                    </a:lnL>
-                    <a:lnR w="12700" cap="flat" cmpd="sng" algn="ctr">
-                      <a:solidFill>
-                        <a:schemeClr val="tx1"/>
-                      </a:solidFill>
-                      <a:prstDash val="solid"/>
-                      <a:round/>
-                      <a:headEnd type="none" w="med" len="med"/>
-                      <a:tailEnd type="none" w="med" len="med"/>
-                    </a:lnR>
-                    <a:lnT w="12700" cap="flat" cmpd="sng" algn="ctr">
-                      <a:solidFill>
-                        <a:schemeClr val="tx1"/>
-                      </a:solidFill>
-                      <a:prstDash val="solid"/>
-                      <a:round/>
-                      <a:headEnd type="none" w="med" len="med"/>
-                      <a:tailEnd type="none" w="med" len="med"/>
-                    </a:lnT>
-                    <a:lnB w="12700" cap="flat" cmpd="sng" algn="ctr">
-                      <a:solidFill>
-                        <a:schemeClr val="tx1"/>
-                      </a:solidFill>
-                      <a:prstDash val="solid"/>
-                      <a:round/>
-                      <a:headEnd type="none" w="med" len="med"/>
-                      <a:tailEnd type="none" w="med" len="med"/>
-                    </a:lnB>
-                    <a:solidFill>
-                      <a:srgbClr val="FFFF00"/>
-                    </a:solidFill>
-                  </a:tcPr>
-                </a:tc>
-                <a:extLst>
-                  <a:ext uri="{0D108BD9-81ED-4DB2-BD59-A6C34878D82A}">
-                    <a16:rowId xmlns:a16="http://schemas.microsoft.com/office/drawing/2014/main" val="2410617811"/>
-                  </a:ext>
-                </a:extLst>
-              </a:tr>
-              <a:tr h="434340">
-                <a:tc>
-                  <a:txBody>
-                    <a:bodyPr/>
-                    <a:lstStyle/>
-                    <a:p>
-                      <a:pPr algn="ctr"/>
-                      <a:endParaRPr lang="en-SG" sz="1200" dirty="0"/>
-                    </a:p>
-                  </a:txBody>
-                  <a:tcPr marL="68580" marR="68580" marT="34290" marB="34290" anchor="ctr">
-                    <a:lnL w="12700" cap="flat" cmpd="sng" algn="ctr">
-                      <a:solidFill>
-                        <a:schemeClr val="tx1"/>
-                      </a:solidFill>
-                      <a:prstDash val="solid"/>
-                      <a:round/>
-                      <a:headEnd type="none" w="med" len="med"/>
-                      <a:tailEnd type="none" w="med" len="med"/>
-                    </a:lnL>
-                    <a:lnR w="12700" cap="flat" cmpd="sng" algn="ctr">
-                      <a:solidFill>
-                        <a:schemeClr val="tx1"/>
-                      </a:solidFill>
-                      <a:prstDash val="solid"/>
-                      <a:round/>
-                      <a:headEnd type="none" w="med" len="med"/>
-                      <a:tailEnd type="none" w="med" len="med"/>
-                    </a:lnR>
-                    <a:lnT w="12700" cap="flat" cmpd="sng" algn="ctr">
-                      <a:solidFill>
-                        <a:schemeClr val="tx1"/>
-                      </a:solidFill>
-                      <a:prstDash val="solid"/>
-                      <a:round/>
-                      <a:headEnd type="none" w="med" len="med"/>
-                      <a:tailEnd type="none" w="med" len="med"/>
-                    </a:lnT>
-                    <a:lnB w="12700" cap="flat" cmpd="sng" algn="ctr">
-                      <a:solidFill>
-                        <a:schemeClr val="tx1"/>
-                      </a:solidFill>
-                      <a:prstDash val="solid"/>
-                      <a:round/>
-                      <a:headEnd type="none" w="med" len="med"/>
-                      <a:tailEnd type="none" w="med" len="med"/>
-                    </a:lnB>
-                  </a:tcPr>
-                </a:tc>
-                <a:tc>
-                  <a:txBody>
-                    <a:bodyPr/>
-                    <a:lstStyle/>
-                    <a:p>
-                      <a:pPr algn="ctr"/>
-                      <a:endParaRPr lang="en-SG" sz="1200" dirty="0"/>
-                    </a:p>
-                  </a:txBody>
-                  <a:tcPr marL="68580" marR="68580" marT="34290" marB="34290" anchor="ctr">
-                    <a:lnL w="12700" cap="flat" cmpd="sng" algn="ctr">
-                      <a:solidFill>
-                        <a:schemeClr val="tx1"/>
-                      </a:solidFill>
-                      <a:prstDash val="solid"/>
-                      <a:round/>
-                      <a:headEnd type="none" w="med" len="med"/>
-                      <a:tailEnd type="none" w="med" len="med"/>
-                    </a:lnL>
-                    <a:lnR w="12700" cap="flat" cmpd="sng" algn="ctr">
-                      <a:solidFill>
-                        <a:schemeClr val="tx1"/>
-                      </a:solidFill>
-                      <a:prstDash val="solid"/>
-                      <a:round/>
-                      <a:headEnd type="none" w="med" len="med"/>
-                      <a:tailEnd type="none" w="med" len="med"/>
-                    </a:lnR>
-                    <a:lnT w="12700" cap="flat" cmpd="sng" algn="ctr">
-                      <a:solidFill>
-                        <a:schemeClr val="tx1"/>
-                      </a:solidFill>
-                      <a:prstDash val="solid"/>
-                      <a:round/>
-                      <a:headEnd type="none" w="med" len="med"/>
-                      <a:tailEnd type="none" w="med" len="med"/>
-                    </a:lnT>
-                    <a:lnB w="12700" cap="flat" cmpd="sng" algn="ctr">
-                      <a:solidFill>
-                        <a:schemeClr val="tx1"/>
-                      </a:solidFill>
-                      <a:prstDash val="solid"/>
-                      <a:round/>
-                      <a:headEnd type="none" w="med" len="med"/>
-                      <a:tailEnd type="none" w="med" len="med"/>
-                    </a:lnB>
-                  </a:tcPr>
-                </a:tc>
-                <a:tc>
-                  <a:txBody>
-                    <a:bodyPr/>
-                    <a:lstStyle/>
-                    <a:p>
-                      <a:pPr algn="ctr"/>
-                      <a:endParaRPr lang="en-SG" sz="1200" dirty="0"/>
-                    </a:p>
-                  </a:txBody>
-                  <a:tcPr marL="68580" marR="68580" marT="34290" marB="34290" anchor="ctr">
-                    <a:lnL w="12700" cap="flat" cmpd="sng" algn="ctr">
-                      <a:solidFill>
-                        <a:schemeClr val="tx1"/>
-                      </a:solidFill>
-                      <a:prstDash val="solid"/>
-                      <a:round/>
-                      <a:headEnd type="none" w="med" len="med"/>
-                      <a:tailEnd type="none" w="med" len="med"/>
-                    </a:lnL>
-                    <a:lnR w="12700" cap="flat" cmpd="sng" algn="ctr">
-                      <a:solidFill>
-                        <a:schemeClr val="tx1"/>
-                      </a:solidFill>
-                      <a:prstDash val="solid"/>
-                      <a:round/>
-                      <a:headEnd type="none" w="med" len="med"/>
-                      <a:tailEnd type="none" w="med" len="med"/>
-                    </a:lnR>
-                    <a:lnT w="12700" cap="flat" cmpd="sng" algn="ctr">
-                      <a:solidFill>
-                        <a:schemeClr val="tx1"/>
-                      </a:solidFill>
-                      <a:prstDash val="solid"/>
-                      <a:round/>
-                      <a:headEnd type="none" w="med" len="med"/>
-                      <a:tailEnd type="none" w="med" len="med"/>
-                    </a:lnT>
-                    <a:lnB w="12700" cap="flat" cmpd="sng" algn="ctr">
-                      <a:solidFill>
-                        <a:schemeClr val="tx1"/>
-                      </a:solidFill>
-                      <a:prstDash val="solid"/>
-                      <a:round/>
-                      <a:headEnd type="none" w="med" len="med"/>
-                      <a:tailEnd type="none" w="med" len="med"/>
-                    </a:lnB>
-                  </a:tcPr>
+                  <a:tcPr anchor="ctr"/>
                 </a:tc>
                 <a:tc>
                   <a:txBody>
@@ -22130,212 +23219,13 @@
                     <a:p>
                       <a:pPr algn="ctr"/>
                       <a:r>
-                        <a:rPr lang="en-US" sz="1200" dirty="0"/>
-                        <a:t>Tutor Marked Assignment</a:t>
+                        <a:rPr lang="en-US" dirty="0" smtClean="0"/>
+                        <a:t>2%</a:t>
                       </a:r>
-                      <a:endParaRPr lang="en-SG" sz="1200" dirty="0"/>
+                      <a:endParaRPr lang="en-SG" dirty="0"/>
                     </a:p>
                   </a:txBody>
-                  <a:tcPr marL="68580" marR="68580" marT="34290" marB="34290" anchor="ctr">
-                    <a:lnL w="12700" cap="flat" cmpd="sng" algn="ctr">
-                      <a:solidFill>
-                        <a:schemeClr val="tx1"/>
-                      </a:solidFill>
-                      <a:prstDash val="solid"/>
-                      <a:round/>
-                      <a:headEnd type="none" w="med" len="med"/>
-                      <a:tailEnd type="none" w="med" len="med"/>
-                    </a:lnL>
-                    <a:lnR w="12700" cap="flat" cmpd="sng" algn="ctr">
-                      <a:solidFill>
-                        <a:schemeClr val="tx1"/>
-                      </a:solidFill>
-                      <a:prstDash val="solid"/>
-                      <a:round/>
-                      <a:headEnd type="none" w="med" len="med"/>
-                      <a:tailEnd type="none" w="med" len="med"/>
-                    </a:lnR>
-                    <a:lnT w="12700" cap="flat" cmpd="sng" algn="ctr">
-                      <a:solidFill>
-                        <a:schemeClr val="tx1"/>
-                      </a:solidFill>
-                      <a:prstDash val="solid"/>
-                      <a:round/>
-                      <a:headEnd type="none" w="med" len="med"/>
-                      <a:tailEnd type="none" w="med" len="med"/>
-                    </a:lnT>
-                    <a:lnB w="12700" cap="flat" cmpd="sng" algn="ctr">
-                      <a:solidFill>
-                        <a:schemeClr val="tx1"/>
-                      </a:solidFill>
-                      <a:prstDash val="solid"/>
-                      <a:round/>
-                      <a:headEnd type="none" w="med" len="med"/>
-                      <a:tailEnd type="none" w="med" len="med"/>
-                    </a:lnB>
-                  </a:tcPr>
-                </a:tc>
-                <a:tc>
-                  <a:txBody>
-                    <a:bodyPr/>
-                    <a:lstStyle/>
-                    <a:p>
-                      <a:pPr algn="ctr"/>
-                      <a:endParaRPr lang="en-SG" sz="1200" dirty="0">
-                        <a:solidFill>
-                          <a:srgbClr val="FF0000"/>
-                        </a:solidFill>
-                      </a:endParaRPr>
-                    </a:p>
-                  </a:txBody>
-                  <a:tcPr marL="68580" marR="68580" marT="34290" marB="34290" anchor="ctr">
-                    <a:lnL w="12700" cap="flat" cmpd="sng" algn="ctr">
-                      <a:solidFill>
-                        <a:schemeClr val="tx1"/>
-                      </a:solidFill>
-                      <a:prstDash val="solid"/>
-                      <a:round/>
-                      <a:headEnd type="none" w="med" len="med"/>
-                      <a:tailEnd type="none" w="med" len="med"/>
-                    </a:lnL>
-                    <a:lnR w="12700" cap="flat" cmpd="sng" algn="ctr">
-                      <a:solidFill>
-                        <a:schemeClr val="tx1"/>
-                      </a:solidFill>
-                      <a:prstDash val="solid"/>
-                      <a:round/>
-                      <a:headEnd type="none" w="med" len="med"/>
-                      <a:tailEnd type="none" w="med" len="med"/>
-                    </a:lnR>
-                    <a:lnT w="12700" cap="flat" cmpd="sng" algn="ctr">
-                      <a:solidFill>
-                        <a:schemeClr val="tx1"/>
-                      </a:solidFill>
-                      <a:prstDash val="solid"/>
-                      <a:round/>
-                      <a:headEnd type="none" w="med" len="med"/>
-                      <a:tailEnd type="none" w="med" len="med"/>
-                    </a:lnT>
-                    <a:lnB w="12700" cap="flat" cmpd="sng" algn="ctr">
-                      <a:solidFill>
-                        <a:schemeClr val="tx1"/>
-                      </a:solidFill>
-                      <a:prstDash val="solid"/>
-                      <a:round/>
-                      <a:headEnd type="none" w="med" len="med"/>
-                      <a:tailEnd type="none" w="med" len="med"/>
-                    </a:lnB>
-                    <a:solidFill>
-                      <a:srgbClr val="FFFF00"/>
-                    </a:solidFill>
-                  </a:tcPr>
-                </a:tc>
-                <a:extLst>
-                  <a:ext uri="{0D108BD9-81ED-4DB2-BD59-A6C34878D82A}">
-                    <a16:rowId xmlns:a16="http://schemas.microsoft.com/office/drawing/2014/main" val="1077056632"/>
-                  </a:ext>
-                </a:extLst>
-              </a:tr>
-              <a:tr h="251460">
-                <a:tc>
-                  <a:txBody>
-                    <a:bodyPr/>
-                    <a:lstStyle/>
-                    <a:p>
-                      <a:pPr algn="ctr"/>
-                      <a:r>
-                        <a:rPr lang="en-US" sz="1200" dirty="0"/>
-                        <a:t>3</a:t>
-                      </a:r>
-                      <a:endParaRPr lang="en-SG" sz="1200" dirty="0"/>
-                    </a:p>
-                  </a:txBody>
-                  <a:tcPr marL="68580" marR="68580" marT="34290" marB="34290" anchor="ctr">
-                    <a:lnL w="12700" cap="flat" cmpd="sng" algn="ctr">
-                      <a:solidFill>
-                        <a:schemeClr val="tx1"/>
-                      </a:solidFill>
-                      <a:prstDash val="solid"/>
-                      <a:round/>
-                      <a:headEnd type="none" w="med" len="med"/>
-                      <a:tailEnd type="none" w="med" len="med"/>
-                    </a:lnL>
-                    <a:lnR w="12700" cap="flat" cmpd="sng" algn="ctr">
-                      <a:solidFill>
-                        <a:schemeClr val="tx1"/>
-                      </a:solidFill>
-                      <a:prstDash val="solid"/>
-                      <a:round/>
-                      <a:headEnd type="none" w="med" len="med"/>
-                      <a:tailEnd type="none" w="med" len="med"/>
-                    </a:lnR>
-                    <a:lnT w="12700" cap="flat" cmpd="sng" algn="ctr">
-                      <a:solidFill>
-                        <a:schemeClr val="tx1"/>
-                      </a:solidFill>
-                      <a:prstDash val="solid"/>
-                      <a:round/>
-                      <a:headEnd type="none" w="med" len="med"/>
-                      <a:tailEnd type="none" w="med" len="med"/>
-                    </a:lnT>
-                    <a:lnB w="12700" cap="flat" cmpd="sng" algn="ctr">
-                      <a:solidFill>
-                        <a:schemeClr val="tx1"/>
-                      </a:solidFill>
-                      <a:prstDash val="solid"/>
-                      <a:round/>
-                      <a:headEnd type="none" w="med" len="med"/>
-                      <a:tailEnd type="none" w="med" len="med"/>
-                    </a:lnB>
-                  </a:tcPr>
-                </a:tc>
-                <a:tc>
-                  <a:txBody>
-                    <a:bodyPr/>
-                    <a:lstStyle/>
-                    <a:p>
-                      <a:pPr algn="ctr"/>
-                      <a:endParaRPr lang="en-SG" sz="1200" dirty="0"/>
-                    </a:p>
-                  </a:txBody>
-                  <a:tcPr marL="68580" marR="68580" marT="34290" marB="34290" anchor="ctr">
-                    <a:lnL w="12700" cap="flat" cmpd="sng" algn="ctr">
-                      <a:solidFill>
-                        <a:schemeClr val="tx1"/>
-                      </a:solidFill>
-                      <a:prstDash val="solid"/>
-                      <a:round/>
-                      <a:headEnd type="none" w="med" len="med"/>
-                      <a:tailEnd type="none" w="med" len="med"/>
-                    </a:lnL>
-                    <a:lnR w="12700" cap="flat" cmpd="sng" algn="ctr">
-                      <a:solidFill>
-                        <a:schemeClr val="tx1"/>
-                      </a:solidFill>
-                      <a:prstDash val="solid"/>
-                      <a:round/>
-                      <a:headEnd type="none" w="med" len="med"/>
-                      <a:tailEnd type="none" w="med" len="med"/>
-                    </a:lnR>
-                    <a:lnT w="12700" cap="flat" cmpd="sng" algn="ctr">
-                      <a:solidFill>
-                        <a:schemeClr val="tx1"/>
-                      </a:solidFill>
-                      <a:prstDash val="solid"/>
-                      <a:round/>
-                      <a:headEnd type="none" w="med" len="med"/>
-                      <a:tailEnd type="none" w="med" len="med"/>
-                    </a:lnT>
-                    <a:lnB w="12700" cap="flat" cmpd="sng" algn="ctr">
-                      <a:solidFill>
-                        <a:schemeClr val="tx1"/>
-                      </a:solidFill>
-                      <a:prstDash val="solid"/>
-                      <a:round/>
-                      <a:headEnd type="none" w="med" len="med"/>
-                      <a:tailEnd type="none" w="med" len="med"/>
-                    </a:lnB>
-                  </a:tcPr>
+                  <a:tcPr anchor="ctr"/>
                 </a:tc>
                 <a:tc>
                   <a:txBody>
@@ -22344,588 +23234,20 @@
                     <a:p>
                       <a:pPr algn="ctr"/>
                       <a:r>
-                        <a:rPr lang="en-US" sz="1200" dirty="0" smtClean="0"/>
-                        <a:t>14</a:t>
+                        <a:rPr lang="en-US" dirty="0" smtClean="0"/>
+                        <a:t>16 Aug, 12pm</a:t>
                       </a:r>
-                      <a:r>
-                        <a:rPr lang="en-US" sz="1200" baseline="30000" dirty="0" smtClean="0"/>
-                        <a:t>th</a:t>
-                      </a:r>
-                      <a:r>
-                        <a:rPr lang="en-US" sz="1200" dirty="0" smtClean="0"/>
-                        <a:t> Aug</a:t>
-                      </a:r>
-                      <a:endParaRPr lang="en-SG" sz="1200" dirty="0"/>
+                      <a:endParaRPr lang="en-SG" dirty="0"/>
                     </a:p>
                   </a:txBody>
-                  <a:tcPr marL="68580" marR="68580" marT="34290" marB="34290" anchor="ctr">
-                    <a:lnL w="12700" cap="flat" cmpd="sng" algn="ctr">
-                      <a:solidFill>
-                        <a:schemeClr val="tx1"/>
-                      </a:solidFill>
-                      <a:prstDash val="solid"/>
-                      <a:round/>
-                      <a:headEnd type="none" w="med" len="med"/>
-                      <a:tailEnd type="none" w="med" len="med"/>
-                    </a:lnL>
-                    <a:lnR w="12700" cap="flat" cmpd="sng" algn="ctr">
-                      <a:solidFill>
-                        <a:schemeClr val="tx1"/>
-                      </a:solidFill>
-                      <a:prstDash val="solid"/>
-                      <a:round/>
-                      <a:headEnd type="none" w="med" len="med"/>
-                      <a:tailEnd type="none" w="med" len="med"/>
-                    </a:lnR>
-                    <a:lnT w="12700" cap="flat" cmpd="sng" algn="ctr">
-                      <a:solidFill>
-                        <a:schemeClr val="tx1"/>
-                      </a:solidFill>
-                      <a:prstDash val="solid"/>
-                      <a:round/>
-                      <a:headEnd type="none" w="med" len="med"/>
-                      <a:tailEnd type="none" w="med" len="med"/>
-                    </a:lnT>
-                    <a:lnB w="12700" cap="flat" cmpd="sng" algn="ctr">
-                      <a:solidFill>
-                        <a:schemeClr val="tx1"/>
-                      </a:solidFill>
-                      <a:prstDash val="solid"/>
-                      <a:round/>
-                      <a:headEnd type="none" w="med" len="med"/>
-                      <a:tailEnd type="none" w="med" len="med"/>
-                    </a:lnB>
-                  </a:tcPr>
-                </a:tc>
-                <a:tc rowSpan="2">
-                  <a:txBody>
-                    <a:bodyPr/>
-                    <a:lstStyle/>
-                    <a:p>
-                      <a:pPr algn="ctr"/>
-                      <a:r>
-                        <a:rPr lang="en-US" sz="1200" dirty="0"/>
-                        <a:t>Pre-Class Quiz 02*</a:t>
-                      </a:r>
-                      <a:endParaRPr lang="en-SG" sz="1200" dirty="0"/>
-                    </a:p>
-                    <a:p>
-                      <a:pPr algn="ctr"/>
-                      <a:r>
-                        <a:rPr lang="en-US" sz="1200" dirty="0"/>
-                        <a:t>-</a:t>
-                      </a:r>
-                      <a:endParaRPr lang="en-SG" sz="1200" dirty="0"/>
-                    </a:p>
-                  </a:txBody>
-                  <a:tcPr marL="68580" marR="68580" marT="34290" marB="34290" anchor="ctr">
-                    <a:lnL w="12700" cap="flat" cmpd="sng" algn="ctr">
-                      <a:solidFill>
-                        <a:schemeClr val="tx1"/>
-                      </a:solidFill>
-                      <a:prstDash val="solid"/>
-                      <a:round/>
-                      <a:headEnd type="none" w="med" len="med"/>
-                      <a:tailEnd type="none" w="med" len="med"/>
-                    </a:lnL>
-                    <a:lnR w="12700" cap="flat" cmpd="sng" algn="ctr">
-                      <a:solidFill>
-                        <a:schemeClr val="tx1"/>
-                      </a:solidFill>
-                      <a:prstDash val="solid"/>
-                      <a:round/>
-                      <a:headEnd type="none" w="med" len="med"/>
-                      <a:tailEnd type="none" w="med" len="med"/>
-                    </a:lnR>
-                    <a:lnT w="12700" cap="flat" cmpd="sng" algn="ctr">
-                      <a:solidFill>
-                        <a:schemeClr val="tx1"/>
-                      </a:solidFill>
-                      <a:prstDash val="solid"/>
-                      <a:round/>
-                      <a:headEnd type="none" w="med" len="med"/>
-                      <a:tailEnd type="none" w="med" len="med"/>
-                    </a:lnT>
-                    <a:lnB w="12700" cap="flat" cmpd="sng" algn="ctr">
-                      <a:solidFill>
-                        <a:schemeClr val="tx1"/>
-                      </a:solidFill>
-                      <a:prstDash val="solid"/>
-                      <a:round/>
-                      <a:headEnd type="none" w="med" len="med"/>
-                      <a:tailEnd type="none" w="med" len="med"/>
-                    </a:lnB>
-                  </a:tcPr>
-                </a:tc>
-                <a:tc rowSpan="2">
-                  <a:txBody>
-                    <a:bodyPr/>
-                    <a:lstStyle/>
-                    <a:p>
-                      <a:pPr algn="ctr"/>
-                      <a:endParaRPr lang="en-SG" sz="1200" dirty="0">
-                        <a:solidFill>
-                          <a:srgbClr val="FF0000"/>
-                        </a:solidFill>
-                      </a:endParaRPr>
-                    </a:p>
-                  </a:txBody>
-                  <a:tcPr marL="68580" marR="68580" marT="34290" marB="34290" anchor="ctr">
-                    <a:lnL w="12700" cap="flat" cmpd="sng" algn="ctr">
-                      <a:solidFill>
-                        <a:schemeClr val="tx1"/>
-                      </a:solidFill>
-                      <a:prstDash val="solid"/>
-                      <a:round/>
-                      <a:headEnd type="none" w="med" len="med"/>
-                      <a:tailEnd type="none" w="med" len="med"/>
-                    </a:lnL>
-                    <a:lnR w="12700" cap="flat" cmpd="sng" algn="ctr">
-                      <a:solidFill>
-                        <a:schemeClr val="tx1"/>
-                      </a:solidFill>
-                      <a:prstDash val="solid"/>
-                      <a:round/>
-                      <a:headEnd type="none" w="med" len="med"/>
-                      <a:tailEnd type="none" w="med" len="med"/>
-                    </a:lnR>
-                    <a:lnT w="12700" cap="flat" cmpd="sng" algn="ctr">
-                      <a:solidFill>
-                        <a:schemeClr val="tx1"/>
-                      </a:solidFill>
-                      <a:prstDash val="solid"/>
-                      <a:round/>
-                      <a:headEnd type="none" w="med" len="med"/>
-                      <a:tailEnd type="none" w="med" len="med"/>
-                    </a:lnT>
-                    <a:lnB w="12700" cap="flat" cmpd="sng" algn="ctr">
-                      <a:solidFill>
-                        <a:schemeClr val="tx1"/>
-                      </a:solidFill>
-                      <a:prstDash val="solid"/>
-                      <a:round/>
-                      <a:headEnd type="none" w="med" len="med"/>
-                      <a:tailEnd type="none" w="med" len="med"/>
-                    </a:lnB>
-                    <a:solidFill>
-                      <a:srgbClr val="FFFF00"/>
-                    </a:solidFill>
-                  </a:tcPr>
-                </a:tc>
-                <a:extLst>
-                  <a:ext uri="{0D108BD9-81ED-4DB2-BD59-A6C34878D82A}">
-                    <a16:rowId xmlns:a16="http://schemas.microsoft.com/office/drawing/2014/main" val="3699127354"/>
-                  </a:ext>
-                </a:extLst>
-              </a:tr>
-              <a:tr h="251460">
-                <a:tc>
-                  <a:txBody>
-                    <a:bodyPr/>
-                    <a:lstStyle/>
-                    <a:p>
-                      <a:pPr algn="ctr"/>
-                      <a:r>
-                        <a:rPr lang="en-US" sz="1200" dirty="0"/>
-                        <a:t>4</a:t>
-                      </a:r>
-                      <a:endParaRPr lang="en-SG" sz="1200" dirty="0"/>
-                    </a:p>
-                  </a:txBody>
-                  <a:tcPr marL="68580" marR="68580" marT="34290" marB="34290" anchor="ctr">
-                    <a:lnL w="12700" cap="flat" cmpd="sng" algn="ctr">
-                      <a:solidFill>
-                        <a:schemeClr val="tx1"/>
-                      </a:solidFill>
-                      <a:prstDash val="solid"/>
-                      <a:round/>
-                      <a:headEnd type="none" w="med" len="med"/>
-                      <a:tailEnd type="none" w="med" len="med"/>
-                    </a:lnL>
-                    <a:lnR w="12700" cap="flat" cmpd="sng" algn="ctr">
-                      <a:solidFill>
-                        <a:schemeClr val="tx1"/>
-                      </a:solidFill>
-                      <a:prstDash val="solid"/>
-                      <a:round/>
-                      <a:headEnd type="none" w="med" len="med"/>
-                      <a:tailEnd type="none" w="med" len="med"/>
-                    </a:lnR>
-                    <a:lnT w="12700" cap="flat" cmpd="sng" algn="ctr">
-                      <a:solidFill>
-                        <a:schemeClr val="tx1"/>
-                      </a:solidFill>
-                      <a:prstDash val="solid"/>
-                      <a:round/>
-                      <a:headEnd type="none" w="med" len="med"/>
-                      <a:tailEnd type="none" w="med" len="med"/>
-                    </a:lnT>
-                    <a:lnB w="12700" cap="flat" cmpd="sng" algn="ctr">
-                      <a:solidFill>
-                        <a:schemeClr val="tx1"/>
-                      </a:solidFill>
-                      <a:prstDash val="solid"/>
-                      <a:round/>
-                      <a:headEnd type="none" w="med" len="med"/>
-                      <a:tailEnd type="none" w="med" len="med"/>
-                    </a:lnB>
-                  </a:tcPr>
+                  <a:tcPr anchor="ctr"/>
                 </a:tc>
                 <a:tc>
                   <a:txBody>
                     <a:bodyPr/>
                     <a:lstStyle/>
                     <a:p>
-                      <a:pPr algn="ctr"/>
-                      <a:endParaRPr lang="en-SG" sz="1200" dirty="0"/>
-                    </a:p>
-                  </a:txBody>
-                  <a:tcPr marL="68580" marR="68580" marT="34290" marB="34290" anchor="ctr">
-                    <a:lnL w="12700" cap="flat" cmpd="sng" algn="ctr">
-                      <a:solidFill>
-                        <a:schemeClr val="tx1"/>
-                      </a:solidFill>
-                      <a:prstDash val="solid"/>
-                      <a:round/>
-                      <a:headEnd type="none" w="med" len="med"/>
-                      <a:tailEnd type="none" w="med" len="med"/>
-                    </a:lnL>
-                    <a:lnR w="12700" cap="flat" cmpd="sng" algn="ctr">
-                      <a:solidFill>
-                        <a:schemeClr val="tx1"/>
-                      </a:solidFill>
-                      <a:prstDash val="solid"/>
-                      <a:round/>
-                      <a:headEnd type="none" w="med" len="med"/>
-                      <a:tailEnd type="none" w="med" len="med"/>
-                    </a:lnR>
-                    <a:lnT w="12700" cap="flat" cmpd="sng" algn="ctr">
-                      <a:solidFill>
-                        <a:schemeClr val="tx1"/>
-                      </a:solidFill>
-                      <a:prstDash val="solid"/>
-                      <a:round/>
-                      <a:headEnd type="none" w="med" len="med"/>
-                      <a:tailEnd type="none" w="med" len="med"/>
-                    </a:lnT>
-                    <a:lnB w="12700" cap="flat" cmpd="sng" algn="ctr">
-                      <a:solidFill>
-                        <a:schemeClr val="tx1"/>
-                      </a:solidFill>
-                      <a:prstDash val="solid"/>
-                      <a:round/>
-                      <a:headEnd type="none" w="med" len="med"/>
-                      <a:tailEnd type="none" w="med" len="med"/>
-                    </a:lnB>
-                  </a:tcPr>
-                </a:tc>
-                <a:tc>
-                  <a:txBody>
-                    <a:bodyPr/>
-                    <a:lstStyle/>
-                    <a:p>
-                      <a:pPr algn="ctr"/>
-                      <a:r>
-                        <a:rPr lang="en-US" sz="1200" dirty="0" smtClean="0"/>
-                        <a:t>16</a:t>
-                      </a:r>
-                      <a:r>
-                        <a:rPr lang="en-US" sz="1200" baseline="30000" dirty="0" smtClean="0"/>
-                        <a:t>th</a:t>
-                      </a:r>
-                      <a:r>
-                        <a:rPr lang="en-US" sz="1200" dirty="0" smtClean="0"/>
-                        <a:t> Aug</a:t>
-                      </a:r>
-                      <a:endParaRPr lang="en-SG" sz="1200" dirty="0"/>
-                    </a:p>
-                  </a:txBody>
-                  <a:tcPr marL="68580" marR="68580" marT="34290" marB="34290" anchor="ctr">
-                    <a:lnL w="12700" cap="flat" cmpd="sng" algn="ctr">
-                      <a:solidFill>
-                        <a:schemeClr val="tx1"/>
-                      </a:solidFill>
-                      <a:prstDash val="solid"/>
-                      <a:round/>
-                      <a:headEnd type="none" w="med" len="med"/>
-                      <a:tailEnd type="none" w="med" len="med"/>
-                    </a:lnL>
-                    <a:lnR w="12700" cap="flat" cmpd="sng" algn="ctr">
-                      <a:solidFill>
-                        <a:schemeClr val="tx1"/>
-                      </a:solidFill>
-                      <a:prstDash val="solid"/>
-                      <a:round/>
-                      <a:headEnd type="none" w="med" len="med"/>
-                      <a:tailEnd type="none" w="med" len="med"/>
-                    </a:lnR>
-                    <a:lnT w="12700" cap="flat" cmpd="sng" algn="ctr">
-                      <a:solidFill>
-                        <a:schemeClr val="tx1"/>
-                      </a:solidFill>
-                      <a:prstDash val="solid"/>
-                      <a:round/>
-                      <a:headEnd type="none" w="med" len="med"/>
-                      <a:tailEnd type="none" w="med" len="med"/>
-                    </a:lnT>
-                    <a:lnB w="12700" cap="flat" cmpd="sng" algn="ctr">
-                      <a:solidFill>
-                        <a:schemeClr val="tx1"/>
-                      </a:solidFill>
-                      <a:prstDash val="solid"/>
-                      <a:round/>
-                      <a:headEnd type="none" w="med" len="med"/>
-                      <a:tailEnd type="none" w="med" len="med"/>
-                    </a:lnB>
-                  </a:tcPr>
-                </a:tc>
-                <a:tc vMerge="1">
-                  <a:txBody>
-                    <a:bodyPr/>
-                    <a:lstStyle/>
-                    <a:p>
-                      <a:pPr algn="ctr"/>
-                      <a:endParaRPr lang="en-SG" sz="1600" dirty="0"/>
-                    </a:p>
-                  </a:txBody>
-                  <a:tcPr/>
-                </a:tc>
-                <a:tc vMerge="1">
-                  <a:txBody>
-                    <a:bodyPr/>
-                    <a:lstStyle/>
-                    <a:p>
-                      <a:pPr algn="ctr"/>
-                      <a:endParaRPr lang="en-SG" sz="1600" dirty="0"/>
-                    </a:p>
-                  </a:txBody>
-                  <a:tcPr/>
-                </a:tc>
-                <a:extLst>
-                  <a:ext uri="{0D108BD9-81ED-4DB2-BD59-A6C34878D82A}">
-                    <a16:rowId xmlns:a16="http://schemas.microsoft.com/office/drawing/2014/main" val="1107960829"/>
-                  </a:ext>
-                </a:extLst>
-              </a:tr>
-              <a:tr h="434340">
-                <a:tc>
-                  <a:txBody>
-                    <a:bodyPr/>
-                    <a:lstStyle/>
-                    <a:p>
-                      <a:pPr algn="ctr"/>
-                      <a:r>
-                        <a:rPr lang="en-US" sz="1200" dirty="0"/>
-                        <a:t>5</a:t>
-                      </a:r>
-                      <a:endParaRPr lang="en-SG" sz="1200" dirty="0"/>
-                    </a:p>
-                  </a:txBody>
-                  <a:tcPr marL="68580" marR="68580" marT="34290" marB="34290" anchor="ctr">
-                    <a:lnL w="12700" cap="flat" cmpd="sng" algn="ctr">
-                      <a:solidFill>
-                        <a:schemeClr val="tx1"/>
-                      </a:solidFill>
-                      <a:prstDash val="solid"/>
-                      <a:round/>
-                      <a:headEnd type="none" w="med" len="med"/>
-                      <a:tailEnd type="none" w="med" len="med"/>
-                    </a:lnL>
-                    <a:lnR w="12700" cap="flat" cmpd="sng" algn="ctr">
-                      <a:solidFill>
-                        <a:schemeClr val="tx1"/>
-                      </a:solidFill>
-                      <a:prstDash val="solid"/>
-                      <a:round/>
-                      <a:headEnd type="none" w="med" len="med"/>
-                      <a:tailEnd type="none" w="med" len="med"/>
-                    </a:lnR>
-                    <a:lnT w="12700" cap="flat" cmpd="sng" algn="ctr">
-                      <a:solidFill>
-                        <a:schemeClr val="tx1"/>
-                      </a:solidFill>
-                      <a:prstDash val="solid"/>
-                      <a:round/>
-                      <a:headEnd type="none" w="med" len="med"/>
-                      <a:tailEnd type="none" w="med" len="med"/>
-                    </a:lnT>
-                    <a:lnB w="12700" cap="flat" cmpd="sng" algn="ctr">
-                      <a:solidFill>
-                        <a:schemeClr val="tx1"/>
-                      </a:solidFill>
-                      <a:prstDash val="solid"/>
-                      <a:round/>
-                      <a:headEnd type="none" w="med" len="med"/>
-                      <a:tailEnd type="none" w="med" len="med"/>
-                    </a:lnB>
-                  </a:tcPr>
-                </a:tc>
-                <a:tc>
-                  <a:txBody>
-                    <a:bodyPr/>
-                    <a:lstStyle/>
-                    <a:p>
-                      <a:pPr algn="ctr"/>
-                      <a:endParaRPr lang="en-SG" sz="1200" dirty="0"/>
-                    </a:p>
-                  </a:txBody>
-                  <a:tcPr marL="68580" marR="68580" marT="34290" marB="34290" anchor="ctr">
-                    <a:lnL w="12700" cap="flat" cmpd="sng" algn="ctr">
-                      <a:solidFill>
-                        <a:schemeClr val="tx1"/>
-                      </a:solidFill>
-                      <a:prstDash val="solid"/>
-                      <a:round/>
-                      <a:headEnd type="none" w="med" len="med"/>
-                      <a:tailEnd type="none" w="med" len="med"/>
-                    </a:lnL>
-                    <a:lnR w="12700" cap="flat" cmpd="sng" algn="ctr">
-                      <a:solidFill>
-                        <a:schemeClr val="tx1"/>
-                      </a:solidFill>
-                      <a:prstDash val="solid"/>
-                      <a:round/>
-                      <a:headEnd type="none" w="med" len="med"/>
-                      <a:tailEnd type="none" w="med" len="med"/>
-                    </a:lnR>
-                    <a:lnT w="12700" cap="flat" cmpd="sng" algn="ctr">
-                      <a:solidFill>
-                        <a:schemeClr val="tx1"/>
-                      </a:solidFill>
-                      <a:prstDash val="solid"/>
-                      <a:round/>
-                      <a:headEnd type="none" w="med" len="med"/>
-                      <a:tailEnd type="none" w="med" len="med"/>
-                    </a:lnT>
-                    <a:lnB w="12700" cap="flat" cmpd="sng" algn="ctr">
-                      <a:solidFill>
-                        <a:schemeClr val="tx1"/>
-                      </a:solidFill>
-                      <a:prstDash val="solid"/>
-                      <a:round/>
-                      <a:headEnd type="none" w="med" len="med"/>
-                      <a:tailEnd type="none" w="med" len="med"/>
-                    </a:lnB>
-                  </a:tcPr>
-                </a:tc>
-                <a:tc>
-                  <a:txBody>
-                    <a:bodyPr/>
-                    <a:lstStyle/>
-                    <a:p>
-                      <a:pPr algn="ctr"/>
-                      <a:r>
-                        <a:rPr lang="en-US" sz="1200" dirty="0" smtClean="0"/>
-                        <a:t>23</a:t>
-                      </a:r>
-                      <a:r>
-                        <a:rPr lang="en-US" sz="1200" baseline="30000" dirty="0" smtClean="0"/>
-                        <a:t>rd</a:t>
-                      </a:r>
-                      <a:r>
-                        <a:rPr lang="en-US" sz="1200" dirty="0" smtClean="0"/>
-                        <a:t> Aug</a:t>
-                      </a:r>
-                      <a:endParaRPr lang="en-SG" sz="1200" dirty="0"/>
-                    </a:p>
-                  </a:txBody>
-                  <a:tcPr marL="68580" marR="68580" marT="34290" marB="34290" anchor="ctr">
-                    <a:lnL w="12700" cap="flat" cmpd="sng" algn="ctr">
-                      <a:solidFill>
-                        <a:schemeClr val="tx1"/>
-                      </a:solidFill>
-                      <a:prstDash val="solid"/>
-                      <a:round/>
-                      <a:headEnd type="none" w="med" len="med"/>
-                      <a:tailEnd type="none" w="med" len="med"/>
-                    </a:lnL>
-                    <a:lnR w="12700" cap="flat" cmpd="sng" algn="ctr">
-                      <a:solidFill>
-                        <a:schemeClr val="tx1"/>
-                      </a:solidFill>
-                      <a:prstDash val="solid"/>
-                      <a:round/>
-                      <a:headEnd type="none" w="med" len="med"/>
-                      <a:tailEnd type="none" w="med" len="med"/>
-                    </a:lnR>
-                    <a:lnT w="12700" cap="flat" cmpd="sng" algn="ctr">
-                      <a:solidFill>
-                        <a:schemeClr val="tx1"/>
-                      </a:solidFill>
-                      <a:prstDash val="solid"/>
-                      <a:round/>
-                      <a:headEnd type="none" w="med" len="med"/>
-                      <a:tailEnd type="none" w="med" len="med"/>
-                    </a:lnT>
-                    <a:lnB w="12700" cap="flat" cmpd="sng" algn="ctr">
-                      <a:solidFill>
-                        <a:schemeClr val="tx1"/>
-                      </a:solidFill>
-                      <a:prstDash val="solid"/>
-                      <a:round/>
-                      <a:headEnd type="none" w="med" len="med"/>
-                      <a:tailEnd type="none" w="med" len="med"/>
-                    </a:lnB>
-                  </a:tcPr>
-                </a:tc>
-                <a:tc>
-                  <a:txBody>
-                    <a:bodyPr/>
-                    <a:lstStyle/>
-                    <a:p>
-                      <a:pPr algn="ctr"/>
-                      <a:r>
-                        <a:rPr lang="en-US" sz="1200" dirty="0"/>
-                        <a:t>Group Based Assignment</a:t>
-                      </a:r>
-                      <a:endParaRPr lang="en-SG" sz="1200" dirty="0"/>
-                    </a:p>
-                  </a:txBody>
-                  <a:tcPr marL="68580" marR="68580" marT="34290" marB="34290" anchor="ctr">
-                    <a:lnL w="12700" cap="flat" cmpd="sng" algn="ctr">
-                      <a:solidFill>
-                        <a:schemeClr val="tx1"/>
-                      </a:solidFill>
-                      <a:prstDash val="solid"/>
-                      <a:round/>
-                      <a:headEnd type="none" w="med" len="med"/>
-                      <a:tailEnd type="none" w="med" len="med"/>
-                    </a:lnL>
-                    <a:lnR w="12700" cap="flat" cmpd="sng" algn="ctr">
-                      <a:solidFill>
-                        <a:schemeClr val="tx1"/>
-                      </a:solidFill>
-                      <a:prstDash val="solid"/>
-                      <a:round/>
-                      <a:headEnd type="none" w="med" len="med"/>
-                      <a:tailEnd type="none" w="med" len="med"/>
-                    </a:lnR>
-                    <a:lnT w="12700" cap="flat" cmpd="sng" algn="ctr">
-                      <a:solidFill>
-                        <a:schemeClr val="tx1"/>
-                      </a:solidFill>
-                      <a:prstDash val="solid"/>
-                      <a:round/>
-                      <a:headEnd type="none" w="med" len="med"/>
-                      <a:tailEnd type="none" w="med" len="med"/>
-                    </a:lnT>
-                    <a:lnB w="12700" cap="flat" cmpd="sng" algn="ctr">
-                      <a:solidFill>
-                        <a:schemeClr val="tx1"/>
-                      </a:solidFill>
-                      <a:prstDash val="solid"/>
-                      <a:round/>
-                      <a:headEnd type="none" w="med" len="med"/>
-                      <a:tailEnd type="none" w="med" len="med"/>
-                    </a:lnB>
-                  </a:tcPr>
-                </a:tc>
-                <a:tc>
-                  <a:txBody>
-                    <a:bodyPr/>
-                    <a:lstStyle/>
-                    <a:p>
-                      <a:pPr marL="0" marR="0" lvl="0" indent="0" algn="ctr" defTabSz="457200" rtl="0" eaLnBrk="1" fontAlgn="auto" latinLnBrk="0" hangingPunct="1">
+                      <a:pPr marL="0" marR="0" lvl="0" indent="0" algn="ctr" defTabSz="914400" rtl="0" eaLnBrk="1" fontAlgn="auto" latinLnBrk="0" hangingPunct="1">
                         <a:lnSpc>
                           <a:spcPct val="100000"/>
                         </a:lnSpc>
@@ -22942,161 +23264,39 @@
                         <a:tabLst/>
                         <a:defRPr/>
                       </a:pPr>
-                      <a:endParaRPr lang="en-SG" sz="1200" dirty="0">
-                        <a:solidFill>
-                          <a:srgbClr val="FF0000"/>
-                        </a:solidFill>
-                      </a:endParaRPr>
+                      <a:r>
+                        <a:rPr lang="en-US" dirty="0" smtClean="0"/>
+                        <a:t>23 Aug, 12pm</a:t>
+                      </a:r>
+                      <a:endParaRPr lang="en-SG" dirty="0" smtClean="0"/>
                     </a:p>
                   </a:txBody>
-                  <a:tcPr marL="68580" marR="68580" marT="34290" marB="34290" anchor="ctr">
-                    <a:lnL w="12700" cap="flat" cmpd="sng" algn="ctr">
-                      <a:solidFill>
-                        <a:schemeClr val="tx1"/>
-                      </a:solidFill>
-                      <a:prstDash val="solid"/>
-                      <a:round/>
-                      <a:headEnd type="none" w="med" len="med"/>
-                      <a:tailEnd type="none" w="med" len="med"/>
-                    </a:lnL>
-                    <a:lnR w="12700" cap="flat" cmpd="sng" algn="ctr">
-                      <a:solidFill>
-                        <a:schemeClr val="tx1"/>
-                      </a:solidFill>
-                      <a:prstDash val="solid"/>
-                      <a:round/>
-                      <a:headEnd type="none" w="med" len="med"/>
-                      <a:tailEnd type="none" w="med" len="med"/>
-                    </a:lnR>
-                    <a:lnT w="12700" cap="flat" cmpd="sng" algn="ctr">
-                      <a:solidFill>
-                        <a:schemeClr val="tx1"/>
-                      </a:solidFill>
-                      <a:prstDash val="solid"/>
-                      <a:round/>
-                      <a:headEnd type="none" w="med" len="med"/>
-                      <a:tailEnd type="none" w="med" len="med"/>
-                    </a:lnT>
-                    <a:lnB w="12700" cap="flat" cmpd="sng" algn="ctr">
-                      <a:solidFill>
-                        <a:schemeClr val="tx1"/>
-                      </a:solidFill>
-                      <a:prstDash val="solid"/>
-                      <a:round/>
-                      <a:headEnd type="none" w="med" len="med"/>
-                      <a:tailEnd type="none" w="med" len="med"/>
-                    </a:lnB>
-                    <a:solidFill>
-                      <a:srgbClr val="FFFF00"/>
-                    </a:solidFill>
-                  </a:tcPr>
+                  <a:tcPr anchor="ctr"/>
                 </a:tc>
                 <a:extLst>
                   <a:ext uri="{0D108BD9-81ED-4DB2-BD59-A6C34878D82A}">
-                    <a16:rowId xmlns:a16="http://schemas.microsoft.com/office/drawing/2014/main" val="3037283718"/>
+                    <a16:rowId xmlns:a16="http://schemas.microsoft.com/office/drawing/2014/main" xmlns="" val="4029903763"/>
                   </a:ext>
                 </a:extLst>
               </a:tr>
-              <a:tr h="434340">
+              <a:tr h="635890">
                 <a:tc>
                   <a:txBody>
                     <a:bodyPr/>
                     <a:lstStyle/>
                     <a:p>
-                      <a:pPr algn="ctr"/>
                       <a:r>
-                        <a:rPr lang="en-US" sz="1200" dirty="0"/>
-                        <a:t>6</a:t>
+                        <a:rPr lang="en-US" dirty="0" smtClean="0"/>
+                        <a:t>Tutor</a:t>
                       </a:r>
-                      <a:endParaRPr lang="en-SG" sz="1200" dirty="0"/>
+                      <a:r>
+                        <a:rPr lang="en-US" baseline="0" dirty="0" smtClean="0"/>
+                        <a:t> Marked Assignment</a:t>
+                      </a:r>
+                      <a:endParaRPr lang="en-SG" dirty="0"/>
                     </a:p>
                   </a:txBody>
-                  <a:tcPr marL="68580" marR="68580" marT="34290" marB="34290" anchor="ctr">
-                    <a:lnL w="12700" cap="flat" cmpd="sng" algn="ctr">
-                      <a:solidFill>
-                        <a:schemeClr val="tx1"/>
-                      </a:solidFill>
-                      <a:prstDash val="solid"/>
-                      <a:round/>
-                      <a:headEnd type="none" w="med" len="med"/>
-                      <a:tailEnd type="none" w="med" len="med"/>
-                    </a:lnL>
-                    <a:lnR w="12700" cap="flat" cmpd="sng" algn="ctr">
-                      <a:solidFill>
-                        <a:schemeClr val="tx1"/>
-                      </a:solidFill>
-                      <a:prstDash val="solid"/>
-                      <a:round/>
-                      <a:headEnd type="none" w="med" len="med"/>
-                      <a:tailEnd type="none" w="med" len="med"/>
-                    </a:lnR>
-                    <a:lnT w="12700" cap="flat" cmpd="sng" algn="ctr">
-                      <a:solidFill>
-                        <a:schemeClr val="tx1"/>
-                      </a:solidFill>
-                      <a:prstDash val="solid"/>
-                      <a:round/>
-                      <a:headEnd type="none" w="med" len="med"/>
-                      <a:tailEnd type="none" w="med" len="med"/>
-                    </a:lnT>
-                    <a:lnB w="12700" cap="flat" cmpd="sng" algn="ctr">
-                      <a:solidFill>
-                        <a:schemeClr val="tx1"/>
-                      </a:solidFill>
-                      <a:prstDash val="solid"/>
-                      <a:round/>
-                      <a:headEnd type="none" w="med" len="med"/>
-                      <a:tailEnd type="none" w="med" len="med"/>
-                    </a:lnB>
-                  </a:tcPr>
-                </a:tc>
-                <a:tc>
-                  <a:txBody>
-                    <a:bodyPr/>
-                    <a:lstStyle/>
-                    <a:p>
-                      <a:pPr algn="ctr"/>
-                      <a:endParaRPr lang="en-SG" sz="1200" dirty="0"/>
-                    </a:p>
-                  </a:txBody>
-                  <a:tcPr marL="68580" marR="68580" marT="34290" marB="34290" anchor="ctr">
-                    <a:lnL w="12700" cap="flat" cmpd="sng" algn="ctr">
-                      <a:solidFill>
-                        <a:schemeClr val="tx1"/>
-                      </a:solidFill>
-                      <a:prstDash val="solid"/>
-                      <a:round/>
-                      <a:headEnd type="none" w="med" len="med"/>
-                      <a:tailEnd type="none" w="med" len="med"/>
-                    </a:lnL>
-                    <a:lnR w="12700" cap="flat" cmpd="sng" algn="ctr">
-                      <a:solidFill>
-                        <a:schemeClr val="tx1"/>
-                      </a:solidFill>
-                      <a:prstDash val="solid"/>
-                      <a:round/>
-                      <a:headEnd type="none" w="med" len="med"/>
-                      <a:tailEnd type="none" w="med" len="med"/>
-                    </a:lnR>
-                    <a:lnT w="12700" cap="flat" cmpd="sng" algn="ctr">
-                      <a:solidFill>
-                        <a:schemeClr val="tx1"/>
-                      </a:solidFill>
-                      <a:prstDash val="solid"/>
-                      <a:round/>
-                      <a:headEnd type="none" w="med" len="med"/>
-                      <a:tailEnd type="none" w="med" len="med"/>
-                    </a:lnT>
-                    <a:lnB w="12700" cap="flat" cmpd="sng" algn="ctr">
-                      <a:solidFill>
-                        <a:schemeClr val="tx1"/>
-                      </a:solidFill>
-                      <a:prstDash val="solid"/>
-                      <a:round/>
-                      <a:headEnd type="none" w="med" len="med"/>
-                      <a:tailEnd type="none" w="med" len="med"/>
-                    </a:lnB>
-                  </a:tcPr>
+                  <a:tcPr anchor="ctr"/>
                 </a:tc>
                 <a:tc>
                   <a:txBody>
@@ -23105,58 +23305,24 @@
                     <a:p>
                       <a:pPr algn="ctr"/>
                       <a:r>
-                        <a:rPr lang="en-US" sz="1200" dirty="0" smtClean="0"/>
-                        <a:t>30</a:t>
+                        <a:rPr lang="en-US" dirty="0" smtClean="0"/>
+                        <a:t>18%</a:t>
                       </a:r>
-                      <a:r>
-                        <a:rPr lang="en-US" sz="1200" baseline="30000" dirty="0" smtClean="0"/>
-                        <a:t>th</a:t>
-                      </a:r>
-                      <a:r>
-                        <a:rPr lang="en-US" sz="1200" dirty="0" smtClean="0"/>
-                        <a:t> Aug</a:t>
-                      </a:r>
-                      <a:endParaRPr lang="en-SG" sz="1200" dirty="0"/>
+                      <a:endParaRPr lang="en-SG" dirty="0"/>
                     </a:p>
                   </a:txBody>
-                  <a:tcPr marL="68580" marR="68580" marT="34290" marB="34290" anchor="ctr">
-                    <a:lnL w="12700" cap="flat" cmpd="sng" algn="ctr">
-                      <a:solidFill>
-                        <a:schemeClr val="tx1"/>
-                      </a:solidFill>
-                      <a:prstDash val="solid"/>
-                      <a:round/>
-                      <a:headEnd type="none" w="med" len="med"/>
-                      <a:tailEnd type="none" w="med" len="med"/>
-                    </a:lnL>
-                    <a:lnR w="12700" cap="flat" cmpd="sng" algn="ctr">
-                      <a:solidFill>
-                        <a:schemeClr val="tx1"/>
-                      </a:solidFill>
-                      <a:prstDash val="solid"/>
-                      <a:round/>
-                      <a:headEnd type="none" w="med" len="med"/>
-                      <a:tailEnd type="none" w="med" len="med"/>
-                    </a:lnR>
-                    <a:lnT w="12700" cap="flat" cmpd="sng" algn="ctr">
-                      <a:solidFill>
-                        <a:schemeClr val="tx1"/>
-                      </a:solidFill>
-                      <a:prstDash val="solid"/>
-                      <a:round/>
-                      <a:headEnd type="none" w="med" len="med"/>
-                      <a:tailEnd type="none" w="med" len="med"/>
-                    </a:lnT>
-                    <a:lnB w="12700" cap="flat" cmpd="sng" algn="ctr">
-                      <a:solidFill>
-                        <a:schemeClr val="tx1"/>
-                      </a:solidFill>
-                      <a:prstDash val="solid"/>
-                      <a:round/>
-                      <a:headEnd type="none" w="med" len="med"/>
-                      <a:tailEnd type="none" w="med" len="med"/>
-                    </a:lnB>
-                  </a:tcPr>
+                  <a:tcPr anchor="ctr"/>
+                </a:tc>
+                <a:tc>
+                  <a:txBody>
+                    <a:bodyPr/>
+                    <a:lstStyle/>
+                    <a:p>
+                      <a:pPr algn="ctr"/>
+                      <a:endParaRPr lang="en-SG" dirty="0"/>
+                    </a:p>
+                  </a:txBody>
+                  <a:tcPr anchor="ctr"/>
                 </a:tc>
                 <a:tc>
                   <a:txBody>
@@ -23165,50 +23331,42 @@
                     <a:p>
                       <a:pPr algn="ctr"/>
                       <a:r>
-                        <a:rPr lang="en-US" sz="1200" dirty="0"/>
-                        <a:t>End of Course Assessment</a:t>
+                        <a:rPr lang="en-US" dirty="0" smtClean="0"/>
+                        <a:t>8 Aug, 1155 pm</a:t>
                       </a:r>
-                      <a:endParaRPr lang="en-SG" sz="1200" dirty="0"/>
+                      <a:endParaRPr lang="en-SG" dirty="0"/>
                     </a:p>
                   </a:txBody>
-                  <a:tcPr marL="68580" marR="68580" marT="34290" marB="34290" anchor="ctr">
-                    <a:lnL w="12700" cap="flat" cmpd="sng" algn="ctr">
-                      <a:solidFill>
-                        <a:schemeClr val="tx1"/>
-                      </a:solidFill>
-                      <a:prstDash val="solid"/>
-                      <a:round/>
-                      <a:headEnd type="none" w="med" len="med"/>
-                      <a:tailEnd type="none" w="med" len="med"/>
-                    </a:lnL>
-                    <a:lnR w="12700" cap="flat" cmpd="sng" algn="ctr">
-                      <a:solidFill>
-                        <a:schemeClr val="tx1"/>
-                      </a:solidFill>
-                      <a:prstDash val="solid"/>
-                      <a:round/>
-                      <a:headEnd type="none" w="med" len="med"/>
-                      <a:tailEnd type="none" w="med" len="med"/>
-                    </a:lnR>
-                    <a:lnT w="12700" cap="flat" cmpd="sng" algn="ctr">
-                      <a:solidFill>
-                        <a:schemeClr val="tx1"/>
-                      </a:solidFill>
-                      <a:prstDash val="solid"/>
-                      <a:round/>
-                      <a:headEnd type="none" w="med" len="med"/>
-                      <a:tailEnd type="none" w="med" len="med"/>
-                    </a:lnT>
-                    <a:lnB w="12700" cap="flat" cmpd="sng" algn="ctr">
-                      <a:solidFill>
-                        <a:schemeClr val="tx1"/>
-                      </a:solidFill>
-                      <a:prstDash val="solid"/>
-                      <a:round/>
-                      <a:headEnd type="none" w="med" len="med"/>
-                      <a:tailEnd type="none" w="med" len="med"/>
-                    </a:lnB>
-                  </a:tcPr>
+                  <a:tcPr anchor="ctr"/>
+                </a:tc>
+                <a:extLst>
+                  <a:ext uri="{0D108BD9-81ED-4DB2-BD59-A6C34878D82A}">
+                    <a16:rowId xmlns:a16="http://schemas.microsoft.com/office/drawing/2014/main" xmlns="" val="2065889755"/>
+                  </a:ext>
+                </a:extLst>
+              </a:tr>
+              <a:tr h="635890">
+                <a:tc>
+                  <a:txBody>
+                    <a:bodyPr/>
+                    <a:lstStyle/>
+                    <a:p>
+                      <a:r>
+                        <a:rPr lang="en-US" dirty="0" smtClean="0"/>
+                        <a:t>Group</a:t>
+                      </a:r>
+                      <a:r>
+                        <a:rPr lang="en-US" baseline="0" dirty="0" smtClean="0"/>
+                        <a:t> </a:t>
+                      </a:r>
+                      <a:r>
+                        <a:rPr lang="en-US" dirty="0" smtClean="0"/>
+                        <a:t>Based Assessment</a:t>
+                      </a:r>
+                      <a:endParaRPr lang="en-SG" dirty="0"/>
+                    </a:p>
+                  </a:txBody>
+                  <a:tcPr anchor="ctr"/>
                 </a:tc>
                 <a:tc>
                   <a:txBody>
@@ -23216,58 +23374,200 @@
                     <a:lstStyle/>
                     <a:p>
                       <a:pPr algn="ctr"/>
-                      <a:endParaRPr lang="en-SG" sz="1200" dirty="0">
-                        <a:solidFill>
-                          <a:srgbClr val="FF0000"/>
-                        </a:solidFill>
-                      </a:endParaRPr>
+                      <a:r>
+                        <a:rPr lang="en-US" dirty="0" smtClean="0"/>
+                        <a:t>20%</a:t>
+                      </a:r>
+                      <a:endParaRPr lang="en-SG" dirty="0"/>
                     </a:p>
                   </a:txBody>
-                  <a:tcPr marL="68580" marR="68580" marT="34290" marB="34290" anchor="ctr">
-                    <a:lnL w="12700" cap="flat" cmpd="sng" algn="ctr">
-                      <a:solidFill>
-                        <a:schemeClr val="tx1"/>
-                      </a:solidFill>
-                      <a:prstDash val="solid"/>
-                      <a:round/>
-                      <a:headEnd type="none" w="med" len="med"/>
-                      <a:tailEnd type="none" w="med" len="med"/>
-                    </a:lnL>
-                    <a:lnR w="12700" cap="flat" cmpd="sng" algn="ctr">
-                      <a:solidFill>
-                        <a:schemeClr val="tx1"/>
-                      </a:solidFill>
-                      <a:prstDash val="solid"/>
-                      <a:round/>
-                      <a:headEnd type="none" w="med" len="med"/>
-                      <a:tailEnd type="none" w="med" len="med"/>
-                    </a:lnR>
-                    <a:lnT w="12700" cap="flat" cmpd="sng" algn="ctr">
-                      <a:solidFill>
-                        <a:schemeClr val="tx1"/>
-                      </a:solidFill>
-                      <a:prstDash val="solid"/>
-                      <a:round/>
-                      <a:headEnd type="none" w="med" len="med"/>
-                      <a:tailEnd type="none" w="med" len="med"/>
-                    </a:lnT>
-                    <a:lnB w="12700" cap="flat" cmpd="sng" algn="ctr">
-                      <a:solidFill>
-                        <a:schemeClr val="tx1"/>
-                      </a:solidFill>
-                      <a:prstDash val="solid"/>
-                      <a:round/>
-                      <a:headEnd type="none" w="med" len="med"/>
-                      <a:tailEnd type="none" w="med" len="med"/>
-                    </a:lnB>
-                    <a:solidFill>
-                      <a:srgbClr val="FFFF00"/>
-                    </a:solidFill>
-                  </a:tcPr>
+                  <a:tcPr anchor="ctr"/>
+                </a:tc>
+                <a:tc>
+                  <a:txBody>
+                    <a:bodyPr/>
+                    <a:lstStyle/>
+                    <a:p>
+                      <a:pPr algn="ctr"/>
+                      <a:endParaRPr lang="en-SG" dirty="0"/>
+                    </a:p>
+                  </a:txBody>
+                  <a:tcPr anchor="ctr"/>
+                </a:tc>
+                <a:tc>
+                  <a:txBody>
+                    <a:bodyPr/>
+                    <a:lstStyle/>
+                    <a:p>
+                      <a:pPr algn="ctr"/>
+                      <a:r>
+                        <a:rPr lang="en-US" dirty="0" smtClean="0"/>
+                        <a:t>22 Aug, 1155 pm</a:t>
+                      </a:r>
+                      <a:endParaRPr lang="en-SG" dirty="0"/>
+                    </a:p>
+                  </a:txBody>
+                  <a:tcPr anchor="ctr"/>
                 </a:tc>
                 <a:extLst>
                   <a:ext uri="{0D108BD9-81ED-4DB2-BD59-A6C34878D82A}">
-                    <a16:rowId xmlns:a16="http://schemas.microsoft.com/office/drawing/2014/main" val="4135394514"/>
+                    <a16:rowId xmlns:a16="http://schemas.microsoft.com/office/drawing/2014/main" xmlns="" val="3821679047"/>
+                  </a:ext>
+                </a:extLst>
+              </a:tr>
+              <a:tr h="635890">
+                <a:tc>
+                  <a:txBody>
+                    <a:bodyPr/>
+                    <a:lstStyle/>
+                    <a:p>
+                      <a:r>
+                        <a:rPr lang="en-US" dirty="0" smtClean="0"/>
+                        <a:t>End-of-Course Assessment</a:t>
+                      </a:r>
+                      <a:endParaRPr lang="en-SG" dirty="0"/>
+                    </a:p>
+                  </a:txBody>
+                  <a:tcPr anchor="ctr"/>
+                </a:tc>
+                <a:tc>
+                  <a:txBody>
+                    <a:bodyPr/>
+                    <a:lstStyle/>
+                    <a:p>
+                      <a:pPr algn="ctr"/>
+                      <a:r>
+                        <a:rPr lang="en-US" dirty="0" smtClean="0"/>
+                        <a:t>50%</a:t>
+                      </a:r>
+                      <a:endParaRPr lang="en-SG" dirty="0"/>
+                    </a:p>
+                  </a:txBody>
+                  <a:tcPr anchor="ctr"/>
+                </a:tc>
+                <a:tc>
+                  <a:txBody>
+                    <a:bodyPr/>
+                    <a:lstStyle/>
+                    <a:p>
+                      <a:pPr algn="ctr"/>
+                      <a:endParaRPr lang="en-SG" dirty="0"/>
+                    </a:p>
+                  </a:txBody>
+                  <a:tcPr anchor="ctr"/>
+                </a:tc>
+                <a:tc>
+                  <a:txBody>
+                    <a:bodyPr/>
+                    <a:lstStyle/>
+                    <a:p>
+                      <a:pPr marL="0" marR="0" lvl="0" indent="0" algn="ctr" defTabSz="914400" rtl="0" eaLnBrk="1" fontAlgn="auto" latinLnBrk="0" hangingPunct="1">
+                        <a:lnSpc>
+                          <a:spcPct val="100000"/>
+                        </a:lnSpc>
+                        <a:spcBef>
+                          <a:spcPts val="0"/>
+                        </a:spcBef>
+                        <a:spcAft>
+                          <a:spcPts val="0"/>
+                        </a:spcAft>
+                        <a:buClrTx/>
+                        <a:buSzTx/>
+                        <a:buFontTx/>
+                        <a:buNone/>
+                        <a:tabLst/>
+                        <a:defRPr/>
+                      </a:pPr>
+                      <a:r>
+                        <a:rPr lang="en-US" dirty="0" smtClean="0"/>
+                        <a:t>6 September 2021, 12 pm</a:t>
+                      </a:r>
+                      <a:endParaRPr lang="en-SG" dirty="0" smtClean="0"/>
+                    </a:p>
+                  </a:txBody>
+                  <a:tcPr anchor="ctr"/>
+                </a:tc>
+                <a:extLst>
+                  <a:ext uri="{0D108BD9-81ED-4DB2-BD59-A6C34878D82A}">
+                    <a16:rowId xmlns:a16="http://schemas.microsoft.com/office/drawing/2014/main" xmlns="" val="153666857"/>
+                  </a:ext>
+                </a:extLst>
+              </a:tr>
+              <a:tr h="368412">
+                <a:tc>
+                  <a:txBody>
+                    <a:bodyPr/>
+                    <a:lstStyle/>
+                    <a:p>
+                      <a:r>
+                        <a:rPr lang="en-US" dirty="0" smtClean="0"/>
+                        <a:t>Participation </a:t>
+                      </a:r>
+                      <a:endParaRPr lang="en-SG" dirty="0"/>
+                    </a:p>
+                  </a:txBody>
+                  <a:tcPr anchor="ctr"/>
+                </a:tc>
+                <a:tc>
+                  <a:txBody>
+                    <a:bodyPr/>
+                    <a:lstStyle/>
+                    <a:p>
+                      <a:pPr algn="ctr"/>
+                      <a:r>
+                        <a:rPr lang="en-US" dirty="0" smtClean="0"/>
+                        <a:t>6% </a:t>
+                      </a:r>
+                      <a:r>
+                        <a:rPr lang="en-SG" baseline="0" dirty="0" smtClean="0"/>
+                        <a:t> (30% from class, 70% from forum)</a:t>
+                      </a:r>
+                      <a:endParaRPr lang="en-US" dirty="0" smtClean="0"/>
+                    </a:p>
+                  </a:txBody>
+                  <a:tcPr anchor="ctr"/>
+                </a:tc>
+                <a:tc>
+                  <a:txBody>
+                    <a:bodyPr/>
+                    <a:lstStyle/>
+                    <a:p>
+                      <a:pPr algn="ctr"/>
+                      <a:endParaRPr lang="en-SG" dirty="0"/>
+                    </a:p>
+                  </a:txBody>
+                  <a:tcPr anchor="ctr"/>
+                </a:tc>
+                <a:tc>
+                  <a:txBody>
+                    <a:bodyPr/>
+                    <a:lstStyle/>
+                    <a:p>
+                      <a:pPr marL="0" marR="0" lvl="0" indent="0" algn="ctr" defTabSz="914400" rtl="0" eaLnBrk="1" fontAlgn="auto" latinLnBrk="0" hangingPunct="1">
+                        <a:lnSpc>
+                          <a:spcPct val="100000"/>
+                        </a:lnSpc>
+                        <a:spcBef>
+                          <a:spcPts val="0"/>
+                        </a:spcBef>
+                        <a:spcAft>
+                          <a:spcPts val="0"/>
+                        </a:spcAft>
+                        <a:buClrTx/>
+                        <a:buSzTx/>
+                        <a:buFontTx/>
+                        <a:buNone/>
+                        <a:tabLst/>
+                        <a:defRPr/>
+                      </a:pPr>
+                      <a:endParaRPr lang="en-SG" dirty="0" smtClean="0"/>
+                    </a:p>
+                  </a:txBody>
+                  <a:tcPr anchor="ctr"/>
+                </a:tc>
+                <a:extLst>
+                  <a:ext uri="{0D108BD9-81ED-4DB2-BD59-A6C34878D82A}">
+                    <a16:rowId xmlns:a16="http://schemas.microsoft.com/office/drawing/2014/main" xmlns="" val="2824512280"/>
                   </a:ext>
                 </a:extLst>
               </a:tr>
@@ -23275,296 +23575,13 @@
           </a:graphicData>
         </a:graphic>
       </p:graphicFrame>
-      <p:sp>
-        <p:nvSpPr>
-          <p:cNvPr id="8" name="Text Placeholder 2">
-            <a:extLst>
-              <a:ext uri="{FF2B5EF4-FFF2-40B4-BE49-F238E27FC236}">
-                <a16:creationId xmlns:a16="http://schemas.microsoft.com/office/drawing/2014/main" id="{87DAF040-577B-48B8-B242-5C47D3131BA4}"/>
-              </a:ext>
-            </a:extLst>
-          </p:cNvPr>
-          <p:cNvSpPr txBox="1">
-            <a:spLocks/>
-          </p:cNvSpPr>
-          <p:nvPr/>
-        </p:nvSpPr>
-        <p:spPr bwMode="auto">
-          <a:xfrm>
-            <a:off x="1240687" y="5427222"/>
-            <a:ext cx="5657850" cy="228600"/>
-          </a:xfrm>
-          <a:prstGeom prst="rect">
-            <a:avLst/>
-          </a:prstGeom>
-          <a:noFill/>
-          <a:extLst>
-            <a:ext uri="{909E8E84-426E-40DD-AFC4-6F175D3DCCD1}">
-              <a14:hiddenFill xmlns:a14="http://schemas.microsoft.com/office/drawing/2010/main">
-                <a:solidFill>
-                  <a:srgbClr val="FFFFFF"/>
-                </a:solidFill>
-              </a14:hiddenFill>
-            </a:ext>
-            <a:ext uri="{91240B29-F687-4F45-9708-019B960494DF}">
-              <a14:hiddenLine xmlns:a14="http://schemas.microsoft.com/office/drawing/2010/main" w="9525">
-                <a:solidFill>
-                  <a:srgbClr val="000000"/>
-                </a:solidFill>
-                <a:miter lim="800000"/>
-                <a:headEnd/>
-                <a:tailEnd/>
-              </a14:hiddenLine>
-            </a:ext>
-          </a:extLst>
-        </p:spPr>
-        <p:txBody>
-          <a:bodyPr vert="horz" wrap="square" lIns="68580" tIns="34290" rIns="68580" bIns="34290" numCol="1" anchor="t" anchorCtr="0" compatLnSpc="1">
-            <a:prstTxWarp prst="textNoShape">
-              <a:avLst/>
-            </a:prstTxWarp>
-          </a:bodyPr>
-          <a:lstStyle>
-            <a:lvl1pPr marL="342900" indent="-342900" algn="l" defTabSz="457200" rtl="0" eaLnBrk="0" fontAlgn="base" hangingPunct="0">
-              <a:spcBef>
-                <a:spcPct val="20000"/>
-              </a:spcBef>
-              <a:spcAft>
-                <a:spcPct val="0"/>
-              </a:spcAft>
-              <a:buFont typeface="Arial" panose="020B0604020202020204" pitchFamily="34" charset="0"/>
-              <a:buNone/>
-              <a:defRPr sz="1600" b="1" kern="1200" baseline="0">
-                <a:solidFill>
-                  <a:srgbClr val="890018"/>
-                </a:solidFill>
-                <a:latin typeface="Lucida sans"/>
-                <a:ea typeface="ヒラギノ角ゴ Pro W3" charset="-128"/>
-                <a:cs typeface="Lucida sans"/>
-              </a:defRPr>
-            </a:lvl1pPr>
-            <a:lvl2pPr marL="742950" indent="-285750" algn="l" defTabSz="457200" rtl="0" eaLnBrk="0" fontAlgn="base" hangingPunct="0">
-              <a:spcBef>
-                <a:spcPct val="20000"/>
-              </a:spcBef>
-              <a:spcAft>
-                <a:spcPct val="0"/>
-              </a:spcAft>
-              <a:buFont typeface="Arial" panose="020B0604020202020204" pitchFamily="34" charset="0"/>
-              <a:buChar char="–"/>
-              <a:defRPr sz="2800" kern="1200">
-                <a:solidFill>
-                  <a:schemeClr val="tx1"/>
-                </a:solidFill>
-                <a:latin typeface="+mn-lt"/>
-                <a:ea typeface="ヒラギノ角ゴ Pro W3" charset="-128"/>
-                <a:cs typeface="ヒラギノ角ゴ Pro W3"/>
-              </a:defRPr>
-            </a:lvl2pPr>
-            <a:lvl3pPr marL="1143000" indent="-228600" algn="l" defTabSz="457200" rtl="0" eaLnBrk="0" fontAlgn="base" hangingPunct="0">
-              <a:spcBef>
-                <a:spcPct val="20000"/>
-              </a:spcBef>
-              <a:spcAft>
-                <a:spcPct val="0"/>
-              </a:spcAft>
-              <a:buFont typeface="Arial" panose="020B0604020202020204" pitchFamily="34" charset="0"/>
-              <a:buChar char="•"/>
-              <a:defRPr sz="2400" kern="1200">
-                <a:solidFill>
-                  <a:schemeClr val="tx1"/>
-                </a:solidFill>
-                <a:latin typeface="+mn-lt"/>
-                <a:ea typeface="ヒラギノ角ゴ Pro W3" charset="-128"/>
-                <a:cs typeface="ヒラギノ角ゴ Pro W3"/>
-              </a:defRPr>
-            </a:lvl3pPr>
-            <a:lvl4pPr marL="1600200" indent="-228600" algn="l" defTabSz="457200" rtl="0" eaLnBrk="0" fontAlgn="base" hangingPunct="0">
-              <a:spcBef>
-                <a:spcPct val="20000"/>
-              </a:spcBef>
-              <a:spcAft>
-                <a:spcPct val="0"/>
-              </a:spcAft>
-              <a:buFont typeface="Arial" panose="020B0604020202020204" pitchFamily="34" charset="0"/>
-              <a:buChar char="–"/>
-              <a:defRPr sz="2000" kern="1200">
-                <a:solidFill>
-                  <a:schemeClr val="tx1"/>
-                </a:solidFill>
-                <a:latin typeface="+mn-lt"/>
-                <a:ea typeface="ヒラギノ角ゴ Pro W3" charset="-128"/>
-                <a:cs typeface="ヒラギノ角ゴ Pro W3"/>
-              </a:defRPr>
-            </a:lvl4pPr>
-            <a:lvl5pPr marL="2057400" indent="-228600" algn="l" defTabSz="457200" rtl="0" eaLnBrk="0" fontAlgn="base" hangingPunct="0">
-              <a:spcBef>
-                <a:spcPct val="20000"/>
-              </a:spcBef>
-              <a:spcAft>
-                <a:spcPct val="0"/>
-              </a:spcAft>
-              <a:buFont typeface="Arial" panose="020B0604020202020204" pitchFamily="34" charset="0"/>
-              <a:buChar char="»"/>
-              <a:defRPr sz="2000" kern="1200">
-                <a:solidFill>
-                  <a:schemeClr val="tx1"/>
-                </a:solidFill>
-                <a:latin typeface="+mn-lt"/>
-                <a:ea typeface="ヒラギノ角ゴ Pro W3" charset="-128"/>
-                <a:cs typeface="ヒラギノ角ゴ Pro W3"/>
-              </a:defRPr>
-            </a:lvl5pPr>
-            <a:lvl6pPr marL="2514600" indent="-228600" algn="l" defTabSz="457200" rtl="0" eaLnBrk="1" latinLnBrk="0" hangingPunct="1">
-              <a:spcBef>
-                <a:spcPct val="20000"/>
-              </a:spcBef>
-              <a:buFont typeface="Arial"/>
-              <a:buChar char="•"/>
-              <a:defRPr sz="2000" kern="1200">
-                <a:solidFill>
-                  <a:schemeClr val="tx1"/>
-                </a:solidFill>
-                <a:latin typeface="+mn-lt"/>
-                <a:ea typeface="+mn-ea"/>
-                <a:cs typeface="+mn-cs"/>
-              </a:defRPr>
-            </a:lvl6pPr>
-            <a:lvl7pPr marL="2971800" indent="-228600" algn="l" defTabSz="457200" rtl="0" eaLnBrk="1" latinLnBrk="0" hangingPunct="1">
-              <a:spcBef>
-                <a:spcPct val="20000"/>
-              </a:spcBef>
-              <a:buFont typeface="Arial"/>
-              <a:buChar char="•"/>
-              <a:defRPr sz="2000" kern="1200">
-                <a:solidFill>
-                  <a:schemeClr val="tx1"/>
-                </a:solidFill>
-                <a:latin typeface="+mn-lt"/>
-                <a:ea typeface="+mn-ea"/>
-                <a:cs typeface="+mn-cs"/>
-              </a:defRPr>
-            </a:lvl7pPr>
-            <a:lvl8pPr marL="3429000" indent="-228600" algn="l" defTabSz="457200" rtl="0" eaLnBrk="1" latinLnBrk="0" hangingPunct="1">
-              <a:spcBef>
-                <a:spcPct val="20000"/>
-              </a:spcBef>
-              <a:buFont typeface="Arial"/>
-              <a:buChar char="•"/>
-              <a:defRPr sz="2000" kern="1200">
-                <a:solidFill>
-                  <a:schemeClr val="tx1"/>
-                </a:solidFill>
-                <a:latin typeface="+mn-lt"/>
-                <a:ea typeface="+mn-ea"/>
-                <a:cs typeface="+mn-cs"/>
-              </a:defRPr>
-            </a:lvl8pPr>
-            <a:lvl9pPr marL="3886200" indent="-228600" algn="l" defTabSz="457200" rtl="0" eaLnBrk="1" latinLnBrk="0" hangingPunct="1">
-              <a:spcBef>
-                <a:spcPct val="20000"/>
-              </a:spcBef>
-              <a:buFont typeface="Arial"/>
-              <a:buChar char="•"/>
-              <a:defRPr sz="2000" kern="1200">
-                <a:solidFill>
-                  <a:schemeClr val="tx1"/>
-                </a:solidFill>
-                <a:latin typeface="+mn-lt"/>
-                <a:ea typeface="+mn-ea"/>
-                <a:cs typeface="+mn-cs"/>
-              </a:defRPr>
-            </a:lvl9pPr>
-          </a:lstStyle>
-          <a:p>
-            <a:pPr marL="257175" marR="0" lvl="0" indent="-257175" algn="l" defTabSz="342900" rtl="0" eaLnBrk="0" fontAlgn="base" latinLnBrk="0" hangingPunct="0">
-              <a:lnSpc>
-                <a:spcPct val="100000"/>
-              </a:lnSpc>
-              <a:spcBef>
-                <a:spcPct val="20000"/>
-              </a:spcBef>
-              <a:spcAft>
-                <a:spcPct val="0"/>
-              </a:spcAft>
-              <a:buClrTx/>
-              <a:buSzTx/>
-              <a:buFont typeface="Arial" panose="020B0604020202020204" pitchFamily="34" charset="0"/>
-              <a:buNone/>
-              <a:tabLst/>
-              <a:defRPr/>
-            </a:pPr>
-            <a:r>
-              <a:rPr kumimoji="0" lang="en-US" sz="1200" b="1" i="0" u="none" strike="noStrike" kern="1200" cap="none" spc="0" normalizeH="0" baseline="0" noProof="0" dirty="0">
-                <a:ln>
-                  <a:noFill/>
-                </a:ln>
-                <a:solidFill>
-                  <a:prstClr val="white"/>
-                </a:solidFill>
-                <a:effectLst/>
-                <a:uLnTx/>
-                <a:uFillTx/>
-                <a:latin typeface="Lucida sans"/>
-                <a:ea typeface="ヒラギノ角ゴ Pro W3" charset="-128"/>
-              </a:rPr>
-              <a:t>*All quizzes have a </a:t>
-            </a:r>
-            <a:r>
-              <a:rPr kumimoji="0" lang="en-US" sz="1500" b="1" i="0" u="sng" strike="noStrike" kern="1200" cap="none" spc="0" normalizeH="0" baseline="0" noProof="0" dirty="0">
-                <a:ln>
-                  <a:noFill/>
-                </a:ln>
-                <a:solidFill>
-                  <a:prstClr val="white"/>
-                </a:solidFill>
-                <a:effectLst/>
-                <a:uLnTx/>
-                <a:uFillTx/>
-                <a:latin typeface="Lucida sans"/>
-                <a:ea typeface="ヒラギノ角ゴ Pro W3" charset="-128"/>
-              </a:rPr>
-              <a:t>12-NOON</a:t>
-            </a:r>
-            <a:r>
-              <a:rPr kumimoji="0" lang="en-US" sz="1200" b="1" i="0" u="none" strike="noStrike" kern="1200" cap="none" spc="0" normalizeH="0" baseline="0" noProof="0" dirty="0">
-                <a:ln>
-                  <a:noFill/>
-                </a:ln>
-                <a:solidFill>
-                  <a:prstClr val="white"/>
-                </a:solidFill>
-                <a:effectLst/>
-                <a:uLnTx/>
-                <a:uFillTx/>
-                <a:latin typeface="Lucida sans"/>
-                <a:ea typeface="ヒラギノ角ゴ Pro W3" charset="-128"/>
-              </a:rPr>
-              <a:t> deadline. No extensions!</a:t>
-            </a:r>
-            <a:endParaRPr kumimoji="0" lang="en-SG" sz="1200" b="1" i="0" u="none" strike="noStrike" kern="1200" cap="none" spc="0" normalizeH="0" baseline="0" noProof="0" dirty="0">
-              <a:ln>
-                <a:noFill/>
-              </a:ln>
-              <a:solidFill>
-                <a:prstClr val="white"/>
-              </a:solidFill>
-              <a:effectLst/>
-              <a:uLnTx/>
-              <a:uFillTx/>
-              <a:latin typeface="Lucida sans"/>
-              <a:ea typeface="ヒラギノ角ゴ Pro W3" charset="-128"/>
-            </a:endParaRPr>
-          </a:p>
-        </p:txBody>
-      </p:sp>
     </p:spTree>
     <p:custDataLst>
       <p:tags r:id="rId1"/>
     </p:custDataLst>
     <p:extLst>
       <p:ext uri="{BB962C8B-B14F-4D97-AF65-F5344CB8AC3E}">
-        <p14:creationId xmlns:p14="http://schemas.microsoft.com/office/powerpoint/2010/main" val="1300024421"/>
+        <p14:creationId xmlns:p14="http://schemas.microsoft.com/office/powerpoint/2010/main" val="1044306395"/>
       </p:ext>
     </p:extLst>
   </p:cSld>
@@ -23654,7 +23671,7 @@
           <p:cNvPr id="3" name="Title 2">
             <a:extLst>
               <a:ext uri="{FF2B5EF4-FFF2-40B4-BE49-F238E27FC236}">
-                <a16:creationId xmlns:a16="http://schemas.microsoft.com/office/drawing/2014/main" id="{DB9CD45C-6650-46A8-A618-5A20264C4322}"/>
+                <a16:creationId xmlns:a16="http://schemas.microsoft.com/office/drawing/2014/main" xmlns="" id="{DB9CD45C-6650-46A8-A618-5A20264C4322}"/>
               </a:ext>
             </a:extLst>
           </p:cNvPr>
@@ -23772,7 +23789,7 @@
           <p:cNvPr id="7" name="Rectangle 6">
             <a:extLst>
               <a:ext uri="{FF2B5EF4-FFF2-40B4-BE49-F238E27FC236}">
-                <a16:creationId xmlns:a16="http://schemas.microsoft.com/office/drawing/2014/main" id="{E5188645-E08F-4F50-A72B-36338219E37D}"/>
+                <a16:creationId xmlns:a16="http://schemas.microsoft.com/office/drawing/2014/main" xmlns="" id="{E5188645-E08F-4F50-A72B-36338219E37D}"/>
               </a:ext>
             </a:extLst>
           </p:cNvPr>
@@ -23861,7 +23878,7 @@
           <p:cNvPr id="3" name="Title 2">
             <a:extLst>
               <a:ext uri="{FF2B5EF4-FFF2-40B4-BE49-F238E27FC236}">
-                <a16:creationId xmlns:a16="http://schemas.microsoft.com/office/drawing/2014/main" id="{5CB53DEC-596C-4CFC-9D6A-40B5602D7764}"/>
+                <a16:creationId xmlns:a16="http://schemas.microsoft.com/office/drawing/2014/main" xmlns="" id="{5CB53DEC-596C-4CFC-9D6A-40B5602D7764}"/>
               </a:ext>
             </a:extLst>
           </p:cNvPr>
@@ -24005,7 +24022,7 @@
           <p:cNvPr id="7" name="Rectangle 6">
             <a:extLst>
               <a:ext uri="{FF2B5EF4-FFF2-40B4-BE49-F238E27FC236}">
-                <a16:creationId xmlns:a16="http://schemas.microsoft.com/office/drawing/2014/main" id="{E5188645-E08F-4F50-A72B-36338219E37D}"/>
+                <a16:creationId xmlns:a16="http://schemas.microsoft.com/office/drawing/2014/main" xmlns="" id="{E5188645-E08F-4F50-A72B-36338219E37D}"/>
               </a:ext>
             </a:extLst>
           </p:cNvPr>
@@ -24120,7 +24137,7 @@
           <p:cNvPr id="3" name="Title 2">
             <a:extLst>
               <a:ext uri="{FF2B5EF4-FFF2-40B4-BE49-F238E27FC236}">
-                <a16:creationId xmlns:a16="http://schemas.microsoft.com/office/drawing/2014/main" id="{74CD323F-6413-4C3D-A4E0-011CD17F2374}"/>
+                <a16:creationId xmlns:a16="http://schemas.microsoft.com/office/drawing/2014/main" xmlns="" id="{74CD323F-6413-4C3D-A4E0-011CD17F2374}"/>
               </a:ext>
             </a:extLst>
           </p:cNvPr>
@@ -24279,7 +24296,7 @@
           <p:cNvPr id="3" name="Title 2">
             <a:extLst>
               <a:ext uri="{FF2B5EF4-FFF2-40B4-BE49-F238E27FC236}">
-                <a16:creationId xmlns:a16="http://schemas.microsoft.com/office/drawing/2014/main" id="{BA178A0E-5BB8-4B7F-861F-A649E7FD75F1}"/>
+                <a16:creationId xmlns:a16="http://schemas.microsoft.com/office/drawing/2014/main" xmlns="" id="{BA178A0E-5BB8-4B7F-861F-A649E7FD75F1}"/>
               </a:ext>
             </a:extLst>
           </p:cNvPr>
@@ -24431,7 +24448,7 @@
           <p:cNvPr id="5122" name="Title 1">
             <a:extLst>
               <a:ext uri="{FF2B5EF4-FFF2-40B4-BE49-F238E27FC236}">
-                <a16:creationId xmlns:a16="http://schemas.microsoft.com/office/drawing/2014/main" id="{2DF29706-0BF6-40D2-8B1C-3EC71B2E0102}"/>
+                <a16:creationId xmlns:a16="http://schemas.microsoft.com/office/drawing/2014/main" xmlns="" id="{2DF29706-0BF6-40D2-8B1C-3EC71B2E0102}"/>
               </a:ext>
             </a:extLst>
           </p:cNvPr>
@@ -24640,7 +24657,7 @@
           <p:cNvPr id="5" name="Rectangle 4">
             <a:extLst>
               <a:ext uri="{FF2B5EF4-FFF2-40B4-BE49-F238E27FC236}">
-                <a16:creationId xmlns:a16="http://schemas.microsoft.com/office/drawing/2014/main" id="{958684FD-735A-4F11-9C81-33B6B22497B7}"/>
+                <a16:creationId xmlns:a16="http://schemas.microsoft.com/office/drawing/2014/main" xmlns="" id="{958684FD-735A-4F11-9C81-33B6B22497B7}"/>
               </a:ext>
             </a:extLst>
           </p:cNvPr>
@@ -24953,7 +24970,7 @@
           <p:cNvPr id="4" name="Title 3">
             <a:extLst>
               <a:ext uri="{FF2B5EF4-FFF2-40B4-BE49-F238E27FC236}">
-                <a16:creationId xmlns:a16="http://schemas.microsoft.com/office/drawing/2014/main" id="{EE0B3309-46E8-416C-ABE3-A885E8AB3D82}"/>
+                <a16:creationId xmlns:a16="http://schemas.microsoft.com/office/drawing/2014/main" xmlns="" id="{EE0B3309-46E8-416C-ABE3-A885E8AB3D82}"/>
               </a:ext>
             </a:extLst>
           </p:cNvPr>
@@ -25096,7 +25113,7 @@
           <p:cNvPr id="7" name="Rectangle 6">
             <a:extLst>
               <a:ext uri="{FF2B5EF4-FFF2-40B4-BE49-F238E27FC236}">
-                <a16:creationId xmlns:a16="http://schemas.microsoft.com/office/drawing/2014/main" id="{D3522077-5FF1-4E57-B910-7ADB373DDFCB}"/>
+                <a16:creationId xmlns:a16="http://schemas.microsoft.com/office/drawing/2014/main" xmlns="" id="{D3522077-5FF1-4E57-B910-7ADB373DDFCB}"/>
               </a:ext>
             </a:extLst>
           </p:cNvPr>
@@ -25192,7 +25209,7 @@
           <p:cNvPr id="8" name="Rectangle 7">
             <a:extLst>
               <a:ext uri="{FF2B5EF4-FFF2-40B4-BE49-F238E27FC236}">
-                <a16:creationId xmlns:a16="http://schemas.microsoft.com/office/drawing/2014/main" id="{BE45D921-361E-47D9-9C97-EEDF54F1B8E6}"/>
+                <a16:creationId xmlns:a16="http://schemas.microsoft.com/office/drawing/2014/main" xmlns="" id="{BE45D921-361E-47D9-9C97-EEDF54F1B8E6}"/>
               </a:ext>
             </a:extLst>
           </p:cNvPr>
@@ -25342,7 +25359,7 @@
           <p:cNvPr id="3" name="Title 2">
             <a:extLst>
               <a:ext uri="{FF2B5EF4-FFF2-40B4-BE49-F238E27FC236}">
-                <a16:creationId xmlns:a16="http://schemas.microsoft.com/office/drawing/2014/main" id="{7057A863-115A-43B5-81D5-FD27F22546EB}"/>
+                <a16:creationId xmlns:a16="http://schemas.microsoft.com/office/drawing/2014/main" xmlns="" id="{7057A863-115A-43B5-81D5-FD27F22546EB}"/>
               </a:ext>
             </a:extLst>
           </p:cNvPr>
@@ -25798,7 +25815,7 @@
           <p:cNvPr id="2" name="TextBox 1">
             <a:extLst>
               <a:ext uri="{FF2B5EF4-FFF2-40B4-BE49-F238E27FC236}">
-                <a16:creationId xmlns:a16="http://schemas.microsoft.com/office/drawing/2014/main" id="{88166380-F6E3-4D4E-AF38-9624C872CD2B}"/>
+                <a16:creationId xmlns:a16="http://schemas.microsoft.com/office/drawing/2014/main" xmlns="" id="{88166380-F6E3-4D4E-AF38-9624C872CD2B}"/>
               </a:ext>
             </a:extLst>
           </p:cNvPr>
@@ -25999,7 +26016,7 @@
           <p:cNvPr id="7" name="Rectangle 6">
             <a:extLst>
               <a:ext uri="{FF2B5EF4-FFF2-40B4-BE49-F238E27FC236}">
-                <a16:creationId xmlns:a16="http://schemas.microsoft.com/office/drawing/2014/main" id="{204D435B-1C63-4EF3-983F-C4A58FABCB00}"/>
+                <a16:creationId xmlns:a16="http://schemas.microsoft.com/office/drawing/2014/main" xmlns="" id="{204D435B-1C63-4EF3-983F-C4A58FABCB00}"/>
               </a:ext>
             </a:extLst>
           </p:cNvPr>
@@ -26113,7 +26130,7 @@
           <p:cNvPr id="3" name="Title 2">
             <a:extLst>
               <a:ext uri="{FF2B5EF4-FFF2-40B4-BE49-F238E27FC236}">
-                <a16:creationId xmlns:a16="http://schemas.microsoft.com/office/drawing/2014/main" id="{8CC26D0E-57D6-4A9F-A460-E2DF69C0A8FA}"/>
+                <a16:creationId xmlns:a16="http://schemas.microsoft.com/office/drawing/2014/main" xmlns="" id="{8CC26D0E-57D6-4A9F-A460-E2DF69C0A8FA}"/>
               </a:ext>
             </a:extLst>
           </p:cNvPr>
@@ -26513,7 +26530,7 @@
           <p:cNvPr id="7" name="Rectangle 6">
             <a:extLst>
               <a:ext uri="{FF2B5EF4-FFF2-40B4-BE49-F238E27FC236}">
-                <a16:creationId xmlns:a16="http://schemas.microsoft.com/office/drawing/2014/main" id="{204D435B-1C63-4EF3-983F-C4A58FABCB00}"/>
+                <a16:creationId xmlns:a16="http://schemas.microsoft.com/office/drawing/2014/main" xmlns="" id="{204D435B-1C63-4EF3-983F-C4A58FABCB00}"/>
               </a:ext>
             </a:extLst>
           </p:cNvPr>
@@ -26636,7 +26653,7 @@
           <p:cNvPr id="3" name="Title 2">
             <a:extLst>
               <a:ext uri="{FF2B5EF4-FFF2-40B4-BE49-F238E27FC236}">
-                <a16:creationId xmlns:a16="http://schemas.microsoft.com/office/drawing/2014/main" id="{58CBFFA9-7792-4A3D-B7B4-6C8AE83933F9}"/>
+                <a16:creationId xmlns:a16="http://schemas.microsoft.com/office/drawing/2014/main" xmlns="" id="{58CBFFA9-7792-4A3D-B7B4-6C8AE83933F9}"/>
               </a:ext>
             </a:extLst>
           </p:cNvPr>
@@ -27128,7 +27145,7 @@
           <p:cNvPr id="7" name="Rectangle 6">
             <a:extLst>
               <a:ext uri="{FF2B5EF4-FFF2-40B4-BE49-F238E27FC236}">
-                <a16:creationId xmlns:a16="http://schemas.microsoft.com/office/drawing/2014/main" id="{204D435B-1C63-4EF3-983F-C4A58FABCB00}"/>
+                <a16:creationId xmlns:a16="http://schemas.microsoft.com/office/drawing/2014/main" xmlns="" id="{204D435B-1C63-4EF3-983F-C4A58FABCB00}"/>
               </a:ext>
             </a:extLst>
           </p:cNvPr>
@@ -27258,7 +27275,7 @@
           <p:cNvPr id="3" name="Title 2">
             <a:extLst>
               <a:ext uri="{FF2B5EF4-FFF2-40B4-BE49-F238E27FC236}">
-                <a16:creationId xmlns:a16="http://schemas.microsoft.com/office/drawing/2014/main" id="{BAEC497C-0B54-414E-99F2-A4F04AFF96B2}"/>
+                <a16:creationId xmlns:a16="http://schemas.microsoft.com/office/drawing/2014/main" xmlns="" id="{BAEC497C-0B54-414E-99F2-A4F04AFF96B2}"/>
               </a:ext>
             </a:extLst>
           </p:cNvPr>
@@ -27401,7 +27418,7 @@
           <p:cNvPr id="3" name="Title 2">
             <a:extLst>
               <a:ext uri="{FF2B5EF4-FFF2-40B4-BE49-F238E27FC236}">
-                <a16:creationId xmlns:a16="http://schemas.microsoft.com/office/drawing/2014/main" id="{3D5CF9F6-8BC2-41E0-BE7D-73B9A43228A6}"/>
+                <a16:creationId xmlns:a16="http://schemas.microsoft.com/office/drawing/2014/main" xmlns="" id="{3D5CF9F6-8BC2-41E0-BE7D-73B9A43228A6}"/>
               </a:ext>
             </a:extLst>
           </p:cNvPr>
@@ -27540,7 +27557,7 @@
           <p:cNvPr id="3" name="Title 2">
             <a:extLst>
               <a:ext uri="{FF2B5EF4-FFF2-40B4-BE49-F238E27FC236}">
-                <a16:creationId xmlns:a16="http://schemas.microsoft.com/office/drawing/2014/main" id="{BA178A0E-5BB8-4B7F-861F-A649E7FD75F1}"/>
+                <a16:creationId xmlns:a16="http://schemas.microsoft.com/office/drawing/2014/main" xmlns="" id="{BA178A0E-5BB8-4B7F-861F-A649E7FD75F1}"/>
               </a:ext>
             </a:extLst>
           </p:cNvPr>
@@ -27692,7 +27709,7 @@
           <p:cNvPr id="5122" name="Title 1">
             <a:extLst>
               <a:ext uri="{FF2B5EF4-FFF2-40B4-BE49-F238E27FC236}">
-                <a16:creationId xmlns:a16="http://schemas.microsoft.com/office/drawing/2014/main" id="{2DF29706-0BF6-40D2-8B1C-3EC71B2E0102}"/>
+                <a16:creationId xmlns:a16="http://schemas.microsoft.com/office/drawing/2014/main" xmlns="" id="{2DF29706-0BF6-40D2-8B1C-3EC71B2E0102}"/>
               </a:ext>
             </a:extLst>
           </p:cNvPr>
@@ -27909,7 +27926,7 @@
           <p:cNvPr id="5" name="Rectangle 4">
             <a:extLst>
               <a:ext uri="{FF2B5EF4-FFF2-40B4-BE49-F238E27FC236}">
-                <a16:creationId xmlns:a16="http://schemas.microsoft.com/office/drawing/2014/main" id="{958684FD-735A-4F11-9C81-33B6B22497B7}"/>
+                <a16:creationId xmlns:a16="http://schemas.microsoft.com/office/drawing/2014/main" xmlns="" id="{958684FD-735A-4F11-9C81-33B6B22497B7}"/>
               </a:ext>
             </a:extLst>
           </p:cNvPr>
@@ -28075,7 +28092,7 @@
           <p:cNvPr id="6" name="Rectangle 5">
             <a:extLst>
               <a:ext uri="{FF2B5EF4-FFF2-40B4-BE49-F238E27FC236}">
-                <a16:creationId xmlns:a16="http://schemas.microsoft.com/office/drawing/2014/main" id="{D467694F-EEAF-4EE2-9476-7AB6C02848AB}"/>
+                <a16:creationId xmlns:a16="http://schemas.microsoft.com/office/drawing/2014/main" xmlns="" id="{D467694F-EEAF-4EE2-9476-7AB6C02848AB}"/>
               </a:ext>
             </a:extLst>
           </p:cNvPr>
@@ -28579,7 +28596,7 @@
           <p:cNvPr id="5" name="Rectangle 4">
             <a:extLst>
               <a:ext uri="{FF2B5EF4-FFF2-40B4-BE49-F238E27FC236}">
-                <a16:creationId xmlns:a16="http://schemas.microsoft.com/office/drawing/2014/main" id="{958684FD-735A-4F11-9C81-33B6B22497B7}"/>
+                <a16:creationId xmlns:a16="http://schemas.microsoft.com/office/drawing/2014/main" xmlns="" id="{958684FD-735A-4F11-9C81-33B6B22497B7}"/>
               </a:ext>
             </a:extLst>
           </p:cNvPr>
@@ -28744,7 +28761,7 @@
           <p:cNvPr id="6" name="Rectangle 5">
             <a:extLst>
               <a:ext uri="{FF2B5EF4-FFF2-40B4-BE49-F238E27FC236}">
-                <a16:creationId xmlns:a16="http://schemas.microsoft.com/office/drawing/2014/main" id="{D467694F-EEAF-4EE2-9476-7AB6C02848AB}"/>
+                <a16:creationId xmlns:a16="http://schemas.microsoft.com/office/drawing/2014/main" xmlns="" id="{D467694F-EEAF-4EE2-9476-7AB6C02848AB}"/>
               </a:ext>
             </a:extLst>
           </p:cNvPr>
@@ -29123,7 +29140,7 @@
           <p:cNvPr id="4" name="Title 3">
             <a:extLst>
               <a:ext uri="{FF2B5EF4-FFF2-40B4-BE49-F238E27FC236}">
-                <a16:creationId xmlns:a16="http://schemas.microsoft.com/office/drawing/2014/main" id="{50C39448-1775-4C34-B41F-AFC9D571B293}"/>
+                <a16:creationId xmlns:a16="http://schemas.microsoft.com/office/drawing/2014/main" xmlns="" id="{50C39448-1775-4C34-B41F-AFC9D571B293}"/>
               </a:ext>
             </a:extLst>
           </p:cNvPr>
@@ -29476,7 +29493,7 @@
           <p:cNvPr id="6" name="Rectangle 5">
             <a:extLst>
               <a:ext uri="{FF2B5EF4-FFF2-40B4-BE49-F238E27FC236}">
-                <a16:creationId xmlns:a16="http://schemas.microsoft.com/office/drawing/2014/main" id="{D467694F-EEAF-4EE2-9476-7AB6C02848AB}"/>
+                <a16:creationId xmlns:a16="http://schemas.microsoft.com/office/drawing/2014/main" xmlns="" id="{D467694F-EEAF-4EE2-9476-7AB6C02848AB}"/>
               </a:ext>
             </a:extLst>
           </p:cNvPr>
@@ -29577,7 +29594,7 @@
           <p:cNvPr id="8" name="Rectangle 7">
             <a:extLst>
               <a:ext uri="{FF2B5EF4-FFF2-40B4-BE49-F238E27FC236}">
-                <a16:creationId xmlns:a16="http://schemas.microsoft.com/office/drawing/2014/main" id="{D467694F-EEAF-4EE2-9476-7AB6C02848AB}"/>
+                <a16:creationId xmlns:a16="http://schemas.microsoft.com/office/drawing/2014/main" xmlns="" id="{D467694F-EEAF-4EE2-9476-7AB6C02848AB}"/>
               </a:ext>
             </a:extLst>
           </p:cNvPr>
@@ -29678,7 +29695,7 @@
           <p:cNvPr id="9" name="Rectangle 8">
             <a:extLst>
               <a:ext uri="{FF2B5EF4-FFF2-40B4-BE49-F238E27FC236}">
-                <a16:creationId xmlns:a16="http://schemas.microsoft.com/office/drawing/2014/main" id="{D467694F-EEAF-4EE2-9476-7AB6C02848AB}"/>
+                <a16:creationId xmlns:a16="http://schemas.microsoft.com/office/drawing/2014/main" xmlns="" id="{D467694F-EEAF-4EE2-9476-7AB6C02848AB}"/>
               </a:ext>
             </a:extLst>
           </p:cNvPr>
@@ -30090,7 +30107,7 @@
           <p:cNvPr id="4" name="Title 3">
             <a:extLst>
               <a:ext uri="{FF2B5EF4-FFF2-40B4-BE49-F238E27FC236}">
-                <a16:creationId xmlns:a16="http://schemas.microsoft.com/office/drawing/2014/main" id="{B23C4C7F-AD2C-45CA-A5DB-93211E17F47B}"/>
+                <a16:creationId xmlns:a16="http://schemas.microsoft.com/office/drawing/2014/main" xmlns="" id="{B23C4C7F-AD2C-45CA-A5DB-93211E17F47B}"/>
               </a:ext>
             </a:extLst>
           </p:cNvPr>
@@ -30579,7 +30596,7 @@
           <p:cNvPr id="4" name="Title 3">
             <a:extLst>
               <a:ext uri="{FF2B5EF4-FFF2-40B4-BE49-F238E27FC236}">
-                <a16:creationId xmlns:a16="http://schemas.microsoft.com/office/drawing/2014/main" id="{B486351C-9130-47D6-A05F-3BFD1421D376}"/>
+                <a16:creationId xmlns:a16="http://schemas.microsoft.com/office/drawing/2014/main" xmlns="" id="{B486351C-9130-47D6-A05F-3BFD1421D376}"/>
               </a:ext>
             </a:extLst>
           </p:cNvPr>
@@ -31069,7 +31086,7 @@
           <p:cNvPr id="4" name="Title 3">
             <a:extLst>
               <a:ext uri="{FF2B5EF4-FFF2-40B4-BE49-F238E27FC236}">
-                <a16:creationId xmlns:a16="http://schemas.microsoft.com/office/drawing/2014/main" id="{E37B4E21-FBF7-49C2-AA64-D14ED1A83DAE}"/>
+                <a16:creationId xmlns:a16="http://schemas.microsoft.com/office/drawing/2014/main" xmlns="" id="{E37B4E21-FBF7-49C2-AA64-D14ED1A83DAE}"/>
               </a:ext>
             </a:extLst>
           </p:cNvPr>
@@ -31484,7 +31501,7 @@
           <p:cNvPr id="4" name="Title 3">
             <a:extLst>
               <a:ext uri="{FF2B5EF4-FFF2-40B4-BE49-F238E27FC236}">
-                <a16:creationId xmlns:a16="http://schemas.microsoft.com/office/drawing/2014/main" id="{F2328918-7035-49EF-A8F6-5A4840F0F25F}"/>
+                <a16:creationId xmlns:a16="http://schemas.microsoft.com/office/drawing/2014/main" xmlns="" id="{F2328918-7035-49EF-A8F6-5A4840F0F25F}"/>
               </a:ext>
             </a:extLst>
           </p:cNvPr>
@@ -31545,7 +31562,7 @@
           <p:cNvPr id="2" name="Title 1">
             <a:extLst>
               <a:ext uri="{FF2B5EF4-FFF2-40B4-BE49-F238E27FC236}">
-                <a16:creationId xmlns:a16="http://schemas.microsoft.com/office/drawing/2014/main" id="{344F3EA4-3F28-4BD5-A8B1-5992ED3EADE0}"/>
+                <a16:creationId xmlns:a16="http://schemas.microsoft.com/office/drawing/2014/main" xmlns="" id="{344F3EA4-3F28-4BD5-A8B1-5992ED3EADE0}"/>
               </a:ext>
             </a:extLst>
           </p:cNvPr>
@@ -31831,7 +31848,7 @@
           <p:cNvPr id="7" name="Rectangle 6">
             <a:extLst>
               <a:ext uri="{FF2B5EF4-FFF2-40B4-BE49-F238E27FC236}">
-                <a16:creationId xmlns:a16="http://schemas.microsoft.com/office/drawing/2014/main" id="{DBA40630-C84D-4293-82D0-7E7ECB104F7B}"/>
+                <a16:creationId xmlns:a16="http://schemas.microsoft.com/office/drawing/2014/main" xmlns="" id="{DBA40630-C84D-4293-82D0-7E7ECB104F7B}"/>
               </a:ext>
             </a:extLst>
           </p:cNvPr>
@@ -31911,7 +31928,7 @@
           <p:cNvPr id="4" name="Title 3">
             <a:extLst>
               <a:ext uri="{FF2B5EF4-FFF2-40B4-BE49-F238E27FC236}">
-                <a16:creationId xmlns:a16="http://schemas.microsoft.com/office/drawing/2014/main" id="{0D93AF04-7142-4E71-9E3E-95C9DDAE6849}"/>
+                <a16:creationId xmlns:a16="http://schemas.microsoft.com/office/drawing/2014/main" xmlns="" id="{0D93AF04-7142-4E71-9E3E-95C9DDAE6849}"/>
               </a:ext>
             </a:extLst>
           </p:cNvPr>
@@ -32078,7 +32095,7 @@
           <p:cNvPr id="3" name="Title 2">
             <a:extLst>
               <a:ext uri="{FF2B5EF4-FFF2-40B4-BE49-F238E27FC236}">
-                <a16:creationId xmlns:a16="http://schemas.microsoft.com/office/drawing/2014/main" id="{BA178A0E-5BB8-4B7F-861F-A649E7FD75F1}"/>
+                <a16:creationId xmlns:a16="http://schemas.microsoft.com/office/drawing/2014/main" xmlns="" id="{BA178A0E-5BB8-4B7F-861F-A649E7FD75F1}"/>
               </a:ext>
             </a:extLst>
           </p:cNvPr>
@@ -32251,7 +32268,7 @@
           <p:cNvPr id="5122" name="Title 1">
             <a:extLst>
               <a:ext uri="{FF2B5EF4-FFF2-40B4-BE49-F238E27FC236}">
-                <a16:creationId xmlns:a16="http://schemas.microsoft.com/office/drawing/2014/main" id="{2DF29706-0BF6-40D2-8B1C-3EC71B2E0102}"/>
+                <a16:creationId xmlns:a16="http://schemas.microsoft.com/office/drawing/2014/main" xmlns="" id="{2DF29706-0BF6-40D2-8B1C-3EC71B2E0102}"/>
               </a:ext>
             </a:extLst>
           </p:cNvPr>
@@ -32651,7 +32668,7 @@
           <p:cNvPr id="5" name="Table 4">
             <a:extLst>
               <a:ext uri="{FF2B5EF4-FFF2-40B4-BE49-F238E27FC236}">
-                <a16:creationId xmlns:a16="http://schemas.microsoft.com/office/drawing/2014/main" id="{8330429B-8554-464D-B13B-F6D4DB09AFAC}"/>
+                <a16:creationId xmlns:a16="http://schemas.microsoft.com/office/drawing/2014/main" xmlns="" id="{8330429B-8554-464D-B13B-F6D4DB09AFAC}"/>
               </a:ext>
             </a:extLst>
           </p:cNvPr>
@@ -32674,35 +32691,35 @@
                 <a:gridCol w="1631172">
                   <a:extLst>
                     <a:ext uri="{9D8B030D-6E8A-4147-A177-3AD203B41FA5}">
-                      <a16:colId xmlns:a16="http://schemas.microsoft.com/office/drawing/2014/main" val="3836983470"/>
+                      <a16:colId xmlns:a16="http://schemas.microsoft.com/office/drawing/2014/main" xmlns="" val="3836983470"/>
                     </a:ext>
                   </a:extLst>
                 </a:gridCol>
                 <a:gridCol w="1631172">
                   <a:extLst>
                     <a:ext uri="{9D8B030D-6E8A-4147-A177-3AD203B41FA5}">
-                      <a16:colId xmlns:a16="http://schemas.microsoft.com/office/drawing/2014/main" val="459439320"/>
+                      <a16:colId xmlns:a16="http://schemas.microsoft.com/office/drawing/2014/main" xmlns="" val="459439320"/>
                     </a:ext>
                   </a:extLst>
                 </a:gridCol>
                 <a:gridCol w="1631172">
                   <a:extLst>
                     <a:ext uri="{9D8B030D-6E8A-4147-A177-3AD203B41FA5}">
-                      <a16:colId xmlns:a16="http://schemas.microsoft.com/office/drawing/2014/main" val="3562017812"/>
+                      <a16:colId xmlns:a16="http://schemas.microsoft.com/office/drawing/2014/main" xmlns="" val="3562017812"/>
                     </a:ext>
                   </a:extLst>
                 </a:gridCol>
                 <a:gridCol w="1631172">
                   <a:extLst>
                     <a:ext uri="{9D8B030D-6E8A-4147-A177-3AD203B41FA5}">
-                      <a16:colId xmlns:a16="http://schemas.microsoft.com/office/drawing/2014/main" val="1378366044"/>
+                      <a16:colId xmlns:a16="http://schemas.microsoft.com/office/drawing/2014/main" xmlns="" val="1378366044"/>
                     </a:ext>
                   </a:extLst>
                 </a:gridCol>
                 <a:gridCol w="1631172">
                   <a:extLst>
                     <a:ext uri="{9D8B030D-6E8A-4147-A177-3AD203B41FA5}">
-                      <a16:colId xmlns:a16="http://schemas.microsoft.com/office/drawing/2014/main" val="2783267235"/>
+                      <a16:colId xmlns:a16="http://schemas.microsoft.com/office/drawing/2014/main" xmlns="" val="2783267235"/>
                     </a:ext>
                   </a:extLst>
                 </a:gridCol>
@@ -33050,7 +33067,7 @@
                 </a:tc>
                 <a:extLst>
                   <a:ext uri="{0D108BD9-81ED-4DB2-BD59-A6C34878D82A}">
-                    <a16:rowId xmlns:a16="http://schemas.microsoft.com/office/drawing/2014/main" val="3405596971"/>
+                    <a16:rowId xmlns:a16="http://schemas.microsoft.com/office/drawing/2014/main" xmlns="" val="3405596971"/>
                   </a:ext>
                 </a:extLst>
               </a:tr>
@@ -33418,7 +33435,7 @@
                 </a:tc>
                 <a:extLst>
                   <a:ext uri="{0D108BD9-81ED-4DB2-BD59-A6C34878D82A}">
-                    <a16:rowId xmlns:a16="http://schemas.microsoft.com/office/drawing/2014/main" val="3713775425"/>
+                    <a16:rowId xmlns:a16="http://schemas.microsoft.com/office/drawing/2014/main" xmlns="" val="3713775425"/>
                   </a:ext>
                 </a:extLst>
               </a:tr>
@@ -33777,7 +33794,7 @@
                 </a:tc>
                 <a:extLst>
                   <a:ext uri="{0D108BD9-81ED-4DB2-BD59-A6C34878D82A}">
-                    <a16:rowId xmlns:a16="http://schemas.microsoft.com/office/drawing/2014/main" val="713613675"/>
+                    <a16:rowId xmlns:a16="http://schemas.microsoft.com/office/drawing/2014/main" xmlns="" val="713613675"/>
                   </a:ext>
                 </a:extLst>
               </a:tr>
@@ -34157,7 +34174,7 @@
                 </a:tc>
                 <a:extLst>
                   <a:ext uri="{0D108BD9-81ED-4DB2-BD59-A6C34878D82A}">
-                    <a16:rowId xmlns:a16="http://schemas.microsoft.com/office/drawing/2014/main" val="4191071431"/>
+                    <a16:rowId xmlns:a16="http://schemas.microsoft.com/office/drawing/2014/main" xmlns="" val="4191071431"/>
                   </a:ext>
                 </a:extLst>
               </a:tr>
@@ -34504,7 +34521,7 @@
                 </a:tc>
                 <a:extLst>
                   <a:ext uri="{0D108BD9-81ED-4DB2-BD59-A6C34878D82A}">
-                    <a16:rowId xmlns:a16="http://schemas.microsoft.com/office/drawing/2014/main" val="3944648653"/>
+                    <a16:rowId xmlns:a16="http://schemas.microsoft.com/office/drawing/2014/main" xmlns="" val="3944648653"/>
                   </a:ext>
                 </a:extLst>
               </a:tr>
@@ -34884,7 +34901,7 @@
                 </a:tc>
                 <a:extLst>
                   <a:ext uri="{0D108BD9-81ED-4DB2-BD59-A6C34878D82A}">
-                    <a16:rowId xmlns:a16="http://schemas.microsoft.com/office/drawing/2014/main" val="3280730909"/>
+                    <a16:rowId xmlns:a16="http://schemas.microsoft.com/office/drawing/2014/main" xmlns="" val="3280730909"/>
                   </a:ext>
                 </a:extLst>
               </a:tr>
@@ -35231,7 +35248,7 @@
                 </a:tc>
                 <a:extLst>
                   <a:ext uri="{0D108BD9-81ED-4DB2-BD59-A6C34878D82A}">
-                    <a16:rowId xmlns:a16="http://schemas.microsoft.com/office/drawing/2014/main" val="2636799290"/>
+                    <a16:rowId xmlns:a16="http://schemas.microsoft.com/office/drawing/2014/main" xmlns="" val="2636799290"/>
                   </a:ext>
                 </a:extLst>
               </a:tr>
@@ -35611,7 +35628,7 @@
                 </a:tc>
                 <a:extLst>
                   <a:ext uri="{0D108BD9-81ED-4DB2-BD59-A6C34878D82A}">
-                    <a16:rowId xmlns:a16="http://schemas.microsoft.com/office/drawing/2014/main" val="656361776"/>
+                    <a16:rowId xmlns:a16="http://schemas.microsoft.com/office/drawing/2014/main" xmlns="" val="656361776"/>
                   </a:ext>
                 </a:extLst>
               </a:tr>
@@ -35964,7 +35981,7 @@
                 </a:tc>
                 <a:extLst>
                   <a:ext uri="{0D108BD9-81ED-4DB2-BD59-A6C34878D82A}">
-                    <a16:rowId xmlns:a16="http://schemas.microsoft.com/office/drawing/2014/main" val="3217430769"/>
+                    <a16:rowId xmlns:a16="http://schemas.microsoft.com/office/drawing/2014/main" xmlns="" val="3217430769"/>
                   </a:ext>
                 </a:extLst>
               </a:tr>
@@ -36332,7 +36349,7 @@
                 </a:tc>
                 <a:extLst>
                   <a:ext uri="{0D108BD9-81ED-4DB2-BD59-A6C34878D82A}">
-                    <a16:rowId xmlns:a16="http://schemas.microsoft.com/office/drawing/2014/main" val="3917955385"/>
+                    <a16:rowId xmlns:a16="http://schemas.microsoft.com/office/drawing/2014/main" xmlns="" val="3917955385"/>
                   </a:ext>
                 </a:extLst>
               </a:tr>
@@ -36679,7 +36696,7 @@
                 </a:tc>
                 <a:extLst>
                   <a:ext uri="{0D108BD9-81ED-4DB2-BD59-A6C34878D82A}">
-                    <a16:rowId xmlns:a16="http://schemas.microsoft.com/office/drawing/2014/main" val="3801964334"/>
+                    <a16:rowId xmlns:a16="http://schemas.microsoft.com/office/drawing/2014/main" xmlns="" val="3801964334"/>
                   </a:ext>
                 </a:extLst>
               </a:tr>
@@ -37047,7 +37064,7 @@
                 </a:tc>
                 <a:extLst>
                   <a:ext uri="{0D108BD9-81ED-4DB2-BD59-A6C34878D82A}">
-                    <a16:rowId xmlns:a16="http://schemas.microsoft.com/office/drawing/2014/main" val="3759169622"/>
+                    <a16:rowId xmlns:a16="http://schemas.microsoft.com/office/drawing/2014/main" xmlns="" val="3759169622"/>
                   </a:ext>
                 </a:extLst>
               </a:tr>
@@ -37400,7 +37417,7 @@
                 </a:tc>
                 <a:extLst>
                   <a:ext uri="{0D108BD9-81ED-4DB2-BD59-A6C34878D82A}">
-                    <a16:rowId xmlns:a16="http://schemas.microsoft.com/office/drawing/2014/main" val="851148581"/>
+                    <a16:rowId xmlns:a16="http://schemas.microsoft.com/office/drawing/2014/main" xmlns="" val="851148581"/>
                   </a:ext>
                 </a:extLst>
               </a:tr>
@@ -37701,7 +37718,7 @@
                 </a:tc>
                 <a:extLst>
                   <a:ext uri="{0D108BD9-81ED-4DB2-BD59-A6C34878D82A}">
-                    <a16:rowId xmlns:a16="http://schemas.microsoft.com/office/drawing/2014/main" val="1080325934"/>
+                    <a16:rowId xmlns:a16="http://schemas.microsoft.com/office/drawing/2014/main" xmlns="" val="1080325934"/>
                   </a:ext>
                 </a:extLst>
               </a:tr>
@@ -38072,7 +38089,7 @@
           <p:cNvPr id="3" name="Title 2">
             <a:extLst>
               <a:ext uri="{FF2B5EF4-FFF2-40B4-BE49-F238E27FC236}">
-                <a16:creationId xmlns:a16="http://schemas.microsoft.com/office/drawing/2014/main" id="{BA178A0E-5BB8-4B7F-861F-A649E7FD75F1}"/>
+                <a16:creationId xmlns:a16="http://schemas.microsoft.com/office/drawing/2014/main" xmlns="" id="{BA178A0E-5BB8-4B7F-861F-A649E7FD75F1}"/>
               </a:ext>
             </a:extLst>
           </p:cNvPr>
@@ -38231,7 +38248,7 @@
           <p:cNvPr id="5122" name="Title 1">
             <a:extLst>
               <a:ext uri="{FF2B5EF4-FFF2-40B4-BE49-F238E27FC236}">
-                <a16:creationId xmlns:a16="http://schemas.microsoft.com/office/drawing/2014/main" id="{2DF29706-0BF6-40D2-8B1C-3EC71B2E0102}"/>
+                <a16:creationId xmlns:a16="http://schemas.microsoft.com/office/drawing/2014/main" xmlns="" id="{2DF29706-0BF6-40D2-8B1C-3EC71B2E0102}"/>
               </a:ext>
             </a:extLst>
           </p:cNvPr>
@@ -38327,7 +38344,7 @@
           <p:cNvPr id="5122" name="Title 1">
             <a:extLst>
               <a:ext uri="{FF2B5EF4-FFF2-40B4-BE49-F238E27FC236}">
-                <a16:creationId xmlns:a16="http://schemas.microsoft.com/office/drawing/2014/main" id="{2DF29706-0BF6-40D2-8B1C-3EC71B2E0102}"/>
+                <a16:creationId xmlns:a16="http://schemas.microsoft.com/office/drawing/2014/main" xmlns="" id="{2DF29706-0BF6-40D2-8B1C-3EC71B2E0102}"/>
               </a:ext>
             </a:extLst>
           </p:cNvPr>
@@ -38678,7 +38695,7 @@
           <p:cNvPr id="5" name="Title 4">
             <a:extLst>
               <a:ext uri="{FF2B5EF4-FFF2-40B4-BE49-F238E27FC236}">
-                <a16:creationId xmlns:a16="http://schemas.microsoft.com/office/drawing/2014/main" id="{FFA26FE1-FDF7-456F-9FE7-C931880117C9}"/>
+                <a16:creationId xmlns:a16="http://schemas.microsoft.com/office/drawing/2014/main" xmlns="" id="{FFA26FE1-FDF7-456F-9FE7-C931880117C9}"/>
               </a:ext>
             </a:extLst>
           </p:cNvPr>
@@ -38836,7 +38853,7 @@
           <p:cNvPr id="5" name="Rectangle 4">
             <a:extLst>
               <a:ext uri="{FF2B5EF4-FFF2-40B4-BE49-F238E27FC236}">
-                <a16:creationId xmlns:a16="http://schemas.microsoft.com/office/drawing/2014/main" id="{958684FD-735A-4F11-9C81-33B6B22497B7}"/>
+                <a16:creationId xmlns:a16="http://schemas.microsoft.com/office/drawing/2014/main" xmlns="" id="{958684FD-735A-4F11-9C81-33B6B22497B7}"/>
               </a:ext>
             </a:extLst>
           </p:cNvPr>
@@ -39084,7 +39101,7 @@
           <p:cNvPr id="6" name="Rectangle 5">
             <a:extLst>
               <a:ext uri="{FF2B5EF4-FFF2-40B4-BE49-F238E27FC236}">
-                <a16:creationId xmlns:a16="http://schemas.microsoft.com/office/drawing/2014/main" id="{D467694F-EEAF-4EE2-9476-7AB6C02848AB}"/>
+                <a16:creationId xmlns:a16="http://schemas.microsoft.com/office/drawing/2014/main" xmlns="" id="{D467694F-EEAF-4EE2-9476-7AB6C02848AB}"/>
               </a:ext>
             </a:extLst>
           </p:cNvPr>
@@ -39502,7 +39519,7 @@
           <p:cNvPr id="3" name="Title 2">
             <a:extLst>
               <a:ext uri="{FF2B5EF4-FFF2-40B4-BE49-F238E27FC236}">
-                <a16:creationId xmlns:a16="http://schemas.microsoft.com/office/drawing/2014/main" id="{BA178A0E-5BB8-4B7F-861F-A649E7FD75F1}"/>
+                <a16:creationId xmlns:a16="http://schemas.microsoft.com/office/drawing/2014/main" xmlns="" id="{BA178A0E-5BB8-4B7F-861F-A649E7FD75F1}"/>
               </a:ext>
             </a:extLst>
           </p:cNvPr>
@@ -39661,7 +39678,7 @@
           <p:cNvPr id="5122" name="Title 1">
             <a:extLst>
               <a:ext uri="{FF2B5EF4-FFF2-40B4-BE49-F238E27FC236}">
-                <a16:creationId xmlns:a16="http://schemas.microsoft.com/office/drawing/2014/main" id="{2DF29706-0BF6-40D2-8B1C-3EC71B2E0102}"/>
+                <a16:creationId xmlns:a16="http://schemas.microsoft.com/office/drawing/2014/main" xmlns="" id="{2DF29706-0BF6-40D2-8B1C-3EC71B2E0102}"/>
               </a:ext>
             </a:extLst>
           </p:cNvPr>
@@ -39970,7 +39987,7 @@
           <p:cNvPr id="5" name="Rectangle 4">
             <a:extLst>
               <a:ext uri="{FF2B5EF4-FFF2-40B4-BE49-F238E27FC236}">
-                <a16:creationId xmlns:a16="http://schemas.microsoft.com/office/drawing/2014/main" id="{2636079C-E95D-40B2-AD0D-5A757A41E90E}"/>
+                <a16:creationId xmlns:a16="http://schemas.microsoft.com/office/drawing/2014/main" xmlns="" id="{2636079C-E95D-40B2-AD0D-5A757A41E90E}"/>
               </a:ext>
             </a:extLst>
           </p:cNvPr>
@@ -40292,7 +40309,7 @@
           <p:cNvPr id="6" name="Rectangle 5">
             <a:extLst>
               <a:ext uri="{FF2B5EF4-FFF2-40B4-BE49-F238E27FC236}">
-                <a16:creationId xmlns:a16="http://schemas.microsoft.com/office/drawing/2014/main" id="{10268E1D-F129-4226-8736-758E36DE34CA}"/>
+                <a16:creationId xmlns:a16="http://schemas.microsoft.com/office/drawing/2014/main" xmlns="" id="{10268E1D-F129-4226-8736-758E36DE34CA}"/>
               </a:ext>
             </a:extLst>
           </p:cNvPr>
@@ -40467,7 +40484,7 @@
           <p:cNvPr id="7" name="Rectangle 6">
             <a:extLst>
               <a:ext uri="{FF2B5EF4-FFF2-40B4-BE49-F238E27FC236}">
-                <a16:creationId xmlns:a16="http://schemas.microsoft.com/office/drawing/2014/main" id="{84580D1A-6F9B-417F-9FD4-FF485DA4866E}"/>
+                <a16:creationId xmlns:a16="http://schemas.microsoft.com/office/drawing/2014/main" xmlns="" id="{84580D1A-6F9B-417F-9FD4-FF485DA4866E}"/>
               </a:ext>
             </a:extLst>
           </p:cNvPr>
@@ -40828,7 +40845,7 @@
           <p:cNvPr id="8" name="Rectangle 7">
             <a:extLst>
               <a:ext uri="{FF2B5EF4-FFF2-40B4-BE49-F238E27FC236}">
-                <a16:creationId xmlns:a16="http://schemas.microsoft.com/office/drawing/2014/main" id="{B5EF3BBE-66C8-4112-9413-DEA580D3204E}"/>
+                <a16:creationId xmlns:a16="http://schemas.microsoft.com/office/drawing/2014/main" xmlns="" id="{B5EF3BBE-66C8-4112-9413-DEA580D3204E}"/>
               </a:ext>
             </a:extLst>
           </p:cNvPr>
@@ -41140,7 +41157,7 @@
           <p:cNvPr id="6" name="Rectangle 5">
             <a:extLst>
               <a:ext uri="{FF2B5EF4-FFF2-40B4-BE49-F238E27FC236}">
-                <a16:creationId xmlns:a16="http://schemas.microsoft.com/office/drawing/2014/main" id="{10268E1D-F129-4226-8736-758E36DE34CA}"/>
+                <a16:creationId xmlns:a16="http://schemas.microsoft.com/office/drawing/2014/main" xmlns="" id="{10268E1D-F129-4226-8736-758E36DE34CA}"/>
               </a:ext>
             </a:extLst>
           </p:cNvPr>
@@ -41402,7 +41419,7 @@
           <p:cNvPr id="5" name="Rectangle 4">
             <a:extLst>
               <a:ext uri="{FF2B5EF4-FFF2-40B4-BE49-F238E27FC236}">
-                <a16:creationId xmlns:a16="http://schemas.microsoft.com/office/drawing/2014/main" id="{958684FD-735A-4F11-9C81-33B6B22497B7}"/>
+                <a16:creationId xmlns:a16="http://schemas.microsoft.com/office/drawing/2014/main" xmlns="" id="{958684FD-735A-4F11-9C81-33B6B22497B7}"/>
               </a:ext>
             </a:extLst>
           </p:cNvPr>
@@ -41676,7 +41693,7 @@
           <p:cNvPr id="6" name="Rectangle 5">
             <a:extLst>
               <a:ext uri="{FF2B5EF4-FFF2-40B4-BE49-F238E27FC236}">
-                <a16:creationId xmlns:a16="http://schemas.microsoft.com/office/drawing/2014/main" id="{10268E1D-F129-4226-8736-758E36DE34CA}"/>
+                <a16:creationId xmlns:a16="http://schemas.microsoft.com/office/drawing/2014/main" xmlns="" id="{10268E1D-F129-4226-8736-758E36DE34CA}"/>
               </a:ext>
             </a:extLst>
           </p:cNvPr>
@@ -41830,7 +41847,7 @@
           <p:cNvPr id="7" name="Rectangle 6">
             <a:extLst>
               <a:ext uri="{FF2B5EF4-FFF2-40B4-BE49-F238E27FC236}">
-                <a16:creationId xmlns:a16="http://schemas.microsoft.com/office/drawing/2014/main" id="{1E0686E7-50F3-4D8E-866D-BA8A3B19FDE5}"/>
+                <a16:creationId xmlns:a16="http://schemas.microsoft.com/office/drawing/2014/main" xmlns="" id="{1E0686E7-50F3-4D8E-866D-BA8A3B19FDE5}"/>
               </a:ext>
             </a:extLst>
           </p:cNvPr>
@@ -42056,7 +42073,7 @@
           <p:cNvPr id="5" name="Table 4">
             <a:extLst>
               <a:ext uri="{FF2B5EF4-FFF2-40B4-BE49-F238E27FC236}">
-                <a16:creationId xmlns:a16="http://schemas.microsoft.com/office/drawing/2014/main" id="{301B9EA2-C897-49A8-881B-9ED9D00A5392}"/>
+                <a16:creationId xmlns:a16="http://schemas.microsoft.com/office/drawing/2014/main" xmlns="" id="{301B9EA2-C897-49A8-881B-9ED9D00A5392}"/>
               </a:ext>
             </a:extLst>
           </p:cNvPr>
@@ -42079,14 +42096,14 @@
                 <a:gridCol w="1806127">
                   <a:extLst>
                     <a:ext uri="{9D8B030D-6E8A-4147-A177-3AD203B41FA5}">
-                      <a16:colId xmlns:a16="http://schemas.microsoft.com/office/drawing/2014/main" val="3165408696"/>
+                      <a16:colId xmlns:a16="http://schemas.microsoft.com/office/drawing/2014/main" xmlns="" val="3165408696"/>
                     </a:ext>
                   </a:extLst>
                 </a:gridCol>
                 <a:gridCol w="5736797">
                   <a:extLst>
                     <a:ext uri="{9D8B030D-6E8A-4147-A177-3AD203B41FA5}">
-                      <a16:colId xmlns:a16="http://schemas.microsoft.com/office/drawing/2014/main" val="3639907538"/>
+                      <a16:colId xmlns:a16="http://schemas.microsoft.com/office/drawing/2014/main" xmlns="" val="3639907538"/>
                     </a:ext>
                   </a:extLst>
                 </a:gridCol>
@@ -42184,7 +42201,7 @@
                 </a:tc>
                 <a:extLst>
                   <a:ext uri="{0D108BD9-81ED-4DB2-BD59-A6C34878D82A}">
-                    <a16:rowId xmlns:a16="http://schemas.microsoft.com/office/drawing/2014/main" val="713304435"/>
+                    <a16:rowId xmlns:a16="http://schemas.microsoft.com/office/drawing/2014/main" xmlns="" val="713304435"/>
                   </a:ext>
                 </a:extLst>
               </a:tr>
@@ -42255,7 +42272,7 @@
                 </a:tc>
                 <a:extLst>
                   <a:ext uri="{0D108BD9-81ED-4DB2-BD59-A6C34878D82A}">
-                    <a16:rowId xmlns:a16="http://schemas.microsoft.com/office/drawing/2014/main" val="1435377916"/>
+                    <a16:rowId xmlns:a16="http://schemas.microsoft.com/office/drawing/2014/main" xmlns="" val="1435377916"/>
                   </a:ext>
                 </a:extLst>
               </a:tr>
@@ -42326,7 +42343,7 @@
                 </a:tc>
                 <a:extLst>
                   <a:ext uri="{0D108BD9-81ED-4DB2-BD59-A6C34878D82A}">
-                    <a16:rowId xmlns:a16="http://schemas.microsoft.com/office/drawing/2014/main" val="1246313035"/>
+                    <a16:rowId xmlns:a16="http://schemas.microsoft.com/office/drawing/2014/main" xmlns="" val="1246313035"/>
                   </a:ext>
                 </a:extLst>
               </a:tr>
@@ -42397,7 +42414,7 @@
                 </a:tc>
                 <a:extLst>
                   <a:ext uri="{0D108BD9-81ED-4DB2-BD59-A6C34878D82A}">
-                    <a16:rowId xmlns:a16="http://schemas.microsoft.com/office/drawing/2014/main" val="378724447"/>
+                    <a16:rowId xmlns:a16="http://schemas.microsoft.com/office/drawing/2014/main" xmlns="" val="378724447"/>
                   </a:ext>
                 </a:extLst>
               </a:tr>
@@ -42468,7 +42485,7 @@
                 </a:tc>
                 <a:extLst>
                   <a:ext uri="{0D108BD9-81ED-4DB2-BD59-A6C34878D82A}">
-                    <a16:rowId xmlns:a16="http://schemas.microsoft.com/office/drawing/2014/main" val="3641628798"/>
+                    <a16:rowId xmlns:a16="http://schemas.microsoft.com/office/drawing/2014/main" xmlns="" val="3641628798"/>
                   </a:ext>
                 </a:extLst>
               </a:tr>
@@ -42539,7 +42556,7 @@
                 </a:tc>
                 <a:extLst>
                   <a:ext uri="{0D108BD9-81ED-4DB2-BD59-A6C34878D82A}">
-                    <a16:rowId xmlns:a16="http://schemas.microsoft.com/office/drawing/2014/main" val="1923001784"/>
+                    <a16:rowId xmlns:a16="http://schemas.microsoft.com/office/drawing/2014/main" xmlns="" val="1923001784"/>
                   </a:ext>
                 </a:extLst>
               </a:tr>
@@ -42616,7 +42633,7 @@
                 </a:tc>
                 <a:extLst>
                   <a:ext uri="{0D108BD9-81ED-4DB2-BD59-A6C34878D82A}">
-                    <a16:rowId xmlns:a16="http://schemas.microsoft.com/office/drawing/2014/main" val="3443961270"/>
+                    <a16:rowId xmlns:a16="http://schemas.microsoft.com/office/drawing/2014/main" xmlns="" val="3443961270"/>
                   </a:ext>
                 </a:extLst>
               </a:tr>
@@ -42693,7 +42710,7 @@
                 </a:tc>
                 <a:extLst>
                   <a:ext uri="{0D108BD9-81ED-4DB2-BD59-A6C34878D82A}">
-                    <a16:rowId xmlns:a16="http://schemas.microsoft.com/office/drawing/2014/main" val="346700138"/>
+                    <a16:rowId xmlns:a16="http://schemas.microsoft.com/office/drawing/2014/main" xmlns="" val="346700138"/>
                   </a:ext>
                 </a:extLst>
               </a:tr>
@@ -42770,7 +42787,7 @@
                 </a:tc>
                 <a:extLst>
                   <a:ext uri="{0D108BD9-81ED-4DB2-BD59-A6C34878D82A}">
-                    <a16:rowId xmlns:a16="http://schemas.microsoft.com/office/drawing/2014/main" val="3888884970"/>
+                    <a16:rowId xmlns:a16="http://schemas.microsoft.com/office/drawing/2014/main" xmlns="" val="3888884970"/>
                   </a:ext>
                 </a:extLst>
               </a:tr>
@@ -42905,7 +42922,7 @@
           <p:cNvPr id="3" name="Title 2">
             <a:extLst>
               <a:ext uri="{FF2B5EF4-FFF2-40B4-BE49-F238E27FC236}">
-                <a16:creationId xmlns:a16="http://schemas.microsoft.com/office/drawing/2014/main" id="{BA178A0E-5BB8-4B7F-861F-A649E7FD75F1}"/>
+                <a16:creationId xmlns:a16="http://schemas.microsoft.com/office/drawing/2014/main" xmlns="" id="{BA178A0E-5BB8-4B7F-861F-A649E7FD75F1}"/>
               </a:ext>
             </a:extLst>
           </p:cNvPr>
@@ -43274,7 +43291,7 @@
           <p:cNvPr id="4" name="Title 3">
             <a:extLst>
               <a:ext uri="{FF2B5EF4-FFF2-40B4-BE49-F238E27FC236}">
-                <a16:creationId xmlns:a16="http://schemas.microsoft.com/office/drawing/2014/main" id="{C245D6B9-096C-4B0C-A816-4ECEBB04A520}"/>
+                <a16:creationId xmlns:a16="http://schemas.microsoft.com/office/drawing/2014/main" xmlns="" id="{C245D6B9-096C-4B0C-A816-4ECEBB04A520}"/>
               </a:ext>
             </a:extLst>
           </p:cNvPr>
@@ -46885,6 +46902,324 @@
 </file>
 
 <file path=ppt/theme/theme4.xml><?xml version="1.0" encoding="utf-8"?>
+<a:theme xmlns:a="http://schemas.openxmlformats.org/drawingml/2006/main" name="4_Office Theme">
+  <a:themeElements>
+    <a:clrScheme name="Office">
+      <a:dk1>
+        <a:sysClr val="windowText" lastClr="000000"/>
+      </a:dk1>
+      <a:lt1>
+        <a:sysClr val="window" lastClr="FFFFFF"/>
+      </a:lt1>
+      <a:dk2>
+        <a:srgbClr val="1F497D"/>
+      </a:dk2>
+      <a:lt2>
+        <a:srgbClr val="EEECE1"/>
+      </a:lt2>
+      <a:accent1>
+        <a:srgbClr val="4F81BD"/>
+      </a:accent1>
+      <a:accent2>
+        <a:srgbClr val="C0504D"/>
+      </a:accent2>
+      <a:accent3>
+        <a:srgbClr val="9BBB59"/>
+      </a:accent3>
+      <a:accent4>
+        <a:srgbClr val="8064A2"/>
+      </a:accent4>
+      <a:accent5>
+        <a:srgbClr val="4BACC6"/>
+      </a:accent5>
+      <a:accent6>
+        <a:srgbClr val="F79646"/>
+      </a:accent6>
+      <a:hlink>
+        <a:srgbClr val="0000FF"/>
+      </a:hlink>
+      <a:folHlink>
+        <a:srgbClr val="800080"/>
+      </a:folHlink>
+    </a:clrScheme>
+    <a:fontScheme name="Office">
+      <a:majorFont>
+        <a:latin typeface="Calibri"/>
+        <a:ea typeface=""/>
+        <a:cs typeface=""/>
+        <a:font script="Jpan" typeface="ＭＳ Ｐゴシック"/>
+        <a:font script="Hang" typeface="맑은 고딕"/>
+        <a:font script="Hans" typeface="宋体"/>
+        <a:font script="Hant" typeface="新細明體"/>
+        <a:font script="Arab" typeface="Times New Roman"/>
+        <a:font script="Hebr" typeface="Times New Roman"/>
+        <a:font script="Thai" typeface="Angsana New"/>
+        <a:font script="Ethi" typeface="Nyala"/>
+        <a:font script="Beng" typeface="Vrinda"/>
+        <a:font script="Gujr" typeface="Shruti"/>
+        <a:font script="Khmr" typeface="MoolBoran"/>
+        <a:font script="Knda" typeface="Tunga"/>
+        <a:font script="Guru" typeface="Raavi"/>
+        <a:font script="Cans" typeface="Euphemia"/>
+        <a:font script="Cher" typeface="Plantagenet Cherokee"/>
+        <a:font script="Yiii" typeface="Microsoft Yi Baiti"/>
+        <a:font script="Tibt" typeface="Microsoft Himalaya"/>
+        <a:font script="Thaa" typeface="MV Boli"/>
+        <a:font script="Deva" typeface="Mangal"/>
+        <a:font script="Telu" typeface="Gautami"/>
+        <a:font script="Taml" typeface="Latha"/>
+        <a:font script="Syrc" typeface="Estrangelo Edessa"/>
+        <a:font script="Orya" typeface="Kalinga"/>
+        <a:font script="Mlym" typeface="Kartika"/>
+        <a:font script="Laoo" typeface="DokChampa"/>
+        <a:font script="Sinh" typeface="Iskoola Pota"/>
+        <a:font script="Mong" typeface="Mongolian Baiti"/>
+        <a:font script="Viet" typeface="Times New Roman"/>
+        <a:font script="Uigh" typeface="Microsoft Uighur"/>
+      </a:majorFont>
+      <a:minorFont>
+        <a:latin typeface="Calibri"/>
+        <a:ea typeface=""/>
+        <a:cs typeface=""/>
+        <a:font script="Jpan" typeface="ＭＳ Ｐゴシック"/>
+        <a:font script="Hang" typeface="맑은 고딕"/>
+        <a:font script="Hans" typeface="宋体"/>
+        <a:font script="Hant" typeface="新細明體"/>
+        <a:font script="Arab" typeface="Arial"/>
+        <a:font script="Hebr" typeface="Arial"/>
+        <a:font script="Thai" typeface="Cordia New"/>
+        <a:font script="Ethi" typeface="Nyala"/>
+        <a:font script="Beng" typeface="Vrinda"/>
+        <a:font script="Gujr" typeface="Shruti"/>
+        <a:font script="Khmr" typeface="DaunPenh"/>
+        <a:font script="Knda" typeface="Tunga"/>
+        <a:font script="Guru" typeface="Raavi"/>
+        <a:font script="Cans" typeface="Euphemia"/>
+        <a:font script="Cher" typeface="Plantagenet Cherokee"/>
+        <a:font script="Yiii" typeface="Microsoft Yi Baiti"/>
+        <a:font script="Tibt" typeface="Microsoft Himalaya"/>
+        <a:font script="Thaa" typeface="MV Boli"/>
+        <a:font script="Deva" typeface="Mangal"/>
+        <a:font script="Telu" typeface="Gautami"/>
+        <a:font script="Taml" typeface="Latha"/>
+        <a:font script="Syrc" typeface="Estrangelo Edessa"/>
+        <a:font script="Orya" typeface="Kalinga"/>
+        <a:font script="Mlym" typeface="Kartika"/>
+        <a:font script="Laoo" typeface="DokChampa"/>
+        <a:font script="Sinh" typeface="Iskoola Pota"/>
+        <a:font script="Mong" typeface="Mongolian Baiti"/>
+        <a:font script="Viet" typeface="Arial"/>
+        <a:font script="Uigh" typeface="Microsoft Uighur"/>
+      </a:minorFont>
+    </a:fontScheme>
+    <a:fmtScheme name="Office">
+      <a:fillStyleLst>
+        <a:solidFill>
+          <a:schemeClr val="phClr"/>
+        </a:solidFill>
+        <a:gradFill rotWithShape="1">
+          <a:gsLst>
+            <a:gs pos="0">
+              <a:schemeClr val="phClr">
+                <a:tint val="50000"/>
+                <a:satMod val="300000"/>
+              </a:schemeClr>
+            </a:gs>
+            <a:gs pos="35000">
+              <a:schemeClr val="phClr">
+                <a:tint val="37000"/>
+                <a:satMod val="300000"/>
+              </a:schemeClr>
+            </a:gs>
+            <a:gs pos="100000">
+              <a:schemeClr val="phClr">
+                <a:tint val="15000"/>
+                <a:satMod val="350000"/>
+              </a:schemeClr>
+            </a:gs>
+          </a:gsLst>
+          <a:lin ang="16200000" scaled="1"/>
+        </a:gradFill>
+        <a:gradFill rotWithShape="1">
+          <a:gsLst>
+            <a:gs pos="0">
+              <a:schemeClr val="phClr">
+                <a:tint val="100000"/>
+                <a:shade val="100000"/>
+                <a:satMod val="130000"/>
+              </a:schemeClr>
+            </a:gs>
+            <a:gs pos="100000">
+              <a:schemeClr val="phClr">
+                <a:tint val="50000"/>
+                <a:shade val="100000"/>
+                <a:satMod val="350000"/>
+              </a:schemeClr>
+            </a:gs>
+          </a:gsLst>
+          <a:lin ang="16200000" scaled="0"/>
+        </a:gradFill>
+      </a:fillStyleLst>
+      <a:lnStyleLst>
+        <a:ln w="9525" cap="flat" cmpd="sng" algn="ctr">
+          <a:solidFill>
+            <a:schemeClr val="phClr">
+              <a:shade val="95000"/>
+              <a:satMod val="105000"/>
+            </a:schemeClr>
+          </a:solidFill>
+          <a:prstDash val="solid"/>
+        </a:ln>
+        <a:ln w="25400" cap="flat" cmpd="sng" algn="ctr">
+          <a:solidFill>
+            <a:schemeClr val="phClr"/>
+          </a:solidFill>
+          <a:prstDash val="solid"/>
+        </a:ln>
+        <a:ln w="38100" cap="flat" cmpd="sng" algn="ctr">
+          <a:solidFill>
+            <a:schemeClr val="phClr"/>
+          </a:solidFill>
+          <a:prstDash val="solid"/>
+        </a:ln>
+      </a:lnStyleLst>
+      <a:effectStyleLst>
+        <a:effectStyle>
+          <a:effectLst>
+            <a:outerShdw blurRad="40000" dist="20000" dir="5400000" rotWithShape="0">
+              <a:srgbClr val="000000">
+                <a:alpha val="38000"/>
+              </a:srgbClr>
+            </a:outerShdw>
+          </a:effectLst>
+        </a:effectStyle>
+        <a:effectStyle>
+          <a:effectLst>
+            <a:outerShdw blurRad="40000" dist="23000" dir="5400000" rotWithShape="0">
+              <a:srgbClr val="000000">
+                <a:alpha val="35000"/>
+              </a:srgbClr>
+            </a:outerShdw>
+          </a:effectLst>
+        </a:effectStyle>
+        <a:effectStyle>
+          <a:effectLst>
+            <a:outerShdw blurRad="40000" dist="23000" dir="5400000" rotWithShape="0">
+              <a:srgbClr val="000000">
+                <a:alpha val="35000"/>
+              </a:srgbClr>
+            </a:outerShdw>
+          </a:effectLst>
+          <a:scene3d>
+            <a:camera prst="orthographicFront">
+              <a:rot lat="0" lon="0" rev="0"/>
+            </a:camera>
+            <a:lightRig rig="threePt" dir="t">
+              <a:rot lat="0" lon="0" rev="1200000"/>
+            </a:lightRig>
+          </a:scene3d>
+          <a:sp3d>
+            <a:bevelT w="63500" h="25400"/>
+          </a:sp3d>
+        </a:effectStyle>
+      </a:effectStyleLst>
+      <a:bgFillStyleLst>
+        <a:solidFill>
+          <a:schemeClr val="phClr"/>
+        </a:solidFill>
+        <a:gradFill rotWithShape="1">
+          <a:gsLst>
+            <a:gs pos="0">
+              <a:schemeClr val="phClr">
+                <a:tint val="40000"/>
+                <a:satMod val="350000"/>
+              </a:schemeClr>
+            </a:gs>
+            <a:gs pos="40000">
+              <a:schemeClr val="phClr">
+                <a:tint val="45000"/>
+                <a:shade val="99000"/>
+                <a:satMod val="350000"/>
+              </a:schemeClr>
+            </a:gs>
+            <a:gs pos="100000">
+              <a:schemeClr val="phClr">
+                <a:shade val="20000"/>
+                <a:satMod val="255000"/>
+              </a:schemeClr>
+            </a:gs>
+          </a:gsLst>
+          <a:path path="circle">
+            <a:fillToRect l="50000" t="-80000" r="50000" b="180000"/>
+          </a:path>
+        </a:gradFill>
+        <a:gradFill rotWithShape="1">
+          <a:gsLst>
+            <a:gs pos="0">
+              <a:schemeClr val="phClr">
+                <a:tint val="80000"/>
+                <a:satMod val="300000"/>
+              </a:schemeClr>
+            </a:gs>
+            <a:gs pos="100000">
+              <a:schemeClr val="phClr">
+                <a:shade val="30000"/>
+                <a:satMod val="200000"/>
+              </a:schemeClr>
+            </a:gs>
+          </a:gsLst>
+          <a:path path="circle">
+            <a:fillToRect l="50000" t="50000" r="50000" b="50000"/>
+          </a:path>
+        </a:gradFill>
+      </a:bgFillStyleLst>
+    </a:fmtScheme>
+  </a:themeElements>
+  <a:objectDefaults>
+    <a:spDef>
+      <a:spPr/>
+      <a:bodyPr/>
+      <a:lstStyle/>
+      <a:style>
+        <a:lnRef idx="1">
+          <a:schemeClr val="accent1"/>
+        </a:lnRef>
+        <a:fillRef idx="3">
+          <a:schemeClr val="accent1"/>
+        </a:fillRef>
+        <a:effectRef idx="2">
+          <a:schemeClr val="accent1"/>
+        </a:effectRef>
+        <a:fontRef idx="minor">
+          <a:schemeClr val="lt1"/>
+        </a:fontRef>
+      </a:style>
+    </a:spDef>
+    <a:lnDef>
+      <a:spPr/>
+      <a:bodyPr/>
+      <a:lstStyle/>
+      <a:style>
+        <a:lnRef idx="2">
+          <a:schemeClr val="accent1"/>
+        </a:lnRef>
+        <a:fillRef idx="0">
+          <a:schemeClr val="accent1"/>
+        </a:fillRef>
+        <a:effectRef idx="1">
+          <a:schemeClr val="accent1"/>
+        </a:effectRef>
+        <a:fontRef idx="minor">
+          <a:schemeClr val="tx1"/>
+        </a:fontRef>
+      </a:style>
+    </a:lnDef>
+  </a:objectDefaults>
+  <a:extraClrSchemeLst/>
+</a:theme>
+</file>
+
+<file path=ppt/theme/theme5.xml><?xml version="1.0" encoding="utf-8"?>
 <a:theme xmlns:a="http://schemas.openxmlformats.org/drawingml/2006/main" name="Office Theme">
   <a:themeElements>
     <a:clrScheme name="Office">
@@ -47167,7 +47502,7 @@
 </a:theme>
 </file>
 
-<file path=ppt/theme/theme5.xml><?xml version="1.0" encoding="utf-8"?>
+<file path=ppt/theme/theme6.xml><?xml version="1.0" encoding="utf-8"?>
 <a:theme xmlns:a="http://schemas.openxmlformats.org/drawingml/2006/main" name="Office Theme">
   <a:themeElements>
     <a:clrScheme name="Office">
@@ -47429,12 +47764,6 @@
 </file>
 
 <file path=customXml/item1.xml><?xml version="1.0" encoding="utf-8"?>
-<p:properties xmlns:p="http://schemas.microsoft.com/office/2006/metadata/properties" xmlns:xsi="http://www.w3.org/2001/XMLSchema-instance">
-  <documentManagement/>
-</p:properties>
-</file>
-
-<file path=customXml/item2.xml><?xml version="1.0" encoding="utf-8"?>
 <ct:contentTypeSchema xmlns:ct="http://schemas.microsoft.com/office/2006/metadata/contentType" xmlns:ma="http://schemas.microsoft.com/office/2006/metadata/properties/metaAttributes" ct:_="" ma:_="" ma:contentTypeName="Document" ma:contentTypeID="0x010100606A1258361F104792B87D967037D439" ma:contentTypeVersion="0" ma:contentTypeDescription="Create a new document." ma:contentTypeScope="" ma:versionID="72d9905301751e4347c9ddc8332f4b8d">
   <xsd:schema xmlns:xsd="http://www.w3.org/2001/XMLSchema" xmlns:p="http://schemas.microsoft.com/office/2006/metadata/properties" targetNamespace="http://schemas.microsoft.com/office/2006/metadata/properties" ma:root="true" ma:fieldsID="4aeb20c0e3442673af7ee10786458764">
     <xsd:element name="properties">
@@ -47483,7 +47812,7 @@
 </ct:contentTypeSchema>
 </file>
 
-<file path=customXml/item3.xml><?xml version="1.0" encoding="utf-8"?>
+<file path=customXml/item2.xml><?xml version="1.0" encoding="utf-8"?>
 <?mso-contentType ?>
 <FormTemplates xmlns="http://schemas.microsoft.com/sharepoint/v3/contenttype/forms">
   <Display>DocumentLibraryForm</Display>
@@ -47492,21 +47821,13 @@
 </FormTemplates>
 </file>
 
-<file path=customXml/itemProps1.xml><?xml version="1.0" encoding="utf-8"?>
-<ds:datastoreItem xmlns:ds="http://schemas.openxmlformats.org/officeDocument/2006/customXml" ds:itemID="{50BC6695-9009-4E8C-96D7-2BD9B437109A}">
-  <ds:schemaRefs>
-    <ds:schemaRef ds:uri="http://purl.org/dc/terms/"/>
-    <ds:schemaRef ds:uri="http://schemas.openxmlformats.org/package/2006/metadata/core-properties"/>
-    <ds:schemaRef ds:uri="http://schemas.microsoft.com/office/2006/documentManagement/types"/>
-    <ds:schemaRef ds:uri="http://purl.org/dc/elements/1.1/"/>
-    <ds:schemaRef ds:uri="http://schemas.microsoft.com/office/2006/metadata/properties"/>
-    <ds:schemaRef ds:uri="http://www.w3.org/XML/1998/namespace"/>
-    <ds:schemaRef ds:uri="http://purl.org/dc/dcmitype/"/>
-  </ds:schemaRefs>
-</ds:datastoreItem>
+<file path=customXml/item3.xml><?xml version="1.0" encoding="utf-8"?>
+<p:properties xmlns:p="http://schemas.microsoft.com/office/2006/metadata/properties" xmlns:xsi="http://www.w3.org/2001/XMLSchema-instance">
+  <documentManagement/>
+</p:properties>
 </file>
 
-<file path=customXml/itemProps2.xml><?xml version="1.0" encoding="utf-8"?>
+<file path=customXml/itemProps1.xml><?xml version="1.0" encoding="utf-8"?>
 <ds:datastoreItem xmlns:ds="http://schemas.openxmlformats.org/officeDocument/2006/customXml" ds:itemID="{F223B4EA-C447-40BA-B202-65C188424725}">
   <ds:schemaRefs>
     <ds:schemaRef ds:uri="http://schemas.microsoft.com/office/2006/metadata/contentType"/>
@@ -47521,10 +47842,24 @@
 </ds:datastoreItem>
 </file>
 
-<file path=customXml/itemProps3.xml><?xml version="1.0" encoding="utf-8"?>
+<file path=customXml/itemProps2.xml><?xml version="1.0" encoding="utf-8"?>
 <ds:datastoreItem xmlns:ds="http://schemas.openxmlformats.org/officeDocument/2006/customXml" ds:itemID="{A8AED1B3-2F45-4762-91FA-ED08F295B52E}">
   <ds:schemaRefs>
     <ds:schemaRef ds:uri="http://schemas.microsoft.com/sharepoint/v3/contenttype/forms"/>
   </ds:schemaRefs>
 </ds:datastoreItem>
+</file>
+
+<file path=customXml/itemProps3.xml><?xml version="1.0" encoding="utf-8"?>
+<ds:datastoreItem xmlns:ds="http://schemas.openxmlformats.org/officeDocument/2006/customXml" ds:itemID="{50BC6695-9009-4E8C-96D7-2BD9B437109A}">
+  <ds:schemaRefs>
+    <ds:schemaRef ds:uri="http://purl.org/dc/terms/"/>
+    <ds:schemaRef ds:uri="http://schemas.openxmlformats.org/package/2006/metadata/core-properties"/>
+    <ds:schemaRef ds:uri="http://schemas.microsoft.com/office/2006/documentManagement/types"/>
+    <ds:schemaRef ds:uri="http://purl.org/dc/elements/1.1/"/>
+    <ds:schemaRef ds:uri="http://schemas.microsoft.com/office/2006/metadata/properties"/>
+    <ds:schemaRef ds:uri="http://www.w3.org/XML/1998/namespace"/>
+    <ds:schemaRef ds:uri="http://purl.org/dc/dcmitype/"/>
+  </ds:schemaRefs>
+</ds:datastoreItem>
 </file>
--- a/SuSS/ANL252_Python_4_Biz/3_Lecturer/Lecture_2/ANL252_SU2_Jul2021 (MK edits).pptx
+++ b/SuSS/ANL252_Python_4_Biz/3_Lecturer/Lecture_2/ANL252_SU2_Jul2021 (MK edits).pptx
@@ -9784,7 +9784,7 @@
           <p:cNvPr id="6" name="Title 1">
             <a:extLst>
               <a:ext uri="{FF2B5EF4-FFF2-40B4-BE49-F238E27FC236}">
-                <a16:creationId xmlns:a16="http://schemas.microsoft.com/office/drawing/2014/main" xmlns="" id="{68CF854E-20CB-4ED7-8722-FCA536D762F6}"/>
+                <a16:creationId xmlns="" xmlns:a16="http://schemas.microsoft.com/office/drawing/2014/main" id="{68CF854E-20CB-4ED7-8722-FCA536D762F6}"/>
               </a:ext>
             </a:extLst>
           </p:cNvPr>
@@ -9825,7 +9825,7 @@
           <p:cNvPr id="9" name="Picture 8" descr="holding device-02.png">
             <a:extLst>
               <a:ext uri="{FF2B5EF4-FFF2-40B4-BE49-F238E27FC236}">
-                <a16:creationId xmlns:a16="http://schemas.microsoft.com/office/drawing/2014/main" xmlns="" id="{AA410A6D-8E37-40A0-B8CC-1C962083824E}"/>
+                <a16:creationId xmlns="" xmlns:a16="http://schemas.microsoft.com/office/drawing/2014/main" id="{AA410A6D-8E37-40A0-B8CC-1C962083824E}"/>
               </a:ext>
             </a:extLst>
           </p:cNvPr>
@@ -9860,7 +9860,7 @@
           <p:cNvPr id="10" name="Subtitle 2">
             <a:extLst>
               <a:ext uri="{FF2B5EF4-FFF2-40B4-BE49-F238E27FC236}">
-                <a16:creationId xmlns:a16="http://schemas.microsoft.com/office/drawing/2014/main" xmlns="" id="{2BD45AE7-ECF6-4289-BFAE-B988AB3AD28C}"/>
+                <a16:creationId xmlns="" xmlns:a16="http://schemas.microsoft.com/office/drawing/2014/main" id="{2BD45AE7-ECF6-4289-BFAE-B988AB3AD28C}"/>
               </a:ext>
             </a:extLst>
           </p:cNvPr>
@@ -9984,7 +9984,7 @@
           <p:cNvPr id="5" name="TextBox 2">
             <a:extLst>
               <a:ext uri="{FF2B5EF4-FFF2-40B4-BE49-F238E27FC236}">
-                <a16:creationId xmlns:a16="http://schemas.microsoft.com/office/drawing/2014/main" xmlns="" id="{F1E37139-96F0-452A-889E-7BC6FD1F677F}"/>
+                <a16:creationId xmlns="" xmlns:a16="http://schemas.microsoft.com/office/drawing/2014/main" id="{F1E37139-96F0-452A-889E-7BC6FD1F677F}"/>
               </a:ext>
             </a:extLst>
           </p:cNvPr>
@@ -13627,7 +13627,7 @@
           <p:cNvPr id="7" name="Picture 6" descr="holding device-02.png">
             <a:extLst>
               <a:ext uri="{FF2B5EF4-FFF2-40B4-BE49-F238E27FC236}">
-                <a16:creationId xmlns:a16="http://schemas.microsoft.com/office/drawing/2014/main" xmlns="" id="{77683DCF-304F-4543-AC23-5629F576D64C}"/>
+                <a16:creationId xmlns="" xmlns:a16="http://schemas.microsoft.com/office/drawing/2014/main" id="{77683DCF-304F-4543-AC23-5629F576D64C}"/>
               </a:ext>
             </a:extLst>
           </p:cNvPr>
@@ -13662,7 +13662,7 @@
           <p:cNvPr id="8" name="Subtitle 2">
             <a:extLst>
               <a:ext uri="{FF2B5EF4-FFF2-40B4-BE49-F238E27FC236}">
-                <a16:creationId xmlns:a16="http://schemas.microsoft.com/office/drawing/2014/main" xmlns="" id="{E17BF815-5C07-4BFA-9409-344E12682DF8}"/>
+                <a16:creationId xmlns="" xmlns:a16="http://schemas.microsoft.com/office/drawing/2014/main" id="{E17BF815-5C07-4BFA-9409-344E12682DF8}"/>
               </a:ext>
             </a:extLst>
           </p:cNvPr>
@@ -13786,7 +13786,7 @@
           <p:cNvPr id="6" name="TextBox 2">
             <a:extLst>
               <a:ext uri="{FF2B5EF4-FFF2-40B4-BE49-F238E27FC236}">
-                <a16:creationId xmlns:a16="http://schemas.microsoft.com/office/drawing/2014/main" xmlns="" id="{F1E37139-96F0-452A-889E-7BC6FD1F677F}"/>
+                <a16:creationId xmlns="" xmlns:a16="http://schemas.microsoft.com/office/drawing/2014/main" id="{F1E37139-96F0-452A-889E-7BC6FD1F677F}"/>
               </a:ext>
             </a:extLst>
           </p:cNvPr>
@@ -13930,7 +13930,7 @@
           <p:cNvPr id="9" name="Title 1">
             <a:extLst>
               <a:ext uri="{FF2B5EF4-FFF2-40B4-BE49-F238E27FC236}">
-                <a16:creationId xmlns:a16="http://schemas.microsoft.com/office/drawing/2014/main" xmlns="" id="{C7257139-A143-42E8-82D5-56F89639B5CE}"/>
+                <a16:creationId xmlns="" xmlns:a16="http://schemas.microsoft.com/office/drawing/2014/main" id="{C7257139-A143-42E8-82D5-56F89639B5CE}"/>
               </a:ext>
             </a:extLst>
           </p:cNvPr>
@@ -16907,7 +16907,7 @@
           <p:cNvPr id="6" name="Picture 5" descr="holding device-02.png">
             <a:extLst>
               <a:ext uri="{FF2B5EF4-FFF2-40B4-BE49-F238E27FC236}">
-                <a16:creationId xmlns:a16="http://schemas.microsoft.com/office/drawing/2014/main" xmlns="" id="{40570172-6531-4623-94F6-969DC93D5C82}"/>
+                <a16:creationId xmlns="" xmlns:a16="http://schemas.microsoft.com/office/drawing/2014/main" id="{40570172-6531-4623-94F6-969DC93D5C82}"/>
               </a:ext>
             </a:extLst>
           </p:cNvPr>
@@ -16942,7 +16942,7 @@
           <p:cNvPr id="7" name="Subtitle 2">
             <a:extLst>
               <a:ext uri="{FF2B5EF4-FFF2-40B4-BE49-F238E27FC236}">
-                <a16:creationId xmlns:a16="http://schemas.microsoft.com/office/drawing/2014/main" xmlns="" id="{6DCAD2DA-B888-43BF-AF5D-2273C167D24A}"/>
+                <a16:creationId xmlns="" xmlns:a16="http://schemas.microsoft.com/office/drawing/2014/main" id="{6DCAD2DA-B888-43BF-AF5D-2273C167D24A}"/>
               </a:ext>
             </a:extLst>
           </p:cNvPr>
@@ -17066,7 +17066,7 @@
           <p:cNvPr id="8" name="Title 1">
             <a:extLst>
               <a:ext uri="{FF2B5EF4-FFF2-40B4-BE49-F238E27FC236}">
-                <a16:creationId xmlns:a16="http://schemas.microsoft.com/office/drawing/2014/main" xmlns="" id="{03BA398C-AB64-4B75-A4A8-AC23FFCB87C7}"/>
+                <a16:creationId xmlns="" xmlns:a16="http://schemas.microsoft.com/office/drawing/2014/main" id="{03BA398C-AB64-4B75-A4A8-AC23FFCB87C7}"/>
               </a:ext>
             </a:extLst>
           </p:cNvPr>
@@ -17135,7 +17135,7 @@
           <p:cNvPr id="8" name="Picture 7" descr="holding device-02.png">
             <a:extLst>
               <a:ext uri="{FF2B5EF4-FFF2-40B4-BE49-F238E27FC236}">
-                <a16:creationId xmlns:a16="http://schemas.microsoft.com/office/drawing/2014/main" xmlns="" id="{DC58F275-C00E-4C38-8E85-7D10AB5BC611}"/>
+                <a16:creationId xmlns="" xmlns:a16="http://schemas.microsoft.com/office/drawing/2014/main" id="{DC58F275-C00E-4C38-8E85-7D10AB5BC611}"/>
               </a:ext>
             </a:extLst>
           </p:cNvPr>
@@ -17170,7 +17170,7 @@
           <p:cNvPr id="9" name="Subtitle 2">
             <a:extLst>
               <a:ext uri="{FF2B5EF4-FFF2-40B4-BE49-F238E27FC236}">
-                <a16:creationId xmlns:a16="http://schemas.microsoft.com/office/drawing/2014/main" xmlns="" id="{655A8B44-E113-4C6B-A2FC-5BEFE731A049}"/>
+                <a16:creationId xmlns="" xmlns:a16="http://schemas.microsoft.com/office/drawing/2014/main" id="{655A8B44-E113-4C6B-A2FC-5BEFE731A049}"/>
               </a:ext>
             </a:extLst>
           </p:cNvPr>
@@ -17294,7 +17294,7 @@
           <p:cNvPr id="5" name="Title 1">
             <a:extLst>
               <a:ext uri="{FF2B5EF4-FFF2-40B4-BE49-F238E27FC236}">
-                <a16:creationId xmlns:a16="http://schemas.microsoft.com/office/drawing/2014/main" xmlns="" id="{486C143F-0CAE-4322-85F8-A84B2F2B2CAA}"/>
+                <a16:creationId xmlns="" xmlns:a16="http://schemas.microsoft.com/office/drawing/2014/main" id="{486C143F-0CAE-4322-85F8-A84B2F2B2CAA}"/>
               </a:ext>
             </a:extLst>
           </p:cNvPr>
@@ -17363,7 +17363,7 @@
           <p:cNvPr id="6" name="Picture 5" descr="holding device-02.png">
             <a:extLst>
               <a:ext uri="{FF2B5EF4-FFF2-40B4-BE49-F238E27FC236}">
-                <a16:creationId xmlns:a16="http://schemas.microsoft.com/office/drawing/2014/main" xmlns="" id="{2DB593FB-453B-49CE-8C22-EC4F23596A03}"/>
+                <a16:creationId xmlns="" xmlns:a16="http://schemas.microsoft.com/office/drawing/2014/main" id="{2DB593FB-453B-49CE-8C22-EC4F23596A03}"/>
               </a:ext>
             </a:extLst>
           </p:cNvPr>
@@ -17398,7 +17398,7 @@
           <p:cNvPr id="10" name="Subtitle 2">
             <a:extLst>
               <a:ext uri="{FF2B5EF4-FFF2-40B4-BE49-F238E27FC236}">
-                <a16:creationId xmlns:a16="http://schemas.microsoft.com/office/drawing/2014/main" xmlns="" id="{B8C2D3B4-8000-4C3B-83C3-D27675CA2CFF}"/>
+                <a16:creationId xmlns="" xmlns:a16="http://schemas.microsoft.com/office/drawing/2014/main" id="{B8C2D3B4-8000-4C3B-83C3-D27675CA2CFF}"/>
               </a:ext>
             </a:extLst>
           </p:cNvPr>
@@ -17522,7 +17522,7 @@
           <p:cNvPr id="7" name="Title 1">
             <a:extLst>
               <a:ext uri="{FF2B5EF4-FFF2-40B4-BE49-F238E27FC236}">
-                <a16:creationId xmlns:a16="http://schemas.microsoft.com/office/drawing/2014/main" xmlns="" id="{C9A2616B-02CE-4236-99D0-04116F8593B1}"/>
+                <a16:creationId xmlns="" xmlns:a16="http://schemas.microsoft.com/office/drawing/2014/main" id="{C9A2616B-02CE-4236-99D0-04116F8593B1}"/>
               </a:ext>
             </a:extLst>
           </p:cNvPr>
@@ -17625,7 +17625,7 @@
           <p:cNvPr id="4" name="Picture 3" descr="01 Singapore University of Social Sciences_Horizontal Format_Version A_White Background_RGB.png">
             <a:extLst>
               <a:ext uri="{FF2B5EF4-FFF2-40B4-BE49-F238E27FC236}">
-                <a16:creationId xmlns:a16="http://schemas.microsoft.com/office/drawing/2014/main" xmlns="" id="{F4B87DF8-359B-428C-8106-C024322B14EB}"/>
+                <a16:creationId xmlns="" xmlns:a16="http://schemas.microsoft.com/office/drawing/2014/main" id="{F4B87DF8-359B-428C-8106-C024322B14EB}"/>
               </a:ext>
             </a:extLst>
           </p:cNvPr>
@@ -17661,7 +17661,7 @@
           <p:cNvPr id="5" name="Title 1">
             <a:extLst>
               <a:ext uri="{FF2B5EF4-FFF2-40B4-BE49-F238E27FC236}">
-                <a16:creationId xmlns:a16="http://schemas.microsoft.com/office/drawing/2014/main" xmlns="" id="{199BAE98-A49E-472D-8ACE-E2B33FF24B12}"/>
+                <a16:creationId xmlns="" xmlns:a16="http://schemas.microsoft.com/office/drawing/2014/main" id="{199BAE98-A49E-472D-8ACE-E2B33FF24B12}"/>
               </a:ext>
             </a:extLst>
           </p:cNvPr>
@@ -22849,18 +22849,7 @@
                 <a:ea typeface="ヒラギノ角ゴ Pro W3"/>
                 <a:cs typeface="ヒラギノ角ゴ Pro W3"/>
               </a:rPr>
-              <a:t>– </a:t>
-            </a:r>
-            <a:r>
-              <a:rPr lang="en-US" altLang="en-US" sz="2100" dirty="0">
-                <a:solidFill>
-                  <a:schemeClr val="bg1"/>
-                </a:solidFill>
-                <a:latin typeface="Lucida Sans" panose="020B0602030504020204" pitchFamily="34" charset="0"/>
-                <a:ea typeface="ヒラギノ角ゴ Pro W3"/>
-                <a:cs typeface="ヒラギノ角ゴ Pro W3"/>
-              </a:rPr>
-              <a:t>Assessments, weightage, deadlines</a:t>
+              <a:t>– Assessments, weightage, deadlines</a:t>
             </a:r>
             <a:endParaRPr lang="en-SG" altLang="en-US" sz="2100" dirty="0">
               <a:solidFill>
@@ -22957,28 +22946,28 @@
                 <a:gridCol w="2073847">
                   <a:extLst>
                     <a:ext uri="{9D8B030D-6E8A-4147-A177-3AD203B41FA5}">
-                      <a16:colId xmlns:a16="http://schemas.microsoft.com/office/drawing/2014/main" xmlns="" val="736504923"/>
+                      <a16:colId xmlns="" xmlns:a16="http://schemas.microsoft.com/office/drawing/2014/main" val="736504923"/>
                     </a:ext>
                   </a:extLst>
                 </a:gridCol>
                 <a:gridCol w="2867660">
                   <a:extLst>
                     <a:ext uri="{9D8B030D-6E8A-4147-A177-3AD203B41FA5}">
-                      <a16:colId xmlns:a16="http://schemas.microsoft.com/office/drawing/2014/main" xmlns="" val="2972121942"/>
+                      <a16:colId xmlns="" xmlns:a16="http://schemas.microsoft.com/office/drawing/2014/main" val="2972121942"/>
                     </a:ext>
                   </a:extLst>
                 </a:gridCol>
                 <a:gridCol w="1188085">
                   <a:extLst>
                     <a:ext uri="{9D8B030D-6E8A-4147-A177-3AD203B41FA5}">
-                      <a16:colId xmlns:a16="http://schemas.microsoft.com/office/drawing/2014/main" xmlns="" val="366444726"/>
+                      <a16:colId xmlns="" xmlns:a16="http://schemas.microsoft.com/office/drawing/2014/main" val="366444726"/>
                     </a:ext>
                   </a:extLst>
                 </a:gridCol>
                 <a:gridCol w="2023364">
                   <a:extLst>
                     <a:ext uri="{9D8B030D-6E8A-4147-A177-3AD203B41FA5}">
-                      <a16:colId xmlns:a16="http://schemas.microsoft.com/office/drawing/2014/main" xmlns="" val="4127926302"/>
+                      <a16:colId xmlns="" xmlns:a16="http://schemas.microsoft.com/office/drawing/2014/main" val="4127926302"/>
                     </a:ext>
                   </a:extLst>
                 </a:gridCol>
@@ -23045,7 +23034,7 @@
                 </a:tc>
                 <a:extLst>
                   <a:ext uri="{0D108BD9-81ED-4DB2-BD59-A6C34878D82A}">
-                    <a16:rowId xmlns:a16="http://schemas.microsoft.com/office/drawing/2014/main" xmlns="" val="920890589"/>
+                    <a16:rowId xmlns="" xmlns:a16="http://schemas.microsoft.com/office/drawing/2014/main" val="920890589"/>
                   </a:ext>
                 </a:extLst>
               </a:tr>
@@ -23119,7 +23108,7 @@
                 </a:tc>
                 <a:extLst>
                   <a:ext uri="{0D108BD9-81ED-4DB2-BD59-A6C34878D82A}">
-                    <a16:rowId xmlns:a16="http://schemas.microsoft.com/office/drawing/2014/main" xmlns="" val="301574426"/>
+                    <a16:rowId xmlns="" xmlns:a16="http://schemas.microsoft.com/office/drawing/2014/main" val="301574426"/>
                   </a:ext>
                 </a:extLst>
               </a:tr>
@@ -23189,7 +23178,7 @@
                 </a:tc>
                 <a:extLst>
                   <a:ext uri="{0D108BD9-81ED-4DB2-BD59-A6C34878D82A}">
-                    <a16:rowId xmlns:a16="http://schemas.microsoft.com/office/drawing/2014/main" xmlns="" val="196128480"/>
+                    <a16:rowId xmlns="" xmlns:a16="http://schemas.microsoft.com/office/drawing/2014/main" val="196128480"/>
                   </a:ext>
                 </a:extLst>
               </a:tr>
@@ -23275,7 +23264,7 @@
                 </a:tc>
                 <a:extLst>
                   <a:ext uri="{0D108BD9-81ED-4DB2-BD59-A6C34878D82A}">
-                    <a16:rowId xmlns:a16="http://schemas.microsoft.com/office/drawing/2014/main" xmlns="" val="4029903763"/>
+                    <a16:rowId xmlns="" xmlns:a16="http://schemas.microsoft.com/office/drawing/2014/main" val="4029903763"/>
                   </a:ext>
                 </a:extLst>
               </a:tr>
@@ -23341,7 +23330,7 @@
                 </a:tc>
                 <a:extLst>
                   <a:ext uri="{0D108BD9-81ED-4DB2-BD59-A6C34878D82A}">
-                    <a16:rowId xmlns:a16="http://schemas.microsoft.com/office/drawing/2014/main" xmlns="" val="2065889755"/>
+                    <a16:rowId xmlns="" xmlns:a16="http://schemas.microsoft.com/office/drawing/2014/main" val="2065889755"/>
                   </a:ext>
                 </a:extLst>
               </a:tr>
@@ -23411,7 +23400,7 @@
                 </a:tc>
                 <a:extLst>
                   <a:ext uri="{0D108BD9-81ED-4DB2-BD59-A6C34878D82A}">
-                    <a16:rowId xmlns:a16="http://schemas.microsoft.com/office/drawing/2014/main" xmlns="" val="3821679047"/>
+                    <a16:rowId xmlns="" xmlns:a16="http://schemas.microsoft.com/office/drawing/2014/main" val="3821679047"/>
                   </a:ext>
                 </a:extLst>
               </a:tr>
@@ -23489,7 +23478,7 @@
                 </a:tc>
                 <a:extLst>
                   <a:ext uri="{0D108BD9-81ED-4DB2-BD59-A6C34878D82A}">
-                    <a16:rowId xmlns:a16="http://schemas.microsoft.com/office/drawing/2014/main" xmlns="" val="153666857"/>
+                    <a16:rowId xmlns="" xmlns:a16="http://schemas.microsoft.com/office/drawing/2014/main" val="153666857"/>
                   </a:ext>
                 </a:extLst>
               </a:tr>
@@ -23567,7 +23556,7 @@
                 </a:tc>
                 <a:extLst>
                   <a:ext uri="{0D108BD9-81ED-4DB2-BD59-A6C34878D82A}">
-                    <a16:rowId xmlns:a16="http://schemas.microsoft.com/office/drawing/2014/main" xmlns="" val="2824512280"/>
+                    <a16:rowId xmlns="" xmlns:a16="http://schemas.microsoft.com/office/drawing/2014/main" val="2824512280"/>
                   </a:ext>
                 </a:extLst>
               </a:tr>
@@ -23671,7 +23660,7 @@
           <p:cNvPr id="3" name="Title 2">
             <a:extLst>
               <a:ext uri="{FF2B5EF4-FFF2-40B4-BE49-F238E27FC236}">
-                <a16:creationId xmlns:a16="http://schemas.microsoft.com/office/drawing/2014/main" xmlns="" id="{DB9CD45C-6650-46A8-A618-5A20264C4322}"/>
+                <a16:creationId xmlns="" xmlns:a16="http://schemas.microsoft.com/office/drawing/2014/main" id="{DB9CD45C-6650-46A8-A618-5A20264C4322}"/>
               </a:ext>
             </a:extLst>
           </p:cNvPr>
@@ -23789,7 +23778,7 @@
           <p:cNvPr id="7" name="Rectangle 6">
             <a:extLst>
               <a:ext uri="{FF2B5EF4-FFF2-40B4-BE49-F238E27FC236}">
-                <a16:creationId xmlns:a16="http://schemas.microsoft.com/office/drawing/2014/main" xmlns="" id="{E5188645-E08F-4F50-A72B-36338219E37D}"/>
+                <a16:creationId xmlns="" xmlns:a16="http://schemas.microsoft.com/office/drawing/2014/main" id="{E5188645-E08F-4F50-A72B-36338219E37D}"/>
               </a:ext>
             </a:extLst>
           </p:cNvPr>
@@ -23878,7 +23867,7 @@
           <p:cNvPr id="3" name="Title 2">
             <a:extLst>
               <a:ext uri="{FF2B5EF4-FFF2-40B4-BE49-F238E27FC236}">
-                <a16:creationId xmlns:a16="http://schemas.microsoft.com/office/drawing/2014/main" xmlns="" id="{5CB53DEC-596C-4CFC-9D6A-40B5602D7764}"/>
+                <a16:creationId xmlns="" xmlns:a16="http://schemas.microsoft.com/office/drawing/2014/main" id="{5CB53DEC-596C-4CFC-9D6A-40B5602D7764}"/>
               </a:ext>
             </a:extLst>
           </p:cNvPr>
@@ -24022,7 +24011,7 @@
           <p:cNvPr id="7" name="Rectangle 6">
             <a:extLst>
               <a:ext uri="{FF2B5EF4-FFF2-40B4-BE49-F238E27FC236}">
-                <a16:creationId xmlns:a16="http://schemas.microsoft.com/office/drawing/2014/main" xmlns="" id="{E5188645-E08F-4F50-A72B-36338219E37D}"/>
+                <a16:creationId xmlns="" xmlns:a16="http://schemas.microsoft.com/office/drawing/2014/main" id="{E5188645-E08F-4F50-A72B-36338219E37D}"/>
               </a:ext>
             </a:extLst>
           </p:cNvPr>
@@ -24137,7 +24126,7 @@
           <p:cNvPr id="3" name="Title 2">
             <a:extLst>
               <a:ext uri="{FF2B5EF4-FFF2-40B4-BE49-F238E27FC236}">
-                <a16:creationId xmlns:a16="http://schemas.microsoft.com/office/drawing/2014/main" xmlns="" id="{74CD323F-6413-4C3D-A4E0-011CD17F2374}"/>
+                <a16:creationId xmlns="" xmlns:a16="http://schemas.microsoft.com/office/drawing/2014/main" id="{74CD323F-6413-4C3D-A4E0-011CD17F2374}"/>
               </a:ext>
             </a:extLst>
           </p:cNvPr>
@@ -24296,7 +24285,7 @@
           <p:cNvPr id="3" name="Title 2">
             <a:extLst>
               <a:ext uri="{FF2B5EF4-FFF2-40B4-BE49-F238E27FC236}">
-                <a16:creationId xmlns:a16="http://schemas.microsoft.com/office/drawing/2014/main" xmlns="" id="{BA178A0E-5BB8-4B7F-861F-A649E7FD75F1}"/>
+                <a16:creationId xmlns="" xmlns:a16="http://schemas.microsoft.com/office/drawing/2014/main" id="{BA178A0E-5BB8-4B7F-861F-A649E7FD75F1}"/>
               </a:ext>
             </a:extLst>
           </p:cNvPr>
@@ -24448,7 +24437,7 @@
           <p:cNvPr id="5122" name="Title 1">
             <a:extLst>
               <a:ext uri="{FF2B5EF4-FFF2-40B4-BE49-F238E27FC236}">
-                <a16:creationId xmlns:a16="http://schemas.microsoft.com/office/drawing/2014/main" xmlns="" id="{2DF29706-0BF6-40D2-8B1C-3EC71B2E0102}"/>
+                <a16:creationId xmlns="" xmlns:a16="http://schemas.microsoft.com/office/drawing/2014/main" id="{2DF29706-0BF6-40D2-8B1C-3EC71B2E0102}"/>
               </a:ext>
             </a:extLst>
           </p:cNvPr>
@@ -24657,7 +24646,7 @@
           <p:cNvPr id="5" name="Rectangle 4">
             <a:extLst>
               <a:ext uri="{FF2B5EF4-FFF2-40B4-BE49-F238E27FC236}">
-                <a16:creationId xmlns:a16="http://schemas.microsoft.com/office/drawing/2014/main" xmlns="" id="{958684FD-735A-4F11-9C81-33B6B22497B7}"/>
+                <a16:creationId xmlns="" xmlns:a16="http://schemas.microsoft.com/office/drawing/2014/main" id="{958684FD-735A-4F11-9C81-33B6B22497B7}"/>
               </a:ext>
             </a:extLst>
           </p:cNvPr>
@@ -24970,7 +24959,7 @@
           <p:cNvPr id="4" name="Title 3">
             <a:extLst>
               <a:ext uri="{FF2B5EF4-FFF2-40B4-BE49-F238E27FC236}">
-                <a16:creationId xmlns:a16="http://schemas.microsoft.com/office/drawing/2014/main" xmlns="" id="{EE0B3309-46E8-416C-ABE3-A885E8AB3D82}"/>
+                <a16:creationId xmlns="" xmlns:a16="http://schemas.microsoft.com/office/drawing/2014/main" id="{EE0B3309-46E8-416C-ABE3-A885E8AB3D82}"/>
               </a:ext>
             </a:extLst>
           </p:cNvPr>
@@ -25113,7 +25102,7 @@
           <p:cNvPr id="7" name="Rectangle 6">
             <a:extLst>
               <a:ext uri="{FF2B5EF4-FFF2-40B4-BE49-F238E27FC236}">
-                <a16:creationId xmlns:a16="http://schemas.microsoft.com/office/drawing/2014/main" xmlns="" id="{D3522077-5FF1-4E57-B910-7ADB373DDFCB}"/>
+                <a16:creationId xmlns="" xmlns:a16="http://schemas.microsoft.com/office/drawing/2014/main" id="{D3522077-5FF1-4E57-B910-7ADB373DDFCB}"/>
               </a:ext>
             </a:extLst>
           </p:cNvPr>
@@ -25209,7 +25198,7 @@
           <p:cNvPr id="8" name="Rectangle 7">
             <a:extLst>
               <a:ext uri="{FF2B5EF4-FFF2-40B4-BE49-F238E27FC236}">
-                <a16:creationId xmlns:a16="http://schemas.microsoft.com/office/drawing/2014/main" xmlns="" id="{BE45D921-361E-47D9-9C97-EEDF54F1B8E6}"/>
+                <a16:creationId xmlns="" xmlns:a16="http://schemas.microsoft.com/office/drawing/2014/main" id="{BE45D921-361E-47D9-9C97-EEDF54F1B8E6}"/>
               </a:ext>
             </a:extLst>
           </p:cNvPr>
@@ -25359,7 +25348,7 @@
           <p:cNvPr id="3" name="Title 2">
             <a:extLst>
               <a:ext uri="{FF2B5EF4-FFF2-40B4-BE49-F238E27FC236}">
-                <a16:creationId xmlns:a16="http://schemas.microsoft.com/office/drawing/2014/main" xmlns="" id="{7057A863-115A-43B5-81D5-FD27F22546EB}"/>
+                <a16:creationId xmlns="" xmlns:a16="http://schemas.microsoft.com/office/drawing/2014/main" id="{7057A863-115A-43B5-81D5-FD27F22546EB}"/>
               </a:ext>
             </a:extLst>
           </p:cNvPr>
@@ -25815,7 +25804,7 @@
           <p:cNvPr id="2" name="TextBox 1">
             <a:extLst>
               <a:ext uri="{FF2B5EF4-FFF2-40B4-BE49-F238E27FC236}">
-                <a16:creationId xmlns:a16="http://schemas.microsoft.com/office/drawing/2014/main" xmlns="" id="{88166380-F6E3-4D4E-AF38-9624C872CD2B}"/>
+                <a16:creationId xmlns="" xmlns:a16="http://schemas.microsoft.com/office/drawing/2014/main" id="{88166380-F6E3-4D4E-AF38-9624C872CD2B}"/>
               </a:ext>
             </a:extLst>
           </p:cNvPr>
@@ -26016,7 +26005,7 @@
           <p:cNvPr id="7" name="Rectangle 6">
             <a:extLst>
               <a:ext uri="{FF2B5EF4-FFF2-40B4-BE49-F238E27FC236}">
-                <a16:creationId xmlns:a16="http://schemas.microsoft.com/office/drawing/2014/main" xmlns="" id="{204D435B-1C63-4EF3-983F-C4A58FABCB00}"/>
+                <a16:creationId xmlns="" xmlns:a16="http://schemas.microsoft.com/office/drawing/2014/main" id="{204D435B-1C63-4EF3-983F-C4A58FABCB00}"/>
               </a:ext>
             </a:extLst>
           </p:cNvPr>
@@ -26130,7 +26119,7 @@
           <p:cNvPr id="3" name="Title 2">
             <a:extLst>
               <a:ext uri="{FF2B5EF4-FFF2-40B4-BE49-F238E27FC236}">
-                <a16:creationId xmlns:a16="http://schemas.microsoft.com/office/drawing/2014/main" xmlns="" id="{8CC26D0E-57D6-4A9F-A460-E2DF69C0A8FA}"/>
+                <a16:creationId xmlns="" xmlns:a16="http://schemas.microsoft.com/office/drawing/2014/main" id="{8CC26D0E-57D6-4A9F-A460-E2DF69C0A8FA}"/>
               </a:ext>
             </a:extLst>
           </p:cNvPr>
@@ -26530,7 +26519,7 @@
           <p:cNvPr id="7" name="Rectangle 6">
             <a:extLst>
               <a:ext uri="{FF2B5EF4-FFF2-40B4-BE49-F238E27FC236}">
-                <a16:creationId xmlns:a16="http://schemas.microsoft.com/office/drawing/2014/main" xmlns="" id="{204D435B-1C63-4EF3-983F-C4A58FABCB00}"/>
+                <a16:creationId xmlns="" xmlns:a16="http://schemas.microsoft.com/office/drawing/2014/main" id="{204D435B-1C63-4EF3-983F-C4A58FABCB00}"/>
               </a:ext>
             </a:extLst>
           </p:cNvPr>
@@ -26653,7 +26642,7 @@
           <p:cNvPr id="3" name="Title 2">
             <a:extLst>
               <a:ext uri="{FF2B5EF4-FFF2-40B4-BE49-F238E27FC236}">
-                <a16:creationId xmlns:a16="http://schemas.microsoft.com/office/drawing/2014/main" xmlns="" id="{58CBFFA9-7792-4A3D-B7B4-6C8AE83933F9}"/>
+                <a16:creationId xmlns="" xmlns:a16="http://schemas.microsoft.com/office/drawing/2014/main" id="{58CBFFA9-7792-4A3D-B7B4-6C8AE83933F9}"/>
               </a:ext>
             </a:extLst>
           </p:cNvPr>
@@ -27145,7 +27134,7 @@
           <p:cNvPr id="7" name="Rectangle 6">
             <a:extLst>
               <a:ext uri="{FF2B5EF4-FFF2-40B4-BE49-F238E27FC236}">
-                <a16:creationId xmlns:a16="http://schemas.microsoft.com/office/drawing/2014/main" xmlns="" id="{204D435B-1C63-4EF3-983F-C4A58FABCB00}"/>
+                <a16:creationId xmlns="" xmlns:a16="http://schemas.microsoft.com/office/drawing/2014/main" id="{204D435B-1C63-4EF3-983F-C4A58FABCB00}"/>
               </a:ext>
             </a:extLst>
           </p:cNvPr>
@@ -27275,7 +27264,7 @@
           <p:cNvPr id="3" name="Title 2">
             <a:extLst>
               <a:ext uri="{FF2B5EF4-FFF2-40B4-BE49-F238E27FC236}">
-                <a16:creationId xmlns:a16="http://schemas.microsoft.com/office/drawing/2014/main" xmlns="" id="{BAEC497C-0B54-414E-99F2-A4F04AFF96B2}"/>
+                <a16:creationId xmlns="" xmlns:a16="http://schemas.microsoft.com/office/drawing/2014/main" id="{BAEC497C-0B54-414E-99F2-A4F04AFF96B2}"/>
               </a:ext>
             </a:extLst>
           </p:cNvPr>
@@ -27418,7 +27407,7 @@
           <p:cNvPr id="3" name="Title 2">
             <a:extLst>
               <a:ext uri="{FF2B5EF4-FFF2-40B4-BE49-F238E27FC236}">
-                <a16:creationId xmlns:a16="http://schemas.microsoft.com/office/drawing/2014/main" xmlns="" id="{3D5CF9F6-8BC2-41E0-BE7D-73B9A43228A6}"/>
+                <a16:creationId xmlns="" xmlns:a16="http://schemas.microsoft.com/office/drawing/2014/main" id="{3D5CF9F6-8BC2-41E0-BE7D-73B9A43228A6}"/>
               </a:ext>
             </a:extLst>
           </p:cNvPr>
@@ -27557,7 +27546,7 @@
           <p:cNvPr id="3" name="Title 2">
             <a:extLst>
               <a:ext uri="{FF2B5EF4-FFF2-40B4-BE49-F238E27FC236}">
-                <a16:creationId xmlns:a16="http://schemas.microsoft.com/office/drawing/2014/main" xmlns="" id="{BA178A0E-5BB8-4B7F-861F-A649E7FD75F1}"/>
+                <a16:creationId xmlns="" xmlns:a16="http://schemas.microsoft.com/office/drawing/2014/main" id="{BA178A0E-5BB8-4B7F-861F-A649E7FD75F1}"/>
               </a:ext>
             </a:extLst>
           </p:cNvPr>
@@ -27709,7 +27698,7 @@
           <p:cNvPr id="5122" name="Title 1">
             <a:extLst>
               <a:ext uri="{FF2B5EF4-FFF2-40B4-BE49-F238E27FC236}">
-                <a16:creationId xmlns:a16="http://schemas.microsoft.com/office/drawing/2014/main" xmlns="" id="{2DF29706-0BF6-40D2-8B1C-3EC71B2E0102}"/>
+                <a16:creationId xmlns="" xmlns:a16="http://schemas.microsoft.com/office/drawing/2014/main" id="{2DF29706-0BF6-40D2-8B1C-3EC71B2E0102}"/>
               </a:ext>
             </a:extLst>
           </p:cNvPr>
@@ -27926,7 +27915,7 @@
           <p:cNvPr id="5" name="Rectangle 4">
             <a:extLst>
               <a:ext uri="{FF2B5EF4-FFF2-40B4-BE49-F238E27FC236}">
-                <a16:creationId xmlns:a16="http://schemas.microsoft.com/office/drawing/2014/main" xmlns="" id="{958684FD-735A-4F11-9C81-33B6B22497B7}"/>
+                <a16:creationId xmlns="" xmlns:a16="http://schemas.microsoft.com/office/drawing/2014/main" id="{958684FD-735A-4F11-9C81-33B6B22497B7}"/>
               </a:ext>
             </a:extLst>
           </p:cNvPr>
@@ -28092,7 +28081,7 @@
           <p:cNvPr id="6" name="Rectangle 5">
             <a:extLst>
               <a:ext uri="{FF2B5EF4-FFF2-40B4-BE49-F238E27FC236}">
-                <a16:creationId xmlns:a16="http://schemas.microsoft.com/office/drawing/2014/main" xmlns="" id="{D467694F-EEAF-4EE2-9476-7AB6C02848AB}"/>
+                <a16:creationId xmlns="" xmlns:a16="http://schemas.microsoft.com/office/drawing/2014/main" id="{D467694F-EEAF-4EE2-9476-7AB6C02848AB}"/>
               </a:ext>
             </a:extLst>
           </p:cNvPr>
@@ -28596,7 +28585,7 @@
           <p:cNvPr id="5" name="Rectangle 4">
             <a:extLst>
               <a:ext uri="{FF2B5EF4-FFF2-40B4-BE49-F238E27FC236}">
-                <a16:creationId xmlns:a16="http://schemas.microsoft.com/office/drawing/2014/main" xmlns="" id="{958684FD-735A-4F11-9C81-33B6B22497B7}"/>
+                <a16:creationId xmlns="" xmlns:a16="http://schemas.microsoft.com/office/drawing/2014/main" id="{958684FD-735A-4F11-9C81-33B6B22497B7}"/>
               </a:ext>
             </a:extLst>
           </p:cNvPr>
@@ -28761,7 +28750,7 @@
           <p:cNvPr id="6" name="Rectangle 5">
             <a:extLst>
               <a:ext uri="{FF2B5EF4-FFF2-40B4-BE49-F238E27FC236}">
-                <a16:creationId xmlns:a16="http://schemas.microsoft.com/office/drawing/2014/main" xmlns="" id="{D467694F-EEAF-4EE2-9476-7AB6C02848AB}"/>
+                <a16:creationId xmlns="" xmlns:a16="http://schemas.microsoft.com/office/drawing/2014/main" id="{D467694F-EEAF-4EE2-9476-7AB6C02848AB}"/>
               </a:ext>
             </a:extLst>
           </p:cNvPr>
@@ -29140,7 +29129,7 @@
           <p:cNvPr id="4" name="Title 3">
             <a:extLst>
               <a:ext uri="{FF2B5EF4-FFF2-40B4-BE49-F238E27FC236}">
-                <a16:creationId xmlns:a16="http://schemas.microsoft.com/office/drawing/2014/main" xmlns="" id="{50C39448-1775-4C34-B41F-AFC9D571B293}"/>
+                <a16:creationId xmlns="" xmlns:a16="http://schemas.microsoft.com/office/drawing/2014/main" id="{50C39448-1775-4C34-B41F-AFC9D571B293}"/>
               </a:ext>
             </a:extLst>
           </p:cNvPr>
@@ -29493,7 +29482,7 @@
           <p:cNvPr id="6" name="Rectangle 5">
             <a:extLst>
               <a:ext uri="{FF2B5EF4-FFF2-40B4-BE49-F238E27FC236}">
-                <a16:creationId xmlns:a16="http://schemas.microsoft.com/office/drawing/2014/main" xmlns="" id="{D467694F-EEAF-4EE2-9476-7AB6C02848AB}"/>
+                <a16:creationId xmlns="" xmlns:a16="http://schemas.microsoft.com/office/drawing/2014/main" id="{D467694F-EEAF-4EE2-9476-7AB6C02848AB}"/>
               </a:ext>
             </a:extLst>
           </p:cNvPr>
@@ -29594,7 +29583,7 @@
           <p:cNvPr id="8" name="Rectangle 7">
             <a:extLst>
               <a:ext uri="{FF2B5EF4-FFF2-40B4-BE49-F238E27FC236}">
-                <a16:creationId xmlns:a16="http://schemas.microsoft.com/office/drawing/2014/main" xmlns="" id="{D467694F-EEAF-4EE2-9476-7AB6C02848AB}"/>
+                <a16:creationId xmlns="" xmlns:a16="http://schemas.microsoft.com/office/drawing/2014/main" id="{D467694F-EEAF-4EE2-9476-7AB6C02848AB}"/>
               </a:ext>
             </a:extLst>
           </p:cNvPr>
@@ -29695,7 +29684,7 @@
           <p:cNvPr id="9" name="Rectangle 8">
             <a:extLst>
               <a:ext uri="{FF2B5EF4-FFF2-40B4-BE49-F238E27FC236}">
-                <a16:creationId xmlns:a16="http://schemas.microsoft.com/office/drawing/2014/main" xmlns="" id="{D467694F-EEAF-4EE2-9476-7AB6C02848AB}"/>
+                <a16:creationId xmlns="" xmlns:a16="http://schemas.microsoft.com/office/drawing/2014/main" id="{D467694F-EEAF-4EE2-9476-7AB6C02848AB}"/>
               </a:ext>
             </a:extLst>
           </p:cNvPr>
@@ -30107,7 +30096,7 @@
           <p:cNvPr id="4" name="Title 3">
             <a:extLst>
               <a:ext uri="{FF2B5EF4-FFF2-40B4-BE49-F238E27FC236}">
-                <a16:creationId xmlns:a16="http://schemas.microsoft.com/office/drawing/2014/main" xmlns="" id="{B23C4C7F-AD2C-45CA-A5DB-93211E17F47B}"/>
+                <a16:creationId xmlns="" xmlns:a16="http://schemas.microsoft.com/office/drawing/2014/main" id="{B23C4C7F-AD2C-45CA-A5DB-93211E17F47B}"/>
               </a:ext>
             </a:extLst>
           </p:cNvPr>
@@ -30596,7 +30585,7 @@
           <p:cNvPr id="4" name="Title 3">
             <a:extLst>
               <a:ext uri="{FF2B5EF4-FFF2-40B4-BE49-F238E27FC236}">
-                <a16:creationId xmlns:a16="http://schemas.microsoft.com/office/drawing/2014/main" xmlns="" id="{B486351C-9130-47D6-A05F-3BFD1421D376}"/>
+                <a16:creationId xmlns="" xmlns:a16="http://schemas.microsoft.com/office/drawing/2014/main" id="{B486351C-9130-47D6-A05F-3BFD1421D376}"/>
               </a:ext>
             </a:extLst>
           </p:cNvPr>
@@ -31086,7 +31075,7 @@
           <p:cNvPr id="4" name="Title 3">
             <a:extLst>
               <a:ext uri="{FF2B5EF4-FFF2-40B4-BE49-F238E27FC236}">
-                <a16:creationId xmlns:a16="http://schemas.microsoft.com/office/drawing/2014/main" xmlns="" id="{E37B4E21-FBF7-49C2-AA64-D14ED1A83DAE}"/>
+                <a16:creationId xmlns="" xmlns:a16="http://schemas.microsoft.com/office/drawing/2014/main" id="{E37B4E21-FBF7-49C2-AA64-D14ED1A83DAE}"/>
               </a:ext>
             </a:extLst>
           </p:cNvPr>
@@ -31501,7 +31490,7 @@
           <p:cNvPr id="4" name="Title 3">
             <a:extLst>
               <a:ext uri="{FF2B5EF4-FFF2-40B4-BE49-F238E27FC236}">
-                <a16:creationId xmlns:a16="http://schemas.microsoft.com/office/drawing/2014/main" xmlns="" id="{F2328918-7035-49EF-A8F6-5A4840F0F25F}"/>
+                <a16:creationId xmlns="" xmlns:a16="http://schemas.microsoft.com/office/drawing/2014/main" id="{F2328918-7035-49EF-A8F6-5A4840F0F25F}"/>
               </a:ext>
             </a:extLst>
           </p:cNvPr>
@@ -31562,7 +31551,7 @@
           <p:cNvPr id="2" name="Title 1">
             <a:extLst>
               <a:ext uri="{FF2B5EF4-FFF2-40B4-BE49-F238E27FC236}">
-                <a16:creationId xmlns:a16="http://schemas.microsoft.com/office/drawing/2014/main" xmlns="" id="{344F3EA4-3F28-4BD5-A8B1-5992ED3EADE0}"/>
+                <a16:creationId xmlns="" xmlns:a16="http://schemas.microsoft.com/office/drawing/2014/main" id="{344F3EA4-3F28-4BD5-A8B1-5992ED3EADE0}"/>
               </a:ext>
             </a:extLst>
           </p:cNvPr>
@@ -31848,7 +31837,7 @@
           <p:cNvPr id="7" name="Rectangle 6">
             <a:extLst>
               <a:ext uri="{FF2B5EF4-FFF2-40B4-BE49-F238E27FC236}">
-                <a16:creationId xmlns:a16="http://schemas.microsoft.com/office/drawing/2014/main" xmlns="" id="{DBA40630-C84D-4293-82D0-7E7ECB104F7B}"/>
+                <a16:creationId xmlns="" xmlns:a16="http://schemas.microsoft.com/office/drawing/2014/main" id="{DBA40630-C84D-4293-82D0-7E7ECB104F7B}"/>
               </a:ext>
             </a:extLst>
           </p:cNvPr>
@@ -31928,7 +31917,7 @@
           <p:cNvPr id="4" name="Title 3">
             <a:extLst>
               <a:ext uri="{FF2B5EF4-FFF2-40B4-BE49-F238E27FC236}">
-                <a16:creationId xmlns:a16="http://schemas.microsoft.com/office/drawing/2014/main" xmlns="" id="{0D93AF04-7142-4E71-9E3E-95C9DDAE6849}"/>
+                <a16:creationId xmlns="" xmlns:a16="http://schemas.microsoft.com/office/drawing/2014/main" id="{0D93AF04-7142-4E71-9E3E-95C9DDAE6849}"/>
               </a:ext>
             </a:extLst>
           </p:cNvPr>
@@ -32095,7 +32084,7 @@
           <p:cNvPr id="3" name="Title 2">
             <a:extLst>
               <a:ext uri="{FF2B5EF4-FFF2-40B4-BE49-F238E27FC236}">
-                <a16:creationId xmlns:a16="http://schemas.microsoft.com/office/drawing/2014/main" xmlns="" id="{BA178A0E-5BB8-4B7F-861F-A649E7FD75F1}"/>
+                <a16:creationId xmlns="" xmlns:a16="http://schemas.microsoft.com/office/drawing/2014/main" id="{BA178A0E-5BB8-4B7F-861F-A649E7FD75F1}"/>
               </a:ext>
             </a:extLst>
           </p:cNvPr>
@@ -32268,7 +32257,7 @@
           <p:cNvPr id="5122" name="Title 1">
             <a:extLst>
               <a:ext uri="{FF2B5EF4-FFF2-40B4-BE49-F238E27FC236}">
-                <a16:creationId xmlns:a16="http://schemas.microsoft.com/office/drawing/2014/main" xmlns="" id="{2DF29706-0BF6-40D2-8B1C-3EC71B2E0102}"/>
+                <a16:creationId xmlns="" xmlns:a16="http://schemas.microsoft.com/office/drawing/2014/main" id="{2DF29706-0BF6-40D2-8B1C-3EC71B2E0102}"/>
               </a:ext>
             </a:extLst>
           </p:cNvPr>
@@ -32668,7 +32657,7 @@
           <p:cNvPr id="5" name="Table 4">
             <a:extLst>
               <a:ext uri="{FF2B5EF4-FFF2-40B4-BE49-F238E27FC236}">
-                <a16:creationId xmlns:a16="http://schemas.microsoft.com/office/drawing/2014/main" xmlns="" id="{8330429B-8554-464D-B13B-F6D4DB09AFAC}"/>
+                <a16:creationId xmlns="" xmlns:a16="http://schemas.microsoft.com/office/drawing/2014/main" id="{8330429B-8554-464D-B13B-F6D4DB09AFAC}"/>
               </a:ext>
             </a:extLst>
           </p:cNvPr>
@@ -32691,35 +32680,35 @@
                 <a:gridCol w="1631172">
                   <a:extLst>
                     <a:ext uri="{9D8B030D-6E8A-4147-A177-3AD203B41FA5}">
-                      <a16:colId xmlns:a16="http://schemas.microsoft.com/office/drawing/2014/main" xmlns="" val="3836983470"/>
+                      <a16:colId xmlns="" xmlns:a16="http://schemas.microsoft.com/office/drawing/2014/main" val="3836983470"/>
                     </a:ext>
                   </a:extLst>
                 </a:gridCol>
                 <a:gridCol w="1631172">
                   <a:extLst>
                     <a:ext uri="{9D8B030D-6E8A-4147-A177-3AD203B41FA5}">
-                      <a16:colId xmlns:a16="http://schemas.microsoft.com/office/drawing/2014/main" xmlns="" val="459439320"/>
+                      <a16:colId xmlns="" xmlns:a16="http://schemas.microsoft.com/office/drawing/2014/main" val="459439320"/>
                     </a:ext>
                   </a:extLst>
                 </a:gridCol>
                 <a:gridCol w="1631172">
                   <a:extLst>
                     <a:ext uri="{9D8B030D-6E8A-4147-A177-3AD203B41FA5}">
-                      <a16:colId xmlns:a16="http://schemas.microsoft.com/office/drawing/2014/main" xmlns="" val="3562017812"/>
+                      <a16:colId xmlns="" xmlns:a16="http://schemas.microsoft.com/office/drawing/2014/main" val="3562017812"/>
                     </a:ext>
                   </a:extLst>
                 </a:gridCol>
                 <a:gridCol w="1631172">
                   <a:extLst>
                     <a:ext uri="{9D8B030D-6E8A-4147-A177-3AD203B41FA5}">
-                      <a16:colId xmlns:a16="http://schemas.microsoft.com/office/drawing/2014/main" xmlns="" val="1378366044"/>
+                      <a16:colId xmlns="" xmlns:a16="http://schemas.microsoft.com/office/drawing/2014/main" val="1378366044"/>
                     </a:ext>
                   </a:extLst>
                 </a:gridCol>
                 <a:gridCol w="1631172">
                   <a:extLst>
                     <a:ext uri="{9D8B030D-6E8A-4147-A177-3AD203B41FA5}">
-                      <a16:colId xmlns:a16="http://schemas.microsoft.com/office/drawing/2014/main" xmlns="" val="2783267235"/>
+                      <a16:colId xmlns="" xmlns:a16="http://schemas.microsoft.com/office/drawing/2014/main" val="2783267235"/>
                     </a:ext>
                   </a:extLst>
                 </a:gridCol>
@@ -33067,7 +33056,7 @@
                 </a:tc>
                 <a:extLst>
                   <a:ext uri="{0D108BD9-81ED-4DB2-BD59-A6C34878D82A}">
-                    <a16:rowId xmlns:a16="http://schemas.microsoft.com/office/drawing/2014/main" xmlns="" val="3405596971"/>
+                    <a16:rowId xmlns="" xmlns:a16="http://schemas.microsoft.com/office/drawing/2014/main" val="3405596971"/>
                   </a:ext>
                 </a:extLst>
               </a:tr>
@@ -33435,7 +33424,7 @@
                 </a:tc>
                 <a:extLst>
                   <a:ext uri="{0D108BD9-81ED-4DB2-BD59-A6C34878D82A}">
-                    <a16:rowId xmlns:a16="http://schemas.microsoft.com/office/drawing/2014/main" xmlns="" val="3713775425"/>
+                    <a16:rowId xmlns="" xmlns:a16="http://schemas.microsoft.com/office/drawing/2014/main" val="3713775425"/>
                   </a:ext>
                 </a:extLst>
               </a:tr>
@@ -33794,7 +33783,7 @@
                 </a:tc>
                 <a:extLst>
                   <a:ext uri="{0D108BD9-81ED-4DB2-BD59-A6C34878D82A}">
-                    <a16:rowId xmlns:a16="http://schemas.microsoft.com/office/drawing/2014/main" xmlns="" val="713613675"/>
+                    <a16:rowId xmlns="" xmlns:a16="http://schemas.microsoft.com/office/drawing/2014/main" val="713613675"/>
                   </a:ext>
                 </a:extLst>
               </a:tr>
@@ -34174,7 +34163,7 @@
                 </a:tc>
                 <a:extLst>
                   <a:ext uri="{0D108BD9-81ED-4DB2-BD59-A6C34878D82A}">
-                    <a16:rowId xmlns:a16="http://schemas.microsoft.com/office/drawing/2014/main" xmlns="" val="4191071431"/>
+                    <a16:rowId xmlns="" xmlns:a16="http://schemas.microsoft.com/office/drawing/2014/main" val="4191071431"/>
                   </a:ext>
                 </a:extLst>
               </a:tr>
@@ -34521,7 +34510,7 @@
                 </a:tc>
                 <a:extLst>
                   <a:ext uri="{0D108BD9-81ED-4DB2-BD59-A6C34878D82A}">
-                    <a16:rowId xmlns:a16="http://schemas.microsoft.com/office/drawing/2014/main" xmlns="" val="3944648653"/>
+                    <a16:rowId xmlns="" xmlns:a16="http://schemas.microsoft.com/office/drawing/2014/main" val="3944648653"/>
                   </a:ext>
                 </a:extLst>
               </a:tr>
@@ -34901,7 +34890,7 @@
                 </a:tc>
                 <a:extLst>
                   <a:ext uri="{0D108BD9-81ED-4DB2-BD59-A6C34878D82A}">
-                    <a16:rowId xmlns:a16="http://schemas.microsoft.com/office/drawing/2014/main" xmlns="" val="3280730909"/>
+                    <a16:rowId xmlns="" xmlns:a16="http://schemas.microsoft.com/office/drawing/2014/main" val="3280730909"/>
                   </a:ext>
                 </a:extLst>
               </a:tr>
@@ -35248,7 +35237,7 @@
                 </a:tc>
                 <a:extLst>
                   <a:ext uri="{0D108BD9-81ED-4DB2-BD59-A6C34878D82A}">
-                    <a16:rowId xmlns:a16="http://schemas.microsoft.com/office/drawing/2014/main" xmlns="" val="2636799290"/>
+                    <a16:rowId xmlns="" xmlns:a16="http://schemas.microsoft.com/office/drawing/2014/main" val="2636799290"/>
                   </a:ext>
                 </a:extLst>
               </a:tr>
@@ -35628,7 +35617,7 @@
                 </a:tc>
                 <a:extLst>
                   <a:ext uri="{0D108BD9-81ED-4DB2-BD59-A6C34878D82A}">
-                    <a16:rowId xmlns:a16="http://schemas.microsoft.com/office/drawing/2014/main" xmlns="" val="656361776"/>
+                    <a16:rowId xmlns="" xmlns:a16="http://schemas.microsoft.com/office/drawing/2014/main" val="656361776"/>
                   </a:ext>
                 </a:extLst>
               </a:tr>
@@ -35981,7 +35970,7 @@
                 </a:tc>
                 <a:extLst>
                   <a:ext uri="{0D108BD9-81ED-4DB2-BD59-A6C34878D82A}">
-                    <a16:rowId xmlns:a16="http://schemas.microsoft.com/office/drawing/2014/main" xmlns="" val="3217430769"/>
+                    <a16:rowId xmlns="" xmlns:a16="http://schemas.microsoft.com/office/drawing/2014/main" val="3217430769"/>
                   </a:ext>
                 </a:extLst>
               </a:tr>
@@ -36349,7 +36338,7 @@
                 </a:tc>
                 <a:extLst>
                   <a:ext uri="{0D108BD9-81ED-4DB2-BD59-A6C34878D82A}">
-                    <a16:rowId xmlns:a16="http://schemas.microsoft.com/office/drawing/2014/main" xmlns="" val="3917955385"/>
+                    <a16:rowId xmlns="" xmlns:a16="http://schemas.microsoft.com/office/drawing/2014/main" val="3917955385"/>
                   </a:ext>
                 </a:extLst>
               </a:tr>
@@ -36696,7 +36685,7 @@
                 </a:tc>
                 <a:extLst>
                   <a:ext uri="{0D108BD9-81ED-4DB2-BD59-A6C34878D82A}">
-                    <a16:rowId xmlns:a16="http://schemas.microsoft.com/office/drawing/2014/main" xmlns="" val="3801964334"/>
+                    <a16:rowId xmlns="" xmlns:a16="http://schemas.microsoft.com/office/drawing/2014/main" val="3801964334"/>
                   </a:ext>
                 </a:extLst>
               </a:tr>
@@ -37064,7 +37053,7 @@
                 </a:tc>
                 <a:extLst>
                   <a:ext uri="{0D108BD9-81ED-4DB2-BD59-A6C34878D82A}">
-                    <a16:rowId xmlns:a16="http://schemas.microsoft.com/office/drawing/2014/main" xmlns="" val="3759169622"/>
+                    <a16:rowId xmlns="" xmlns:a16="http://schemas.microsoft.com/office/drawing/2014/main" val="3759169622"/>
                   </a:ext>
                 </a:extLst>
               </a:tr>
@@ -37417,7 +37406,7 @@
                 </a:tc>
                 <a:extLst>
                   <a:ext uri="{0D108BD9-81ED-4DB2-BD59-A6C34878D82A}">
-                    <a16:rowId xmlns:a16="http://schemas.microsoft.com/office/drawing/2014/main" xmlns="" val="851148581"/>
+                    <a16:rowId xmlns="" xmlns:a16="http://schemas.microsoft.com/office/drawing/2014/main" val="851148581"/>
                   </a:ext>
                 </a:extLst>
               </a:tr>
@@ -37718,7 +37707,7 @@
                 </a:tc>
                 <a:extLst>
                   <a:ext uri="{0D108BD9-81ED-4DB2-BD59-A6C34878D82A}">
-                    <a16:rowId xmlns:a16="http://schemas.microsoft.com/office/drawing/2014/main" xmlns="" val="1080325934"/>
+                    <a16:rowId xmlns="" xmlns:a16="http://schemas.microsoft.com/office/drawing/2014/main" val="1080325934"/>
                   </a:ext>
                 </a:extLst>
               </a:tr>
@@ -38089,7 +38078,7 @@
           <p:cNvPr id="3" name="Title 2">
             <a:extLst>
               <a:ext uri="{FF2B5EF4-FFF2-40B4-BE49-F238E27FC236}">
-                <a16:creationId xmlns:a16="http://schemas.microsoft.com/office/drawing/2014/main" xmlns="" id="{BA178A0E-5BB8-4B7F-861F-A649E7FD75F1}"/>
+                <a16:creationId xmlns="" xmlns:a16="http://schemas.microsoft.com/office/drawing/2014/main" id="{BA178A0E-5BB8-4B7F-861F-A649E7FD75F1}"/>
               </a:ext>
             </a:extLst>
           </p:cNvPr>
@@ -38248,7 +38237,7 @@
           <p:cNvPr id="5122" name="Title 1">
             <a:extLst>
               <a:ext uri="{FF2B5EF4-FFF2-40B4-BE49-F238E27FC236}">
-                <a16:creationId xmlns:a16="http://schemas.microsoft.com/office/drawing/2014/main" xmlns="" id="{2DF29706-0BF6-40D2-8B1C-3EC71B2E0102}"/>
+                <a16:creationId xmlns="" xmlns:a16="http://schemas.microsoft.com/office/drawing/2014/main" id="{2DF29706-0BF6-40D2-8B1C-3EC71B2E0102}"/>
               </a:ext>
             </a:extLst>
           </p:cNvPr>
@@ -38344,7 +38333,7 @@
           <p:cNvPr id="5122" name="Title 1">
             <a:extLst>
               <a:ext uri="{FF2B5EF4-FFF2-40B4-BE49-F238E27FC236}">
-                <a16:creationId xmlns:a16="http://schemas.microsoft.com/office/drawing/2014/main" xmlns="" id="{2DF29706-0BF6-40D2-8B1C-3EC71B2E0102}"/>
+                <a16:creationId xmlns="" xmlns:a16="http://schemas.microsoft.com/office/drawing/2014/main" id="{2DF29706-0BF6-40D2-8B1C-3EC71B2E0102}"/>
               </a:ext>
             </a:extLst>
           </p:cNvPr>
@@ -38695,7 +38684,7 @@
           <p:cNvPr id="5" name="Title 4">
             <a:extLst>
               <a:ext uri="{FF2B5EF4-FFF2-40B4-BE49-F238E27FC236}">
-                <a16:creationId xmlns:a16="http://schemas.microsoft.com/office/drawing/2014/main" xmlns="" id="{FFA26FE1-FDF7-456F-9FE7-C931880117C9}"/>
+                <a16:creationId xmlns="" xmlns:a16="http://schemas.microsoft.com/office/drawing/2014/main" id="{FFA26FE1-FDF7-456F-9FE7-C931880117C9}"/>
               </a:ext>
             </a:extLst>
           </p:cNvPr>
@@ -38853,7 +38842,7 @@
           <p:cNvPr id="5" name="Rectangle 4">
             <a:extLst>
               <a:ext uri="{FF2B5EF4-FFF2-40B4-BE49-F238E27FC236}">
-                <a16:creationId xmlns:a16="http://schemas.microsoft.com/office/drawing/2014/main" xmlns="" id="{958684FD-735A-4F11-9C81-33B6B22497B7}"/>
+                <a16:creationId xmlns="" xmlns:a16="http://schemas.microsoft.com/office/drawing/2014/main" id="{958684FD-735A-4F11-9C81-33B6B22497B7}"/>
               </a:ext>
             </a:extLst>
           </p:cNvPr>
@@ -39101,7 +39090,7 @@
           <p:cNvPr id="6" name="Rectangle 5">
             <a:extLst>
               <a:ext uri="{FF2B5EF4-FFF2-40B4-BE49-F238E27FC236}">
-                <a16:creationId xmlns:a16="http://schemas.microsoft.com/office/drawing/2014/main" xmlns="" id="{D467694F-EEAF-4EE2-9476-7AB6C02848AB}"/>
+                <a16:creationId xmlns="" xmlns:a16="http://schemas.microsoft.com/office/drawing/2014/main" id="{D467694F-EEAF-4EE2-9476-7AB6C02848AB}"/>
               </a:ext>
             </a:extLst>
           </p:cNvPr>
@@ -39519,7 +39508,7 @@
           <p:cNvPr id="3" name="Title 2">
             <a:extLst>
               <a:ext uri="{FF2B5EF4-FFF2-40B4-BE49-F238E27FC236}">
-                <a16:creationId xmlns:a16="http://schemas.microsoft.com/office/drawing/2014/main" xmlns="" id="{BA178A0E-5BB8-4B7F-861F-A649E7FD75F1}"/>
+                <a16:creationId xmlns="" xmlns:a16="http://schemas.microsoft.com/office/drawing/2014/main" id="{BA178A0E-5BB8-4B7F-861F-A649E7FD75F1}"/>
               </a:ext>
             </a:extLst>
           </p:cNvPr>
@@ -39678,7 +39667,7 @@
           <p:cNvPr id="5122" name="Title 1">
             <a:extLst>
               <a:ext uri="{FF2B5EF4-FFF2-40B4-BE49-F238E27FC236}">
-                <a16:creationId xmlns:a16="http://schemas.microsoft.com/office/drawing/2014/main" xmlns="" id="{2DF29706-0BF6-40D2-8B1C-3EC71B2E0102}"/>
+                <a16:creationId xmlns="" xmlns:a16="http://schemas.microsoft.com/office/drawing/2014/main" id="{2DF29706-0BF6-40D2-8B1C-3EC71B2E0102}"/>
               </a:ext>
             </a:extLst>
           </p:cNvPr>
@@ -39987,7 +39976,7 @@
           <p:cNvPr id="5" name="Rectangle 4">
             <a:extLst>
               <a:ext uri="{FF2B5EF4-FFF2-40B4-BE49-F238E27FC236}">
-                <a16:creationId xmlns:a16="http://schemas.microsoft.com/office/drawing/2014/main" xmlns="" id="{2636079C-E95D-40B2-AD0D-5A757A41E90E}"/>
+                <a16:creationId xmlns="" xmlns:a16="http://schemas.microsoft.com/office/drawing/2014/main" id="{2636079C-E95D-40B2-AD0D-5A757A41E90E}"/>
               </a:ext>
             </a:extLst>
           </p:cNvPr>
@@ -40309,7 +40298,7 @@
           <p:cNvPr id="6" name="Rectangle 5">
             <a:extLst>
               <a:ext uri="{FF2B5EF4-FFF2-40B4-BE49-F238E27FC236}">
-                <a16:creationId xmlns:a16="http://schemas.microsoft.com/office/drawing/2014/main" xmlns="" id="{10268E1D-F129-4226-8736-758E36DE34CA}"/>
+                <a16:creationId xmlns="" xmlns:a16="http://schemas.microsoft.com/office/drawing/2014/main" id="{10268E1D-F129-4226-8736-758E36DE34CA}"/>
               </a:ext>
             </a:extLst>
           </p:cNvPr>
@@ -40484,7 +40473,7 @@
           <p:cNvPr id="7" name="Rectangle 6">
             <a:extLst>
               <a:ext uri="{FF2B5EF4-FFF2-40B4-BE49-F238E27FC236}">
-                <a16:creationId xmlns:a16="http://schemas.microsoft.com/office/drawing/2014/main" xmlns="" id="{84580D1A-6F9B-417F-9FD4-FF485DA4866E}"/>
+                <a16:creationId xmlns="" xmlns:a16="http://schemas.microsoft.com/office/drawing/2014/main" id="{84580D1A-6F9B-417F-9FD4-FF485DA4866E}"/>
               </a:ext>
             </a:extLst>
           </p:cNvPr>
@@ -40845,7 +40834,7 @@
           <p:cNvPr id="8" name="Rectangle 7">
             <a:extLst>
               <a:ext uri="{FF2B5EF4-FFF2-40B4-BE49-F238E27FC236}">
-                <a16:creationId xmlns:a16="http://schemas.microsoft.com/office/drawing/2014/main" xmlns="" id="{B5EF3BBE-66C8-4112-9413-DEA580D3204E}"/>
+                <a16:creationId xmlns="" xmlns:a16="http://schemas.microsoft.com/office/drawing/2014/main" id="{B5EF3BBE-66C8-4112-9413-DEA580D3204E}"/>
               </a:ext>
             </a:extLst>
           </p:cNvPr>
@@ -41157,7 +41146,7 @@
           <p:cNvPr id="6" name="Rectangle 5">
             <a:extLst>
               <a:ext uri="{FF2B5EF4-FFF2-40B4-BE49-F238E27FC236}">
-                <a16:creationId xmlns:a16="http://schemas.microsoft.com/office/drawing/2014/main" xmlns="" id="{10268E1D-F129-4226-8736-758E36DE34CA}"/>
+                <a16:creationId xmlns="" xmlns:a16="http://schemas.microsoft.com/office/drawing/2014/main" id="{10268E1D-F129-4226-8736-758E36DE34CA}"/>
               </a:ext>
             </a:extLst>
           </p:cNvPr>
@@ -41419,7 +41408,7 @@
           <p:cNvPr id="5" name="Rectangle 4">
             <a:extLst>
               <a:ext uri="{FF2B5EF4-FFF2-40B4-BE49-F238E27FC236}">
-                <a16:creationId xmlns:a16="http://schemas.microsoft.com/office/drawing/2014/main" xmlns="" id="{958684FD-735A-4F11-9C81-33B6B22497B7}"/>
+                <a16:creationId xmlns="" xmlns:a16="http://schemas.microsoft.com/office/drawing/2014/main" id="{958684FD-735A-4F11-9C81-33B6B22497B7}"/>
               </a:ext>
             </a:extLst>
           </p:cNvPr>
@@ -41693,7 +41682,7 @@
           <p:cNvPr id="6" name="Rectangle 5">
             <a:extLst>
               <a:ext uri="{FF2B5EF4-FFF2-40B4-BE49-F238E27FC236}">
-                <a16:creationId xmlns:a16="http://schemas.microsoft.com/office/drawing/2014/main" xmlns="" id="{10268E1D-F129-4226-8736-758E36DE34CA}"/>
+                <a16:creationId xmlns="" xmlns:a16="http://schemas.microsoft.com/office/drawing/2014/main" id="{10268E1D-F129-4226-8736-758E36DE34CA}"/>
               </a:ext>
             </a:extLst>
           </p:cNvPr>
@@ -41847,7 +41836,7 @@
           <p:cNvPr id="7" name="Rectangle 6">
             <a:extLst>
               <a:ext uri="{FF2B5EF4-FFF2-40B4-BE49-F238E27FC236}">
-                <a16:creationId xmlns:a16="http://schemas.microsoft.com/office/drawing/2014/main" xmlns="" id="{1E0686E7-50F3-4D8E-866D-BA8A3B19FDE5}"/>
+                <a16:creationId xmlns="" xmlns:a16="http://schemas.microsoft.com/office/drawing/2014/main" id="{1E0686E7-50F3-4D8E-866D-BA8A3B19FDE5}"/>
               </a:ext>
             </a:extLst>
           </p:cNvPr>
@@ -42073,7 +42062,7 @@
           <p:cNvPr id="5" name="Table 4">
             <a:extLst>
               <a:ext uri="{FF2B5EF4-FFF2-40B4-BE49-F238E27FC236}">
-                <a16:creationId xmlns:a16="http://schemas.microsoft.com/office/drawing/2014/main" xmlns="" id="{301B9EA2-C897-49A8-881B-9ED9D00A5392}"/>
+                <a16:creationId xmlns="" xmlns:a16="http://schemas.microsoft.com/office/drawing/2014/main" id="{301B9EA2-C897-49A8-881B-9ED9D00A5392}"/>
               </a:ext>
             </a:extLst>
           </p:cNvPr>
@@ -42096,14 +42085,14 @@
                 <a:gridCol w="1806127">
                   <a:extLst>
                     <a:ext uri="{9D8B030D-6E8A-4147-A177-3AD203B41FA5}">
-                      <a16:colId xmlns:a16="http://schemas.microsoft.com/office/drawing/2014/main" xmlns="" val="3165408696"/>
+                      <a16:colId xmlns="" xmlns:a16="http://schemas.microsoft.com/office/drawing/2014/main" val="3165408696"/>
                     </a:ext>
                   </a:extLst>
                 </a:gridCol>
                 <a:gridCol w="5736797">
                   <a:extLst>
                     <a:ext uri="{9D8B030D-6E8A-4147-A177-3AD203B41FA5}">
-                      <a16:colId xmlns:a16="http://schemas.microsoft.com/office/drawing/2014/main" xmlns="" val="3639907538"/>
+                      <a16:colId xmlns="" xmlns:a16="http://schemas.microsoft.com/office/drawing/2014/main" val="3639907538"/>
                     </a:ext>
                   </a:extLst>
                 </a:gridCol>
@@ -42201,7 +42190,7 @@
                 </a:tc>
                 <a:extLst>
                   <a:ext uri="{0D108BD9-81ED-4DB2-BD59-A6C34878D82A}">
-                    <a16:rowId xmlns:a16="http://schemas.microsoft.com/office/drawing/2014/main" xmlns="" val="713304435"/>
+                    <a16:rowId xmlns="" xmlns:a16="http://schemas.microsoft.com/office/drawing/2014/main" val="713304435"/>
                   </a:ext>
                 </a:extLst>
               </a:tr>
@@ -42272,7 +42261,7 @@
                 </a:tc>
                 <a:extLst>
                   <a:ext uri="{0D108BD9-81ED-4DB2-BD59-A6C34878D82A}">
-                    <a16:rowId xmlns:a16="http://schemas.microsoft.com/office/drawing/2014/main" xmlns="" val="1435377916"/>
+                    <a16:rowId xmlns="" xmlns:a16="http://schemas.microsoft.com/office/drawing/2014/main" val="1435377916"/>
                   </a:ext>
                 </a:extLst>
               </a:tr>
@@ -42343,7 +42332,7 @@
                 </a:tc>
                 <a:extLst>
                   <a:ext uri="{0D108BD9-81ED-4DB2-BD59-A6C34878D82A}">
-                    <a16:rowId xmlns:a16="http://schemas.microsoft.com/office/drawing/2014/main" xmlns="" val="1246313035"/>
+                    <a16:rowId xmlns="" xmlns:a16="http://schemas.microsoft.com/office/drawing/2014/main" val="1246313035"/>
                   </a:ext>
                 </a:extLst>
               </a:tr>
@@ -42414,7 +42403,7 @@
                 </a:tc>
                 <a:extLst>
                   <a:ext uri="{0D108BD9-81ED-4DB2-BD59-A6C34878D82A}">
-                    <a16:rowId xmlns:a16="http://schemas.microsoft.com/office/drawing/2014/main" xmlns="" val="378724447"/>
+                    <a16:rowId xmlns="" xmlns:a16="http://schemas.microsoft.com/office/drawing/2014/main" val="378724447"/>
                   </a:ext>
                 </a:extLst>
               </a:tr>
@@ -42485,7 +42474,7 @@
                 </a:tc>
                 <a:extLst>
                   <a:ext uri="{0D108BD9-81ED-4DB2-BD59-A6C34878D82A}">
-                    <a16:rowId xmlns:a16="http://schemas.microsoft.com/office/drawing/2014/main" xmlns="" val="3641628798"/>
+                    <a16:rowId xmlns="" xmlns:a16="http://schemas.microsoft.com/office/drawing/2014/main" val="3641628798"/>
                   </a:ext>
                 </a:extLst>
               </a:tr>
@@ -42556,7 +42545,7 @@
                 </a:tc>
                 <a:extLst>
                   <a:ext uri="{0D108BD9-81ED-4DB2-BD59-A6C34878D82A}">
-                    <a16:rowId xmlns:a16="http://schemas.microsoft.com/office/drawing/2014/main" xmlns="" val="1923001784"/>
+                    <a16:rowId xmlns="" xmlns:a16="http://schemas.microsoft.com/office/drawing/2014/main" val="1923001784"/>
                   </a:ext>
                 </a:extLst>
               </a:tr>
@@ -42633,7 +42622,7 @@
                 </a:tc>
                 <a:extLst>
                   <a:ext uri="{0D108BD9-81ED-4DB2-BD59-A6C34878D82A}">
-                    <a16:rowId xmlns:a16="http://schemas.microsoft.com/office/drawing/2014/main" xmlns="" val="3443961270"/>
+                    <a16:rowId xmlns="" xmlns:a16="http://schemas.microsoft.com/office/drawing/2014/main" val="3443961270"/>
                   </a:ext>
                 </a:extLst>
               </a:tr>
@@ -42710,7 +42699,7 @@
                 </a:tc>
                 <a:extLst>
                   <a:ext uri="{0D108BD9-81ED-4DB2-BD59-A6C34878D82A}">
-                    <a16:rowId xmlns:a16="http://schemas.microsoft.com/office/drawing/2014/main" xmlns="" val="346700138"/>
+                    <a16:rowId xmlns="" xmlns:a16="http://schemas.microsoft.com/office/drawing/2014/main" val="346700138"/>
                   </a:ext>
                 </a:extLst>
               </a:tr>
@@ -42787,7 +42776,7 @@
                 </a:tc>
                 <a:extLst>
                   <a:ext uri="{0D108BD9-81ED-4DB2-BD59-A6C34878D82A}">
-                    <a16:rowId xmlns:a16="http://schemas.microsoft.com/office/drawing/2014/main" xmlns="" val="3888884970"/>
+                    <a16:rowId xmlns="" xmlns:a16="http://schemas.microsoft.com/office/drawing/2014/main" val="3888884970"/>
                   </a:ext>
                 </a:extLst>
               </a:tr>
@@ -42922,7 +42911,7 @@
           <p:cNvPr id="3" name="Title 2">
             <a:extLst>
               <a:ext uri="{FF2B5EF4-FFF2-40B4-BE49-F238E27FC236}">
-                <a16:creationId xmlns:a16="http://schemas.microsoft.com/office/drawing/2014/main" xmlns="" id="{BA178A0E-5BB8-4B7F-861F-A649E7FD75F1}"/>
+                <a16:creationId xmlns="" xmlns:a16="http://schemas.microsoft.com/office/drawing/2014/main" id="{BA178A0E-5BB8-4B7F-861F-A649E7FD75F1}"/>
               </a:ext>
             </a:extLst>
           </p:cNvPr>
@@ -43291,7 +43280,7 @@
           <p:cNvPr id="4" name="Title 3">
             <a:extLst>
               <a:ext uri="{FF2B5EF4-FFF2-40B4-BE49-F238E27FC236}">
-                <a16:creationId xmlns:a16="http://schemas.microsoft.com/office/drawing/2014/main" xmlns="" id="{C245D6B9-096C-4B0C-A816-4ECEBB04A520}"/>
+                <a16:creationId xmlns="" xmlns:a16="http://schemas.microsoft.com/office/drawing/2014/main" id="{C245D6B9-096C-4B0C-A816-4ECEBB04A520}"/>
               </a:ext>
             </a:extLst>
           </p:cNvPr>
@@ -47764,6 +47753,21 @@
 </file>
 
 <file path=customXml/item1.xml><?xml version="1.0" encoding="utf-8"?>
+<?mso-contentType ?>
+<FormTemplates xmlns="http://schemas.microsoft.com/sharepoint/v3/contenttype/forms">
+  <Display>DocumentLibraryForm</Display>
+  <Edit>DocumentLibraryForm</Edit>
+  <New>DocumentLibraryForm</New>
+</FormTemplates>
+</file>
+
+<file path=customXml/item2.xml><?xml version="1.0" encoding="utf-8"?>
+<p:properties xmlns:p="http://schemas.microsoft.com/office/2006/metadata/properties" xmlns:xsi="http://www.w3.org/2001/XMLSchema-instance">
+  <documentManagement/>
+</p:properties>
+</file>
+
+<file path=customXml/item3.xml><?xml version="1.0" encoding="utf-8"?>
 <ct:contentTypeSchema xmlns:ct="http://schemas.microsoft.com/office/2006/metadata/contentType" xmlns:ma="http://schemas.microsoft.com/office/2006/metadata/properties/metaAttributes" ct:_="" ma:_="" ma:contentTypeName="Document" ma:contentTypeID="0x010100606A1258361F104792B87D967037D439" ma:contentTypeVersion="0" ma:contentTypeDescription="Create a new document." ma:contentTypeScope="" ma:versionID="72d9905301751e4347c9ddc8332f4b8d">
   <xsd:schema xmlns:xsd="http://www.w3.org/2001/XMLSchema" xmlns:p="http://schemas.microsoft.com/office/2006/metadata/properties" targetNamespace="http://schemas.microsoft.com/office/2006/metadata/properties" ma:root="true" ma:fieldsID="4aeb20c0e3442673af7ee10786458764">
     <xsd:element name="properties">
@@ -47812,22 +47816,29 @@
 </ct:contentTypeSchema>
 </file>
 
-<file path=customXml/item2.xml><?xml version="1.0" encoding="utf-8"?>
-<?mso-contentType ?>
-<FormTemplates xmlns="http://schemas.microsoft.com/sharepoint/v3/contenttype/forms">
-  <Display>DocumentLibraryForm</Display>
-  <Edit>DocumentLibraryForm</Edit>
-  <New>DocumentLibraryForm</New>
-</FormTemplates>
+<file path=customXml/itemProps1.xml><?xml version="1.0" encoding="utf-8"?>
+<ds:datastoreItem xmlns:ds="http://schemas.openxmlformats.org/officeDocument/2006/customXml" ds:itemID="{A8AED1B3-2F45-4762-91FA-ED08F295B52E}">
+  <ds:schemaRefs>
+    <ds:schemaRef ds:uri="http://schemas.microsoft.com/sharepoint/v3/contenttype/forms"/>
+  </ds:schemaRefs>
+</ds:datastoreItem>
 </file>
 
-<file path=customXml/item3.xml><?xml version="1.0" encoding="utf-8"?>
-<p:properties xmlns:p="http://schemas.microsoft.com/office/2006/metadata/properties" xmlns:xsi="http://www.w3.org/2001/XMLSchema-instance">
-  <documentManagement/>
-</p:properties>
+<file path=customXml/itemProps2.xml><?xml version="1.0" encoding="utf-8"?>
+<ds:datastoreItem xmlns:ds="http://schemas.openxmlformats.org/officeDocument/2006/customXml" ds:itemID="{50BC6695-9009-4E8C-96D7-2BD9B437109A}">
+  <ds:schemaRefs>
+    <ds:schemaRef ds:uri="http://purl.org/dc/terms/"/>
+    <ds:schemaRef ds:uri="http://schemas.openxmlformats.org/package/2006/metadata/core-properties"/>
+    <ds:schemaRef ds:uri="http://schemas.microsoft.com/office/2006/documentManagement/types"/>
+    <ds:schemaRef ds:uri="http://purl.org/dc/elements/1.1/"/>
+    <ds:schemaRef ds:uri="http://schemas.microsoft.com/office/2006/metadata/properties"/>
+    <ds:schemaRef ds:uri="http://www.w3.org/XML/1998/namespace"/>
+    <ds:schemaRef ds:uri="http://purl.org/dc/dcmitype/"/>
+  </ds:schemaRefs>
+</ds:datastoreItem>
 </file>
 
-<file path=customXml/itemProps1.xml><?xml version="1.0" encoding="utf-8"?>
+<file path=customXml/itemProps3.xml><?xml version="1.0" encoding="utf-8"?>
 <ds:datastoreItem xmlns:ds="http://schemas.openxmlformats.org/officeDocument/2006/customXml" ds:itemID="{F223B4EA-C447-40BA-B202-65C188424725}">
   <ds:schemaRefs>
     <ds:schemaRef ds:uri="http://schemas.microsoft.com/office/2006/metadata/contentType"/>
@@ -47840,26 +47851,4 @@
     <ds:schemaRef ds:uri="http://schemas.microsoft.com/office/internal/2005/internalDocumentation"/>
   </ds:schemaRefs>
 </ds:datastoreItem>
-</file>
-
-<file path=customXml/itemProps2.xml><?xml version="1.0" encoding="utf-8"?>
-<ds:datastoreItem xmlns:ds="http://schemas.openxmlformats.org/officeDocument/2006/customXml" ds:itemID="{A8AED1B3-2F45-4762-91FA-ED08F295B52E}">
-  <ds:schemaRefs>
-    <ds:schemaRef ds:uri="http://schemas.microsoft.com/sharepoint/v3/contenttype/forms"/>
-  </ds:schemaRefs>
-</ds:datastoreItem>
-</file>
-
-<file path=customXml/itemProps3.xml><?xml version="1.0" encoding="utf-8"?>
-<ds:datastoreItem xmlns:ds="http://schemas.openxmlformats.org/officeDocument/2006/customXml" ds:itemID="{50BC6695-9009-4E8C-96D7-2BD9B437109A}">
-  <ds:schemaRefs>
-    <ds:schemaRef ds:uri="http://purl.org/dc/terms/"/>
-    <ds:schemaRef ds:uri="http://schemas.openxmlformats.org/package/2006/metadata/core-properties"/>
-    <ds:schemaRef ds:uri="http://schemas.microsoft.com/office/2006/documentManagement/types"/>
-    <ds:schemaRef ds:uri="http://purl.org/dc/elements/1.1/"/>
-    <ds:schemaRef ds:uri="http://schemas.microsoft.com/office/2006/metadata/properties"/>
-    <ds:schemaRef ds:uri="http://www.w3.org/XML/1998/namespace"/>
-    <ds:schemaRef ds:uri="http://purl.org/dc/dcmitype/"/>
-  </ds:schemaRefs>
-</ds:datastoreItem>
 </file>
--- a/SuSS/ANL252_Python_4_Biz/3_Lecturer/Lecture_2/ANL252_SU2_Jul2021 (MK edits).pptx
+++ b/SuSS/ANL252_Python_4_Biz/3_Lecturer/Lecture_2/ANL252_SU2_Jul2021 (MK edits).pptx
@@ -9784,7 +9784,7 @@
           <p:cNvPr id="6" name="Title 1">
             <a:extLst>
               <a:ext uri="{FF2B5EF4-FFF2-40B4-BE49-F238E27FC236}">
-                <a16:creationId xmlns="" xmlns:a16="http://schemas.microsoft.com/office/drawing/2014/main" id="{68CF854E-20CB-4ED7-8722-FCA536D762F6}"/>
+                <a16:creationId xmlns:a16="http://schemas.microsoft.com/office/drawing/2014/main" id="{68CF854E-20CB-4ED7-8722-FCA536D762F6}"/>
               </a:ext>
             </a:extLst>
           </p:cNvPr>
@@ -9825,7 +9825,7 @@
           <p:cNvPr id="9" name="Picture 8" descr="holding device-02.png">
             <a:extLst>
               <a:ext uri="{FF2B5EF4-FFF2-40B4-BE49-F238E27FC236}">
-                <a16:creationId xmlns="" xmlns:a16="http://schemas.microsoft.com/office/drawing/2014/main" id="{AA410A6D-8E37-40A0-B8CC-1C962083824E}"/>
+                <a16:creationId xmlns:a16="http://schemas.microsoft.com/office/drawing/2014/main" id="{AA410A6D-8E37-40A0-B8CC-1C962083824E}"/>
               </a:ext>
             </a:extLst>
           </p:cNvPr>
@@ -9860,7 +9860,7 @@
           <p:cNvPr id="10" name="Subtitle 2">
             <a:extLst>
               <a:ext uri="{FF2B5EF4-FFF2-40B4-BE49-F238E27FC236}">
-                <a16:creationId xmlns="" xmlns:a16="http://schemas.microsoft.com/office/drawing/2014/main" id="{2BD45AE7-ECF6-4289-BFAE-B988AB3AD28C}"/>
+                <a16:creationId xmlns:a16="http://schemas.microsoft.com/office/drawing/2014/main" id="{2BD45AE7-ECF6-4289-BFAE-B988AB3AD28C}"/>
               </a:ext>
             </a:extLst>
           </p:cNvPr>
@@ -9984,7 +9984,7 @@
           <p:cNvPr id="5" name="TextBox 2">
             <a:extLst>
               <a:ext uri="{FF2B5EF4-FFF2-40B4-BE49-F238E27FC236}">
-                <a16:creationId xmlns="" xmlns:a16="http://schemas.microsoft.com/office/drawing/2014/main" id="{F1E37139-96F0-452A-889E-7BC6FD1F677F}"/>
+                <a16:creationId xmlns:a16="http://schemas.microsoft.com/office/drawing/2014/main" id="{F1E37139-96F0-452A-889E-7BC6FD1F677F}"/>
               </a:ext>
             </a:extLst>
           </p:cNvPr>
@@ -13627,7 +13627,7 @@
           <p:cNvPr id="7" name="Picture 6" descr="holding device-02.png">
             <a:extLst>
               <a:ext uri="{FF2B5EF4-FFF2-40B4-BE49-F238E27FC236}">
-                <a16:creationId xmlns="" xmlns:a16="http://schemas.microsoft.com/office/drawing/2014/main" id="{77683DCF-304F-4543-AC23-5629F576D64C}"/>
+                <a16:creationId xmlns:a16="http://schemas.microsoft.com/office/drawing/2014/main" id="{77683DCF-304F-4543-AC23-5629F576D64C}"/>
               </a:ext>
             </a:extLst>
           </p:cNvPr>
@@ -13662,7 +13662,7 @@
           <p:cNvPr id="8" name="Subtitle 2">
             <a:extLst>
               <a:ext uri="{FF2B5EF4-FFF2-40B4-BE49-F238E27FC236}">
-                <a16:creationId xmlns="" xmlns:a16="http://schemas.microsoft.com/office/drawing/2014/main" id="{E17BF815-5C07-4BFA-9409-344E12682DF8}"/>
+                <a16:creationId xmlns:a16="http://schemas.microsoft.com/office/drawing/2014/main" id="{E17BF815-5C07-4BFA-9409-344E12682DF8}"/>
               </a:ext>
             </a:extLst>
           </p:cNvPr>
@@ -13786,7 +13786,7 @@
           <p:cNvPr id="6" name="TextBox 2">
             <a:extLst>
               <a:ext uri="{FF2B5EF4-FFF2-40B4-BE49-F238E27FC236}">
-                <a16:creationId xmlns="" xmlns:a16="http://schemas.microsoft.com/office/drawing/2014/main" id="{F1E37139-96F0-452A-889E-7BC6FD1F677F}"/>
+                <a16:creationId xmlns:a16="http://schemas.microsoft.com/office/drawing/2014/main" id="{F1E37139-96F0-452A-889E-7BC6FD1F677F}"/>
               </a:ext>
             </a:extLst>
           </p:cNvPr>
@@ -13930,7 +13930,7 @@
           <p:cNvPr id="9" name="Title 1">
             <a:extLst>
               <a:ext uri="{FF2B5EF4-FFF2-40B4-BE49-F238E27FC236}">
-                <a16:creationId xmlns="" xmlns:a16="http://schemas.microsoft.com/office/drawing/2014/main" id="{C7257139-A143-42E8-82D5-56F89639B5CE}"/>
+                <a16:creationId xmlns:a16="http://schemas.microsoft.com/office/drawing/2014/main" id="{C7257139-A143-42E8-82D5-56F89639B5CE}"/>
               </a:ext>
             </a:extLst>
           </p:cNvPr>
@@ -16907,7 +16907,7 @@
           <p:cNvPr id="6" name="Picture 5" descr="holding device-02.png">
             <a:extLst>
               <a:ext uri="{FF2B5EF4-FFF2-40B4-BE49-F238E27FC236}">
-                <a16:creationId xmlns="" xmlns:a16="http://schemas.microsoft.com/office/drawing/2014/main" id="{40570172-6531-4623-94F6-969DC93D5C82}"/>
+                <a16:creationId xmlns:a16="http://schemas.microsoft.com/office/drawing/2014/main" id="{40570172-6531-4623-94F6-969DC93D5C82}"/>
               </a:ext>
             </a:extLst>
           </p:cNvPr>
@@ -16942,7 +16942,7 @@
           <p:cNvPr id="7" name="Subtitle 2">
             <a:extLst>
               <a:ext uri="{FF2B5EF4-FFF2-40B4-BE49-F238E27FC236}">
-                <a16:creationId xmlns="" xmlns:a16="http://schemas.microsoft.com/office/drawing/2014/main" id="{6DCAD2DA-B888-43BF-AF5D-2273C167D24A}"/>
+                <a16:creationId xmlns:a16="http://schemas.microsoft.com/office/drawing/2014/main" id="{6DCAD2DA-B888-43BF-AF5D-2273C167D24A}"/>
               </a:ext>
             </a:extLst>
           </p:cNvPr>
@@ -17066,7 +17066,7 @@
           <p:cNvPr id="8" name="Title 1">
             <a:extLst>
               <a:ext uri="{FF2B5EF4-FFF2-40B4-BE49-F238E27FC236}">
-                <a16:creationId xmlns="" xmlns:a16="http://schemas.microsoft.com/office/drawing/2014/main" id="{03BA398C-AB64-4B75-A4A8-AC23FFCB87C7}"/>
+                <a16:creationId xmlns:a16="http://schemas.microsoft.com/office/drawing/2014/main" id="{03BA398C-AB64-4B75-A4A8-AC23FFCB87C7}"/>
               </a:ext>
             </a:extLst>
           </p:cNvPr>
@@ -17135,7 +17135,7 @@
           <p:cNvPr id="8" name="Picture 7" descr="holding device-02.png">
             <a:extLst>
               <a:ext uri="{FF2B5EF4-FFF2-40B4-BE49-F238E27FC236}">
-                <a16:creationId xmlns="" xmlns:a16="http://schemas.microsoft.com/office/drawing/2014/main" id="{DC58F275-C00E-4C38-8E85-7D10AB5BC611}"/>
+                <a16:creationId xmlns:a16="http://schemas.microsoft.com/office/drawing/2014/main" id="{DC58F275-C00E-4C38-8E85-7D10AB5BC611}"/>
               </a:ext>
             </a:extLst>
           </p:cNvPr>
@@ -17170,7 +17170,7 @@
           <p:cNvPr id="9" name="Subtitle 2">
             <a:extLst>
               <a:ext uri="{FF2B5EF4-FFF2-40B4-BE49-F238E27FC236}">
-                <a16:creationId xmlns="" xmlns:a16="http://schemas.microsoft.com/office/drawing/2014/main" id="{655A8B44-E113-4C6B-A2FC-5BEFE731A049}"/>
+                <a16:creationId xmlns:a16="http://schemas.microsoft.com/office/drawing/2014/main" id="{655A8B44-E113-4C6B-A2FC-5BEFE731A049}"/>
               </a:ext>
             </a:extLst>
           </p:cNvPr>
@@ -17294,7 +17294,7 @@
           <p:cNvPr id="5" name="Title 1">
             <a:extLst>
               <a:ext uri="{FF2B5EF4-FFF2-40B4-BE49-F238E27FC236}">
-                <a16:creationId xmlns="" xmlns:a16="http://schemas.microsoft.com/office/drawing/2014/main" id="{486C143F-0CAE-4322-85F8-A84B2F2B2CAA}"/>
+                <a16:creationId xmlns:a16="http://schemas.microsoft.com/office/drawing/2014/main" id="{486C143F-0CAE-4322-85F8-A84B2F2B2CAA}"/>
               </a:ext>
             </a:extLst>
           </p:cNvPr>
@@ -17363,7 +17363,7 @@
           <p:cNvPr id="6" name="Picture 5" descr="holding device-02.png">
             <a:extLst>
               <a:ext uri="{FF2B5EF4-FFF2-40B4-BE49-F238E27FC236}">
-                <a16:creationId xmlns="" xmlns:a16="http://schemas.microsoft.com/office/drawing/2014/main" id="{2DB593FB-453B-49CE-8C22-EC4F23596A03}"/>
+                <a16:creationId xmlns:a16="http://schemas.microsoft.com/office/drawing/2014/main" id="{2DB593FB-453B-49CE-8C22-EC4F23596A03}"/>
               </a:ext>
             </a:extLst>
           </p:cNvPr>
@@ -17398,7 +17398,7 @@
           <p:cNvPr id="10" name="Subtitle 2">
             <a:extLst>
               <a:ext uri="{FF2B5EF4-FFF2-40B4-BE49-F238E27FC236}">
-                <a16:creationId xmlns="" xmlns:a16="http://schemas.microsoft.com/office/drawing/2014/main" id="{B8C2D3B4-8000-4C3B-83C3-D27675CA2CFF}"/>
+                <a16:creationId xmlns:a16="http://schemas.microsoft.com/office/drawing/2014/main" id="{B8C2D3B4-8000-4C3B-83C3-D27675CA2CFF}"/>
               </a:ext>
             </a:extLst>
           </p:cNvPr>
@@ -17522,7 +17522,7 @@
           <p:cNvPr id="7" name="Title 1">
             <a:extLst>
               <a:ext uri="{FF2B5EF4-FFF2-40B4-BE49-F238E27FC236}">
-                <a16:creationId xmlns="" xmlns:a16="http://schemas.microsoft.com/office/drawing/2014/main" id="{C9A2616B-02CE-4236-99D0-04116F8593B1}"/>
+                <a16:creationId xmlns:a16="http://schemas.microsoft.com/office/drawing/2014/main" id="{C9A2616B-02CE-4236-99D0-04116F8593B1}"/>
               </a:ext>
             </a:extLst>
           </p:cNvPr>
@@ -17625,7 +17625,7 @@
           <p:cNvPr id="4" name="Picture 3" descr="01 Singapore University of Social Sciences_Horizontal Format_Version A_White Background_RGB.png">
             <a:extLst>
               <a:ext uri="{FF2B5EF4-FFF2-40B4-BE49-F238E27FC236}">
-                <a16:creationId xmlns="" xmlns:a16="http://schemas.microsoft.com/office/drawing/2014/main" id="{F4B87DF8-359B-428C-8106-C024322B14EB}"/>
+                <a16:creationId xmlns:a16="http://schemas.microsoft.com/office/drawing/2014/main" id="{F4B87DF8-359B-428C-8106-C024322B14EB}"/>
               </a:ext>
             </a:extLst>
           </p:cNvPr>
@@ -17661,7 +17661,7 @@
           <p:cNvPr id="5" name="Title 1">
             <a:extLst>
               <a:ext uri="{FF2B5EF4-FFF2-40B4-BE49-F238E27FC236}">
-                <a16:creationId xmlns="" xmlns:a16="http://schemas.microsoft.com/office/drawing/2014/main" id="{199BAE98-A49E-472D-8ACE-E2B33FF24B12}"/>
+                <a16:creationId xmlns:a16="http://schemas.microsoft.com/office/drawing/2014/main" id="{199BAE98-A49E-472D-8ACE-E2B33FF24B12}"/>
               </a:ext>
             </a:extLst>
           </p:cNvPr>
@@ -22929,7 +22929,11 @@
             <a:graphicFrameLocks/>
           </p:cNvGraphicFramePr>
           <p:nvPr>
-            <p:extLst/>
+            <p:extLst>
+              <p:ext uri="{D42A27DB-BD31-4B8C-83A1-F6EECF244321}">
+                <p14:modId xmlns:p14="http://schemas.microsoft.com/office/powerpoint/2010/main" val="107358622"/>
+              </p:ext>
+            </p:extLst>
           </p:nvPr>
         </p:nvGraphicFramePr>
         <p:xfrm>
@@ -22946,28 +22950,28 @@
                 <a:gridCol w="2073847">
                   <a:extLst>
                     <a:ext uri="{9D8B030D-6E8A-4147-A177-3AD203B41FA5}">
-                      <a16:colId xmlns="" xmlns:a16="http://schemas.microsoft.com/office/drawing/2014/main" val="736504923"/>
+                      <a16:colId xmlns:a16="http://schemas.microsoft.com/office/drawing/2014/main" val="736504923"/>
                     </a:ext>
                   </a:extLst>
                 </a:gridCol>
                 <a:gridCol w="2867660">
                   <a:extLst>
                     <a:ext uri="{9D8B030D-6E8A-4147-A177-3AD203B41FA5}">
-                      <a16:colId xmlns="" xmlns:a16="http://schemas.microsoft.com/office/drawing/2014/main" val="2972121942"/>
+                      <a16:colId xmlns:a16="http://schemas.microsoft.com/office/drawing/2014/main" val="2972121942"/>
                     </a:ext>
                   </a:extLst>
                 </a:gridCol>
                 <a:gridCol w="1188085">
                   <a:extLst>
                     <a:ext uri="{9D8B030D-6E8A-4147-A177-3AD203B41FA5}">
-                      <a16:colId xmlns="" xmlns:a16="http://schemas.microsoft.com/office/drawing/2014/main" val="366444726"/>
+                      <a16:colId xmlns:a16="http://schemas.microsoft.com/office/drawing/2014/main" val="366444726"/>
                     </a:ext>
                   </a:extLst>
                 </a:gridCol>
                 <a:gridCol w="2023364">
                   <a:extLst>
                     <a:ext uri="{9D8B030D-6E8A-4147-A177-3AD203B41FA5}">
-                      <a16:colId xmlns="" xmlns:a16="http://schemas.microsoft.com/office/drawing/2014/main" val="4127926302"/>
+                      <a16:colId xmlns:a16="http://schemas.microsoft.com/office/drawing/2014/main" val="4127926302"/>
                     </a:ext>
                   </a:extLst>
                 </a:gridCol>
@@ -23034,7 +23038,7 @@
                 </a:tc>
                 <a:extLst>
                   <a:ext uri="{0D108BD9-81ED-4DB2-BD59-A6C34878D82A}">
-                    <a16:rowId xmlns="" xmlns:a16="http://schemas.microsoft.com/office/drawing/2014/main" val="920890589"/>
+                    <a16:rowId xmlns:a16="http://schemas.microsoft.com/office/drawing/2014/main" val="920890589"/>
                   </a:ext>
                 </a:extLst>
               </a:tr>
@@ -23055,7 +23059,14 @@
                       <a:endParaRPr lang="en-SG" dirty="0"/>
                     </a:p>
                   </a:txBody>
-                  <a:tcPr anchor="ctr"/>
+                  <a:tcPr anchor="ctr">
+                    <a:solidFill>
+                      <a:schemeClr val="tx1">
+                        <a:lumMod val="75000"/>
+                        <a:lumOff val="25000"/>
+                      </a:schemeClr>
+                    </a:solidFill>
+                  </a:tcPr>
                 </a:tc>
                 <a:tc>
                   <a:txBody>
@@ -23070,7 +23081,14 @@
                       <a:endParaRPr lang="en-SG" dirty="0"/>
                     </a:p>
                   </a:txBody>
-                  <a:tcPr anchor="ctr"/>
+                  <a:tcPr anchor="ctr">
+                    <a:solidFill>
+                      <a:schemeClr val="tx1">
+                        <a:lumMod val="75000"/>
+                        <a:lumOff val="25000"/>
+                      </a:schemeClr>
+                    </a:solidFill>
+                  </a:tcPr>
                 </a:tc>
                 <a:tc>
                   <a:txBody>
@@ -23085,7 +23103,14 @@
                       <a:endParaRPr lang="en-SG" dirty="0"/>
                     </a:p>
                   </a:txBody>
-                  <a:tcPr anchor="ctr"/>
+                  <a:tcPr anchor="ctr">
+                    <a:solidFill>
+                      <a:schemeClr val="tx1">
+                        <a:lumMod val="75000"/>
+                        <a:lumOff val="25000"/>
+                      </a:schemeClr>
+                    </a:solidFill>
+                  </a:tcPr>
                 </a:tc>
                 <a:tc>
                   <a:txBody>
@@ -23104,11 +23129,18 @@
                       <a:endParaRPr lang="en-SG" dirty="0"/>
                     </a:p>
                   </a:txBody>
-                  <a:tcPr anchor="ctr"/>
+                  <a:tcPr anchor="ctr">
+                    <a:solidFill>
+                      <a:schemeClr val="tx1">
+                        <a:lumMod val="75000"/>
+                        <a:lumOff val="25000"/>
+                      </a:schemeClr>
+                    </a:solidFill>
+                  </a:tcPr>
                 </a:tc>
                 <a:extLst>
                   <a:ext uri="{0D108BD9-81ED-4DB2-BD59-A6C34878D82A}">
-                    <a16:rowId xmlns="" xmlns:a16="http://schemas.microsoft.com/office/drawing/2014/main" val="301574426"/>
+                    <a16:rowId xmlns:a16="http://schemas.microsoft.com/office/drawing/2014/main" val="301574426"/>
                   </a:ext>
                 </a:extLst>
               </a:tr>
@@ -23178,7 +23210,7 @@
                 </a:tc>
                 <a:extLst>
                   <a:ext uri="{0D108BD9-81ED-4DB2-BD59-A6C34878D82A}">
-                    <a16:rowId xmlns="" xmlns:a16="http://schemas.microsoft.com/office/drawing/2014/main" val="196128480"/>
+                    <a16:rowId xmlns:a16="http://schemas.microsoft.com/office/drawing/2014/main" val="196128480"/>
                   </a:ext>
                 </a:extLst>
               </a:tr>
@@ -23264,7 +23296,7 @@
                 </a:tc>
                 <a:extLst>
                   <a:ext uri="{0D108BD9-81ED-4DB2-BD59-A6C34878D82A}">
-                    <a16:rowId xmlns="" xmlns:a16="http://schemas.microsoft.com/office/drawing/2014/main" val="4029903763"/>
+                    <a16:rowId xmlns:a16="http://schemas.microsoft.com/office/drawing/2014/main" val="4029903763"/>
                   </a:ext>
                 </a:extLst>
               </a:tr>
@@ -23330,7 +23362,7 @@
                 </a:tc>
                 <a:extLst>
                   <a:ext uri="{0D108BD9-81ED-4DB2-BD59-A6C34878D82A}">
-                    <a16:rowId xmlns="" xmlns:a16="http://schemas.microsoft.com/office/drawing/2014/main" val="2065889755"/>
+                    <a16:rowId xmlns:a16="http://schemas.microsoft.com/office/drawing/2014/main" val="2065889755"/>
                   </a:ext>
                 </a:extLst>
               </a:tr>
@@ -23400,7 +23432,7 @@
                 </a:tc>
                 <a:extLst>
                   <a:ext uri="{0D108BD9-81ED-4DB2-BD59-A6C34878D82A}">
-                    <a16:rowId xmlns="" xmlns:a16="http://schemas.microsoft.com/office/drawing/2014/main" val="3821679047"/>
+                    <a16:rowId xmlns:a16="http://schemas.microsoft.com/office/drawing/2014/main" val="3821679047"/>
                   </a:ext>
                 </a:extLst>
               </a:tr>
@@ -23478,7 +23510,7 @@
                 </a:tc>
                 <a:extLst>
                   <a:ext uri="{0D108BD9-81ED-4DB2-BD59-A6C34878D82A}">
-                    <a16:rowId xmlns="" xmlns:a16="http://schemas.microsoft.com/office/drawing/2014/main" val="153666857"/>
+                    <a16:rowId xmlns:a16="http://schemas.microsoft.com/office/drawing/2014/main" val="153666857"/>
                   </a:ext>
                 </a:extLst>
               </a:tr>
@@ -23556,7 +23588,7 @@
                 </a:tc>
                 <a:extLst>
                   <a:ext uri="{0D108BD9-81ED-4DB2-BD59-A6C34878D82A}">
-                    <a16:rowId xmlns="" xmlns:a16="http://schemas.microsoft.com/office/drawing/2014/main" val="2824512280"/>
+                    <a16:rowId xmlns:a16="http://schemas.microsoft.com/office/drawing/2014/main" val="2824512280"/>
                   </a:ext>
                 </a:extLst>
               </a:tr>
@@ -23577,6 +23609,13 @@
   <p:clrMapOvr>
     <a:masterClrMapping/>
   </p:clrMapOvr>
+  <p:timing>
+    <p:tnLst>
+      <p:par>
+        <p:cTn id="1" dur="indefinite" restart="never" nodeType="tmRoot"/>
+      </p:par>
+    </p:tnLst>
+  </p:timing>
 </p:sld>
 </file>
 
@@ -23660,7 +23699,7 @@
           <p:cNvPr id="3" name="Title 2">
             <a:extLst>
               <a:ext uri="{FF2B5EF4-FFF2-40B4-BE49-F238E27FC236}">
-                <a16:creationId xmlns="" xmlns:a16="http://schemas.microsoft.com/office/drawing/2014/main" id="{DB9CD45C-6650-46A8-A618-5A20264C4322}"/>
+                <a16:creationId xmlns:a16="http://schemas.microsoft.com/office/drawing/2014/main" id="{DB9CD45C-6650-46A8-A618-5A20264C4322}"/>
               </a:ext>
             </a:extLst>
           </p:cNvPr>
@@ -23778,7 +23817,7 @@
           <p:cNvPr id="7" name="Rectangle 6">
             <a:extLst>
               <a:ext uri="{FF2B5EF4-FFF2-40B4-BE49-F238E27FC236}">
-                <a16:creationId xmlns="" xmlns:a16="http://schemas.microsoft.com/office/drawing/2014/main" id="{E5188645-E08F-4F50-A72B-36338219E37D}"/>
+                <a16:creationId xmlns:a16="http://schemas.microsoft.com/office/drawing/2014/main" id="{E5188645-E08F-4F50-A72B-36338219E37D}"/>
               </a:ext>
             </a:extLst>
           </p:cNvPr>
@@ -23867,7 +23906,7 @@
           <p:cNvPr id="3" name="Title 2">
             <a:extLst>
               <a:ext uri="{FF2B5EF4-FFF2-40B4-BE49-F238E27FC236}">
-                <a16:creationId xmlns="" xmlns:a16="http://schemas.microsoft.com/office/drawing/2014/main" id="{5CB53DEC-596C-4CFC-9D6A-40B5602D7764}"/>
+                <a16:creationId xmlns:a16="http://schemas.microsoft.com/office/drawing/2014/main" id="{5CB53DEC-596C-4CFC-9D6A-40B5602D7764}"/>
               </a:ext>
             </a:extLst>
           </p:cNvPr>
@@ -24011,7 +24050,7 @@
           <p:cNvPr id="7" name="Rectangle 6">
             <a:extLst>
               <a:ext uri="{FF2B5EF4-FFF2-40B4-BE49-F238E27FC236}">
-                <a16:creationId xmlns="" xmlns:a16="http://schemas.microsoft.com/office/drawing/2014/main" id="{E5188645-E08F-4F50-A72B-36338219E37D}"/>
+                <a16:creationId xmlns:a16="http://schemas.microsoft.com/office/drawing/2014/main" id="{E5188645-E08F-4F50-A72B-36338219E37D}"/>
               </a:ext>
             </a:extLst>
           </p:cNvPr>
@@ -24126,7 +24165,7 @@
           <p:cNvPr id="3" name="Title 2">
             <a:extLst>
               <a:ext uri="{FF2B5EF4-FFF2-40B4-BE49-F238E27FC236}">
-                <a16:creationId xmlns="" xmlns:a16="http://schemas.microsoft.com/office/drawing/2014/main" id="{74CD323F-6413-4C3D-A4E0-011CD17F2374}"/>
+                <a16:creationId xmlns:a16="http://schemas.microsoft.com/office/drawing/2014/main" id="{74CD323F-6413-4C3D-A4E0-011CD17F2374}"/>
               </a:ext>
             </a:extLst>
           </p:cNvPr>
@@ -24285,7 +24324,7 @@
           <p:cNvPr id="3" name="Title 2">
             <a:extLst>
               <a:ext uri="{FF2B5EF4-FFF2-40B4-BE49-F238E27FC236}">
-                <a16:creationId xmlns="" xmlns:a16="http://schemas.microsoft.com/office/drawing/2014/main" id="{BA178A0E-5BB8-4B7F-861F-A649E7FD75F1}"/>
+                <a16:creationId xmlns:a16="http://schemas.microsoft.com/office/drawing/2014/main" id="{BA178A0E-5BB8-4B7F-861F-A649E7FD75F1}"/>
               </a:ext>
             </a:extLst>
           </p:cNvPr>
@@ -24437,7 +24476,7 @@
           <p:cNvPr id="5122" name="Title 1">
             <a:extLst>
               <a:ext uri="{FF2B5EF4-FFF2-40B4-BE49-F238E27FC236}">
-                <a16:creationId xmlns="" xmlns:a16="http://schemas.microsoft.com/office/drawing/2014/main" id="{2DF29706-0BF6-40D2-8B1C-3EC71B2E0102}"/>
+                <a16:creationId xmlns:a16="http://schemas.microsoft.com/office/drawing/2014/main" id="{2DF29706-0BF6-40D2-8B1C-3EC71B2E0102}"/>
               </a:ext>
             </a:extLst>
           </p:cNvPr>
@@ -24646,7 +24685,7 @@
           <p:cNvPr id="5" name="Rectangle 4">
             <a:extLst>
               <a:ext uri="{FF2B5EF4-FFF2-40B4-BE49-F238E27FC236}">
-                <a16:creationId xmlns="" xmlns:a16="http://schemas.microsoft.com/office/drawing/2014/main" id="{958684FD-735A-4F11-9C81-33B6B22497B7}"/>
+                <a16:creationId xmlns:a16="http://schemas.microsoft.com/office/drawing/2014/main" id="{958684FD-735A-4F11-9C81-33B6B22497B7}"/>
               </a:ext>
             </a:extLst>
           </p:cNvPr>
@@ -24959,7 +24998,7 @@
           <p:cNvPr id="4" name="Title 3">
             <a:extLst>
               <a:ext uri="{FF2B5EF4-FFF2-40B4-BE49-F238E27FC236}">
-                <a16:creationId xmlns="" xmlns:a16="http://schemas.microsoft.com/office/drawing/2014/main" id="{EE0B3309-46E8-416C-ABE3-A885E8AB3D82}"/>
+                <a16:creationId xmlns:a16="http://schemas.microsoft.com/office/drawing/2014/main" id="{EE0B3309-46E8-416C-ABE3-A885E8AB3D82}"/>
               </a:ext>
             </a:extLst>
           </p:cNvPr>
@@ -25102,7 +25141,7 @@
           <p:cNvPr id="7" name="Rectangle 6">
             <a:extLst>
               <a:ext uri="{FF2B5EF4-FFF2-40B4-BE49-F238E27FC236}">
-                <a16:creationId xmlns="" xmlns:a16="http://schemas.microsoft.com/office/drawing/2014/main" id="{D3522077-5FF1-4E57-B910-7ADB373DDFCB}"/>
+                <a16:creationId xmlns:a16="http://schemas.microsoft.com/office/drawing/2014/main" id="{D3522077-5FF1-4E57-B910-7ADB373DDFCB}"/>
               </a:ext>
             </a:extLst>
           </p:cNvPr>
@@ -25198,7 +25237,7 @@
           <p:cNvPr id="8" name="Rectangle 7">
             <a:extLst>
               <a:ext uri="{FF2B5EF4-FFF2-40B4-BE49-F238E27FC236}">
-                <a16:creationId xmlns="" xmlns:a16="http://schemas.microsoft.com/office/drawing/2014/main" id="{BE45D921-361E-47D9-9C97-EEDF54F1B8E6}"/>
+                <a16:creationId xmlns:a16="http://schemas.microsoft.com/office/drawing/2014/main" id="{BE45D921-361E-47D9-9C97-EEDF54F1B8E6}"/>
               </a:ext>
             </a:extLst>
           </p:cNvPr>
@@ -25348,7 +25387,7 @@
           <p:cNvPr id="3" name="Title 2">
             <a:extLst>
               <a:ext uri="{FF2B5EF4-FFF2-40B4-BE49-F238E27FC236}">
-                <a16:creationId xmlns="" xmlns:a16="http://schemas.microsoft.com/office/drawing/2014/main" id="{7057A863-115A-43B5-81D5-FD27F22546EB}"/>
+                <a16:creationId xmlns:a16="http://schemas.microsoft.com/office/drawing/2014/main" id="{7057A863-115A-43B5-81D5-FD27F22546EB}"/>
               </a:ext>
             </a:extLst>
           </p:cNvPr>
@@ -25804,7 +25843,7 @@
           <p:cNvPr id="2" name="TextBox 1">
             <a:extLst>
               <a:ext uri="{FF2B5EF4-FFF2-40B4-BE49-F238E27FC236}">
-                <a16:creationId xmlns="" xmlns:a16="http://schemas.microsoft.com/office/drawing/2014/main" id="{88166380-F6E3-4D4E-AF38-9624C872CD2B}"/>
+                <a16:creationId xmlns:a16="http://schemas.microsoft.com/office/drawing/2014/main" id="{88166380-F6E3-4D4E-AF38-9624C872CD2B}"/>
               </a:ext>
             </a:extLst>
           </p:cNvPr>
@@ -25891,6 +25930,13 @@
   <p:clrMapOvr>
     <a:masterClrMapping/>
   </p:clrMapOvr>
+  <p:timing>
+    <p:tnLst>
+      <p:par>
+        <p:cTn id="1" dur="indefinite" restart="never" nodeType="tmRoot"/>
+      </p:par>
+    </p:tnLst>
+  </p:timing>
 </p:sld>
 </file>
 
@@ -26005,7 +26051,7 @@
           <p:cNvPr id="7" name="Rectangle 6">
             <a:extLst>
               <a:ext uri="{FF2B5EF4-FFF2-40B4-BE49-F238E27FC236}">
-                <a16:creationId xmlns="" xmlns:a16="http://schemas.microsoft.com/office/drawing/2014/main" id="{204D435B-1C63-4EF3-983F-C4A58FABCB00}"/>
+                <a16:creationId xmlns:a16="http://schemas.microsoft.com/office/drawing/2014/main" id="{204D435B-1C63-4EF3-983F-C4A58FABCB00}"/>
               </a:ext>
             </a:extLst>
           </p:cNvPr>
@@ -26119,7 +26165,7 @@
           <p:cNvPr id="3" name="Title 2">
             <a:extLst>
               <a:ext uri="{FF2B5EF4-FFF2-40B4-BE49-F238E27FC236}">
-                <a16:creationId xmlns="" xmlns:a16="http://schemas.microsoft.com/office/drawing/2014/main" id="{8CC26D0E-57D6-4A9F-A460-E2DF69C0A8FA}"/>
+                <a16:creationId xmlns:a16="http://schemas.microsoft.com/office/drawing/2014/main" id="{8CC26D0E-57D6-4A9F-A460-E2DF69C0A8FA}"/>
               </a:ext>
             </a:extLst>
           </p:cNvPr>
@@ -26519,7 +26565,7 @@
           <p:cNvPr id="7" name="Rectangle 6">
             <a:extLst>
               <a:ext uri="{FF2B5EF4-FFF2-40B4-BE49-F238E27FC236}">
-                <a16:creationId xmlns="" xmlns:a16="http://schemas.microsoft.com/office/drawing/2014/main" id="{204D435B-1C63-4EF3-983F-C4A58FABCB00}"/>
+                <a16:creationId xmlns:a16="http://schemas.microsoft.com/office/drawing/2014/main" id="{204D435B-1C63-4EF3-983F-C4A58FABCB00}"/>
               </a:ext>
             </a:extLst>
           </p:cNvPr>
@@ -26642,7 +26688,7 @@
           <p:cNvPr id="3" name="Title 2">
             <a:extLst>
               <a:ext uri="{FF2B5EF4-FFF2-40B4-BE49-F238E27FC236}">
-                <a16:creationId xmlns="" xmlns:a16="http://schemas.microsoft.com/office/drawing/2014/main" id="{58CBFFA9-7792-4A3D-B7B4-6C8AE83933F9}"/>
+                <a16:creationId xmlns:a16="http://schemas.microsoft.com/office/drawing/2014/main" id="{58CBFFA9-7792-4A3D-B7B4-6C8AE83933F9}"/>
               </a:ext>
             </a:extLst>
           </p:cNvPr>
@@ -27134,7 +27180,7 @@
           <p:cNvPr id="7" name="Rectangle 6">
             <a:extLst>
               <a:ext uri="{FF2B5EF4-FFF2-40B4-BE49-F238E27FC236}">
-                <a16:creationId xmlns="" xmlns:a16="http://schemas.microsoft.com/office/drawing/2014/main" id="{204D435B-1C63-4EF3-983F-C4A58FABCB00}"/>
+                <a16:creationId xmlns:a16="http://schemas.microsoft.com/office/drawing/2014/main" id="{204D435B-1C63-4EF3-983F-C4A58FABCB00}"/>
               </a:ext>
             </a:extLst>
           </p:cNvPr>
@@ -27264,7 +27310,7 @@
           <p:cNvPr id="3" name="Title 2">
             <a:extLst>
               <a:ext uri="{FF2B5EF4-FFF2-40B4-BE49-F238E27FC236}">
-                <a16:creationId xmlns="" xmlns:a16="http://schemas.microsoft.com/office/drawing/2014/main" id="{BAEC497C-0B54-414E-99F2-A4F04AFF96B2}"/>
+                <a16:creationId xmlns:a16="http://schemas.microsoft.com/office/drawing/2014/main" id="{BAEC497C-0B54-414E-99F2-A4F04AFF96B2}"/>
               </a:ext>
             </a:extLst>
           </p:cNvPr>
@@ -27407,7 +27453,7 @@
           <p:cNvPr id="3" name="Title 2">
             <a:extLst>
               <a:ext uri="{FF2B5EF4-FFF2-40B4-BE49-F238E27FC236}">
-                <a16:creationId xmlns="" xmlns:a16="http://schemas.microsoft.com/office/drawing/2014/main" id="{3D5CF9F6-8BC2-41E0-BE7D-73B9A43228A6}"/>
+                <a16:creationId xmlns:a16="http://schemas.microsoft.com/office/drawing/2014/main" id="{3D5CF9F6-8BC2-41E0-BE7D-73B9A43228A6}"/>
               </a:ext>
             </a:extLst>
           </p:cNvPr>
@@ -27546,7 +27592,7 @@
           <p:cNvPr id="3" name="Title 2">
             <a:extLst>
               <a:ext uri="{FF2B5EF4-FFF2-40B4-BE49-F238E27FC236}">
-                <a16:creationId xmlns="" xmlns:a16="http://schemas.microsoft.com/office/drawing/2014/main" id="{BA178A0E-5BB8-4B7F-861F-A649E7FD75F1}"/>
+                <a16:creationId xmlns:a16="http://schemas.microsoft.com/office/drawing/2014/main" id="{BA178A0E-5BB8-4B7F-861F-A649E7FD75F1}"/>
               </a:ext>
             </a:extLst>
           </p:cNvPr>
@@ -27698,7 +27744,7 @@
           <p:cNvPr id="5122" name="Title 1">
             <a:extLst>
               <a:ext uri="{FF2B5EF4-FFF2-40B4-BE49-F238E27FC236}">
-                <a16:creationId xmlns="" xmlns:a16="http://schemas.microsoft.com/office/drawing/2014/main" id="{2DF29706-0BF6-40D2-8B1C-3EC71B2E0102}"/>
+                <a16:creationId xmlns:a16="http://schemas.microsoft.com/office/drawing/2014/main" id="{2DF29706-0BF6-40D2-8B1C-3EC71B2E0102}"/>
               </a:ext>
             </a:extLst>
           </p:cNvPr>
@@ -27915,7 +27961,7 @@
           <p:cNvPr id="5" name="Rectangle 4">
             <a:extLst>
               <a:ext uri="{FF2B5EF4-FFF2-40B4-BE49-F238E27FC236}">
-                <a16:creationId xmlns="" xmlns:a16="http://schemas.microsoft.com/office/drawing/2014/main" id="{958684FD-735A-4F11-9C81-33B6B22497B7}"/>
+                <a16:creationId xmlns:a16="http://schemas.microsoft.com/office/drawing/2014/main" id="{958684FD-735A-4F11-9C81-33B6B22497B7}"/>
               </a:ext>
             </a:extLst>
           </p:cNvPr>
@@ -28081,7 +28127,7 @@
           <p:cNvPr id="6" name="Rectangle 5">
             <a:extLst>
               <a:ext uri="{FF2B5EF4-FFF2-40B4-BE49-F238E27FC236}">
-                <a16:creationId xmlns="" xmlns:a16="http://schemas.microsoft.com/office/drawing/2014/main" id="{D467694F-EEAF-4EE2-9476-7AB6C02848AB}"/>
+                <a16:creationId xmlns:a16="http://schemas.microsoft.com/office/drawing/2014/main" id="{D467694F-EEAF-4EE2-9476-7AB6C02848AB}"/>
               </a:ext>
             </a:extLst>
           </p:cNvPr>
@@ -28585,7 +28631,7 @@
           <p:cNvPr id="5" name="Rectangle 4">
             <a:extLst>
               <a:ext uri="{FF2B5EF4-FFF2-40B4-BE49-F238E27FC236}">
-                <a16:creationId xmlns="" xmlns:a16="http://schemas.microsoft.com/office/drawing/2014/main" id="{958684FD-735A-4F11-9C81-33B6B22497B7}"/>
+                <a16:creationId xmlns:a16="http://schemas.microsoft.com/office/drawing/2014/main" id="{958684FD-735A-4F11-9C81-33B6B22497B7}"/>
               </a:ext>
             </a:extLst>
           </p:cNvPr>
@@ -28750,7 +28796,7 @@
           <p:cNvPr id="6" name="Rectangle 5">
             <a:extLst>
               <a:ext uri="{FF2B5EF4-FFF2-40B4-BE49-F238E27FC236}">
-                <a16:creationId xmlns="" xmlns:a16="http://schemas.microsoft.com/office/drawing/2014/main" id="{D467694F-EEAF-4EE2-9476-7AB6C02848AB}"/>
+                <a16:creationId xmlns:a16="http://schemas.microsoft.com/office/drawing/2014/main" id="{D467694F-EEAF-4EE2-9476-7AB6C02848AB}"/>
               </a:ext>
             </a:extLst>
           </p:cNvPr>
@@ -29129,7 +29175,7 @@
           <p:cNvPr id="4" name="Title 3">
             <a:extLst>
               <a:ext uri="{FF2B5EF4-FFF2-40B4-BE49-F238E27FC236}">
-                <a16:creationId xmlns="" xmlns:a16="http://schemas.microsoft.com/office/drawing/2014/main" id="{50C39448-1775-4C34-B41F-AFC9D571B293}"/>
+                <a16:creationId xmlns:a16="http://schemas.microsoft.com/office/drawing/2014/main" id="{50C39448-1775-4C34-B41F-AFC9D571B293}"/>
               </a:ext>
             </a:extLst>
           </p:cNvPr>
@@ -29482,7 +29528,7 @@
           <p:cNvPr id="6" name="Rectangle 5">
             <a:extLst>
               <a:ext uri="{FF2B5EF4-FFF2-40B4-BE49-F238E27FC236}">
-                <a16:creationId xmlns="" xmlns:a16="http://schemas.microsoft.com/office/drawing/2014/main" id="{D467694F-EEAF-4EE2-9476-7AB6C02848AB}"/>
+                <a16:creationId xmlns:a16="http://schemas.microsoft.com/office/drawing/2014/main" id="{D467694F-EEAF-4EE2-9476-7AB6C02848AB}"/>
               </a:ext>
             </a:extLst>
           </p:cNvPr>
@@ -29583,7 +29629,7 @@
           <p:cNvPr id="8" name="Rectangle 7">
             <a:extLst>
               <a:ext uri="{FF2B5EF4-FFF2-40B4-BE49-F238E27FC236}">
-                <a16:creationId xmlns="" xmlns:a16="http://schemas.microsoft.com/office/drawing/2014/main" id="{D467694F-EEAF-4EE2-9476-7AB6C02848AB}"/>
+                <a16:creationId xmlns:a16="http://schemas.microsoft.com/office/drawing/2014/main" id="{D467694F-EEAF-4EE2-9476-7AB6C02848AB}"/>
               </a:ext>
             </a:extLst>
           </p:cNvPr>
@@ -29684,7 +29730,7 @@
           <p:cNvPr id="9" name="Rectangle 8">
             <a:extLst>
               <a:ext uri="{FF2B5EF4-FFF2-40B4-BE49-F238E27FC236}">
-                <a16:creationId xmlns="" xmlns:a16="http://schemas.microsoft.com/office/drawing/2014/main" id="{D467694F-EEAF-4EE2-9476-7AB6C02848AB}"/>
+                <a16:creationId xmlns:a16="http://schemas.microsoft.com/office/drawing/2014/main" id="{D467694F-EEAF-4EE2-9476-7AB6C02848AB}"/>
               </a:ext>
             </a:extLst>
           </p:cNvPr>
@@ -30096,7 +30142,7 @@
           <p:cNvPr id="4" name="Title 3">
             <a:extLst>
               <a:ext uri="{FF2B5EF4-FFF2-40B4-BE49-F238E27FC236}">
-                <a16:creationId xmlns="" xmlns:a16="http://schemas.microsoft.com/office/drawing/2014/main" id="{B23C4C7F-AD2C-45CA-A5DB-93211E17F47B}"/>
+                <a16:creationId xmlns:a16="http://schemas.microsoft.com/office/drawing/2014/main" id="{B23C4C7F-AD2C-45CA-A5DB-93211E17F47B}"/>
               </a:ext>
             </a:extLst>
           </p:cNvPr>
@@ -30585,7 +30631,7 @@
           <p:cNvPr id="4" name="Title 3">
             <a:extLst>
               <a:ext uri="{FF2B5EF4-FFF2-40B4-BE49-F238E27FC236}">
-                <a16:creationId xmlns="" xmlns:a16="http://schemas.microsoft.com/office/drawing/2014/main" id="{B486351C-9130-47D6-A05F-3BFD1421D376}"/>
+                <a16:creationId xmlns:a16="http://schemas.microsoft.com/office/drawing/2014/main" id="{B486351C-9130-47D6-A05F-3BFD1421D376}"/>
               </a:ext>
             </a:extLst>
           </p:cNvPr>
@@ -31075,7 +31121,7 @@
           <p:cNvPr id="4" name="Title 3">
             <a:extLst>
               <a:ext uri="{FF2B5EF4-FFF2-40B4-BE49-F238E27FC236}">
-                <a16:creationId xmlns="" xmlns:a16="http://schemas.microsoft.com/office/drawing/2014/main" id="{E37B4E21-FBF7-49C2-AA64-D14ED1A83DAE}"/>
+                <a16:creationId xmlns:a16="http://schemas.microsoft.com/office/drawing/2014/main" id="{E37B4E21-FBF7-49C2-AA64-D14ED1A83DAE}"/>
               </a:ext>
             </a:extLst>
           </p:cNvPr>
@@ -31490,7 +31536,7 @@
           <p:cNvPr id="4" name="Title 3">
             <a:extLst>
               <a:ext uri="{FF2B5EF4-FFF2-40B4-BE49-F238E27FC236}">
-                <a16:creationId xmlns="" xmlns:a16="http://schemas.microsoft.com/office/drawing/2014/main" id="{F2328918-7035-49EF-A8F6-5A4840F0F25F}"/>
+                <a16:creationId xmlns:a16="http://schemas.microsoft.com/office/drawing/2014/main" id="{F2328918-7035-49EF-A8F6-5A4840F0F25F}"/>
               </a:ext>
             </a:extLst>
           </p:cNvPr>
@@ -31551,7 +31597,7 @@
           <p:cNvPr id="2" name="Title 1">
             <a:extLst>
               <a:ext uri="{FF2B5EF4-FFF2-40B4-BE49-F238E27FC236}">
-                <a16:creationId xmlns="" xmlns:a16="http://schemas.microsoft.com/office/drawing/2014/main" id="{344F3EA4-3F28-4BD5-A8B1-5992ED3EADE0}"/>
+                <a16:creationId xmlns:a16="http://schemas.microsoft.com/office/drawing/2014/main" id="{344F3EA4-3F28-4BD5-A8B1-5992ED3EADE0}"/>
               </a:ext>
             </a:extLst>
           </p:cNvPr>
@@ -31837,7 +31883,7 @@
           <p:cNvPr id="7" name="Rectangle 6">
             <a:extLst>
               <a:ext uri="{FF2B5EF4-FFF2-40B4-BE49-F238E27FC236}">
-                <a16:creationId xmlns="" xmlns:a16="http://schemas.microsoft.com/office/drawing/2014/main" id="{DBA40630-C84D-4293-82D0-7E7ECB104F7B}"/>
+                <a16:creationId xmlns:a16="http://schemas.microsoft.com/office/drawing/2014/main" id="{DBA40630-C84D-4293-82D0-7E7ECB104F7B}"/>
               </a:ext>
             </a:extLst>
           </p:cNvPr>
@@ -31917,7 +31963,7 @@
           <p:cNvPr id="4" name="Title 3">
             <a:extLst>
               <a:ext uri="{FF2B5EF4-FFF2-40B4-BE49-F238E27FC236}">
-                <a16:creationId xmlns="" xmlns:a16="http://schemas.microsoft.com/office/drawing/2014/main" id="{0D93AF04-7142-4E71-9E3E-95C9DDAE6849}"/>
+                <a16:creationId xmlns:a16="http://schemas.microsoft.com/office/drawing/2014/main" id="{0D93AF04-7142-4E71-9E3E-95C9DDAE6849}"/>
               </a:ext>
             </a:extLst>
           </p:cNvPr>
@@ -32084,7 +32130,7 @@
           <p:cNvPr id="3" name="Title 2">
             <a:extLst>
               <a:ext uri="{FF2B5EF4-FFF2-40B4-BE49-F238E27FC236}">
-                <a16:creationId xmlns="" xmlns:a16="http://schemas.microsoft.com/office/drawing/2014/main" id="{BA178A0E-5BB8-4B7F-861F-A649E7FD75F1}"/>
+                <a16:creationId xmlns:a16="http://schemas.microsoft.com/office/drawing/2014/main" id="{BA178A0E-5BB8-4B7F-861F-A649E7FD75F1}"/>
               </a:ext>
             </a:extLst>
           </p:cNvPr>
@@ -32257,7 +32303,7 @@
           <p:cNvPr id="5122" name="Title 1">
             <a:extLst>
               <a:ext uri="{FF2B5EF4-FFF2-40B4-BE49-F238E27FC236}">
-                <a16:creationId xmlns="" xmlns:a16="http://schemas.microsoft.com/office/drawing/2014/main" id="{2DF29706-0BF6-40D2-8B1C-3EC71B2E0102}"/>
+                <a16:creationId xmlns:a16="http://schemas.microsoft.com/office/drawing/2014/main" id="{2DF29706-0BF6-40D2-8B1C-3EC71B2E0102}"/>
               </a:ext>
             </a:extLst>
           </p:cNvPr>
@@ -32657,7 +32703,7 @@
           <p:cNvPr id="5" name="Table 4">
             <a:extLst>
               <a:ext uri="{FF2B5EF4-FFF2-40B4-BE49-F238E27FC236}">
-                <a16:creationId xmlns="" xmlns:a16="http://schemas.microsoft.com/office/drawing/2014/main" id="{8330429B-8554-464D-B13B-F6D4DB09AFAC}"/>
+                <a16:creationId xmlns:a16="http://schemas.microsoft.com/office/drawing/2014/main" id="{8330429B-8554-464D-B13B-F6D4DB09AFAC}"/>
               </a:ext>
             </a:extLst>
           </p:cNvPr>
@@ -32680,35 +32726,35 @@
                 <a:gridCol w="1631172">
                   <a:extLst>
                     <a:ext uri="{9D8B030D-6E8A-4147-A177-3AD203B41FA5}">
-                      <a16:colId xmlns="" xmlns:a16="http://schemas.microsoft.com/office/drawing/2014/main" val="3836983470"/>
+                      <a16:colId xmlns:a16="http://schemas.microsoft.com/office/drawing/2014/main" val="3836983470"/>
                     </a:ext>
                   </a:extLst>
                 </a:gridCol>
                 <a:gridCol w="1631172">
                   <a:extLst>
                     <a:ext uri="{9D8B030D-6E8A-4147-A177-3AD203B41FA5}">
-                      <a16:colId xmlns="" xmlns:a16="http://schemas.microsoft.com/office/drawing/2014/main" val="459439320"/>
+                      <a16:colId xmlns:a16="http://schemas.microsoft.com/office/drawing/2014/main" val="459439320"/>
                     </a:ext>
                   </a:extLst>
                 </a:gridCol>
                 <a:gridCol w="1631172">
                   <a:extLst>
                     <a:ext uri="{9D8B030D-6E8A-4147-A177-3AD203B41FA5}">
-                      <a16:colId xmlns="" xmlns:a16="http://schemas.microsoft.com/office/drawing/2014/main" val="3562017812"/>
+                      <a16:colId xmlns:a16="http://schemas.microsoft.com/office/drawing/2014/main" val="3562017812"/>
                     </a:ext>
                   </a:extLst>
                 </a:gridCol>
                 <a:gridCol w="1631172">
                   <a:extLst>
                     <a:ext uri="{9D8B030D-6E8A-4147-A177-3AD203B41FA5}">
-                      <a16:colId xmlns="" xmlns:a16="http://schemas.microsoft.com/office/drawing/2014/main" val="1378366044"/>
+                      <a16:colId xmlns:a16="http://schemas.microsoft.com/office/drawing/2014/main" val="1378366044"/>
                     </a:ext>
                   </a:extLst>
                 </a:gridCol>
                 <a:gridCol w="1631172">
                   <a:extLst>
                     <a:ext uri="{9D8B030D-6E8A-4147-A177-3AD203B41FA5}">
-                      <a16:colId xmlns="" xmlns:a16="http://schemas.microsoft.com/office/drawing/2014/main" val="2783267235"/>
+                      <a16:colId xmlns:a16="http://schemas.microsoft.com/office/drawing/2014/main" val="2783267235"/>
                     </a:ext>
                   </a:extLst>
                 </a:gridCol>
@@ -33056,7 +33102,7 @@
                 </a:tc>
                 <a:extLst>
                   <a:ext uri="{0D108BD9-81ED-4DB2-BD59-A6C34878D82A}">
-                    <a16:rowId xmlns="" xmlns:a16="http://schemas.microsoft.com/office/drawing/2014/main" val="3405596971"/>
+                    <a16:rowId xmlns:a16="http://schemas.microsoft.com/office/drawing/2014/main" val="3405596971"/>
                   </a:ext>
                 </a:extLst>
               </a:tr>
@@ -33424,7 +33470,7 @@
                 </a:tc>
                 <a:extLst>
                   <a:ext uri="{0D108BD9-81ED-4DB2-BD59-A6C34878D82A}">
-                    <a16:rowId xmlns="" xmlns:a16="http://schemas.microsoft.com/office/drawing/2014/main" val="3713775425"/>
+                    <a16:rowId xmlns:a16="http://schemas.microsoft.com/office/drawing/2014/main" val="3713775425"/>
                   </a:ext>
                 </a:extLst>
               </a:tr>
@@ -33783,7 +33829,7 @@
                 </a:tc>
                 <a:extLst>
                   <a:ext uri="{0D108BD9-81ED-4DB2-BD59-A6C34878D82A}">
-                    <a16:rowId xmlns="" xmlns:a16="http://schemas.microsoft.com/office/drawing/2014/main" val="713613675"/>
+                    <a16:rowId xmlns:a16="http://schemas.microsoft.com/office/drawing/2014/main" val="713613675"/>
                   </a:ext>
                 </a:extLst>
               </a:tr>
@@ -34163,7 +34209,7 @@
                 </a:tc>
                 <a:extLst>
                   <a:ext uri="{0D108BD9-81ED-4DB2-BD59-A6C34878D82A}">
-                    <a16:rowId xmlns="" xmlns:a16="http://schemas.microsoft.com/office/drawing/2014/main" val="4191071431"/>
+                    <a16:rowId xmlns:a16="http://schemas.microsoft.com/office/drawing/2014/main" val="4191071431"/>
                   </a:ext>
                 </a:extLst>
               </a:tr>
@@ -34510,7 +34556,7 @@
                 </a:tc>
                 <a:extLst>
                   <a:ext uri="{0D108BD9-81ED-4DB2-BD59-A6C34878D82A}">
-                    <a16:rowId xmlns="" xmlns:a16="http://schemas.microsoft.com/office/drawing/2014/main" val="3944648653"/>
+                    <a16:rowId xmlns:a16="http://schemas.microsoft.com/office/drawing/2014/main" val="3944648653"/>
                   </a:ext>
                 </a:extLst>
               </a:tr>
@@ -34890,7 +34936,7 @@
                 </a:tc>
                 <a:extLst>
                   <a:ext uri="{0D108BD9-81ED-4DB2-BD59-A6C34878D82A}">
-                    <a16:rowId xmlns="" xmlns:a16="http://schemas.microsoft.com/office/drawing/2014/main" val="3280730909"/>
+                    <a16:rowId xmlns:a16="http://schemas.microsoft.com/office/drawing/2014/main" val="3280730909"/>
                   </a:ext>
                 </a:extLst>
               </a:tr>
@@ -35237,7 +35283,7 @@
                 </a:tc>
                 <a:extLst>
                   <a:ext uri="{0D108BD9-81ED-4DB2-BD59-A6C34878D82A}">
-                    <a16:rowId xmlns="" xmlns:a16="http://schemas.microsoft.com/office/drawing/2014/main" val="2636799290"/>
+                    <a16:rowId xmlns:a16="http://schemas.microsoft.com/office/drawing/2014/main" val="2636799290"/>
                   </a:ext>
                 </a:extLst>
               </a:tr>
@@ -35617,7 +35663,7 @@
                 </a:tc>
                 <a:extLst>
                   <a:ext uri="{0D108BD9-81ED-4DB2-BD59-A6C34878D82A}">
-                    <a16:rowId xmlns="" xmlns:a16="http://schemas.microsoft.com/office/drawing/2014/main" val="656361776"/>
+                    <a16:rowId xmlns:a16="http://schemas.microsoft.com/office/drawing/2014/main" val="656361776"/>
                   </a:ext>
                 </a:extLst>
               </a:tr>
@@ -35970,7 +36016,7 @@
                 </a:tc>
                 <a:extLst>
                   <a:ext uri="{0D108BD9-81ED-4DB2-BD59-A6C34878D82A}">
-                    <a16:rowId xmlns="" xmlns:a16="http://schemas.microsoft.com/office/drawing/2014/main" val="3217430769"/>
+                    <a16:rowId xmlns:a16="http://schemas.microsoft.com/office/drawing/2014/main" val="3217430769"/>
                   </a:ext>
                 </a:extLst>
               </a:tr>
@@ -36338,7 +36384,7 @@
                 </a:tc>
                 <a:extLst>
                   <a:ext uri="{0D108BD9-81ED-4DB2-BD59-A6C34878D82A}">
-                    <a16:rowId xmlns="" xmlns:a16="http://schemas.microsoft.com/office/drawing/2014/main" val="3917955385"/>
+                    <a16:rowId xmlns:a16="http://schemas.microsoft.com/office/drawing/2014/main" val="3917955385"/>
                   </a:ext>
                 </a:extLst>
               </a:tr>
@@ -36685,7 +36731,7 @@
                 </a:tc>
                 <a:extLst>
                   <a:ext uri="{0D108BD9-81ED-4DB2-BD59-A6C34878D82A}">
-                    <a16:rowId xmlns="" xmlns:a16="http://schemas.microsoft.com/office/drawing/2014/main" val="3801964334"/>
+                    <a16:rowId xmlns:a16="http://schemas.microsoft.com/office/drawing/2014/main" val="3801964334"/>
                   </a:ext>
                 </a:extLst>
               </a:tr>
@@ -37053,7 +37099,7 @@
                 </a:tc>
                 <a:extLst>
                   <a:ext uri="{0D108BD9-81ED-4DB2-BD59-A6C34878D82A}">
-                    <a16:rowId xmlns="" xmlns:a16="http://schemas.microsoft.com/office/drawing/2014/main" val="3759169622"/>
+                    <a16:rowId xmlns:a16="http://schemas.microsoft.com/office/drawing/2014/main" val="3759169622"/>
                   </a:ext>
                 </a:extLst>
               </a:tr>
@@ -37406,7 +37452,7 @@
                 </a:tc>
                 <a:extLst>
                   <a:ext uri="{0D108BD9-81ED-4DB2-BD59-A6C34878D82A}">
-                    <a16:rowId xmlns="" xmlns:a16="http://schemas.microsoft.com/office/drawing/2014/main" val="851148581"/>
+                    <a16:rowId xmlns:a16="http://schemas.microsoft.com/office/drawing/2014/main" val="851148581"/>
                   </a:ext>
                 </a:extLst>
               </a:tr>
@@ -37707,7 +37753,7 @@
                 </a:tc>
                 <a:extLst>
                   <a:ext uri="{0D108BD9-81ED-4DB2-BD59-A6C34878D82A}">
-                    <a16:rowId xmlns="" xmlns:a16="http://schemas.microsoft.com/office/drawing/2014/main" val="1080325934"/>
+                    <a16:rowId xmlns:a16="http://schemas.microsoft.com/office/drawing/2014/main" val="1080325934"/>
                   </a:ext>
                 </a:extLst>
               </a:tr>
@@ -38078,7 +38124,7 @@
           <p:cNvPr id="3" name="Title 2">
             <a:extLst>
               <a:ext uri="{FF2B5EF4-FFF2-40B4-BE49-F238E27FC236}">
-                <a16:creationId xmlns="" xmlns:a16="http://schemas.microsoft.com/office/drawing/2014/main" id="{BA178A0E-5BB8-4B7F-861F-A649E7FD75F1}"/>
+                <a16:creationId xmlns:a16="http://schemas.microsoft.com/office/drawing/2014/main" id="{BA178A0E-5BB8-4B7F-861F-A649E7FD75F1}"/>
               </a:ext>
             </a:extLst>
           </p:cNvPr>
@@ -38237,7 +38283,7 @@
           <p:cNvPr id="5122" name="Title 1">
             <a:extLst>
               <a:ext uri="{FF2B5EF4-FFF2-40B4-BE49-F238E27FC236}">
-                <a16:creationId xmlns="" xmlns:a16="http://schemas.microsoft.com/office/drawing/2014/main" id="{2DF29706-0BF6-40D2-8B1C-3EC71B2E0102}"/>
+                <a16:creationId xmlns:a16="http://schemas.microsoft.com/office/drawing/2014/main" id="{2DF29706-0BF6-40D2-8B1C-3EC71B2E0102}"/>
               </a:ext>
             </a:extLst>
           </p:cNvPr>
@@ -38333,7 +38379,7 @@
           <p:cNvPr id="5122" name="Title 1">
             <a:extLst>
               <a:ext uri="{FF2B5EF4-FFF2-40B4-BE49-F238E27FC236}">
-                <a16:creationId xmlns="" xmlns:a16="http://schemas.microsoft.com/office/drawing/2014/main" id="{2DF29706-0BF6-40D2-8B1C-3EC71B2E0102}"/>
+                <a16:creationId xmlns:a16="http://schemas.microsoft.com/office/drawing/2014/main" id="{2DF29706-0BF6-40D2-8B1C-3EC71B2E0102}"/>
               </a:ext>
             </a:extLst>
           </p:cNvPr>
@@ -38684,7 +38730,7 @@
           <p:cNvPr id="5" name="Title 4">
             <a:extLst>
               <a:ext uri="{FF2B5EF4-FFF2-40B4-BE49-F238E27FC236}">
-                <a16:creationId xmlns="" xmlns:a16="http://schemas.microsoft.com/office/drawing/2014/main" id="{FFA26FE1-FDF7-456F-9FE7-C931880117C9}"/>
+                <a16:creationId xmlns:a16="http://schemas.microsoft.com/office/drawing/2014/main" id="{FFA26FE1-FDF7-456F-9FE7-C931880117C9}"/>
               </a:ext>
             </a:extLst>
           </p:cNvPr>
@@ -38842,7 +38888,7 @@
           <p:cNvPr id="5" name="Rectangle 4">
             <a:extLst>
               <a:ext uri="{FF2B5EF4-FFF2-40B4-BE49-F238E27FC236}">
-                <a16:creationId xmlns="" xmlns:a16="http://schemas.microsoft.com/office/drawing/2014/main" id="{958684FD-735A-4F11-9C81-33B6B22497B7}"/>
+                <a16:creationId xmlns:a16="http://schemas.microsoft.com/office/drawing/2014/main" id="{958684FD-735A-4F11-9C81-33B6B22497B7}"/>
               </a:ext>
             </a:extLst>
           </p:cNvPr>
@@ -39090,7 +39136,7 @@
           <p:cNvPr id="6" name="Rectangle 5">
             <a:extLst>
               <a:ext uri="{FF2B5EF4-FFF2-40B4-BE49-F238E27FC236}">
-                <a16:creationId xmlns="" xmlns:a16="http://schemas.microsoft.com/office/drawing/2014/main" id="{D467694F-EEAF-4EE2-9476-7AB6C02848AB}"/>
+                <a16:creationId xmlns:a16="http://schemas.microsoft.com/office/drawing/2014/main" id="{D467694F-EEAF-4EE2-9476-7AB6C02848AB}"/>
               </a:ext>
             </a:extLst>
           </p:cNvPr>
@@ -39508,7 +39554,7 @@
           <p:cNvPr id="3" name="Title 2">
             <a:extLst>
               <a:ext uri="{FF2B5EF4-FFF2-40B4-BE49-F238E27FC236}">
-                <a16:creationId xmlns="" xmlns:a16="http://schemas.microsoft.com/office/drawing/2014/main" id="{BA178A0E-5BB8-4B7F-861F-A649E7FD75F1}"/>
+                <a16:creationId xmlns:a16="http://schemas.microsoft.com/office/drawing/2014/main" id="{BA178A0E-5BB8-4B7F-861F-A649E7FD75F1}"/>
               </a:ext>
             </a:extLst>
           </p:cNvPr>
@@ -39667,7 +39713,7 @@
           <p:cNvPr id="5122" name="Title 1">
             <a:extLst>
               <a:ext uri="{FF2B5EF4-FFF2-40B4-BE49-F238E27FC236}">
-                <a16:creationId xmlns="" xmlns:a16="http://schemas.microsoft.com/office/drawing/2014/main" id="{2DF29706-0BF6-40D2-8B1C-3EC71B2E0102}"/>
+                <a16:creationId xmlns:a16="http://schemas.microsoft.com/office/drawing/2014/main" id="{2DF29706-0BF6-40D2-8B1C-3EC71B2E0102}"/>
               </a:ext>
             </a:extLst>
           </p:cNvPr>
@@ -39976,7 +40022,7 @@
           <p:cNvPr id="5" name="Rectangle 4">
             <a:extLst>
               <a:ext uri="{FF2B5EF4-FFF2-40B4-BE49-F238E27FC236}">
-                <a16:creationId xmlns="" xmlns:a16="http://schemas.microsoft.com/office/drawing/2014/main" id="{2636079C-E95D-40B2-AD0D-5A757A41E90E}"/>
+                <a16:creationId xmlns:a16="http://schemas.microsoft.com/office/drawing/2014/main" id="{2636079C-E95D-40B2-AD0D-5A757A41E90E}"/>
               </a:ext>
             </a:extLst>
           </p:cNvPr>
@@ -40298,7 +40344,7 @@
           <p:cNvPr id="6" name="Rectangle 5">
             <a:extLst>
               <a:ext uri="{FF2B5EF4-FFF2-40B4-BE49-F238E27FC236}">
-                <a16:creationId xmlns="" xmlns:a16="http://schemas.microsoft.com/office/drawing/2014/main" id="{10268E1D-F129-4226-8736-758E36DE34CA}"/>
+                <a16:creationId xmlns:a16="http://schemas.microsoft.com/office/drawing/2014/main" id="{10268E1D-F129-4226-8736-758E36DE34CA}"/>
               </a:ext>
             </a:extLst>
           </p:cNvPr>
@@ -40473,7 +40519,7 @@
           <p:cNvPr id="7" name="Rectangle 6">
             <a:extLst>
               <a:ext uri="{FF2B5EF4-FFF2-40B4-BE49-F238E27FC236}">
-                <a16:creationId xmlns="" xmlns:a16="http://schemas.microsoft.com/office/drawing/2014/main" id="{84580D1A-6F9B-417F-9FD4-FF485DA4866E}"/>
+                <a16:creationId xmlns:a16="http://schemas.microsoft.com/office/drawing/2014/main" id="{84580D1A-6F9B-417F-9FD4-FF485DA4866E}"/>
               </a:ext>
             </a:extLst>
           </p:cNvPr>
@@ -40834,7 +40880,7 @@
           <p:cNvPr id="8" name="Rectangle 7">
             <a:extLst>
               <a:ext uri="{FF2B5EF4-FFF2-40B4-BE49-F238E27FC236}">
-                <a16:creationId xmlns="" xmlns:a16="http://schemas.microsoft.com/office/drawing/2014/main" id="{B5EF3BBE-66C8-4112-9413-DEA580D3204E}"/>
+                <a16:creationId xmlns:a16="http://schemas.microsoft.com/office/drawing/2014/main" id="{B5EF3BBE-66C8-4112-9413-DEA580D3204E}"/>
               </a:ext>
             </a:extLst>
           </p:cNvPr>
@@ -41146,7 +41192,7 @@
           <p:cNvPr id="6" name="Rectangle 5">
             <a:extLst>
               <a:ext uri="{FF2B5EF4-FFF2-40B4-BE49-F238E27FC236}">
-                <a16:creationId xmlns="" xmlns:a16="http://schemas.microsoft.com/office/drawing/2014/main" id="{10268E1D-F129-4226-8736-758E36DE34CA}"/>
+                <a16:creationId xmlns:a16="http://schemas.microsoft.com/office/drawing/2014/main" id="{10268E1D-F129-4226-8736-758E36DE34CA}"/>
               </a:ext>
             </a:extLst>
           </p:cNvPr>
@@ -41408,7 +41454,7 @@
           <p:cNvPr id="5" name="Rectangle 4">
             <a:extLst>
               <a:ext uri="{FF2B5EF4-FFF2-40B4-BE49-F238E27FC236}">
-                <a16:creationId xmlns="" xmlns:a16="http://schemas.microsoft.com/office/drawing/2014/main" id="{958684FD-735A-4F11-9C81-33B6B22497B7}"/>
+                <a16:creationId xmlns:a16="http://schemas.microsoft.com/office/drawing/2014/main" id="{958684FD-735A-4F11-9C81-33B6B22497B7}"/>
               </a:ext>
             </a:extLst>
           </p:cNvPr>
@@ -41682,7 +41728,7 @@
           <p:cNvPr id="6" name="Rectangle 5">
             <a:extLst>
               <a:ext uri="{FF2B5EF4-FFF2-40B4-BE49-F238E27FC236}">
-                <a16:creationId xmlns="" xmlns:a16="http://schemas.microsoft.com/office/drawing/2014/main" id="{10268E1D-F129-4226-8736-758E36DE34CA}"/>
+                <a16:creationId xmlns:a16="http://schemas.microsoft.com/office/drawing/2014/main" id="{10268E1D-F129-4226-8736-758E36DE34CA}"/>
               </a:ext>
             </a:extLst>
           </p:cNvPr>
@@ -41836,7 +41882,7 @@
           <p:cNvPr id="7" name="Rectangle 6">
             <a:extLst>
               <a:ext uri="{FF2B5EF4-FFF2-40B4-BE49-F238E27FC236}">
-                <a16:creationId xmlns="" xmlns:a16="http://schemas.microsoft.com/office/drawing/2014/main" id="{1E0686E7-50F3-4D8E-866D-BA8A3B19FDE5}"/>
+                <a16:creationId xmlns:a16="http://schemas.microsoft.com/office/drawing/2014/main" id="{1E0686E7-50F3-4D8E-866D-BA8A3B19FDE5}"/>
               </a:ext>
             </a:extLst>
           </p:cNvPr>
@@ -42062,7 +42108,7 @@
           <p:cNvPr id="5" name="Table 4">
             <a:extLst>
               <a:ext uri="{FF2B5EF4-FFF2-40B4-BE49-F238E27FC236}">
-                <a16:creationId xmlns="" xmlns:a16="http://schemas.microsoft.com/office/drawing/2014/main" id="{301B9EA2-C897-49A8-881B-9ED9D00A5392}"/>
+                <a16:creationId xmlns:a16="http://schemas.microsoft.com/office/drawing/2014/main" id="{301B9EA2-C897-49A8-881B-9ED9D00A5392}"/>
               </a:ext>
             </a:extLst>
           </p:cNvPr>
@@ -42085,14 +42131,14 @@
                 <a:gridCol w="1806127">
                   <a:extLst>
                     <a:ext uri="{9D8B030D-6E8A-4147-A177-3AD203B41FA5}">
-                      <a16:colId xmlns="" xmlns:a16="http://schemas.microsoft.com/office/drawing/2014/main" val="3165408696"/>
+                      <a16:colId xmlns:a16="http://schemas.microsoft.com/office/drawing/2014/main" val="3165408696"/>
                     </a:ext>
                   </a:extLst>
                 </a:gridCol>
                 <a:gridCol w="5736797">
                   <a:extLst>
                     <a:ext uri="{9D8B030D-6E8A-4147-A177-3AD203B41FA5}">
-                      <a16:colId xmlns="" xmlns:a16="http://schemas.microsoft.com/office/drawing/2014/main" val="3639907538"/>
+                      <a16:colId xmlns:a16="http://schemas.microsoft.com/office/drawing/2014/main" val="3639907538"/>
                     </a:ext>
                   </a:extLst>
                 </a:gridCol>
@@ -42190,7 +42236,7 @@
                 </a:tc>
                 <a:extLst>
                   <a:ext uri="{0D108BD9-81ED-4DB2-BD59-A6C34878D82A}">
-                    <a16:rowId xmlns="" xmlns:a16="http://schemas.microsoft.com/office/drawing/2014/main" val="713304435"/>
+                    <a16:rowId xmlns:a16="http://schemas.microsoft.com/office/drawing/2014/main" val="713304435"/>
                   </a:ext>
                 </a:extLst>
               </a:tr>
@@ -42261,7 +42307,7 @@
                 </a:tc>
                 <a:extLst>
                   <a:ext uri="{0D108BD9-81ED-4DB2-BD59-A6C34878D82A}">
-                    <a16:rowId xmlns="" xmlns:a16="http://schemas.microsoft.com/office/drawing/2014/main" val="1435377916"/>
+                    <a16:rowId xmlns:a16="http://schemas.microsoft.com/office/drawing/2014/main" val="1435377916"/>
                   </a:ext>
                 </a:extLst>
               </a:tr>
@@ -42332,7 +42378,7 @@
                 </a:tc>
                 <a:extLst>
                   <a:ext uri="{0D108BD9-81ED-4DB2-BD59-A6C34878D82A}">
-                    <a16:rowId xmlns="" xmlns:a16="http://schemas.microsoft.com/office/drawing/2014/main" val="1246313035"/>
+                    <a16:rowId xmlns:a16="http://schemas.microsoft.com/office/drawing/2014/main" val="1246313035"/>
                   </a:ext>
                 </a:extLst>
               </a:tr>
@@ -42403,7 +42449,7 @@
                 </a:tc>
                 <a:extLst>
                   <a:ext uri="{0D108BD9-81ED-4DB2-BD59-A6C34878D82A}">
-                    <a16:rowId xmlns="" xmlns:a16="http://schemas.microsoft.com/office/drawing/2014/main" val="378724447"/>
+                    <a16:rowId xmlns:a16="http://schemas.microsoft.com/office/drawing/2014/main" val="378724447"/>
                   </a:ext>
                 </a:extLst>
               </a:tr>
@@ -42474,7 +42520,7 @@
                 </a:tc>
                 <a:extLst>
                   <a:ext uri="{0D108BD9-81ED-4DB2-BD59-A6C34878D82A}">
-                    <a16:rowId xmlns="" xmlns:a16="http://schemas.microsoft.com/office/drawing/2014/main" val="3641628798"/>
+                    <a16:rowId xmlns:a16="http://schemas.microsoft.com/office/drawing/2014/main" val="3641628798"/>
                   </a:ext>
                 </a:extLst>
               </a:tr>
@@ -42545,7 +42591,7 @@
                 </a:tc>
                 <a:extLst>
                   <a:ext uri="{0D108BD9-81ED-4DB2-BD59-A6C34878D82A}">
-                    <a16:rowId xmlns="" xmlns:a16="http://schemas.microsoft.com/office/drawing/2014/main" val="1923001784"/>
+                    <a16:rowId xmlns:a16="http://schemas.microsoft.com/office/drawing/2014/main" val="1923001784"/>
                   </a:ext>
                 </a:extLst>
               </a:tr>
@@ -42622,7 +42668,7 @@
                 </a:tc>
                 <a:extLst>
                   <a:ext uri="{0D108BD9-81ED-4DB2-BD59-A6C34878D82A}">
-                    <a16:rowId xmlns="" xmlns:a16="http://schemas.microsoft.com/office/drawing/2014/main" val="3443961270"/>
+                    <a16:rowId xmlns:a16="http://schemas.microsoft.com/office/drawing/2014/main" val="3443961270"/>
                   </a:ext>
                 </a:extLst>
               </a:tr>
@@ -42699,7 +42745,7 @@
                 </a:tc>
                 <a:extLst>
                   <a:ext uri="{0D108BD9-81ED-4DB2-BD59-A6C34878D82A}">
-                    <a16:rowId xmlns="" xmlns:a16="http://schemas.microsoft.com/office/drawing/2014/main" val="346700138"/>
+                    <a16:rowId xmlns:a16="http://schemas.microsoft.com/office/drawing/2014/main" val="346700138"/>
                   </a:ext>
                 </a:extLst>
               </a:tr>
@@ -42776,7 +42822,7 @@
                 </a:tc>
                 <a:extLst>
                   <a:ext uri="{0D108BD9-81ED-4DB2-BD59-A6C34878D82A}">
-                    <a16:rowId xmlns="" xmlns:a16="http://schemas.microsoft.com/office/drawing/2014/main" val="3888884970"/>
+                    <a16:rowId xmlns:a16="http://schemas.microsoft.com/office/drawing/2014/main" val="3888884970"/>
                   </a:ext>
                 </a:extLst>
               </a:tr>
@@ -42911,7 +42957,7 @@
           <p:cNvPr id="3" name="Title 2">
             <a:extLst>
               <a:ext uri="{FF2B5EF4-FFF2-40B4-BE49-F238E27FC236}">
-                <a16:creationId xmlns="" xmlns:a16="http://schemas.microsoft.com/office/drawing/2014/main" id="{BA178A0E-5BB8-4B7F-861F-A649E7FD75F1}"/>
+                <a16:creationId xmlns:a16="http://schemas.microsoft.com/office/drawing/2014/main" id="{BA178A0E-5BB8-4B7F-861F-A649E7FD75F1}"/>
               </a:ext>
             </a:extLst>
           </p:cNvPr>
@@ -43280,7 +43326,7 @@
           <p:cNvPr id="4" name="Title 3">
             <a:extLst>
               <a:ext uri="{FF2B5EF4-FFF2-40B4-BE49-F238E27FC236}">
-                <a16:creationId xmlns="" xmlns:a16="http://schemas.microsoft.com/office/drawing/2014/main" id="{C245D6B9-096C-4B0C-A816-4ECEBB04A520}"/>
+                <a16:creationId xmlns:a16="http://schemas.microsoft.com/office/drawing/2014/main" id="{C245D6B9-096C-4B0C-A816-4ECEBB04A520}"/>
               </a:ext>
             </a:extLst>
           </p:cNvPr>
@@ -47753,21 +47799,6 @@
 </file>
 
 <file path=customXml/item1.xml><?xml version="1.0" encoding="utf-8"?>
-<?mso-contentType ?>
-<FormTemplates xmlns="http://schemas.microsoft.com/sharepoint/v3/contenttype/forms">
-  <Display>DocumentLibraryForm</Display>
-  <Edit>DocumentLibraryForm</Edit>
-  <New>DocumentLibraryForm</New>
-</FormTemplates>
-</file>
-
-<file path=customXml/item2.xml><?xml version="1.0" encoding="utf-8"?>
-<p:properties xmlns:p="http://schemas.microsoft.com/office/2006/metadata/properties" xmlns:xsi="http://www.w3.org/2001/XMLSchema-instance">
-  <documentManagement/>
-</p:properties>
-</file>
-
-<file path=customXml/item3.xml><?xml version="1.0" encoding="utf-8"?>
 <ct:contentTypeSchema xmlns:ct="http://schemas.microsoft.com/office/2006/metadata/contentType" xmlns:ma="http://schemas.microsoft.com/office/2006/metadata/properties/metaAttributes" ct:_="" ma:_="" ma:contentTypeName="Document" ma:contentTypeID="0x010100606A1258361F104792B87D967037D439" ma:contentTypeVersion="0" ma:contentTypeDescription="Create a new document." ma:contentTypeScope="" ma:versionID="72d9905301751e4347c9ddc8332f4b8d">
   <xsd:schema xmlns:xsd="http://www.w3.org/2001/XMLSchema" xmlns:p="http://schemas.microsoft.com/office/2006/metadata/properties" targetNamespace="http://schemas.microsoft.com/office/2006/metadata/properties" ma:root="true" ma:fieldsID="4aeb20c0e3442673af7ee10786458764">
     <xsd:element name="properties">
@@ -47816,29 +47847,22 @@
 </ct:contentTypeSchema>
 </file>
 
-<file path=customXml/itemProps1.xml><?xml version="1.0" encoding="utf-8"?>
-<ds:datastoreItem xmlns:ds="http://schemas.openxmlformats.org/officeDocument/2006/customXml" ds:itemID="{A8AED1B3-2F45-4762-91FA-ED08F295B52E}">
-  <ds:schemaRefs>
-    <ds:schemaRef ds:uri="http://schemas.microsoft.com/sharepoint/v3/contenttype/forms"/>
-  </ds:schemaRefs>
-</ds:datastoreItem>
+<file path=customXml/item2.xml><?xml version="1.0" encoding="utf-8"?>
+<?mso-contentType ?>
+<FormTemplates xmlns="http://schemas.microsoft.com/sharepoint/v3/contenttype/forms">
+  <Display>DocumentLibraryForm</Display>
+  <Edit>DocumentLibraryForm</Edit>
+  <New>DocumentLibraryForm</New>
+</FormTemplates>
 </file>
 
-<file path=customXml/itemProps2.xml><?xml version="1.0" encoding="utf-8"?>
-<ds:datastoreItem xmlns:ds="http://schemas.openxmlformats.org/officeDocument/2006/customXml" ds:itemID="{50BC6695-9009-4E8C-96D7-2BD9B437109A}">
-  <ds:schemaRefs>
-    <ds:schemaRef ds:uri="http://purl.org/dc/terms/"/>
-    <ds:schemaRef ds:uri="http://schemas.openxmlformats.org/package/2006/metadata/core-properties"/>
-    <ds:schemaRef ds:uri="http://schemas.microsoft.com/office/2006/documentManagement/types"/>
-    <ds:schemaRef ds:uri="http://purl.org/dc/elements/1.1/"/>
-    <ds:schemaRef ds:uri="http://schemas.microsoft.com/office/2006/metadata/properties"/>
-    <ds:schemaRef ds:uri="http://www.w3.org/XML/1998/namespace"/>
-    <ds:schemaRef ds:uri="http://purl.org/dc/dcmitype/"/>
-  </ds:schemaRefs>
-</ds:datastoreItem>
+<file path=customXml/item3.xml><?xml version="1.0" encoding="utf-8"?>
+<p:properties xmlns:p="http://schemas.microsoft.com/office/2006/metadata/properties" xmlns:xsi="http://www.w3.org/2001/XMLSchema-instance">
+  <documentManagement/>
+</p:properties>
 </file>
 
-<file path=customXml/itemProps3.xml><?xml version="1.0" encoding="utf-8"?>
+<file path=customXml/itemProps1.xml><?xml version="1.0" encoding="utf-8"?>
 <ds:datastoreItem xmlns:ds="http://schemas.openxmlformats.org/officeDocument/2006/customXml" ds:itemID="{F223B4EA-C447-40BA-B202-65C188424725}">
   <ds:schemaRefs>
     <ds:schemaRef ds:uri="http://schemas.microsoft.com/office/2006/metadata/contentType"/>
@@ -47851,4 +47875,26 @@
     <ds:schemaRef ds:uri="http://schemas.microsoft.com/office/internal/2005/internalDocumentation"/>
   </ds:schemaRefs>
 </ds:datastoreItem>
+</file>
+
+<file path=customXml/itemProps2.xml><?xml version="1.0" encoding="utf-8"?>
+<ds:datastoreItem xmlns:ds="http://schemas.openxmlformats.org/officeDocument/2006/customXml" ds:itemID="{A8AED1B3-2F45-4762-91FA-ED08F295B52E}">
+  <ds:schemaRefs>
+    <ds:schemaRef ds:uri="http://schemas.microsoft.com/sharepoint/v3/contenttype/forms"/>
+  </ds:schemaRefs>
+</ds:datastoreItem>
+</file>
+
+<file path=customXml/itemProps3.xml><?xml version="1.0" encoding="utf-8"?>
+<ds:datastoreItem xmlns:ds="http://schemas.openxmlformats.org/officeDocument/2006/customXml" ds:itemID="{50BC6695-9009-4E8C-96D7-2BD9B437109A}">
+  <ds:schemaRefs>
+    <ds:schemaRef ds:uri="http://purl.org/dc/terms/"/>
+    <ds:schemaRef ds:uri="http://schemas.openxmlformats.org/package/2006/metadata/core-properties"/>
+    <ds:schemaRef ds:uri="http://schemas.microsoft.com/office/2006/documentManagement/types"/>
+    <ds:schemaRef ds:uri="http://purl.org/dc/elements/1.1/"/>
+    <ds:schemaRef ds:uri="http://schemas.microsoft.com/office/2006/metadata/properties"/>
+    <ds:schemaRef ds:uri="http://www.w3.org/XML/1998/namespace"/>
+    <ds:schemaRef ds:uri="http://purl.org/dc/dcmitype/"/>
+  </ds:schemaRefs>
+</ds:datastoreItem>
 </file>